--- a/20230427 CBE Student Colloquium.pptx
+++ b/20230427 CBE Student Colloquium.pptx
@@ -5,17 +5,18 @@
     <p:sldMasterId id="2147483648" r:id="rId1"/>
   </p:sldMasterIdLst>
   <p:notesMasterIdLst>
-    <p:notesMasterId r:id="rId10"/>
+    <p:notesMasterId r:id="rId11"/>
   </p:notesMasterIdLst>
   <p:sldIdLst>
     <p:sldId id="256" r:id="rId2"/>
     <p:sldId id="257" r:id="rId3"/>
     <p:sldId id="258" r:id="rId4"/>
-    <p:sldId id="259" r:id="rId5"/>
-    <p:sldId id="263" r:id="rId6"/>
-    <p:sldId id="262" r:id="rId7"/>
-    <p:sldId id="260" r:id="rId8"/>
-    <p:sldId id="261" r:id="rId9"/>
+    <p:sldId id="264" r:id="rId5"/>
+    <p:sldId id="259" r:id="rId6"/>
+    <p:sldId id="263" r:id="rId7"/>
+    <p:sldId id="262" r:id="rId8"/>
+    <p:sldId id="260" r:id="rId9"/>
+    <p:sldId id="261" r:id="rId10"/>
   </p:sldIdLst>
   <p:sldSz cx="12192000" cy="6858000"/>
   <p:notesSz cx="6858000" cy="9144000"/>
@@ -204,7 +205,7 @@
           <a:p>
             <a:fld id="{4299902A-6DB3-4A13-9B91-BEABFDA2FC16}" type="datetimeFigureOut">
               <a:rPr lang="en-US" smtClean="0"/>
-              <a:t>4/6/2023</a:t>
+              <a:t>4/23/2023</a:t>
             </a:fld>
             <a:endParaRPr lang="en-US"/>
           </a:p>
@@ -4578,8 +4579,8 @@
         </p:nvSpPr>
         <p:spPr>
           <a:xfrm>
-            <a:off x="838200" y="1550708"/>
-            <a:ext cx="4724400" cy="2192618"/>
+            <a:off x="838199" y="1185333"/>
+            <a:ext cx="5731933" cy="4656667"/>
           </a:xfrm>
           <a:prstGeom prst="rect">
             <a:avLst/>
@@ -4607,20 +4608,7 @@
           <a:p>
             <a:r>
               <a:rPr lang="en-US" dirty="0"/>
-              <a:t>2D Gaussian chain derivation:</a:t>
-            </a:r>
-          </a:p>
-          <a:p>
-            <a:endParaRPr lang="en-US" dirty="0"/>
-          </a:p>
-          <a:p>
-            <a:pPr marL="342900" indent="-342900">
-              <a:buFont typeface="+mj-lt"/>
-              <a:buAutoNum type="arabicPeriod"/>
-            </a:pPr>
-            <a:r>
-              <a:rPr lang="en-US" dirty="0"/>
-              <a:t>Lattice</a:t>
+              <a:t>1D Gaussian chain </a:t>
             </a:r>
           </a:p>
           <a:p>
@@ -4630,7 +4618,7 @@
             </a:pPr>
             <a:r>
               <a:rPr lang="en-US" dirty="0"/>
-              <a:t>“Sticks” = grouped chemical monomers</a:t>
+              <a:t>Total possibilities (counting)</a:t>
             </a:r>
           </a:p>
           <a:p>
@@ -4640,7 +4628,7 @@
             </a:pPr>
             <a:r>
               <a:rPr lang="en-US" dirty="0"/>
-              <a:t>Effect of connectivity on physics</a:t>
+              <a:t>Probability</a:t>
             </a:r>
           </a:p>
           <a:p>
@@ -4650,7 +4638,88 @@
             </a:pPr>
             <a:r>
               <a:rPr lang="en-US" dirty="0"/>
-              <a:t>Math (how much?)</a:t>
+              <a:t>Sterling’s approximation</a:t>
+            </a:r>
+          </a:p>
+          <a:p>
+            <a:endParaRPr lang="en-US" dirty="0"/>
+          </a:p>
+          <a:p>
+            <a:r>
+              <a:rPr lang="en-US" dirty="0"/>
+              <a:t>3D probability</a:t>
+            </a:r>
+          </a:p>
+          <a:p>
+            <a:pPr marL="342900" indent="-342900">
+              <a:buFont typeface="+mj-lt"/>
+              <a:buAutoNum type="arabicPeriod"/>
+            </a:pPr>
+            <a:r>
+              <a:rPr lang="en-US" dirty="0"/>
+              <a:t>3 independent random walks</a:t>
+            </a:r>
+          </a:p>
+          <a:p>
+            <a:endParaRPr lang="en-US" dirty="0"/>
+          </a:p>
+          <a:p>
+            <a:r>
+              <a:rPr lang="en-US" dirty="0"/>
+              <a:t>Free energy</a:t>
+            </a:r>
+          </a:p>
+          <a:p>
+            <a:pPr marL="342900" indent="-342900">
+              <a:buFont typeface="+mj-lt"/>
+              <a:buAutoNum type="arabicPeriod"/>
+            </a:pPr>
+            <a:r>
+              <a:rPr lang="en-US" dirty="0"/>
+              <a:t>Boltzmann equation</a:t>
+            </a:r>
+          </a:p>
+          <a:p>
+            <a:pPr marL="342900" indent="-342900">
+              <a:buFont typeface="+mj-lt"/>
+              <a:buAutoNum type="arabicPeriod"/>
+            </a:pPr>
+            <a:r>
+              <a:rPr lang="en-US" dirty="0"/>
+              <a:t>Probability  = f(microstates)</a:t>
+            </a:r>
+          </a:p>
+          <a:p>
+            <a:pPr marL="342900" indent="-342900">
+              <a:buFont typeface="+mj-lt"/>
+              <a:buAutoNum type="arabicPeriod"/>
+            </a:pPr>
+            <a:r>
+              <a:rPr lang="en-US" dirty="0"/>
+              <a:t>Helmholtz free E</a:t>
+            </a:r>
+          </a:p>
+          <a:p>
+            <a:pPr marL="342900" indent="-342900">
+              <a:buFont typeface="+mj-lt"/>
+              <a:buAutoNum type="arabicPeriod"/>
+            </a:pPr>
+            <a:endParaRPr lang="en-US" dirty="0"/>
+          </a:p>
+          <a:p>
+            <a:r>
+              <a:rPr lang="en-US" dirty="0"/>
+              <a:t>Extension: Hooke’s law</a:t>
+            </a:r>
+          </a:p>
+          <a:p>
+            <a:pPr marL="342900" indent="-342900">
+              <a:buFont typeface="+mj-lt"/>
+              <a:buAutoNum type="arabicPeriod"/>
+            </a:pPr>
+            <a:r>
+              <a:rPr lang="en-US" dirty="0"/>
+              <a:t>If ends are fixed, polymer is like a spring with entropic spring constant k = 3kT/Nb^2</a:t>
             </a:r>
           </a:p>
         </p:txBody>
@@ -4670,7 +4739,7 @@
         <p:spPr>
           <a:xfrm>
             <a:off x="2628899" y="6105525"/>
-            <a:ext cx="7286625" cy="369332"/>
+            <a:ext cx="7286625" cy="646331"/>
           </a:xfrm>
           <a:prstGeom prst="rect">
             <a:avLst/>
@@ -4685,7 +4754,7 @@
           <a:p>
             <a:r>
               <a:rPr lang="en-US" dirty="0"/>
-              <a:t>A highly simplified model can _____</a:t>
+              <a:t>A highly simplified model can still provide understanding for a complex system. But is it enough to translate to the real world?</a:t>
             </a:r>
           </a:p>
         </p:txBody>
@@ -4704,6 +4773,2653 @@
 </file>
 
 <file path=ppt/slides/slide4.xml><?xml version="1.0" encoding="utf-8"?>
+<p:sld xmlns:a="http://schemas.openxmlformats.org/drawingml/2006/main" xmlns:r="http://schemas.openxmlformats.org/officeDocument/2006/relationships" xmlns:p="http://schemas.openxmlformats.org/presentationml/2006/main">
+  <p:cSld>
+    <p:spTree>
+      <p:nvGrpSpPr>
+        <p:cNvPr id="1" name=""/>
+        <p:cNvGrpSpPr/>
+        <p:nvPr/>
+      </p:nvGrpSpPr>
+      <p:grpSpPr>
+        <a:xfrm>
+          <a:off x="0" y="0"/>
+          <a:ext cx="0" cy="0"/>
+          <a:chOff x="0" y="0"/>
+          <a:chExt cx="0" cy="0"/>
+        </a:xfrm>
+      </p:grpSpPr>
+      <p:sp>
+        <p:nvSpPr>
+          <p:cNvPr id="2" name="Title 1">
+            <a:extLst>
+              <a:ext uri="{FF2B5EF4-FFF2-40B4-BE49-F238E27FC236}">
+                <a16:creationId xmlns:a16="http://schemas.microsoft.com/office/drawing/2014/main" id="{73A7ABDA-806C-DFED-5758-02D4C3ABA5A5}"/>
+              </a:ext>
+            </a:extLst>
+          </p:cNvPr>
+          <p:cNvSpPr>
+            <a:spLocks noGrp="1"/>
+          </p:cNvSpPr>
+          <p:nvPr>
+            <p:ph type="title"/>
+          </p:nvPr>
+        </p:nvSpPr>
+        <p:spPr/>
+        <p:txBody>
+          <a:bodyPr/>
+          <a:lstStyle/>
+          <a:p>
+            <a:r>
+              <a:rPr lang="en-US" dirty="0"/>
+              <a:t>The (beautiful?) math of polymers</a:t>
+            </a:r>
+          </a:p>
+        </p:txBody>
+      </p:sp>
+      <p:sp>
+        <p:nvSpPr>
+          <p:cNvPr id="3" name="Slide Number Placeholder 2">
+            <a:extLst>
+              <a:ext uri="{FF2B5EF4-FFF2-40B4-BE49-F238E27FC236}">
+                <a16:creationId xmlns:a16="http://schemas.microsoft.com/office/drawing/2014/main" id="{828881CF-DA80-2536-4DDC-737D40B3E642}"/>
+              </a:ext>
+            </a:extLst>
+          </p:cNvPr>
+          <p:cNvSpPr>
+            <a:spLocks noGrp="1"/>
+          </p:cNvSpPr>
+          <p:nvPr>
+            <p:ph type="sldNum" sz="quarter" idx="12"/>
+          </p:nvPr>
+        </p:nvSpPr>
+        <p:spPr/>
+        <p:txBody>
+          <a:bodyPr/>
+          <a:lstStyle/>
+          <a:p>
+            <a:fld id="{5911C0E6-D9CE-431C-92CB-BB39B872F930}" type="slidenum">
+              <a:rPr lang="en-US" smtClean="0"/>
+              <a:t>4</a:t>
+            </a:fld>
+            <a:endParaRPr lang="en-US"/>
+          </a:p>
+        </p:txBody>
+      </p:sp>
+      <mc:AlternateContent xmlns:mc="http://schemas.openxmlformats.org/markup-compatibility/2006">
+        <mc:Choice xmlns:a14="http://schemas.microsoft.com/office/drawing/2010/main" Requires="a14">
+          <p:sp>
+            <p:nvSpPr>
+              <p:cNvPr id="4" name="TextBox 3">
+                <a:extLst>
+                  <a:ext uri="{FF2B5EF4-FFF2-40B4-BE49-F238E27FC236}">
+                    <a16:creationId xmlns:a16="http://schemas.microsoft.com/office/drawing/2014/main" id="{F0665C3A-A67C-3A30-6B76-FDF313F5F5A9}"/>
+                  </a:ext>
+                </a:extLst>
+              </p:cNvPr>
+              <p:cNvSpPr txBox="1"/>
+              <p:nvPr/>
+            </p:nvSpPr>
+            <p:spPr>
+              <a:xfrm>
+                <a:off x="186266" y="1002188"/>
+                <a:ext cx="12005734" cy="1434367"/>
+              </a:xfrm>
+              <a:prstGeom prst="rect">
+                <a:avLst/>
+              </a:prstGeom>
+              <a:noFill/>
+            </p:spPr>
+            <p:txBody>
+              <a:bodyPr wrap="square" rtlCol="0">
+                <a:spAutoFit/>
+              </a:bodyPr>
+              <a:lstStyle/>
+              <a:p>
+                <a:pPr>
+                  <a:lnSpc>
+                    <a:spcPct val="150000"/>
+                  </a:lnSpc>
+                </a:pPr>
+                <a:r>
+                  <a:rPr lang="en-US" sz="2400" dirty="0"/>
+                  <a:t>1D random walk: </a:t>
+                </a:r>
+              </a:p>
+              <a:p>
+                <a:pPr marL="285750" indent="-285750">
+                  <a:lnSpc>
+                    <a:spcPct val="150000"/>
+                  </a:lnSpc>
+                  <a:buFont typeface="Arial" panose="020B0604020202020204" pitchFamily="34" charset="0"/>
+                  <a:buChar char="•"/>
+                </a:pPr>
+                <a:r>
+                  <a:rPr lang="en-US" dirty="0"/>
+                  <a:t>Monomers </a:t>
+                </a:r>
+                <a:r>
+                  <a:rPr lang="en-US" u="sng" dirty="0"/>
+                  <a:t>don’t interact</a:t>
+                </a:r>
+                <a:r>
+                  <a:rPr lang="en-US" dirty="0"/>
+                  <a:t> and randomly take </a:t>
+                </a:r>
+                <a14:m>
+                  <m:oMath xmlns:m="http://schemas.openxmlformats.org/officeDocument/2006/math">
+                    <m:sSub>
+                      <m:sSubPr>
+                        <m:ctrlPr>
+                          <a:rPr lang="en-US" b="0" i="1" dirty="0" smtClean="0">
+                            <a:latin typeface="Cambria Math" panose="02040503050406030204" pitchFamily="18" charset="0"/>
+                          </a:rPr>
+                        </m:ctrlPr>
+                      </m:sSubPr>
+                      <m:e>
+                        <m:r>
+                          <a:rPr lang="en-US" b="0" i="1" dirty="0" smtClean="0">
+                            <a:latin typeface="Cambria Math" panose="02040503050406030204" pitchFamily="18" charset="0"/>
+                          </a:rPr>
+                          <m:t>𝑁</m:t>
+                        </m:r>
+                      </m:e>
+                      <m:sub>
+                        <m:r>
+                          <a:rPr lang="en-US" b="0" i="1" dirty="0" smtClean="0">
+                            <a:latin typeface="Cambria Math" panose="02040503050406030204" pitchFamily="18" charset="0"/>
+                          </a:rPr>
+                          <m:t>+</m:t>
+                        </m:r>
+                      </m:sub>
+                    </m:sSub>
+                  </m:oMath>
+                </a14:m>
+                <a:r>
+                  <a:rPr lang="en-US" dirty="0"/>
+                  <a:t> right steps and </a:t>
+                </a:r>
+                <a14:m>
+                  <m:oMath xmlns:m="http://schemas.openxmlformats.org/officeDocument/2006/math">
+                    <m:sSub>
+                      <m:sSubPr>
+                        <m:ctrlPr>
+                          <a:rPr lang="en-US" b="0" i="1" dirty="0" smtClean="0">
+                            <a:latin typeface="Cambria Math" panose="02040503050406030204" pitchFamily="18" charset="0"/>
+                          </a:rPr>
+                        </m:ctrlPr>
+                      </m:sSubPr>
+                      <m:e>
+                        <m:r>
+                          <a:rPr lang="en-US" b="0" i="1" dirty="0" smtClean="0">
+                            <a:latin typeface="Cambria Math" panose="02040503050406030204" pitchFamily="18" charset="0"/>
+                          </a:rPr>
+                          <m:t>𝑁</m:t>
+                        </m:r>
+                      </m:e>
+                      <m:sub>
+                        <m:r>
+                          <a:rPr lang="en-US" b="0" i="1" dirty="0" smtClean="0">
+                            <a:latin typeface="Cambria Math" panose="02040503050406030204" pitchFamily="18" charset="0"/>
+                          </a:rPr>
+                          <m:t>−</m:t>
+                        </m:r>
+                      </m:sub>
+                    </m:sSub>
+                  </m:oMath>
+                </a14:m>
+                <a:r>
+                  <a:rPr lang="en-US" dirty="0"/>
+                  <a:t> left steps for a total of </a:t>
+                </a:r>
+                <a14:m>
+                  <m:oMath xmlns:m="http://schemas.openxmlformats.org/officeDocument/2006/math">
+                    <m:r>
+                      <a:rPr lang="en-US" b="0" i="1" smtClean="0">
+                        <a:latin typeface="Cambria Math" panose="02040503050406030204" pitchFamily="18" charset="0"/>
+                      </a:rPr>
+                      <m:t>𝑁</m:t>
+                    </m:r>
+                    <m:r>
+                      <a:rPr lang="en-US" b="0" i="1" smtClean="0">
+                        <a:latin typeface="Cambria Math" panose="02040503050406030204" pitchFamily="18" charset="0"/>
+                      </a:rPr>
+                      <m:t>=</m:t>
+                    </m:r>
+                    <m:sSub>
+                      <m:sSubPr>
+                        <m:ctrlPr>
+                          <a:rPr lang="en-US" b="0" i="1" smtClean="0">
+                            <a:latin typeface="Cambria Math" panose="02040503050406030204" pitchFamily="18" charset="0"/>
+                          </a:rPr>
+                        </m:ctrlPr>
+                      </m:sSubPr>
+                      <m:e>
+                        <m:r>
+                          <a:rPr lang="en-US" b="0" i="1" smtClean="0">
+                            <a:latin typeface="Cambria Math" panose="02040503050406030204" pitchFamily="18" charset="0"/>
+                          </a:rPr>
+                          <m:t>𝑁</m:t>
+                        </m:r>
+                      </m:e>
+                      <m:sub>
+                        <m:r>
+                          <a:rPr lang="en-US" b="0" i="1" smtClean="0">
+                            <a:latin typeface="Cambria Math" panose="02040503050406030204" pitchFamily="18" charset="0"/>
+                          </a:rPr>
+                          <m:t>+</m:t>
+                        </m:r>
+                      </m:sub>
+                    </m:sSub>
+                    <m:r>
+                      <a:rPr lang="en-US" b="0" i="1" smtClean="0">
+                        <a:latin typeface="Cambria Math" panose="02040503050406030204" pitchFamily="18" charset="0"/>
+                      </a:rPr>
+                      <m:t>+</m:t>
+                    </m:r>
+                    <m:sSub>
+                      <m:sSubPr>
+                        <m:ctrlPr>
+                          <a:rPr lang="en-US" b="0" i="1" smtClean="0">
+                            <a:latin typeface="Cambria Math" panose="02040503050406030204" pitchFamily="18" charset="0"/>
+                          </a:rPr>
+                        </m:ctrlPr>
+                      </m:sSubPr>
+                      <m:e>
+                        <m:r>
+                          <a:rPr lang="en-US" b="0" i="1" smtClean="0">
+                            <a:latin typeface="Cambria Math" panose="02040503050406030204" pitchFamily="18" charset="0"/>
+                          </a:rPr>
+                          <m:t>𝑁</m:t>
+                        </m:r>
+                      </m:e>
+                      <m:sub>
+                        <m:r>
+                          <a:rPr lang="en-US" b="0" i="1" smtClean="0">
+                            <a:latin typeface="Cambria Math" panose="02040503050406030204" pitchFamily="18" charset="0"/>
+                          </a:rPr>
+                          <m:t>−</m:t>
+                        </m:r>
+                      </m:sub>
+                    </m:sSub>
+                  </m:oMath>
+                </a14:m>
+                <a:r>
+                  <a:rPr lang="en-US" dirty="0"/>
+                  <a:t> steps and final distance of </a:t>
+                </a:r>
+                <a14:m>
+                  <m:oMath xmlns:m="http://schemas.openxmlformats.org/officeDocument/2006/math">
+                    <m:r>
+                      <a:rPr lang="en-US" b="0" i="1" smtClean="0">
+                        <a:latin typeface="Cambria Math" panose="02040503050406030204" pitchFamily="18" charset="0"/>
+                      </a:rPr>
+                      <m:t>𝑅</m:t>
+                    </m:r>
+                    <m:r>
+                      <a:rPr lang="en-US" b="0" i="1" smtClean="0">
+                        <a:latin typeface="Cambria Math" panose="02040503050406030204" pitchFamily="18" charset="0"/>
+                      </a:rPr>
+                      <m:t>=</m:t>
+                    </m:r>
+                    <m:sSub>
+                      <m:sSubPr>
+                        <m:ctrlPr>
+                          <a:rPr lang="en-US" b="0" i="1" smtClean="0">
+                            <a:latin typeface="Cambria Math" panose="02040503050406030204" pitchFamily="18" charset="0"/>
+                          </a:rPr>
+                        </m:ctrlPr>
+                      </m:sSubPr>
+                      <m:e>
+                        <m:r>
+                          <a:rPr lang="en-US" b="0" i="1" smtClean="0">
+                            <a:latin typeface="Cambria Math" panose="02040503050406030204" pitchFamily="18" charset="0"/>
+                          </a:rPr>
+                          <m:t>𝑁</m:t>
+                        </m:r>
+                      </m:e>
+                      <m:sub>
+                        <m:r>
+                          <a:rPr lang="en-US" b="0" i="1" smtClean="0">
+                            <a:latin typeface="Cambria Math" panose="02040503050406030204" pitchFamily="18" charset="0"/>
+                          </a:rPr>
+                          <m:t>+</m:t>
+                        </m:r>
+                      </m:sub>
+                    </m:sSub>
+                    <m:r>
+                      <a:rPr lang="en-US" b="0" i="1" smtClean="0">
+                        <a:latin typeface="Cambria Math" panose="02040503050406030204" pitchFamily="18" charset="0"/>
+                      </a:rPr>
+                      <m:t>−</m:t>
+                    </m:r>
+                    <m:sSub>
+                      <m:sSubPr>
+                        <m:ctrlPr>
+                          <a:rPr lang="en-US" b="0" i="1" smtClean="0">
+                            <a:latin typeface="Cambria Math" panose="02040503050406030204" pitchFamily="18" charset="0"/>
+                          </a:rPr>
+                        </m:ctrlPr>
+                      </m:sSubPr>
+                      <m:e>
+                        <m:r>
+                          <a:rPr lang="en-US" b="0" i="1" smtClean="0">
+                            <a:latin typeface="Cambria Math" panose="02040503050406030204" pitchFamily="18" charset="0"/>
+                          </a:rPr>
+                          <m:t>𝑁</m:t>
+                        </m:r>
+                      </m:e>
+                      <m:sub>
+                        <m:r>
+                          <a:rPr lang="en-US" b="0" i="1" smtClean="0">
+                            <a:latin typeface="Cambria Math" panose="02040503050406030204" pitchFamily="18" charset="0"/>
+                          </a:rPr>
+                          <m:t>−</m:t>
+                        </m:r>
+                      </m:sub>
+                    </m:sSub>
+                  </m:oMath>
+                </a14:m>
+                <a:endParaRPr lang="en-US" dirty="0"/>
+              </a:p>
+            </p:txBody>
+          </p:sp>
+        </mc:Choice>
+        <mc:Fallback>
+          <p:sp>
+            <p:nvSpPr>
+              <p:cNvPr id="4" name="TextBox 3">
+                <a:extLst>
+                  <a:ext uri="{FF2B5EF4-FFF2-40B4-BE49-F238E27FC236}">
+                    <a16:creationId xmlns:a16="http://schemas.microsoft.com/office/drawing/2014/main" id="{F0665C3A-A67C-3A30-6B76-FDF313F5F5A9}"/>
+                  </a:ext>
+                </a:extLst>
+              </p:cNvPr>
+              <p:cNvSpPr txBox="1">
+                <a:spLocks noRot="1" noChangeAspect="1" noMove="1" noResize="1" noEditPoints="1" noAdjustHandles="1" noChangeArrowheads="1" noChangeShapeType="1" noTextEdit="1"/>
+              </p:cNvSpPr>
+              <p:nvPr/>
+            </p:nvSpPr>
+            <p:spPr>
+              <a:xfrm>
+                <a:off x="186266" y="1002188"/>
+                <a:ext cx="12005734" cy="1434367"/>
+              </a:xfrm>
+              <a:prstGeom prst="rect">
+                <a:avLst/>
+              </a:prstGeom>
+              <a:blipFill>
+                <a:blip r:embed="rId2"/>
+                <a:stretch>
+                  <a:fillRect l="-813" b="-5508"/>
+                </a:stretch>
+              </a:blipFill>
+            </p:spPr>
+            <p:txBody>
+              <a:bodyPr/>
+              <a:lstStyle/>
+              <a:p>
+                <a:r>
+                  <a:rPr lang="en-US">
+                    <a:noFill/>
+                  </a:rPr>
+                  <a:t> </a:t>
+                </a:r>
+              </a:p>
+            </p:txBody>
+          </p:sp>
+        </mc:Fallback>
+      </mc:AlternateContent>
+      <p:grpSp>
+        <p:nvGrpSpPr>
+          <p:cNvPr id="31" name="Group 30">
+            <a:extLst>
+              <a:ext uri="{FF2B5EF4-FFF2-40B4-BE49-F238E27FC236}">
+                <a16:creationId xmlns:a16="http://schemas.microsoft.com/office/drawing/2014/main" id="{991938D2-B9FA-17B3-2C56-8BAB8FB336C9}"/>
+              </a:ext>
+            </a:extLst>
+          </p:cNvPr>
+          <p:cNvGrpSpPr/>
+          <p:nvPr/>
+        </p:nvGrpSpPr>
+        <p:grpSpPr>
+          <a:xfrm>
+            <a:off x="1277939" y="3234945"/>
+            <a:ext cx="9636121" cy="307848"/>
+            <a:chOff x="1108077" y="2178177"/>
+            <a:chExt cx="9636121" cy="307848"/>
+          </a:xfrm>
+        </p:grpSpPr>
+        <p:grpSp>
+          <p:nvGrpSpPr>
+            <p:cNvPr id="21" name="Group 20">
+              <a:extLst>
+                <a:ext uri="{FF2B5EF4-FFF2-40B4-BE49-F238E27FC236}">
+                  <a16:creationId xmlns:a16="http://schemas.microsoft.com/office/drawing/2014/main" id="{0774E08C-DB26-053E-5EE6-33D1F67DAD71}"/>
+                </a:ext>
+              </a:extLst>
+            </p:cNvPr>
+            <p:cNvGrpSpPr/>
+            <p:nvPr/>
+          </p:nvGrpSpPr>
+          <p:grpSpPr>
+            <a:xfrm>
+              <a:off x="1784350" y="2178177"/>
+              <a:ext cx="8283575" cy="307848"/>
+              <a:chOff x="1841500" y="3044952"/>
+              <a:chExt cx="8283575" cy="307848"/>
+            </a:xfrm>
+          </p:grpSpPr>
+          <p:cxnSp>
+            <p:nvCxnSpPr>
+              <p:cNvPr id="6" name="Straight Connector 5">
+                <a:extLst>
+                  <a:ext uri="{FF2B5EF4-FFF2-40B4-BE49-F238E27FC236}">
+                    <a16:creationId xmlns:a16="http://schemas.microsoft.com/office/drawing/2014/main" id="{CF86118F-5A99-0A33-D32D-A0148A5065E1}"/>
+                  </a:ext>
+                </a:extLst>
+              </p:cNvPr>
+              <p:cNvCxnSpPr>
+                <a:cxnSpLocks/>
+              </p:cNvCxnSpPr>
+              <p:nvPr/>
+            </p:nvCxnSpPr>
+            <p:spPr>
+              <a:xfrm>
+                <a:off x="1841500" y="3208867"/>
+                <a:ext cx="8283575" cy="0"/>
+              </a:xfrm>
+              <a:prstGeom prst="line">
+                <a:avLst/>
+              </a:prstGeom>
+              <a:ln w="28575">
+                <a:solidFill>
+                  <a:schemeClr val="tx1"/>
+                </a:solidFill>
+              </a:ln>
+            </p:spPr>
+            <p:style>
+              <a:lnRef idx="1">
+                <a:schemeClr val="accent1"/>
+              </a:lnRef>
+              <a:fillRef idx="0">
+                <a:schemeClr val="accent1"/>
+              </a:fillRef>
+              <a:effectRef idx="0">
+                <a:schemeClr val="accent1"/>
+              </a:effectRef>
+              <a:fontRef idx="minor">
+                <a:schemeClr val="tx1"/>
+              </a:fontRef>
+            </p:style>
+          </p:cxnSp>
+          <p:cxnSp>
+            <p:nvCxnSpPr>
+              <p:cNvPr id="8" name="Straight Connector 7">
+                <a:extLst>
+                  <a:ext uri="{FF2B5EF4-FFF2-40B4-BE49-F238E27FC236}">
+                    <a16:creationId xmlns:a16="http://schemas.microsoft.com/office/drawing/2014/main" id="{C528E477-A3E9-B388-FE01-EB4902E12852}"/>
+                  </a:ext>
+                </a:extLst>
+              </p:cNvPr>
+              <p:cNvCxnSpPr>
+                <a:cxnSpLocks/>
+              </p:cNvCxnSpPr>
+              <p:nvPr/>
+            </p:nvCxnSpPr>
+            <p:spPr>
+              <a:xfrm>
+                <a:off x="2286000" y="3064933"/>
+                <a:ext cx="0" cy="287867"/>
+              </a:xfrm>
+              <a:prstGeom prst="line">
+                <a:avLst/>
+              </a:prstGeom>
+              <a:ln w="28575">
+                <a:solidFill>
+                  <a:schemeClr val="tx1"/>
+                </a:solidFill>
+              </a:ln>
+            </p:spPr>
+            <p:style>
+              <a:lnRef idx="1">
+                <a:schemeClr val="accent1"/>
+              </a:lnRef>
+              <a:fillRef idx="0">
+                <a:schemeClr val="accent1"/>
+              </a:fillRef>
+              <a:effectRef idx="0">
+                <a:schemeClr val="accent1"/>
+              </a:effectRef>
+              <a:fontRef idx="minor">
+                <a:schemeClr val="tx1"/>
+              </a:fontRef>
+            </p:style>
+          </p:cxnSp>
+          <p:cxnSp>
+            <p:nvCxnSpPr>
+              <p:cNvPr id="10" name="Straight Connector 9">
+                <a:extLst>
+                  <a:ext uri="{FF2B5EF4-FFF2-40B4-BE49-F238E27FC236}">
+                    <a16:creationId xmlns:a16="http://schemas.microsoft.com/office/drawing/2014/main" id="{E407D5B6-97E4-0617-8862-BAB439427B91}"/>
+                  </a:ext>
+                </a:extLst>
+              </p:cNvPr>
+              <p:cNvCxnSpPr>
+                <a:cxnSpLocks/>
+              </p:cNvCxnSpPr>
+              <p:nvPr/>
+            </p:nvCxnSpPr>
+            <p:spPr>
+              <a:xfrm>
+                <a:off x="3200400" y="3064933"/>
+                <a:ext cx="0" cy="287867"/>
+              </a:xfrm>
+              <a:prstGeom prst="line">
+                <a:avLst/>
+              </a:prstGeom>
+              <a:ln w="28575">
+                <a:solidFill>
+                  <a:schemeClr val="tx1"/>
+                </a:solidFill>
+              </a:ln>
+            </p:spPr>
+            <p:style>
+              <a:lnRef idx="1">
+                <a:schemeClr val="accent1"/>
+              </a:lnRef>
+              <a:fillRef idx="0">
+                <a:schemeClr val="accent1"/>
+              </a:fillRef>
+              <a:effectRef idx="0">
+                <a:schemeClr val="accent1"/>
+              </a:effectRef>
+              <a:fontRef idx="minor">
+                <a:schemeClr val="tx1"/>
+              </a:fontRef>
+            </p:style>
+          </p:cxnSp>
+          <p:cxnSp>
+            <p:nvCxnSpPr>
+              <p:cNvPr id="11" name="Straight Connector 10">
+                <a:extLst>
+                  <a:ext uri="{FF2B5EF4-FFF2-40B4-BE49-F238E27FC236}">
+                    <a16:creationId xmlns:a16="http://schemas.microsoft.com/office/drawing/2014/main" id="{CC4A1197-F767-893D-11A6-589EAE1C121A}"/>
+                  </a:ext>
+                </a:extLst>
+              </p:cNvPr>
+              <p:cNvCxnSpPr>
+                <a:cxnSpLocks/>
+              </p:cNvCxnSpPr>
+              <p:nvPr/>
+            </p:nvCxnSpPr>
+            <p:spPr>
+              <a:xfrm>
+                <a:off x="4114800" y="3064933"/>
+                <a:ext cx="0" cy="287867"/>
+              </a:xfrm>
+              <a:prstGeom prst="line">
+                <a:avLst/>
+              </a:prstGeom>
+              <a:ln w="28575">
+                <a:solidFill>
+                  <a:schemeClr val="tx1"/>
+                </a:solidFill>
+              </a:ln>
+            </p:spPr>
+            <p:style>
+              <a:lnRef idx="1">
+                <a:schemeClr val="accent1"/>
+              </a:lnRef>
+              <a:fillRef idx="0">
+                <a:schemeClr val="accent1"/>
+              </a:fillRef>
+              <a:effectRef idx="0">
+                <a:schemeClr val="accent1"/>
+              </a:effectRef>
+              <a:fontRef idx="minor">
+                <a:schemeClr val="tx1"/>
+              </a:fontRef>
+            </p:style>
+          </p:cxnSp>
+          <p:cxnSp>
+            <p:nvCxnSpPr>
+              <p:cNvPr id="13" name="Straight Connector 12">
+                <a:extLst>
+                  <a:ext uri="{FF2B5EF4-FFF2-40B4-BE49-F238E27FC236}">
+                    <a16:creationId xmlns:a16="http://schemas.microsoft.com/office/drawing/2014/main" id="{83396334-558C-E89A-AE2E-A68E9BB0EF04}"/>
+                  </a:ext>
+                </a:extLst>
+              </p:cNvPr>
+              <p:cNvCxnSpPr>
+                <a:cxnSpLocks/>
+              </p:cNvCxnSpPr>
+              <p:nvPr/>
+            </p:nvCxnSpPr>
+            <p:spPr>
+              <a:xfrm>
+                <a:off x="5029200" y="3064932"/>
+                <a:ext cx="0" cy="287867"/>
+              </a:xfrm>
+              <a:prstGeom prst="line">
+                <a:avLst/>
+              </a:prstGeom>
+              <a:ln w="28575">
+                <a:solidFill>
+                  <a:schemeClr val="tx1"/>
+                </a:solidFill>
+              </a:ln>
+            </p:spPr>
+            <p:style>
+              <a:lnRef idx="1">
+                <a:schemeClr val="accent1"/>
+              </a:lnRef>
+              <a:fillRef idx="0">
+                <a:schemeClr val="accent1"/>
+              </a:fillRef>
+              <a:effectRef idx="0">
+                <a:schemeClr val="accent1"/>
+              </a:effectRef>
+              <a:fontRef idx="minor">
+                <a:schemeClr val="tx1"/>
+              </a:fontRef>
+            </p:style>
+          </p:cxnSp>
+          <p:cxnSp>
+            <p:nvCxnSpPr>
+              <p:cNvPr id="14" name="Straight Connector 13">
+                <a:extLst>
+                  <a:ext uri="{FF2B5EF4-FFF2-40B4-BE49-F238E27FC236}">
+                    <a16:creationId xmlns:a16="http://schemas.microsoft.com/office/drawing/2014/main" id="{D1D08CBF-C4AE-D116-A722-D617BB0762A3}"/>
+                  </a:ext>
+                </a:extLst>
+              </p:cNvPr>
+              <p:cNvCxnSpPr>
+                <a:cxnSpLocks/>
+              </p:cNvCxnSpPr>
+              <p:nvPr/>
+            </p:nvCxnSpPr>
+            <p:spPr>
+              <a:xfrm>
+                <a:off x="5943600" y="3047998"/>
+                <a:ext cx="0" cy="287867"/>
+              </a:xfrm>
+              <a:prstGeom prst="line">
+                <a:avLst/>
+              </a:prstGeom>
+              <a:ln w="28575">
+                <a:solidFill>
+                  <a:schemeClr val="tx1"/>
+                </a:solidFill>
+              </a:ln>
+            </p:spPr>
+            <p:style>
+              <a:lnRef idx="1">
+                <a:schemeClr val="accent1"/>
+              </a:lnRef>
+              <a:fillRef idx="0">
+                <a:schemeClr val="accent1"/>
+              </a:fillRef>
+              <a:effectRef idx="0">
+                <a:schemeClr val="accent1"/>
+              </a:effectRef>
+              <a:fontRef idx="minor">
+                <a:schemeClr val="tx1"/>
+              </a:fontRef>
+            </p:style>
+          </p:cxnSp>
+          <p:cxnSp>
+            <p:nvCxnSpPr>
+              <p:cNvPr id="15" name="Straight Connector 14">
+                <a:extLst>
+                  <a:ext uri="{FF2B5EF4-FFF2-40B4-BE49-F238E27FC236}">
+                    <a16:creationId xmlns:a16="http://schemas.microsoft.com/office/drawing/2014/main" id="{1619C489-4673-02CA-A8DE-462DB023B565}"/>
+                  </a:ext>
+                </a:extLst>
+              </p:cNvPr>
+              <p:cNvCxnSpPr>
+                <a:cxnSpLocks/>
+              </p:cNvCxnSpPr>
+              <p:nvPr/>
+            </p:nvCxnSpPr>
+            <p:spPr>
+              <a:xfrm>
+                <a:off x="6858000" y="3044952"/>
+                <a:ext cx="0" cy="287867"/>
+              </a:xfrm>
+              <a:prstGeom prst="line">
+                <a:avLst/>
+              </a:prstGeom>
+              <a:ln w="28575">
+                <a:solidFill>
+                  <a:schemeClr val="tx1"/>
+                </a:solidFill>
+              </a:ln>
+            </p:spPr>
+            <p:style>
+              <a:lnRef idx="1">
+                <a:schemeClr val="accent1"/>
+              </a:lnRef>
+              <a:fillRef idx="0">
+                <a:schemeClr val="accent1"/>
+              </a:fillRef>
+              <a:effectRef idx="0">
+                <a:schemeClr val="accent1"/>
+              </a:effectRef>
+              <a:fontRef idx="minor">
+                <a:schemeClr val="tx1"/>
+              </a:fontRef>
+            </p:style>
+          </p:cxnSp>
+          <p:cxnSp>
+            <p:nvCxnSpPr>
+              <p:cNvPr id="16" name="Straight Connector 15">
+                <a:extLst>
+                  <a:ext uri="{FF2B5EF4-FFF2-40B4-BE49-F238E27FC236}">
+                    <a16:creationId xmlns:a16="http://schemas.microsoft.com/office/drawing/2014/main" id="{3413F2F5-BDB4-29F6-C1C7-E6970E56BD23}"/>
+                  </a:ext>
+                </a:extLst>
+              </p:cNvPr>
+              <p:cNvCxnSpPr>
+                <a:cxnSpLocks/>
+              </p:cNvCxnSpPr>
+              <p:nvPr/>
+            </p:nvCxnSpPr>
+            <p:spPr>
+              <a:xfrm>
+                <a:off x="7772400" y="3044952"/>
+                <a:ext cx="0" cy="287867"/>
+              </a:xfrm>
+              <a:prstGeom prst="line">
+                <a:avLst/>
+              </a:prstGeom>
+              <a:ln w="28575">
+                <a:solidFill>
+                  <a:schemeClr val="tx1"/>
+                </a:solidFill>
+              </a:ln>
+            </p:spPr>
+            <p:style>
+              <a:lnRef idx="1">
+                <a:schemeClr val="accent1"/>
+              </a:lnRef>
+              <a:fillRef idx="0">
+                <a:schemeClr val="accent1"/>
+              </a:fillRef>
+              <a:effectRef idx="0">
+                <a:schemeClr val="accent1"/>
+              </a:effectRef>
+              <a:fontRef idx="minor">
+                <a:schemeClr val="tx1"/>
+              </a:fontRef>
+            </p:style>
+          </p:cxnSp>
+          <p:cxnSp>
+            <p:nvCxnSpPr>
+              <p:cNvPr id="17" name="Straight Connector 16">
+                <a:extLst>
+                  <a:ext uri="{FF2B5EF4-FFF2-40B4-BE49-F238E27FC236}">
+                    <a16:creationId xmlns:a16="http://schemas.microsoft.com/office/drawing/2014/main" id="{29A4C008-38F8-1B15-D9EB-979826748EC1}"/>
+                  </a:ext>
+                </a:extLst>
+              </p:cNvPr>
+              <p:cNvCxnSpPr>
+                <a:cxnSpLocks/>
+              </p:cNvCxnSpPr>
+              <p:nvPr/>
+            </p:nvCxnSpPr>
+            <p:spPr>
+              <a:xfrm>
+                <a:off x="8686800" y="3044952"/>
+                <a:ext cx="0" cy="287867"/>
+              </a:xfrm>
+              <a:prstGeom prst="line">
+                <a:avLst/>
+              </a:prstGeom>
+              <a:ln w="28575">
+                <a:solidFill>
+                  <a:schemeClr val="tx1"/>
+                </a:solidFill>
+              </a:ln>
+            </p:spPr>
+            <p:style>
+              <a:lnRef idx="1">
+                <a:schemeClr val="accent1"/>
+              </a:lnRef>
+              <a:fillRef idx="0">
+                <a:schemeClr val="accent1"/>
+              </a:fillRef>
+              <a:effectRef idx="0">
+                <a:schemeClr val="accent1"/>
+              </a:effectRef>
+              <a:fontRef idx="minor">
+                <a:schemeClr val="tx1"/>
+              </a:fontRef>
+            </p:style>
+          </p:cxnSp>
+          <p:cxnSp>
+            <p:nvCxnSpPr>
+              <p:cNvPr id="18" name="Straight Connector 17">
+                <a:extLst>
+                  <a:ext uri="{FF2B5EF4-FFF2-40B4-BE49-F238E27FC236}">
+                    <a16:creationId xmlns:a16="http://schemas.microsoft.com/office/drawing/2014/main" id="{959ED327-287D-B2D4-CC8B-FB6BEFE30050}"/>
+                  </a:ext>
+                </a:extLst>
+              </p:cNvPr>
+              <p:cNvCxnSpPr>
+                <a:cxnSpLocks/>
+              </p:cNvCxnSpPr>
+              <p:nvPr/>
+            </p:nvCxnSpPr>
+            <p:spPr>
+              <a:xfrm>
+                <a:off x="9601200" y="3044952"/>
+                <a:ext cx="0" cy="287867"/>
+              </a:xfrm>
+              <a:prstGeom prst="line">
+                <a:avLst/>
+              </a:prstGeom>
+              <a:ln w="28575">
+                <a:solidFill>
+                  <a:schemeClr val="tx1"/>
+                </a:solidFill>
+              </a:ln>
+            </p:spPr>
+            <p:style>
+              <a:lnRef idx="1">
+                <a:schemeClr val="accent1"/>
+              </a:lnRef>
+              <a:fillRef idx="0">
+                <a:schemeClr val="accent1"/>
+              </a:fillRef>
+              <a:effectRef idx="0">
+                <a:schemeClr val="accent1"/>
+              </a:effectRef>
+              <a:fontRef idx="minor">
+                <a:schemeClr val="tx1"/>
+              </a:fontRef>
+            </p:style>
+          </p:cxnSp>
+        </p:grpSp>
+        <p:grpSp>
+          <p:nvGrpSpPr>
+            <p:cNvPr id="26" name="Group 25">
+              <a:extLst>
+                <a:ext uri="{FF2B5EF4-FFF2-40B4-BE49-F238E27FC236}">
+                  <a16:creationId xmlns:a16="http://schemas.microsoft.com/office/drawing/2014/main" id="{533F894A-4A5A-2414-5E0C-40AD06E34BFB}"/>
+                </a:ext>
+              </a:extLst>
+            </p:cNvPr>
+            <p:cNvGrpSpPr/>
+            <p:nvPr/>
+          </p:nvGrpSpPr>
+          <p:grpSpPr>
+            <a:xfrm>
+              <a:off x="10286998" y="2299904"/>
+              <a:ext cx="457200" cy="91821"/>
+              <a:chOff x="4181475" y="4333875"/>
+              <a:chExt cx="457200" cy="91821"/>
+            </a:xfrm>
+          </p:grpSpPr>
+          <p:sp>
+            <p:nvSpPr>
+              <p:cNvPr id="22" name="Oval 21">
+                <a:extLst>
+                  <a:ext uri="{FF2B5EF4-FFF2-40B4-BE49-F238E27FC236}">
+                    <a16:creationId xmlns:a16="http://schemas.microsoft.com/office/drawing/2014/main" id="{0A6FBD99-81C4-4453-D2C8-63CD4842292D}"/>
+                  </a:ext>
+                </a:extLst>
+              </p:cNvPr>
+              <p:cNvSpPr/>
+              <p:nvPr/>
+            </p:nvSpPr>
+            <p:spPr>
+              <a:xfrm>
+                <a:off x="4181475" y="4333875"/>
+                <a:ext cx="95250" cy="91440"/>
+              </a:xfrm>
+              <a:prstGeom prst="ellipse">
+                <a:avLst/>
+              </a:prstGeom>
+              <a:solidFill>
+                <a:schemeClr val="tx1"/>
+              </a:solidFill>
+              <a:ln>
+                <a:solidFill>
+                  <a:schemeClr val="tx1"/>
+                </a:solidFill>
+              </a:ln>
+            </p:spPr>
+            <p:style>
+              <a:lnRef idx="2">
+                <a:schemeClr val="accent1">
+                  <a:shade val="50000"/>
+                </a:schemeClr>
+              </a:lnRef>
+              <a:fillRef idx="1">
+                <a:schemeClr val="accent1"/>
+              </a:fillRef>
+              <a:effectRef idx="0">
+                <a:schemeClr val="accent1"/>
+              </a:effectRef>
+              <a:fontRef idx="minor">
+                <a:schemeClr val="lt1"/>
+              </a:fontRef>
+            </p:style>
+            <p:txBody>
+              <a:bodyPr rtlCol="0" anchor="ctr"/>
+              <a:lstStyle/>
+              <a:p>
+                <a:pPr algn="ctr"/>
+                <a:endParaRPr lang="en-US"/>
+              </a:p>
+            </p:txBody>
+          </p:sp>
+          <p:sp>
+            <p:nvSpPr>
+              <p:cNvPr id="23" name="Oval 22">
+                <a:extLst>
+                  <a:ext uri="{FF2B5EF4-FFF2-40B4-BE49-F238E27FC236}">
+                    <a16:creationId xmlns:a16="http://schemas.microsoft.com/office/drawing/2014/main" id="{6636285F-B1ED-B392-4CBD-187A36C4B2C5}"/>
+                  </a:ext>
+                </a:extLst>
+              </p:cNvPr>
+              <p:cNvSpPr/>
+              <p:nvPr/>
+            </p:nvSpPr>
+            <p:spPr>
+              <a:xfrm>
+                <a:off x="4362450" y="4334256"/>
+                <a:ext cx="95250" cy="91440"/>
+              </a:xfrm>
+              <a:prstGeom prst="ellipse">
+                <a:avLst/>
+              </a:prstGeom>
+              <a:solidFill>
+                <a:schemeClr val="tx1"/>
+              </a:solidFill>
+              <a:ln>
+                <a:solidFill>
+                  <a:schemeClr val="tx1"/>
+                </a:solidFill>
+              </a:ln>
+            </p:spPr>
+            <p:style>
+              <a:lnRef idx="2">
+                <a:schemeClr val="accent1">
+                  <a:shade val="50000"/>
+                </a:schemeClr>
+              </a:lnRef>
+              <a:fillRef idx="1">
+                <a:schemeClr val="accent1"/>
+              </a:fillRef>
+              <a:effectRef idx="0">
+                <a:schemeClr val="accent1"/>
+              </a:effectRef>
+              <a:fontRef idx="minor">
+                <a:schemeClr val="lt1"/>
+              </a:fontRef>
+            </p:style>
+            <p:txBody>
+              <a:bodyPr rtlCol="0" anchor="ctr"/>
+              <a:lstStyle/>
+              <a:p>
+                <a:pPr algn="ctr"/>
+                <a:endParaRPr lang="en-US"/>
+              </a:p>
+            </p:txBody>
+          </p:sp>
+          <p:sp>
+            <p:nvSpPr>
+              <p:cNvPr id="24" name="Oval 23">
+                <a:extLst>
+                  <a:ext uri="{FF2B5EF4-FFF2-40B4-BE49-F238E27FC236}">
+                    <a16:creationId xmlns:a16="http://schemas.microsoft.com/office/drawing/2014/main" id="{5E70AE9B-6DDD-90BC-869B-40BA573FC663}"/>
+                  </a:ext>
+                </a:extLst>
+              </p:cNvPr>
+              <p:cNvSpPr/>
+              <p:nvPr/>
+            </p:nvSpPr>
+            <p:spPr>
+              <a:xfrm>
+                <a:off x="4543425" y="4334256"/>
+                <a:ext cx="95250" cy="91440"/>
+              </a:xfrm>
+              <a:prstGeom prst="ellipse">
+                <a:avLst/>
+              </a:prstGeom>
+              <a:solidFill>
+                <a:schemeClr val="tx1"/>
+              </a:solidFill>
+              <a:ln>
+                <a:solidFill>
+                  <a:schemeClr val="tx1"/>
+                </a:solidFill>
+              </a:ln>
+            </p:spPr>
+            <p:style>
+              <a:lnRef idx="2">
+                <a:schemeClr val="accent1">
+                  <a:shade val="50000"/>
+                </a:schemeClr>
+              </a:lnRef>
+              <a:fillRef idx="1">
+                <a:schemeClr val="accent1"/>
+              </a:fillRef>
+              <a:effectRef idx="0">
+                <a:schemeClr val="accent1"/>
+              </a:effectRef>
+              <a:fontRef idx="minor">
+                <a:schemeClr val="lt1"/>
+              </a:fontRef>
+            </p:style>
+            <p:txBody>
+              <a:bodyPr rtlCol="0" anchor="ctr"/>
+              <a:lstStyle/>
+              <a:p>
+                <a:pPr algn="ctr"/>
+                <a:endParaRPr lang="en-US"/>
+              </a:p>
+            </p:txBody>
+          </p:sp>
+        </p:grpSp>
+        <p:grpSp>
+          <p:nvGrpSpPr>
+            <p:cNvPr id="27" name="Group 26">
+              <a:extLst>
+                <a:ext uri="{FF2B5EF4-FFF2-40B4-BE49-F238E27FC236}">
+                  <a16:creationId xmlns:a16="http://schemas.microsoft.com/office/drawing/2014/main" id="{41B0226F-0C8B-FE88-7546-33B4743FE23F}"/>
+                </a:ext>
+              </a:extLst>
+            </p:cNvPr>
+            <p:cNvGrpSpPr/>
+            <p:nvPr/>
+          </p:nvGrpSpPr>
+          <p:grpSpPr>
+            <a:xfrm>
+              <a:off x="1108077" y="2299904"/>
+              <a:ext cx="457200" cy="91821"/>
+              <a:chOff x="4181475" y="4333875"/>
+              <a:chExt cx="457200" cy="91821"/>
+            </a:xfrm>
+          </p:grpSpPr>
+          <p:sp>
+            <p:nvSpPr>
+              <p:cNvPr id="28" name="Oval 27">
+                <a:extLst>
+                  <a:ext uri="{FF2B5EF4-FFF2-40B4-BE49-F238E27FC236}">
+                    <a16:creationId xmlns:a16="http://schemas.microsoft.com/office/drawing/2014/main" id="{F64D8A6D-3237-FBA2-AD93-F91D88872337}"/>
+                  </a:ext>
+                </a:extLst>
+              </p:cNvPr>
+              <p:cNvSpPr/>
+              <p:nvPr/>
+            </p:nvSpPr>
+            <p:spPr>
+              <a:xfrm>
+                <a:off x="4181475" y="4333875"/>
+                <a:ext cx="95250" cy="91440"/>
+              </a:xfrm>
+              <a:prstGeom prst="ellipse">
+                <a:avLst/>
+              </a:prstGeom>
+              <a:solidFill>
+                <a:schemeClr val="tx1"/>
+              </a:solidFill>
+              <a:ln>
+                <a:solidFill>
+                  <a:schemeClr val="tx1"/>
+                </a:solidFill>
+              </a:ln>
+            </p:spPr>
+            <p:style>
+              <a:lnRef idx="2">
+                <a:schemeClr val="accent1">
+                  <a:shade val="50000"/>
+                </a:schemeClr>
+              </a:lnRef>
+              <a:fillRef idx="1">
+                <a:schemeClr val="accent1"/>
+              </a:fillRef>
+              <a:effectRef idx="0">
+                <a:schemeClr val="accent1"/>
+              </a:effectRef>
+              <a:fontRef idx="minor">
+                <a:schemeClr val="lt1"/>
+              </a:fontRef>
+            </p:style>
+            <p:txBody>
+              <a:bodyPr rtlCol="0" anchor="ctr"/>
+              <a:lstStyle/>
+              <a:p>
+                <a:pPr algn="ctr"/>
+                <a:endParaRPr lang="en-US"/>
+              </a:p>
+            </p:txBody>
+          </p:sp>
+          <p:sp>
+            <p:nvSpPr>
+              <p:cNvPr id="29" name="Oval 28">
+                <a:extLst>
+                  <a:ext uri="{FF2B5EF4-FFF2-40B4-BE49-F238E27FC236}">
+                    <a16:creationId xmlns:a16="http://schemas.microsoft.com/office/drawing/2014/main" id="{9D229266-316D-15C1-9F7D-F8E1FFF0D270}"/>
+                  </a:ext>
+                </a:extLst>
+              </p:cNvPr>
+              <p:cNvSpPr/>
+              <p:nvPr/>
+            </p:nvSpPr>
+            <p:spPr>
+              <a:xfrm>
+                <a:off x="4362450" y="4334256"/>
+                <a:ext cx="95250" cy="91440"/>
+              </a:xfrm>
+              <a:prstGeom prst="ellipse">
+                <a:avLst/>
+              </a:prstGeom>
+              <a:solidFill>
+                <a:schemeClr val="tx1"/>
+              </a:solidFill>
+              <a:ln>
+                <a:solidFill>
+                  <a:schemeClr val="tx1"/>
+                </a:solidFill>
+              </a:ln>
+            </p:spPr>
+            <p:style>
+              <a:lnRef idx="2">
+                <a:schemeClr val="accent1">
+                  <a:shade val="50000"/>
+                </a:schemeClr>
+              </a:lnRef>
+              <a:fillRef idx="1">
+                <a:schemeClr val="accent1"/>
+              </a:fillRef>
+              <a:effectRef idx="0">
+                <a:schemeClr val="accent1"/>
+              </a:effectRef>
+              <a:fontRef idx="minor">
+                <a:schemeClr val="lt1"/>
+              </a:fontRef>
+            </p:style>
+            <p:txBody>
+              <a:bodyPr rtlCol="0" anchor="ctr"/>
+              <a:lstStyle/>
+              <a:p>
+                <a:pPr algn="ctr"/>
+                <a:endParaRPr lang="en-US"/>
+              </a:p>
+            </p:txBody>
+          </p:sp>
+          <p:sp>
+            <p:nvSpPr>
+              <p:cNvPr id="30" name="Oval 29">
+                <a:extLst>
+                  <a:ext uri="{FF2B5EF4-FFF2-40B4-BE49-F238E27FC236}">
+                    <a16:creationId xmlns:a16="http://schemas.microsoft.com/office/drawing/2014/main" id="{962F367D-3F9E-FCEE-6770-ECCE0647761B}"/>
+                  </a:ext>
+                </a:extLst>
+              </p:cNvPr>
+              <p:cNvSpPr/>
+              <p:nvPr/>
+            </p:nvSpPr>
+            <p:spPr>
+              <a:xfrm>
+                <a:off x="4543425" y="4334256"/>
+                <a:ext cx="95250" cy="91440"/>
+              </a:xfrm>
+              <a:prstGeom prst="ellipse">
+                <a:avLst/>
+              </a:prstGeom>
+              <a:solidFill>
+                <a:schemeClr val="tx1"/>
+              </a:solidFill>
+              <a:ln>
+                <a:solidFill>
+                  <a:schemeClr val="tx1"/>
+                </a:solidFill>
+              </a:ln>
+            </p:spPr>
+            <p:style>
+              <a:lnRef idx="2">
+                <a:schemeClr val="accent1">
+                  <a:shade val="50000"/>
+                </a:schemeClr>
+              </a:lnRef>
+              <a:fillRef idx="1">
+                <a:schemeClr val="accent1"/>
+              </a:fillRef>
+              <a:effectRef idx="0">
+                <a:schemeClr val="accent1"/>
+              </a:effectRef>
+              <a:fontRef idx="minor">
+                <a:schemeClr val="lt1"/>
+              </a:fontRef>
+            </p:style>
+            <p:txBody>
+              <a:bodyPr rtlCol="0" anchor="ctr"/>
+              <a:lstStyle/>
+              <a:p>
+                <a:pPr algn="ctr"/>
+                <a:endParaRPr lang="en-US"/>
+              </a:p>
+            </p:txBody>
+          </p:sp>
+        </p:grpSp>
+      </p:grpSp>
+      <p:sp>
+        <p:nvSpPr>
+          <p:cNvPr id="32" name="TextBox 31">
+            <a:extLst>
+              <a:ext uri="{FF2B5EF4-FFF2-40B4-BE49-F238E27FC236}">
+                <a16:creationId xmlns:a16="http://schemas.microsoft.com/office/drawing/2014/main" id="{A3B6714A-96EA-D0DD-B468-8ABD2C4CCFBE}"/>
+              </a:ext>
+            </a:extLst>
+          </p:cNvPr>
+          <p:cNvSpPr txBox="1"/>
+          <p:nvPr/>
+        </p:nvSpPr>
+        <p:spPr>
+          <a:xfrm>
+            <a:off x="5856287" y="2724727"/>
+            <a:ext cx="400050" cy="400110"/>
+          </a:xfrm>
+          <a:prstGeom prst="rect">
+            <a:avLst/>
+          </a:prstGeom>
+          <a:noFill/>
+        </p:spPr>
+        <p:txBody>
+          <a:bodyPr wrap="square" rtlCol="0">
+            <a:spAutoFit/>
+          </a:bodyPr>
+          <a:lstStyle/>
+          <a:p>
+            <a:pPr algn="ctr"/>
+            <a:r>
+              <a:rPr lang="en-US" sz="2000" b="1" dirty="0">
+                <a:solidFill>
+                  <a:schemeClr val="accent2"/>
+                </a:solidFill>
+              </a:rPr>
+              <a:t>0</a:t>
+            </a:r>
+          </a:p>
+        </p:txBody>
+      </p:sp>
+      <p:grpSp>
+        <p:nvGrpSpPr>
+          <p:cNvPr id="48" name="Group 47">
+            <a:extLst>
+              <a:ext uri="{FF2B5EF4-FFF2-40B4-BE49-F238E27FC236}">
+                <a16:creationId xmlns:a16="http://schemas.microsoft.com/office/drawing/2014/main" id="{197A3E0E-81B3-7DA6-73B1-AC3CF5EA270F}"/>
+              </a:ext>
+            </a:extLst>
+          </p:cNvPr>
+          <p:cNvGrpSpPr/>
+          <p:nvPr/>
+        </p:nvGrpSpPr>
+        <p:grpSpPr>
+          <a:xfrm>
+            <a:off x="4941887" y="2724727"/>
+            <a:ext cx="1114425" cy="631945"/>
+            <a:chOff x="4941887" y="2610934"/>
+            <a:chExt cx="1114425" cy="631945"/>
+          </a:xfrm>
+        </p:grpSpPr>
+        <p:sp>
+          <p:nvSpPr>
+            <p:cNvPr id="33" name="TextBox 32">
+              <a:extLst>
+                <a:ext uri="{FF2B5EF4-FFF2-40B4-BE49-F238E27FC236}">
+                  <a16:creationId xmlns:a16="http://schemas.microsoft.com/office/drawing/2014/main" id="{994E7803-9EA1-6669-9412-008B17686410}"/>
+                </a:ext>
+              </a:extLst>
+            </p:cNvPr>
+            <p:cNvSpPr txBox="1"/>
+            <p:nvPr/>
+          </p:nvSpPr>
+          <p:spPr>
+            <a:xfrm>
+              <a:off x="4941887" y="2610934"/>
+              <a:ext cx="400050" cy="400110"/>
+            </a:xfrm>
+            <a:prstGeom prst="rect">
+              <a:avLst/>
+            </a:prstGeom>
+            <a:noFill/>
+          </p:spPr>
+          <p:txBody>
+            <a:bodyPr wrap="square" rtlCol="0">
+              <a:spAutoFit/>
+            </a:bodyPr>
+            <a:lstStyle/>
+            <a:p>
+              <a:pPr algn="ctr"/>
+              <a:r>
+                <a:rPr lang="en-US" sz="2000" b="1" dirty="0">
+                  <a:solidFill>
+                    <a:schemeClr val="accent3"/>
+                  </a:solidFill>
+                </a:rPr>
+                <a:t>1</a:t>
+              </a:r>
+            </a:p>
+          </p:txBody>
+        </p:sp>
+        <p:cxnSp>
+          <p:nvCxnSpPr>
+            <p:cNvPr id="41" name="Straight Connector 40">
+              <a:extLst>
+                <a:ext uri="{FF2B5EF4-FFF2-40B4-BE49-F238E27FC236}">
+                  <a16:creationId xmlns:a16="http://schemas.microsoft.com/office/drawing/2014/main" id="{D08B3B29-EDF1-7ACD-062C-DDC93DC7B096}"/>
+                </a:ext>
+              </a:extLst>
+            </p:cNvPr>
+            <p:cNvCxnSpPr/>
+            <p:nvPr/>
+          </p:nvCxnSpPr>
+          <p:spPr>
+            <a:xfrm flipH="1">
+              <a:off x="5141912" y="3242879"/>
+              <a:ext cx="914400" cy="0"/>
+            </a:xfrm>
+            <a:prstGeom prst="line">
+              <a:avLst/>
+            </a:prstGeom>
+            <a:ln w="28575">
+              <a:solidFill>
+                <a:schemeClr val="accent3"/>
+              </a:solidFill>
+            </a:ln>
+          </p:spPr>
+          <p:style>
+            <a:lnRef idx="1">
+              <a:schemeClr val="accent1"/>
+            </a:lnRef>
+            <a:fillRef idx="0">
+              <a:schemeClr val="accent1"/>
+            </a:fillRef>
+            <a:effectRef idx="0">
+              <a:schemeClr val="accent1"/>
+            </a:effectRef>
+            <a:fontRef idx="minor">
+              <a:schemeClr val="tx1"/>
+            </a:fontRef>
+          </p:style>
+        </p:cxnSp>
+      </p:grpSp>
+      <p:grpSp>
+        <p:nvGrpSpPr>
+          <p:cNvPr id="49" name="Group 48">
+            <a:extLst>
+              <a:ext uri="{FF2B5EF4-FFF2-40B4-BE49-F238E27FC236}">
+                <a16:creationId xmlns:a16="http://schemas.microsoft.com/office/drawing/2014/main" id="{71A5566E-B108-30F1-83C1-EB0A43AC167F}"/>
+              </a:ext>
+            </a:extLst>
+          </p:cNvPr>
+          <p:cNvGrpSpPr/>
+          <p:nvPr/>
+        </p:nvGrpSpPr>
+        <p:grpSpPr>
+          <a:xfrm>
+            <a:off x="5141912" y="2309421"/>
+            <a:ext cx="1103313" cy="997508"/>
+            <a:chOff x="5141912" y="2195628"/>
+            <a:chExt cx="1103313" cy="997508"/>
+          </a:xfrm>
+        </p:grpSpPr>
+        <p:sp>
+          <p:nvSpPr>
+            <p:cNvPr id="34" name="TextBox 33">
+              <a:extLst>
+                <a:ext uri="{FF2B5EF4-FFF2-40B4-BE49-F238E27FC236}">
+                  <a16:creationId xmlns:a16="http://schemas.microsoft.com/office/drawing/2014/main" id="{04CB1735-395D-FD60-5E1D-511D8205E46E}"/>
+                </a:ext>
+              </a:extLst>
+            </p:cNvPr>
+            <p:cNvSpPr txBox="1"/>
+            <p:nvPr/>
+          </p:nvSpPr>
+          <p:spPr>
+            <a:xfrm>
+              <a:off x="5845175" y="2195628"/>
+              <a:ext cx="400050" cy="400110"/>
+            </a:xfrm>
+            <a:prstGeom prst="rect">
+              <a:avLst/>
+            </a:prstGeom>
+            <a:noFill/>
+          </p:spPr>
+          <p:txBody>
+            <a:bodyPr wrap="square" rtlCol="0">
+              <a:spAutoFit/>
+            </a:bodyPr>
+            <a:lstStyle/>
+            <a:p>
+              <a:pPr algn="ctr"/>
+              <a:r>
+                <a:rPr lang="en-US" sz="2000" b="1" dirty="0">
+                  <a:solidFill>
+                    <a:schemeClr val="accent4"/>
+                  </a:solidFill>
+                </a:rPr>
+                <a:t>2</a:t>
+              </a:r>
+            </a:p>
+          </p:txBody>
+        </p:sp>
+        <p:cxnSp>
+          <p:nvCxnSpPr>
+            <p:cNvPr id="42" name="Straight Connector 41">
+              <a:extLst>
+                <a:ext uri="{FF2B5EF4-FFF2-40B4-BE49-F238E27FC236}">
+                  <a16:creationId xmlns:a16="http://schemas.microsoft.com/office/drawing/2014/main" id="{33F23420-D722-EC19-D623-FA3A5C2FCEBC}"/>
+                </a:ext>
+              </a:extLst>
+            </p:cNvPr>
+            <p:cNvCxnSpPr/>
+            <p:nvPr/>
+          </p:nvCxnSpPr>
+          <p:spPr>
+            <a:xfrm flipH="1">
+              <a:off x="5141912" y="3193136"/>
+              <a:ext cx="914400" cy="0"/>
+            </a:xfrm>
+            <a:prstGeom prst="line">
+              <a:avLst/>
+            </a:prstGeom>
+            <a:ln w="28575">
+              <a:solidFill>
+                <a:schemeClr val="accent4"/>
+              </a:solidFill>
+            </a:ln>
+          </p:spPr>
+          <p:style>
+            <a:lnRef idx="1">
+              <a:schemeClr val="accent1"/>
+            </a:lnRef>
+            <a:fillRef idx="0">
+              <a:schemeClr val="accent1"/>
+            </a:fillRef>
+            <a:effectRef idx="0">
+              <a:schemeClr val="accent1"/>
+            </a:effectRef>
+            <a:fontRef idx="minor">
+              <a:schemeClr val="tx1"/>
+            </a:fontRef>
+          </p:style>
+        </p:cxnSp>
+      </p:grpSp>
+      <p:grpSp>
+        <p:nvGrpSpPr>
+          <p:cNvPr id="50" name="Group 49">
+            <a:extLst>
+              <a:ext uri="{FF2B5EF4-FFF2-40B4-BE49-F238E27FC236}">
+                <a16:creationId xmlns:a16="http://schemas.microsoft.com/office/drawing/2014/main" id="{9B5CBD30-A935-199C-8BC7-2E215E43993A}"/>
+              </a:ext>
+            </a:extLst>
+          </p:cNvPr>
+          <p:cNvGrpSpPr/>
+          <p:nvPr/>
+        </p:nvGrpSpPr>
+        <p:grpSpPr>
+          <a:xfrm>
+            <a:off x="6056312" y="2709531"/>
+            <a:ext cx="1114425" cy="597398"/>
+            <a:chOff x="6056312" y="2595738"/>
+            <a:chExt cx="1114425" cy="597398"/>
+          </a:xfrm>
+        </p:grpSpPr>
+        <p:sp>
+          <p:nvSpPr>
+            <p:cNvPr id="35" name="TextBox 34">
+              <a:extLst>
+                <a:ext uri="{FF2B5EF4-FFF2-40B4-BE49-F238E27FC236}">
+                  <a16:creationId xmlns:a16="http://schemas.microsoft.com/office/drawing/2014/main" id="{80EE06A4-480A-0B2F-0C3E-761801663331}"/>
+                </a:ext>
+              </a:extLst>
+            </p:cNvPr>
+            <p:cNvSpPr txBox="1"/>
+            <p:nvPr/>
+          </p:nvSpPr>
+          <p:spPr>
+            <a:xfrm>
+              <a:off x="6770687" y="2595738"/>
+              <a:ext cx="400050" cy="400110"/>
+            </a:xfrm>
+            <a:prstGeom prst="rect">
+              <a:avLst/>
+            </a:prstGeom>
+            <a:noFill/>
+          </p:spPr>
+          <p:txBody>
+            <a:bodyPr wrap="square" rtlCol="0">
+              <a:spAutoFit/>
+            </a:bodyPr>
+            <a:lstStyle/>
+            <a:p>
+              <a:pPr algn="ctr"/>
+              <a:r>
+                <a:rPr lang="en-US" sz="2000" b="1" dirty="0">
+                  <a:solidFill>
+                    <a:schemeClr val="accent5"/>
+                  </a:solidFill>
+                </a:rPr>
+                <a:t>3</a:t>
+              </a:r>
+            </a:p>
+          </p:txBody>
+        </p:sp>
+        <p:cxnSp>
+          <p:nvCxnSpPr>
+            <p:cNvPr id="43" name="Straight Connector 42">
+              <a:extLst>
+                <a:ext uri="{FF2B5EF4-FFF2-40B4-BE49-F238E27FC236}">
+                  <a16:creationId xmlns:a16="http://schemas.microsoft.com/office/drawing/2014/main" id="{CE64BE03-DF7C-F962-CE00-4365F3801EF6}"/>
+                </a:ext>
+              </a:extLst>
+            </p:cNvPr>
+            <p:cNvCxnSpPr/>
+            <p:nvPr/>
+          </p:nvCxnSpPr>
+          <p:spPr>
+            <a:xfrm flipH="1">
+              <a:off x="6056312" y="3193136"/>
+              <a:ext cx="914400" cy="0"/>
+            </a:xfrm>
+            <a:prstGeom prst="line">
+              <a:avLst/>
+            </a:prstGeom>
+            <a:ln w="28575">
+              <a:solidFill>
+                <a:schemeClr val="accent5"/>
+              </a:solidFill>
+            </a:ln>
+          </p:spPr>
+          <p:style>
+            <a:lnRef idx="1">
+              <a:schemeClr val="accent1"/>
+            </a:lnRef>
+            <a:fillRef idx="0">
+              <a:schemeClr val="accent1"/>
+            </a:fillRef>
+            <a:effectRef idx="0">
+              <a:schemeClr val="accent1"/>
+            </a:effectRef>
+            <a:fontRef idx="minor">
+              <a:schemeClr val="tx1"/>
+            </a:fontRef>
+          </p:style>
+        </p:cxnSp>
+      </p:grpSp>
+      <p:grpSp>
+        <p:nvGrpSpPr>
+          <p:cNvPr id="51" name="Group 50">
+            <a:extLst>
+              <a:ext uri="{FF2B5EF4-FFF2-40B4-BE49-F238E27FC236}">
+                <a16:creationId xmlns:a16="http://schemas.microsoft.com/office/drawing/2014/main" id="{F10762FA-B191-4F54-BFFB-3D8D043C30B7}"/>
+              </a:ext>
+            </a:extLst>
+          </p:cNvPr>
+          <p:cNvGrpSpPr/>
+          <p:nvPr/>
+        </p:nvGrpSpPr>
+        <p:grpSpPr>
+          <a:xfrm>
+            <a:off x="6970712" y="2707838"/>
+            <a:ext cx="1103313" cy="599091"/>
+            <a:chOff x="6970712" y="2594045"/>
+            <a:chExt cx="1103313" cy="599091"/>
+          </a:xfrm>
+        </p:grpSpPr>
+        <p:sp>
+          <p:nvSpPr>
+            <p:cNvPr id="36" name="TextBox 35">
+              <a:extLst>
+                <a:ext uri="{FF2B5EF4-FFF2-40B4-BE49-F238E27FC236}">
+                  <a16:creationId xmlns:a16="http://schemas.microsoft.com/office/drawing/2014/main" id="{F3C281E8-511C-9B12-0B77-1A7F6BD17859}"/>
+                </a:ext>
+              </a:extLst>
+            </p:cNvPr>
+            <p:cNvSpPr txBox="1"/>
+            <p:nvPr/>
+          </p:nvSpPr>
+          <p:spPr>
+            <a:xfrm>
+              <a:off x="7673975" y="2594045"/>
+              <a:ext cx="400050" cy="400110"/>
+            </a:xfrm>
+            <a:prstGeom prst="rect">
+              <a:avLst/>
+            </a:prstGeom>
+            <a:noFill/>
+          </p:spPr>
+          <p:txBody>
+            <a:bodyPr wrap="square" rtlCol="0">
+              <a:spAutoFit/>
+            </a:bodyPr>
+            <a:lstStyle/>
+            <a:p>
+              <a:pPr algn="ctr"/>
+              <a:r>
+                <a:rPr lang="en-US" sz="2000" b="1" dirty="0">
+                  <a:solidFill>
+                    <a:schemeClr val="accent6"/>
+                  </a:solidFill>
+                </a:rPr>
+                <a:t>4</a:t>
+              </a:r>
+            </a:p>
+          </p:txBody>
+        </p:sp>
+        <p:cxnSp>
+          <p:nvCxnSpPr>
+            <p:cNvPr id="44" name="Straight Connector 43">
+              <a:extLst>
+                <a:ext uri="{FF2B5EF4-FFF2-40B4-BE49-F238E27FC236}">
+                  <a16:creationId xmlns:a16="http://schemas.microsoft.com/office/drawing/2014/main" id="{DCC248E1-382F-2999-7ADD-70308B31BF22}"/>
+                </a:ext>
+              </a:extLst>
+            </p:cNvPr>
+            <p:cNvCxnSpPr/>
+            <p:nvPr/>
+          </p:nvCxnSpPr>
+          <p:spPr>
+            <a:xfrm flipH="1">
+              <a:off x="6970712" y="3193136"/>
+              <a:ext cx="914400" cy="0"/>
+            </a:xfrm>
+            <a:prstGeom prst="line">
+              <a:avLst/>
+            </a:prstGeom>
+            <a:ln w="28575">
+              <a:solidFill>
+                <a:schemeClr val="accent6"/>
+              </a:solidFill>
+            </a:ln>
+          </p:spPr>
+          <p:style>
+            <a:lnRef idx="1">
+              <a:schemeClr val="accent1"/>
+            </a:lnRef>
+            <a:fillRef idx="0">
+              <a:schemeClr val="accent1"/>
+            </a:fillRef>
+            <a:effectRef idx="0">
+              <a:schemeClr val="accent1"/>
+            </a:effectRef>
+            <a:fontRef idx="minor">
+              <a:schemeClr val="tx1"/>
+            </a:fontRef>
+          </p:style>
+        </p:cxnSp>
+      </p:grpSp>
+      <p:grpSp>
+        <p:nvGrpSpPr>
+          <p:cNvPr id="52" name="Group 51">
+            <a:extLst>
+              <a:ext uri="{FF2B5EF4-FFF2-40B4-BE49-F238E27FC236}">
+                <a16:creationId xmlns:a16="http://schemas.microsoft.com/office/drawing/2014/main" id="{8687BC79-F407-6BE7-4C15-208D9BFF478B}"/>
+              </a:ext>
+            </a:extLst>
+          </p:cNvPr>
+          <p:cNvGrpSpPr/>
+          <p:nvPr/>
+        </p:nvGrpSpPr>
+        <p:grpSpPr>
+          <a:xfrm>
+            <a:off x="6770687" y="2309421"/>
+            <a:ext cx="1114425" cy="945504"/>
+            <a:chOff x="6770687" y="2195628"/>
+            <a:chExt cx="1114425" cy="945504"/>
+          </a:xfrm>
+        </p:grpSpPr>
+        <p:sp>
+          <p:nvSpPr>
+            <p:cNvPr id="37" name="TextBox 36">
+              <a:extLst>
+                <a:ext uri="{FF2B5EF4-FFF2-40B4-BE49-F238E27FC236}">
+                  <a16:creationId xmlns:a16="http://schemas.microsoft.com/office/drawing/2014/main" id="{BF9304DD-FC76-B282-C2FA-602C79270B73}"/>
+                </a:ext>
+              </a:extLst>
+            </p:cNvPr>
+            <p:cNvSpPr txBox="1"/>
+            <p:nvPr/>
+          </p:nvSpPr>
+          <p:spPr>
+            <a:xfrm>
+              <a:off x="6770687" y="2195628"/>
+              <a:ext cx="400050" cy="400110"/>
+            </a:xfrm>
+            <a:prstGeom prst="rect">
+              <a:avLst/>
+            </a:prstGeom>
+            <a:noFill/>
+          </p:spPr>
+          <p:txBody>
+            <a:bodyPr wrap="square" rtlCol="0">
+              <a:spAutoFit/>
+            </a:bodyPr>
+            <a:lstStyle/>
+            <a:p>
+              <a:pPr algn="ctr"/>
+              <a:r>
+                <a:rPr lang="en-US" sz="2000" b="1" dirty="0">
+                  <a:solidFill>
+                    <a:schemeClr val="accent2"/>
+                  </a:solidFill>
+                </a:rPr>
+                <a:t>5</a:t>
+              </a:r>
+            </a:p>
+          </p:txBody>
+        </p:sp>
+        <p:cxnSp>
+          <p:nvCxnSpPr>
+            <p:cNvPr id="45" name="Straight Connector 44">
+              <a:extLst>
+                <a:ext uri="{FF2B5EF4-FFF2-40B4-BE49-F238E27FC236}">
+                  <a16:creationId xmlns:a16="http://schemas.microsoft.com/office/drawing/2014/main" id="{8DDEB134-1285-659A-BD5C-34A7F659DE85}"/>
+                </a:ext>
+              </a:extLst>
+            </p:cNvPr>
+            <p:cNvCxnSpPr/>
+            <p:nvPr/>
+          </p:nvCxnSpPr>
+          <p:spPr>
+            <a:xfrm flipH="1">
+              <a:off x="6970712" y="3141132"/>
+              <a:ext cx="914400" cy="0"/>
+            </a:xfrm>
+            <a:prstGeom prst="line">
+              <a:avLst/>
+            </a:prstGeom>
+            <a:ln w="28575">
+              <a:solidFill>
+                <a:schemeClr val="accent2"/>
+              </a:solidFill>
+            </a:ln>
+          </p:spPr>
+          <p:style>
+            <a:lnRef idx="1">
+              <a:schemeClr val="accent1"/>
+            </a:lnRef>
+            <a:fillRef idx="0">
+              <a:schemeClr val="accent1"/>
+            </a:fillRef>
+            <a:effectRef idx="0">
+              <a:schemeClr val="accent1"/>
+            </a:effectRef>
+            <a:fontRef idx="minor">
+              <a:schemeClr val="tx1"/>
+            </a:fontRef>
+          </p:style>
+        </p:cxnSp>
+      </p:grpSp>
+      <p:grpSp>
+        <p:nvGrpSpPr>
+          <p:cNvPr id="53" name="Group 52">
+            <a:extLst>
+              <a:ext uri="{FF2B5EF4-FFF2-40B4-BE49-F238E27FC236}">
+                <a16:creationId xmlns:a16="http://schemas.microsoft.com/office/drawing/2014/main" id="{E1482CA9-5CAB-7B32-E293-851F9BAF92B7}"/>
+              </a:ext>
+            </a:extLst>
+          </p:cNvPr>
+          <p:cNvGrpSpPr/>
+          <p:nvPr/>
+        </p:nvGrpSpPr>
+        <p:grpSpPr>
+          <a:xfrm>
+            <a:off x="6970712" y="2307728"/>
+            <a:ext cx="1103313" cy="903021"/>
+            <a:chOff x="6970712" y="2193935"/>
+            <a:chExt cx="1103313" cy="903021"/>
+          </a:xfrm>
+        </p:grpSpPr>
+        <p:sp>
+          <p:nvSpPr>
+            <p:cNvPr id="38" name="TextBox 37">
+              <a:extLst>
+                <a:ext uri="{FF2B5EF4-FFF2-40B4-BE49-F238E27FC236}">
+                  <a16:creationId xmlns:a16="http://schemas.microsoft.com/office/drawing/2014/main" id="{29216945-3F53-2F53-D163-422D0BF4D26A}"/>
+                </a:ext>
+              </a:extLst>
+            </p:cNvPr>
+            <p:cNvSpPr txBox="1"/>
+            <p:nvPr/>
+          </p:nvSpPr>
+          <p:spPr>
+            <a:xfrm>
+              <a:off x="7673975" y="2193935"/>
+              <a:ext cx="400050" cy="400110"/>
+            </a:xfrm>
+            <a:prstGeom prst="rect">
+              <a:avLst/>
+            </a:prstGeom>
+            <a:noFill/>
+          </p:spPr>
+          <p:txBody>
+            <a:bodyPr wrap="square" rtlCol="0">
+              <a:spAutoFit/>
+            </a:bodyPr>
+            <a:lstStyle/>
+            <a:p>
+              <a:pPr algn="ctr"/>
+              <a:r>
+                <a:rPr lang="en-US" sz="2000" b="1" dirty="0">
+                  <a:solidFill>
+                    <a:schemeClr val="accent3"/>
+                  </a:solidFill>
+                </a:rPr>
+                <a:t>6</a:t>
+              </a:r>
+            </a:p>
+          </p:txBody>
+        </p:sp>
+        <p:cxnSp>
+          <p:nvCxnSpPr>
+            <p:cNvPr id="46" name="Straight Connector 45">
+              <a:extLst>
+                <a:ext uri="{FF2B5EF4-FFF2-40B4-BE49-F238E27FC236}">
+                  <a16:creationId xmlns:a16="http://schemas.microsoft.com/office/drawing/2014/main" id="{6FCBAEA2-BBCE-7A34-A8F9-2C7574E00254}"/>
+                </a:ext>
+              </a:extLst>
+            </p:cNvPr>
+            <p:cNvCxnSpPr/>
+            <p:nvPr/>
+          </p:nvCxnSpPr>
+          <p:spPr>
+            <a:xfrm flipH="1">
+              <a:off x="6970712" y="3096956"/>
+              <a:ext cx="914400" cy="0"/>
+            </a:xfrm>
+            <a:prstGeom prst="line">
+              <a:avLst/>
+            </a:prstGeom>
+            <a:ln w="28575">
+              <a:solidFill>
+                <a:schemeClr val="accent3"/>
+              </a:solidFill>
+            </a:ln>
+          </p:spPr>
+          <p:style>
+            <a:lnRef idx="1">
+              <a:schemeClr val="accent1"/>
+            </a:lnRef>
+            <a:fillRef idx="0">
+              <a:schemeClr val="accent1"/>
+            </a:fillRef>
+            <a:effectRef idx="0">
+              <a:schemeClr val="accent1"/>
+            </a:effectRef>
+            <a:fontRef idx="minor">
+              <a:schemeClr val="tx1"/>
+            </a:fontRef>
+          </p:style>
+        </p:cxnSp>
+      </p:grpSp>
+      <p:grpSp>
+        <p:nvGrpSpPr>
+          <p:cNvPr id="54" name="Group 53">
+            <a:extLst>
+              <a:ext uri="{FF2B5EF4-FFF2-40B4-BE49-F238E27FC236}">
+                <a16:creationId xmlns:a16="http://schemas.microsoft.com/office/drawing/2014/main" id="{819C651A-6C33-927F-7425-2A72E674461B}"/>
+              </a:ext>
+            </a:extLst>
+          </p:cNvPr>
+          <p:cNvGrpSpPr/>
+          <p:nvPr/>
+        </p:nvGrpSpPr>
+        <p:grpSpPr>
+          <a:xfrm>
+            <a:off x="7885112" y="2728032"/>
+            <a:ext cx="1125538" cy="477571"/>
+            <a:chOff x="7885112" y="2614239"/>
+            <a:chExt cx="1125538" cy="477571"/>
+          </a:xfrm>
+        </p:grpSpPr>
+        <p:sp>
+          <p:nvSpPr>
+            <p:cNvPr id="39" name="TextBox 38">
+              <a:extLst>
+                <a:ext uri="{FF2B5EF4-FFF2-40B4-BE49-F238E27FC236}">
+                  <a16:creationId xmlns:a16="http://schemas.microsoft.com/office/drawing/2014/main" id="{EE8D09AE-FFFE-9601-0BEA-A4BDDBDC2C1D}"/>
+                </a:ext>
+              </a:extLst>
+            </p:cNvPr>
+            <p:cNvSpPr txBox="1"/>
+            <p:nvPr/>
+          </p:nvSpPr>
+          <p:spPr>
+            <a:xfrm>
+              <a:off x="8610600" y="2614239"/>
+              <a:ext cx="400050" cy="400110"/>
+            </a:xfrm>
+            <a:prstGeom prst="rect">
+              <a:avLst/>
+            </a:prstGeom>
+            <a:noFill/>
+          </p:spPr>
+          <p:txBody>
+            <a:bodyPr wrap="square" rtlCol="0">
+              <a:spAutoFit/>
+            </a:bodyPr>
+            <a:lstStyle/>
+            <a:p>
+              <a:pPr algn="ctr"/>
+              <a:r>
+                <a:rPr lang="en-US" sz="2000" b="1" dirty="0">
+                  <a:solidFill>
+                    <a:schemeClr val="accent4"/>
+                  </a:solidFill>
+                </a:rPr>
+                <a:t>7</a:t>
+              </a:r>
+            </a:p>
+          </p:txBody>
+        </p:sp>
+        <p:cxnSp>
+          <p:nvCxnSpPr>
+            <p:cNvPr id="47" name="Straight Connector 46">
+              <a:extLst>
+                <a:ext uri="{FF2B5EF4-FFF2-40B4-BE49-F238E27FC236}">
+                  <a16:creationId xmlns:a16="http://schemas.microsoft.com/office/drawing/2014/main" id="{95856CBC-B3CB-58EB-BE82-1CB18E6D62F2}"/>
+                </a:ext>
+              </a:extLst>
+            </p:cNvPr>
+            <p:cNvCxnSpPr/>
+            <p:nvPr/>
+          </p:nvCxnSpPr>
+          <p:spPr>
+            <a:xfrm flipH="1">
+              <a:off x="7885112" y="3091810"/>
+              <a:ext cx="914400" cy="0"/>
+            </a:xfrm>
+            <a:prstGeom prst="line">
+              <a:avLst/>
+            </a:prstGeom>
+            <a:ln w="28575">
+              <a:solidFill>
+                <a:schemeClr val="accent4"/>
+              </a:solidFill>
+            </a:ln>
+          </p:spPr>
+          <p:style>
+            <a:lnRef idx="1">
+              <a:schemeClr val="accent1"/>
+            </a:lnRef>
+            <a:fillRef idx="0">
+              <a:schemeClr val="accent1"/>
+            </a:fillRef>
+            <a:effectRef idx="0">
+              <a:schemeClr val="accent1"/>
+            </a:effectRef>
+            <a:fontRef idx="minor">
+              <a:schemeClr val="tx1"/>
+            </a:fontRef>
+          </p:style>
+        </p:cxnSp>
+      </p:grpSp>
+      <p:sp>
+        <p:nvSpPr>
+          <p:cNvPr id="62" name="Left Bracket 61">
+            <a:extLst>
+              <a:ext uri="{FF2B5EF4-FFF2-40B4-BE49-F238E27FC236}">
+                <a16:creationId xmlns:a16="http://schemas.microsoft.com/office/drawing/2014/main" id="{07EA2D86-0C86-EED5-E93C-27D7937900BE}"/>
+              </a:ext>
+            </a:extLst>
+          </p:cNvPr>
+          <p:cNvSpPr/>
+          <p:nvPr/>
+        </p:nvSpPr>
+        <p:spPr>
+          <a:xfrm rot="16200000">
+            <a:off x="7341811" y="2426469"/>
+            <a:ext cx="172201" cy="2743200"/>
+          </a:xfrm>
+          <a:prstGeom prst="leftBracket">
+            <a:avLst>
+              <a:gd name="adj" fmla="val 115272"/>
+            </a:avLst>
+          </a:prstGeom>
+          <a:ln w="28575">
+            <a:solidFill>
+              <a:schemeClr val="tx1"/>
+            </a:solidFill>
+          </a:ln>
+        </p:spPr>
+        <p:style>
+          <a:lnRef idx="1">
+            <a:schemeClr val="accent1"/>
+          </a:lnRef>
+          <a:fillRef idx="0">
+            <a:schemeClr val="accent1"/>
+          </a:fillRef>
+          <a:effectRef idx="0">
+            <a:schemeClr val="accent1"/>
+          </a:effectRef>
+          <a:fontRef idx="minor">
+            <a:schemeClr val="tx1"/>
+          </a:fontRef>
+        </p:style>
+        <p:txBody>
+          <a:bodyPr rtlCol="0" anchor="ctr"/>
+          <a:lstStyle/>
+          <a:p>
+            <a:pPr algn="ctr"/>
+            <a:endParaRPr lang="en-US"/>
+          </a:p>
+        </p:txBody>
+      </p:sp>
+      <mc:AlternateContent xmlns:mc="http://schemas.openxmlformats.org/markup-compatibility/2006">
+        <mc:Choice xmlns:a14="http://schemas.microsoft.com/office/drawing/2010/main" Requires="a14">
+          <p:sp>
+            <p:nvSpPr>
+              <p:cNvPr id="63" name="TextBox 62">
+                <a:extLst>
+                  <a:ext uri="{FF2B5EF4-FFF2-40B4-BE49-F238E27FC236}">
+                    <a16:creationId xmlns:a16="http://schemas.microsoft.com/office/drawing/2014/main" id="{6967ABFE-70F8-2EF1-CFAA-C1C4BAB98E71}"/>
+                  </a:ext>
+                </a:extLst>
+              </p:cNvPr>
+              <p:cNvSpPr txBox="1"/>
+              <p:nvPr/>
+            </p:nvSpPr>
+            <p:spPr>
+              <a:xfrm>
+                <a:off x="6513512" y="3736959"/>
+                <a:ext cx="1896081" cy="278087"/>
+              </a:xfrm>
+              <a:prstGeom prst="rect">
+                <a:avLst/>
+              </a:prstGeom>
+              <a:solidFill>
+                <a:schemeClr val="bg1"/>
+              </a:solidFill>
+            </p:spPr>
+            <p:txBody>
+              <a:bodyPr wrap="square" lIns="0" tIns="0" rIns="0" bIns="0" rtlCol="0">
+                <a:spAutoFit/>
+              </a:bodyPr>
+              <a:lstStyle/>
+              <a:p>
+                <a14:m>
+                  <m:oMathPara xmlns:m="http://schemas.openxmlformats.org/officeDocument/2006/math">
+                    <m:oMathParaPr>
+                      <m:jc m:val="centerGroup"/>
+                    </m:oMathParaPr>
+                    <m:oMath xmlns:m="http://schemas.openxmlformats.org/officeDocument/2006/math">
+                      <m:r>
+                        <a:rPr lang="en-US" b="0" i="1" smtClean="0">
+                          <a:latin typeface="Cambria Math" panose="02040503050406030204" pitchFamily="18" charset="0"/>
+                        </a:rPr>
+                        <m:t>𝑅</m:t>
+                      </m:r>
+                      <m:r>
+                        <a:rPr lang="en-US" b="0" i="1" smtClean="0">
+                          <a:latin typeface="Cambria Math" panose="02040503050406030204" pitchFamily="18" charset="0"/>
+                        </a:rPr>
+                        <m:t>= 5 −2=3</m:t>
+                      </m:r>
+                    </m:oMath>
+                  </m:oMathPara>
+                </a14:m>
+                <a:endParaRPr lang="en-US" dirty="0"/>
+              </a:p>
+            </p:txBody>
+          </p:sp>
+        </mc:Choice>
+        <mc:Fallback>
+          <p:sp>
+            <p:nvSpPr>
+              <p:cNvPr id="63" name="TextBox 62">
+                <a:extLst>
+                  <a:ext uri="{FF2B5EF4-FFF2-40B4-BE49-F238E27FC236}">
+                    <a16:creationId xmlns:a16="http://schemas.microsoft.com/office/drawing/2014/main" id="{6967ABFE-70F8-2EF1-CFAA-C1C4BAB98E71}"/>
+                  </a:ext>
+                </a:extLst>
+              </p:cNvPr>
+              <p:cNvSpPr txBox="1">
+                <a:spLocks noRot="1" noChangeAspect="1" noMove="1" noResize="1" noEditPoints="1" noAdjustHandles="1" noChangeArrowheads="1" noChangeShapeType="1" noTextEdit="1"/>
+              </p:cNvSpPr>
+              <p:nvPr/>
+            </p:nvSpPr>
+            <p:spPr>
+              <a:xfrm>
+                <a:off x="6513512" y="3736959"/>
+                <a:ext cx="1896081" cy="278087"/>
+              </a:xfrm>
+              <a:prstGeom prst="rect">
+                <a:avLst/>
+              </a:prstGeom>
+              <a:blipFill>
+                <a:blip r:embed="rId3"/>
+                <a:stretch>
+                  <a:fillRect b="-6522"/>
+                </a:stretch>
+              </a:blipFill>
+            </p:spPr>
+            <p:txBody>
+              <a:bodyPr/>
+              <a:lstStyle/>
+              <a:p>
+                <a:r>
+                  <a:rPr lang="en-US">
+                    <a:noFill/>
+                  </a:rPr>
+                  <a:t> </a:t>
+                </a:r>
+              </a:p>
+            </p:txBody>
+          </p:sp>
+        </mc:Fallback>
+      </mc:AlternateContent>
+      <mc:AlternateContent xmlns:mc="http://schemas.openxmlformats.org/markup-compatibility/2006">
+        <mc:Choice xmlns:a14="http://schemas.microsoft.com/office/drawing/2010/main" Requires="a14">
+          <p:sp>
+            <p:nvSpPr>
+              <p:cNvPr id="64" name="TextBox 63">
+                <a:extLst>
+                  <a:ext uri="{FF2B5EF4-FFF2-40B4-BE49-F238E27FC236}">
+                    <a16:creationId xmlns:a16="http://schemas.microsoft.com/office/drawing/2014/main" id="{47B9E759-C761-D171-2DF8-C901E2D2C2E4}"/>
+                  </a:ext>
+                </a:extLst>
+              </p:cNvPr>
+              <p:cNvSpPr txBox="1"/>
+              <p:nvPr/>
+            </p:nvSpPr>
+            <p:spPr>
+              <a:xfrm>
+                <a:off x="186266" y="4269235"/>
+                <a:ext cx="12005727" cy="369332"/>
+              </a:xfrm>
+              <a:prstGeom prst="rect">
+                <a:avLst/>
+              </a:prstGeom>
+              <a:noFill/>
+            </p:spPr>
+            <p:txBody>
+              <a:bodyPr wrap="square" rtlCol="0">
+                <a:spAutoFit/>
+              </a:bodyPr>
+              <a:lstStyle/>
+              <a:p>
+                <a:pPr marL="285750" indent="-285750">
+                  <a:buFont typeface="Arial" panose="020B0604020202020204" pitchFamily="34" charset="0"/>
+                  <a:buChar char="•"/>
+                </a:pPr>
+                <a:r>
+                  <a:rPr lang="en-US" dirty="0"/>
+                  <a:t>Total number of trajectories (possible polymers) for a given </a:t>
+                </a:r>
+                <a14:m>
+                  <m:oMath xmlns:m="http://schemas.openxmlformats.org/officeDocument/2006/math">
+                    <m:r>
+                      <a:rPr lang="en-US" b="0" i="1" smtClean="0">
+                        <a:latin typeface="Cambria Math" panose="02040503050406030204" pitchFamily="18" charset="0"/>
+                      </a:rPr>
+                      <m:t>𝑁</m:t>
+                    </m:r>
+                  </m:oMath>
+                </a14:m>
+                <a:r>
+                  <a:rPr lang="en-US" dirty="0"/>
+                  <a:t> and </a:t>
+                </a:r>
+                <a14:m>
+                  <m:oMath xmlns:m="http://schemas.openxmlformats.org/officeDocument/2006/math">
+                    <m:r>
+                      <a:rPr lang="en-US" b="0" i="1" smtClean="0">
+                        <a:latin typeface="Cambria Math" panose="02040503050406030204" pitchFamily="18" charset="0"/>
+                      </a:rPr>
+                      <m:t>𝑅</m:t>
+                    </m:r>
+                  </m:oMath>
+                </a14:m>
+                <a:r>
+                  <a:rPr lang="en-US" dirty="0"/>
+                  <a:t>:</a:t>
+                </a:r>
+              </a:p>
+            </p:txBody>
+          </p:sp>
+        </mc:Choice>
+        <mc:Fallback>
+          <p:sp>
+            <p:nvSpPr>
+              <p:cNvPr id="64" name="TextBox 63">
+                <a:extLst>
+                  <a:ext uri="{FF2B5EF4-FFF2-40B4-BE49-F238E27FC236}">
+                    <a16:creationId xmlns:a16="http://schemas.microsoft.com/office/drawing/2014/main" id="{47B9E759-C761-D171-2DF8-C901E2D2C2E4}"/>
+                  </a:ext>
+                </a:extLst>
+              </p:cNvPr>
+              <p:cNvSpPr txBox="1">
+                <a:spLocks noRot="1" noChangeAspect="1" noMove="1" noResize="1" noEditPoints="1" noAdjustHandles="1" noChangeArrowheads="1" noChangeShapeType="1" noTextEdit="1"/>
+              </p:cNvSpPr>
+              <p:nvPr/>
+            </p:nvSpPr>
+            <p:spPr>
+              <a:xfrm>
+                <a:off x="186266" y="4269235"/>
+                <a:ext cx="12005727" cy="369332"/>
+              </a:xfrm>
+              <a:prstGeom prst="rect">
+                <a:avLst/>
+              </a:prstGeom>
+              <a:blipFill>
+                <a:blip r:embed="rId4"/>
+                <a:stretch>
+                  <a:fillRect l="-356" t="-8197" b="-24590"/>
+                </a:stretch>
+              </a:blipFill>
+            </p:spPr>
+            <p:txBody>
+              <a:bodyPr/>
+              <a:lstStyle/>
+              <a:p>
+                <a:r>
+                  <a:rPr lang="en-US">
+                    <a:noFill/>
+                  </a:rPr>
+                  <a:t> </a:t>
+                </a:r>
+              </a:p>
+            </p:txBody>
+          </p:sp>
+        </mc:Fallback>
+      </mc:AlternateContent>
+      <p:pic>
+        <p:nvPicPr>
+          <p:cNvPr id="76" name="Picture 75">
+            <a:extLst>
+              <a:ext uri="{FF2B5EF4-FFF2-40B4-BE49-F238E27FC236}">
+                <a16:creationId xmlns:a16="http://schemas.microsoft.com/office/drawing/2014/main" id="{255D5984-DA76-332D-8B43-C34849763CA2}"/>
+              </a:ext>
+            </a:extLst>
+          </p:cNvPr>
+          <p:cNvPicPr>
+            <a:picLocks noChangeAspect="1"/>
+          </p:cNvPicPr>
+          <p:nvPr/>
+        </p:nvPicPr>
+        <p:blipFill>
+          <a:blip r:embed="rId5"/>
+          <a:stretch>
+            <a:fillRect/>
+          </a:stretch>
+        </p:blipFill>
+        <p:spPr>
+          <a:xfrm>
+            <a:off x="1277939" y="4872917"/>
+            <a:ext cx="8568698" cy="624541"/>
+          </a:xfrm>
+          <a:prstGeom prst="rect">
+            <a:avLst/>
+          </a:prstGeom>
+        </p:spPr>
+      </p:pic>
+    </p:spTree>
+    <p:extLst>
+      <p:ext uri="{BB962C8B-B14F-4D97-AF65-F5344CB8AC3E}">
+        <p14:creationId xmlns:p14="http://schemas.microsoft.com/office/powerpoint/2010/main" val="4251960884"/>
+      </p:ext>
+    </p:extLst>
+  </p:cSld>
+  <p:clrMapOvr>
+    <a:masterClrMapping/>
+  </p:clrMapOvr>
+  <p:timing>
+    <p:tnLst>
+      <p:par>
+        <p:cTn id="1" dur="indefinite" restart="never" nodeType="tmRoot">
+          <p:childTnLst>
+            <p:seq concurrent="1" nextAc="seek">
+              <p:cTn id="2" dur="indefinite" nodeType="mainSeq">
+                <p:childTnLst>
+                  <p:par>
+                    <p:cTn id="3" fill="hold">
+                      <p:stCondLst>
+                        <p:cond delay="indefinite"/>
+                      </p:stCondLst>
+                      <p:childTnLst>
+                        <p:par>
+                          <p:cTn id="4" fill="hold">
+                            <p:stCondLst>
+                              <p:cond delay="0"/>
+                            </p:stCondLst>
+                            <p:childTnLst>
+                              <p:par>
+                                <p:cTn id="5" presetID="1" presetClass="entr" presetSubtype="0" fill="hold" nodeType="clickEffect">
+                                  <p:stCondLst>
+                                    <p:cond delay="0"/>
+                                  </p:stCondLst>
+                                  <p:childTnLst>
+                                    <p:set>
+                                      <p:cBhvr>
+                                        <p:cTn id="6" dur="1" fill="hold">
+                                          <p:stCondLst>
+                                            <p:cond delay="0"/>
+                                          </p:stCondLst>
+                                        </p:cTn>
+                                        <p:tgtEl>
+                                          <p:spTgt spid="48"/>
+                                        </p:tgtEl>
+                                        <p:attrNameLst>
+                                          <p:attrName>style.visibility</p:attrName>
+                                        </p:attrNameLst>
+                                      </p:cBhvr>
+                                      <p:to>
+                                        <p:strVal val="visible"/>
+                                      </p:to>
+                                    </p:set>
+                                  </p:childTnLst>
+                                </p:cTn>
+                              </p:par>
+                            </p:childTnLst>
+                          </p:cTn>
+                        </p:par>
+                      </p:childTnLst>
+                    </p:cTn>
+                  </p:par>
+                  <p:par>
+                    <p:cTn id="7" fill="hold">
+                      <p:stCondLst>
+                        <p:cond delay="indefinite"/>
+                      </p:stCondLst>
+                      <p:childTnLst>
+                        <p:par>
+                          <p:cTn id="8" fill="hold">
+                            <p:stCondLst>
+                              <p:cond delay="0"/>
+                            </p:stCondLst>
+                            <p:childTnLst>
+                              <p:par>
+                                <p:cTn id="9" presetID="1" presetClass="entr" presetSubtype="0" fill="hold" nodeType="clickEffect">
+                                  <p:stCondLst>
+                                    <p:cond delay="0"/>
+                                  </p:stCondLst>
+                                  <p:childTnLst>
+                                    <p:set>
+                                      <p:cBhvr>
+                                        <p:cTn id="10" dur="1" fill="hold">
+                                          <p:stCondLst>
+                                            <p:cond delay="0"/>
+                                          </p:stCondLst>
+                                        </p:cTn>
+                                        <p:tgtEl>
+                                          <p:spTgt spid="49"/>
+                                        </p:tgtEl>
+                                        <p:attrNameLst>
+                                          <p:attrName>style.visibility</p:attrName>
+                                        </p:attrNameLst>
+                                      </p:cBhvr>
+                                      <p:to>
+                                        <p:strVal val="visible"/>
+                                      </p:to>
+                                    </p:set>
+                                  </p:childTnLst>
+                                </p:cTn>
+                              </p:par>
+                            </p:childTnLst>
+                          </p:cTn>
+                        </p:par>
+                      </p:childTnLst>
+                    </p:cTn>
+                  </p:par>
+                  <p:par>
+                    <p:cTn id="11" fill="hold">
+                      <p:stCondLst>
+                        <p:cond delay="indefinite"/>
+                      </p:stCondLst>
+                      <p:childTnLst>
+                        <p:par>
+                          <p:cTn id="12" fill="hold">
+                            <p:stCondLst>
+                              <p:cond delay="0"/>
+                            </p:stCondLst>
+                            <p:childTnLst>
+                              <p:par>
+                                <p:cTn id="13" presetID="1" presetClass="entr" presetSubtype="0" fill="hold" nodeType="clickEffect">
+                                  <p:stCondLst>
+                                    <p:cond delay="0"/>
+                                  </p:stCondLst>
+                                  <p:childTnLst>
+                                    <p:set>
+                                      <p:cBhvr>
+                                        <p:cTn id="14" dur="1" fill="hold">
+                                          <p:stCondLst>
+                                            <p:cond delay="0"/>
+                                          </p:stCondLst>
+                                        </p:cTn>
+                                        <p:tgtEl>
+                                          <p:spTgt spid="50"/>
+                                        </p:tgtEl>
+                                        <p:attrNameLst>
+                                          <p:attrName>style.visibility</p:attrName>
+                                        </p:attrNameLst>
+                                      </p:cBhvr>
+                                      <p:to>
+                                        <p:strVal val="visible"/>
+                                      </p:to>
+                                    </p:set>
+                                  </p:childTnLst>
+                                </p:cTn>
+                              </p:par>
+                            </p:childTnLst>
+                          </p:cTn>
+                        </p:par>
+                      </p:childTnLst>
+                    </p:cTn>
+                  </p:par>
+                  <p:par>
+                    <p:cTn id="15" fill="hold">
+                      <p:stCondLst>
+                        <p:cond delay="indefinite"/>
+                      </p:stCondLst>
+                      <p:childTnLst>
+                        <p:par>
+                          <p:cTn id="16" fill="hold">
+                            <p:stCondLst>
+                              <p:cond delay="0"/>
+                            </p:stCondLst>
+                            <p:childTnLst>
+                              <p:par>
+                                <p:cTn id="17" presetID="1" presetClass="entr" presetSubtype="0" fill="hold" nodeType="clickEffect">
+                                  <p:stCondLst>
+                                    <p:cond delay="0"/>
+                                  </p:stCondLst>
+                                  <p:childTnLst>
+                                    <p:set>
+                                      <p:cBhvr>
+                                        <p:cTn id="18" dur="1" fill="hold">
+                                          <p:stCondLst>
+                                            <p:cond delay="0"/>
+                                          </p:stCondLst>
+                                        </p:cTn>
+                                        <p:tgtEl>
+                                          <p:spTgt spid="51"/>
+                                        </p:tgtEl>
+                                        <p:attrNameLst>
+                                          <p:attrName>style.visibility</p:attrName>
+                                        </p:attrNameLst>
+                                      </p:cBhvr>
+                                      <p:to>
+                                        <p:strVal val="visible"/>
+                                      </p:to>
+                                    </p:set>
+                                  </p:childTnLst>
+                                </p:cTn>
+                              </p:par>
+                            </p:childTnLst>
+                          </p:cTn>
+                        </p:par>
+                      </p:childTnLst>
+                    </p:cTn>
+                  </p:par>
+                  <p:par>
+                    <p:cTn id="19" fill="hold">
+                      <p:stCondLst>
+                        <p:cond delay="indefinite"/>
+                      </p:stCondLst>
+                      <p:childTnLst>
+                        <p:par>
+                          <p:cTn id="20" fill="hold">
+                            <p:stCondLst>
+                              <p:cond delay="0"/>
+                            </p:stCondLst>
+                            <p:childTnLst>
+                              <p:par>
+                                <p:cTn id="21" presetID="1" presetClass="entr" presetSubtype="0" fill="hold" nodeType="clickEffect">
+                                  <p:stCondLst>
+                                    <p:cond delay="0"/>
+                                  </p:stCondLst>
+                                  <p:childTnLst>
+                                    <p:set>
+                                      <p:cBhvr>
+                                        <p:cTn id="22" dur="1" fill="hold">
+                                          <p:stCondLst>
+                                            <p:cond delay="0"/>
+                                          </p:stCondLst>
+                                        </p:cTn>
+                                        <p:tgtEl>
+                                          <p:spTgt spid="52"/>
+                                        </p:tgtEl>
+                                        <p:attrNameLst>
+                                          <p:attrName>style.visibility</p:attrName>
+                                        </p:attrNameLst>
+                                      </p:cBhvr>
+                                      <p:to>
+                                        <p:strVal val="visible"/>
+                                      </p:to>
+                                    </p:set>
+                                  </p:childTnLst>
+                                </p:cTn>
+                              </p:par>
+                            </p:childTnLst>
+                          </p:cTn>
+                        </p:par>
+                      </p:childTnLst>
+                    </p:cTn>
+                  </p:par>
+                  <p:par>
+                    <p:cTn id="23" fill="hold">
+                      <p:stCondLst>
+                        <p:cond delay="indefinite"/>
+                      </p:stCondLst>
+                      <p:childTnLst>
+                        <p:par>
+                          <p:cTn id="24" fill="hold">
+                            <p:stCondLst>
+                              <p:cond delay="0"/>
+                            </p:stCondLst>
+                            <p:childTnLst>
+                              <p:par>
+                                <p:cTn id="25" presetID="1" presetClass="entr" presetSubtype="0" fill="hold" nodeType="clickEffect">
+                                  <p:stCondLst>
+                                    <p:cond delay="0"/>
+                                  </p:stCondLst>
+                                  <p:childTnLst>
+                                    <p:set>
+                                      <p:cBhvr>
+                                        <p:cTn id="26" dur="1" fill="hold">
+                                          <p:stCondLst>
+                                            <p:cond delay="0"/>
+                                          </p:stCondLst>
+                                        </p:cTn>
+                                        <p:tgtEl>
+                                          <p:spTgt spid="53"/>
+                                        </p:tgtEl>
+                                        <p:attrNameLst>
+                                          <p:attrName>style.visibility</p:attrName>
+                                        </p:attrNameLst>
+                                      </p:cBhvr>
+                                      <p:to>
+                                        <p:strVal val="visible"/>
+                                      </p:to>
+                                    </p:set>
+                                  </p:childTnLst>
+                                </p:cTn>
+                              </p:par>
+                            </p:childTnLst>
+                          </p:cTn>
+                        </p:par>
+                      </p:childTnLst>
+                    </p:cTn>
+                  </p:par>
+                  <p:par>
+                    <p:cTn id="27" fill="hold">
+                      <p:stCondLst>
+                        <p:cond delay="indefinite"/>
+                      </p:stCondLst>
+                      <p:childTnLst>
+                        <p:par>
+                          <p:cTn id="28" fill="hold">
+                            <p:stCondLst>
+                              <p:cond delay="0"/>
+                            </p:stCondLst>
+                            <p:childTnLst>
+                              <p:par>
+                                <p:cTn id="29" presetID="1" presetClass="entr" presetSubtype="0" fill="hold" nodeType="clickEffect">
+                                  <p:stCondLst>
+                                    <p:cond delay="0"/>
+                                  </p:stCondLst>
+                                  <p:childTnLst>
+                                    <p:set>
+                                      <p:cBhvr>
+                                        <p:cTn id="30" dur="1" fill="hold">
+                                          <p:stCondLst>
+                                            <p:cond delay="0"/>
+                                          </p:stCondLst>
+                                        </p:cTn>
+                                        <p:tgtEl>
+                                          <p:spTgt spid="54"/>
+                                        </p:tgtEl>
+                                        <p:attrNameLst>
+                                          <p:attrName>style.visibility</p:attrName>
+                                        </p:attrNameLst>
+                                      </p:cBhvr>
+                                      <p:to>
+                                        <p:strVal val="visible"/>
+                                      </p:to>
+                                    </p:set>
+                                  </p:childTnLst>
+                                </p:cTn>
+                              </p:par>
+                            </p:childTnLst>
+                          </p:cTn>
+                        </p:par>
+                      </p:childTnLst>
+                    </p:cTn>
+                  </p:par>
+                </p:childTnLst>
+              </p:cTn>
+              <p:prevCondLst>
+                <p:cond evt="onPrev" delay="0">
+                  <p:tgtEl>
+                    <p:sldTgt/>
+                  </p:tgtEl>
+                </p:cond>
+              </p:prevCondLst>
+              <p:nextCondLst>
+                <p:cond evt="onNext" delay="0">
+                  <p:tgtEl>
+                    <p:sldTgt/>
+                  </p:tgtEl>
+                </p:cond>
+              </p:nextCondLst>
+            </p:seq>
+          </p:childTnLst>
+        </p:cTn>
+      </p:par>
+    </p:tnLst>
+  </p:timing>
+</p:sld>
+</file>
+
+<file path=ppt/slides/slide5.xml><?xml version="1.0" encoding="utf-8"?>
 <p:sld xmlns:a="http://schemas.openxmlformats.org/drawingml/2006/main" xmlns:r="http://schemas.openxmlformats.org/officeDocument/2006/relationships" xmlns:p="http://schemas.openxmlformats.org/presentationml/2006/main">
   <p:cSld>
     <p:spTree>
@@ -5194,7 +7910,7 @@
           <a:p>
             <a:fld id="{5911C0E6-D9CE-431C-92CB-BB39B872F930}" type="slidenum">
               <a:rPr lang="en-US" smtClean="0"/>
-              <a:t>4</a:t>
+              <a:t>5</a:t>
             </a:fld>
             <a:endParaRPr lang="en-US"/>
           </a:p>
@@ -5692,7 +8408,7 @@
 </p:sld>
 </file>
 
-<file path=ppt/slides/slide5.xml><?xml version="1.0" encoding="utf-8"?>
+<file path=ppt/slides/slide6.xml><?xml version="1.0" encoding="utf-8"?>
 <p:sld xmlns:a="http://schemas.openxmlformats.org/drawingml/2006/main" xmlns:r="http://schemas.openxmlformats.org/officeDocument/2006/relationships" xmlns:p="http://schemas.openxmlformats.org/presentationml/2006/main">
   <p:cSld>
     <p:spTree>
@@ -5767,7 +8483,7 @@
           <a:p>
             <a:fld id="{5911C0E6-D9CE-431C-92CB-BB39B872F930}" type="slidenum">
               <a:rPr lang="en-US" smtClean="0"/>
-              <a:t>5</a:t>
+              <a:t>6</a:t>
             </a:fld>
             <a:endParaRPr lang="en-US"/>
           </a:p>
@@ -5933,7 +8649,7 @@
 </p:sld>
 </file>
 
-<file path=ppt/slides/slide6.xml><?xml version="1.0" encoding="utf-8"?>
+<file path=ppt/slides/slide7.xml><?xml version="1.0" encoding="utf-8"?>
 <p:sld xmlns:a="http://schemas.openxmlformats.org/drawingml/2006/main" xmlns:r="http://schemas.openxmlformats.org/officeDocument/2006/relationships" xmlns:p="http://schemas.openxmlformats.org/presentationml/2006/main">
   <p:cSld>
     <p:spTree>
@@ -6002,7 +8718,7 @@
             <a:fld id="{5911C0E6-D9CE-431C-92CB-BB39B872F930}" type="slidenum">
               <a:rPr lang="en-US" smtClean="0"/>
               <a:pPr/>
-              <a:t>6</a:t>
+              <a:t>7</a:t>
             </a:fld>
             <a:endParaRPr lang="en-US" dirty="0"/>
           </a:p>
@@ -6021,7 +8737,7 @@
 </p:sld>
 </file>
 
-<file path=ppt/slides/slide7.xml><?xml version="1.0" encoding="utf-8"?>
+<file path=ppt/slides/slide8.xml><?xml version="1.0" encoding="utf-8"?>
 <p:sld xmlns:a="http://schemas.openxmlformats.org/drawingml/2006/main" xmlns:r="http://schemas.openxmlformats.org/officeDocument/2006/relationships" xmlns:p="http://schemas.openxmlformats.org/presentationml/2006/main">
   <p:cSld>
     <p:spTree>
@@ -6250,7 +8966,7 @@
           <a:p>
             <a:fld id="{5911C0E6-D9CE-431C-92CB-BB39B872F930}" type="slidenum">
               <a:rPr lang="en-US" smtClean="0"/>
-              <a:t>7</a:t>
+              <a:t>8</a:t>
             </a:fld>
             <a:endParaRPr lang="en-US" dirty="0"/>
           </a:p>
@@ -12638,7 +15354,7 @@
 </p:sld>
 </file>
 
-<file path=ppt/slides/slide8.xml><?xml version="1.0" encoding="utf-8"?>
+<file path=ppt/slides/slide9.xml><?xml version="1.0" encoding="utf-8"?>
 <p:sld xmlns:a="http://schemas.openxmlformats.org/drawingml/2006/main" xmlns:r="http://schemas.openxmlformats.org/officeDocument/2006/relationships" xmlns:p="http://schemas.openxmlformats.org/presentationml/2006/main">
   <p:cSld>
     <p:spTree>
@@ -12713,7 +15429,7 @@
           <a:p>
             <a:fld id="{5911C0E6-D9CE-431C-92CB-BB39B872F930}" type="slidenum">
               <a:rPr lang="en-US" smtClean="0"/>
-              <a:t>8</a:t>
+              <a:t>9</a:t>
             </a:fld>
             <a:endParaRPr lang="en-US"/>
           </a:p>

--- a/20230427 CBE Student Colloquium.pptx
+++ b/20230427 CBE Student Colloquium.pptx
@@ -4789,6 +4789,36 @@
           <a:chExt cx="0" cy="0"/>
         </a:xfrm>
       </p:grpSpPr>
+      <p:pic>
+        <p:nvPicPr>
+          <p:cNvPr id="88" name="Picture 87">
+            <a:extLst>
+              <a:ext uri="{FF2B5EF4-FFF2-40B4-BE49-F238E27FC236}">
+                <a16:creationId xmlns:a16="http://schemas.microsoft.com/office/drawing/2014/main" id="{EA910E78-4D7B-42FE-A4C3-9E26E1BE1660}"/>
+              </a:ext>
+            </a:extLst>
+          </p:cNvPr>
+          <p:cNvPicPr>
+            <a:picLocks noChangeAspect="1"/>
+          </p:cNvPicPr>
+          <p:nvPr/>
+        </p:nvPicPr>
+        <p:blipFill>
+          <a:blip r:embed="rId2"/>
+          <a:stretch>
+            <a:fillRect/>
+          </a:stretch>
+        </p:blipFill>
+        <p:spPr>
+          <a:xfrm>
+            <a:off x="988632" y="4672053"/>
+            <a:ext cx="8022018" cy="575880"/>
+          </a:xfrm>
+          <a:prstGeom prst="rect">
+            <a:avLst/>
+          </a:prstGeom>
+        </p:spPr>
+      </p:pic>
       <p:sp>
         <p:nvSpPr>
           <p:cNvPr id="2" name="Title 1">
@@ -5149,7 +5179,7 @@
                 <a:avLst/>
               </a:prstGeom>
               <a:blipFill>
-                <a:blip r:embed="rId2"/>
+                <a:blip r:embed="rId3"/>
                 <a:stretch>
                   <a:fillRect l="-813" b="-5508"/>
                 </a:stretch>
@@ -5184,7 +5214,7 @@
         </p:nvGrpSpPr>
         <p:grpSpPr>
           <a:xfrm>
-            <a:off x="1277939" y="3234945"/>
+            <a:off x="1277939" y="3116796"/>
             <a:ext cx="9636121" cy="307848"/>
             <a:chOff x="1108077" y="2178177"/>
             <a:chExt cx="9636121" cy="307848"/>
@@ -6022,7 +6052,7 @@
         </p:nvSpPr>
         <p:spPr>
           <a:xfrm>
-            <a:off x="5856287" y="2724727"/>
+            <a:off x="5856287" y="2606578"/>
             <a:ext cx="400050" cy="400110"/>
           </a:xfrm>
           <a:prstGeom prst="rect">
@@ -6062,7 +6092,7 @@
         </p:nvGrpSpPr>
         <p:grpSpPr>
           <a:xfrm>
-            <a:off x="4941887" y="2724727"/>
+            <a:off x="4941887" y="2606578"/>
             <a:ext cx="1114425" cy="631945"/>
             <a:chOff x="4941887" y="2610934"/>
             <a:chExt cx="1114425" cy="631945"/>
@@ -6164,7 +6194,7 @@
         </p:nvGrpSpPr>
         <p:grpSpPr>
           <a:xfrm>
-            <a:off x="5141912" y="2309421"/>
+            <a:off x="5141912" y="2191272"/>
             <a:ext cx="1103313" cy="997508"/>
             <a:chOff x="5141912" y="2195628"/>
             <a:chExt cx="1103313" cy="997508"/>
@@ -6266,7 +6296,7 @@
         </p:nvGrpSpPr>
         <p:grpSpPr>
           <a:xfrm>
-            <a:off x="6056312" y="2709531"/>
+            <a:off x="6056312" y="2591382"/>
             <a:ext cx="1114425" cy="597398"/>
             <a:chOff x="6056312" y="2595738"/>
             <a:chExt cx="1114425" cy="597398"/>
@@ -6368,7 +6398,7 @@
         </p:nvGrpSpPr>
         <p:grpSpPr>
           <a:xfrm>
-            <a:off x="6970712" y="2707838"/>
+            <a:off x="6970712" y="2589689"/>
             <a:ext cx="1103313" cy="599091"/>
             <a:chOff x="6970712" y="2594045"/>
             <a:chExt cx="1103313" cy="599091"/>
@@ -6470,7 +6500,7 @@
         </p:nvGrpSpPr>
         <p:grpSpPr>
           <a:xfrm>
-            <a:off x="6770687" y="2309421"/>
+            <a:off x="6770687" y="2191272"/>
             <a:ext cx="1114425" cy="945504"/>
             <a:chOff x="6770687" y="2195628"/>
             <a:chExt cx="1114425" cy="945504"/>
@@ -6572,7 +6602,7 @@
         </p:nvGrpSpPr>
         <p:grpSpPr>
           <a:xfrm>
-            <a:off x="6970712" y="2307728"/>
+            <a:off x="6970712" y="2189579"/>
             <a:ext cx="1103313" cy="903021"/>
             <a:chOff x="6970712" y="2193935"/>
             <a:chExt cx="1103313" cy="903021"/>
@@ -6674,7 +6704,7 @@
         </p:nvGrpSpPr>
         <p:grpSpPr>
           <a:xfrm>
-            <a:off x="7885112" y="2728032"/>
+            <a:off x="7885112" y="2609883"/>
             <a:ext cx="1125538" cy="477571"/>
             <a:chOff x="7885112" y="2614239"/>
             <a:chExt cx="1125538" cy="477571"/>
@@ -6776,7 +6806,7 @@
         </p:nvSpPr>
         <p:spPr>
           <a:xfrm rot="16200000">
-            <a:off x="7341811" y="2426469"/>
+            <a:off x="7341811" y="2308320"/>
             <a:ext cx="172201" cy="2743200"/>
           </a:xfrm>
           <a:prstGeom prst="leftBracket">
@@ -6829,7 +6859,7 @@
             </p:nvSpPr>
             <p:spPr>
               <a:xfrm>
-                <a:off x="6513512" y="3736959"/>
+                <a:off x="6513512" y="3618810"/>
                 <a:ext cx="1896081" cy="278087"/>
               </a:xfrm>
               <a:prstGeom prst="rect">
@@ -6888,16 +6918,16 @@
             </p:nvSpPr>
             <p:spPr>
               <a:xfrm>
-                <a:off x="6513512" y="3736959"/>
+                <a:off x="6513512" y="3618810"/>
                 <a:ext cx="1896081" cy="278087"/>
               </a:xfrm>
               <a:prstGeom prst="rect">
                 <a:avLst/>
               </a:prstGeom>
               <a:blipFill>
-                <a:blip r:embed="rId3"/>
+                <a:blip r:embed="rId4"/>
                 <a:stretch>
-                  <a:fillRect b="-6522"/>
+                  <a:fillRect b="-8889"/>
                 </a:stretch>
               </a:blipFill>
             </p:spPr>
@@ -6932,7 +6962,7 @@
             </p:nvSpPr>
             <p:spPr>
               <a:xfrm>
-                <a:off x="186266" y="4269235"/>
+                <a:off x="186266" y="4151086"/>
                 <a:ext cx="12005727" cy="369332"/>
               </a:xfrm>
               <a:prstGeom prst="rect">
@@ -7003,16 +7033,16 @@
             </p:nvSpPr>
             <p:spPr>
               <a:xfrm>
-                <a:off x="186266" y="4269235"/>
+                <a:off x="186266" y="4151086"/>
                 <a:ext cx="12005727" cy="369332"/>
               </a:xfrm>
               <a:prstGeom prst="rect">
                 <a:avLst/>
               </a:prstGeom>
               <a:blipFill>
-                <a:blip r:embed="rId4"/>
+                <a:blip r:embed="rId5"/>
                 <a:stretch>
-                  <a:fillRect l="-356" t="-8197" b="-24590"/>
+                  <a:fillRect l="-356" t="-9836" b="-24590"/>
                 </a:stretch>
               </a:blipFill>
             </p:spPr>
@@ -7033,10 +7063,10 @@
       </mc:AlternateContent>
       <p:pic>
         <p:nvPicPr>
-          <p:cNvPr id="76" name="Picture 75">
+          <p:cNvPr id="96" name="Picture 95">
             <a:extLst>
               <a:ext uri="{FF2B5EF4-FFF2-40B4-BE49-F238E27FC236}">
-                <a16:creationId xmlns:a16="http://schemas.microsoft.com/office/drawing/2014/main" id="{255D5984-DA76-332D-8B43-C34849763CA2}"/>
+                <a16:creationId xmlns:a16="http://schemas.microsoft.com/office/drawing/2014/main" id="{E4D24A12-B6AC-6E0E-7210-4B7C55D2F568}"/>
               </a:ext>
             </a:extLst>
           </p:cNvPr>
@@ -7046,21 +7076,190 @@
           <p:nvPr/>
         </p:nvPicPr>
         <p:blipFill>
-          <a:blip r:embed="rId5"/>
+          <a:blip r:embed="rId6"/>
           <a:stretch>
             <a:fillRect/>
           </a:stretch>
         </p:blipFill>
         <p:spPr>
           <a:xfrm>
-            <a:off x="1277939" y="4872917"/>
-            <a:ext cx="8568698" cy="624541"/>
+            <a:off x="1835942" y="6030009"/>
+            <a:ext cx="2954339" cy="573317"/>
           </a:xfrm>
           <a:prstGeom prst="rect">
             <a:avLst/>
           </a:prstGeom>
         </p:spPr>
       </p:pic>
+      <p:grpSp>
+        <p:nvGrpSpPr>
+          <p:cNvPr id="101" name="Group 100">
+            <a:extLst>
+              <a:ext uri="{FF2B5EF4-FFF2-40B4-BE49-F238E27FC236}">
+                <a16:creationId xmlns:a16="http://schemas.microsoft.com/office/drawing/2014/main" id="{AF99B6E5-CA15-CE31-574C-9578C8A463E9}"/>
+              </a:ext>
+            </a:extLst>
+          </p:cNvPr>
+          <p:cNvGrpSpPr/>
+          <p:nvPr/>
+        </p:nvGrpSpPr>
+        <p:grpSpPr>
+          <a:xfrm>
+            <a:off x="5599112" y="5099416"/>
+            <a:ext cx="3375025" cy="1000954"/>
+            <a:chOff x="5599112" y="5179465"/>
+            <a:chExt cx="3375025" cy="1000954"/>
+          </a:xfrm>
+        </p:grpSpPr>
+        <p:pic>
+          <p:nvPicPr>
+            <p:cNvPr id="78" name="Picture 77">
+              <a:extLst>
+                <a:ext uri="{FF2B5EF4-FFF2-40B4-BE49-F238E27FC236}">
+                  <a16:creationId xmlns:a16="http://schemas.microsoft.com/office/drawing/2014/main" id="{F549D429-13EE-19D0-A194-98AFB193EA01}"/>
+                </a:ext>
+              </a:extLst>
+            </p:cNvPr>
+            <p:cNvPicPr>
+              <a:picLocks noChangeAspect="1"/>
+            </p:cNvPicPr>
+            <p:nvPr/>
+          </p:nvPicPr>
+          <p:blipFill>
+            <a:blip r:embed="rId7"/>
+            <a:stretch>
+              <a:fillRect/>
+            </a:stretch>
+          </p:blipFill>
+          <p:spPr>
+            <a:xfrm>
+              <a:off x="5599112" y="5611002"/>
+              <a:ext cx="3375025" cy="211695"/>
+            </a:xfrm>
+            <a:prstGeom prst="rect">
+              <a:avLst/>
+            </a:prstGeom>
+          </p:spPr>
+        </p:pic>
+        <p:cxnSp>
+          <p:nvCxnSpPr>
+            <p:cNvPr id="81" name="Straight Arrow Connector 80">
+              <a:extLst>
+                <a:ext uri="{FF2B5EF4-FFF2-40B4-BE49-F238E27FC236}">
+                  <a16:creationId xmlns:a16="http://schemas.microsoft.com/office/drawing/2014/main" id="{8E5212A0-7027-74F4-9334-00EF34CBEC6E}"/>
+                </a:ext>
+              </a:extLst>
+            </p:cNvPr>
+            <p:cNvCxnSpPr>
+              <a:cxnSpLocks/>
+            </p:cNvCxnSpPr>
+            <p:nvPr/>
+          </p:nvCxnSpPr>
+          <p:spPr>
+            <a:xfrm>
+              <a:off x="6095999" y="5179465"/>
+              <a:ext cx="12701" cy="329476"/>
+            </a:xfrm>
+            <a:prstGeom prst="straightConnector1">
+              <a:avLst/>
+            </a:prstGeom>
+            <a:ln w="28575">
+              <a:solidFill>
+                <a:schemeClr val="tx1"/>
+              </a:solidFill>
+              <a:tailEnd type="triangle"/>
+            </a:ln>
+          </p:spPr>
+          <p:style>
+            <a:lnRef idx="1">
+              <a:schemeClr val="accent1"/>
+            </a:lnRef>
+            <a:fillRef idx="0">
+              <a:schemeClr val="accent1"/>
+            </a:fillRef>
+            <a:effectRef idx="0">
+              <a:schemeClr val="accent1"/>
+            </a:effectRef>
+            <a:fontRef idx="minor">
+              <a:schemeClr val="tx1"/>
+            </a:fontRef>
+          </p:style>
+        </p:cxnSp>
+        <p:cxnSp>
+          <p:nvCxnSpPr>
+            <p:cNvPr id="84" name="Straight Arrow Connector 83">
+              <a:extLst>
+                <a:ext uri="{FF2B5EF4-FFF2-40B4-BE49-F238E27FC236}">
+                  <a16:creationId xmlns:a16="http://schemas.microsoft.com/office/drawing/2014/main" id="{0901349E-F2BA-2264-9830-C7479DC9C0F0}"/>
+                </a:ext>
+              </a:extLst>
+            </p:cNvPr>
+            <p:cNvCxnSpPr>
+              <a:cxnSpLocks/>
+            </p:cNvCxnSpPr>
+            <p:nvPr/>
+          </p:nvCxnSpPr>
+          <p:spPr>
+            <a:xfrm flipH="1">
+              <a:off x="7534275" y="5179465"/>
+              <a:ext cx="428625" cy="329476"/>
+            </a:xfrm>
+            <a:prstGeom prst="straightConnector1">
+              <a:avLst/>
+            </a:prstGeom>
+            <a:ln w="28575">
+              <a:solidFill>
+                <a:schemeClr val="tx1"/>
+              </a:solidFill>
+              <a:tailEnd type="triangle"/>
+            </a:ln>
+          </p:spPr>
+          <p:style>
+            <a:lnRef idx="1">
+              <a:schemeClr val="accent1"/>
+            </a:lnRef>
+            <a:fillRef idx="0">
+              <a:schemeClr val="accent1"/>
+            </a:fillRef>
+            <a:effectRef idx="0">
+              <a:schemeClr val="accent1"/>
+            </a:effectRef>
+            <a:fontRef idx="minor">
+              <a:schemeClr val="tx1"/>
+            </a:fontRef>
+          </p:style>
+        </p:cxnSp>
+        <p:pic>
+          <p:nvPicPr>
+            <p:cNvPr id="100" name="Picture 99">
+              <a:extLst>
+                <a:ext uri="{FF2B5EF4-FFF2-40B4-BE49-F238E27FC236}">
+                  <a16:creationId xmlns:a16="http://schemas.microsoft.com/office/drawing/2014/main" id="{7BD3F21D-1976-C8AF-0D48-2811257166B1}"/>
+                </a:ext>
+              </a:extLst>
+            </p:cNvPr>
+            <p:cNvPicPr>
+              <a:picLocks noChangeAspect="1"/>
+            </p:cNvPicPr>
+            <p:nvPr/>
+          </p:nvPicPr>
+          <p:blipFill>
+            <a:blip r:embed="rId8"/>
+            <a:stretch>
+              <a:fillRect/>
+            </a:stretch>
+          </p:blipFill>
+          <p:spPr>
+            <a:xfrm>
+              <a:off x="6068898" y="5924758"/>
+              <a:ext cx="1465377" cy="255661"/>
+            </a:xfrm>
+            <a:prstGeom prst="rect">
+              <a:avLst/>
+            </a:prstGeom>
+          </p:spPr>
+        </p:pic>
+      </p:grpSp>
     </p:spTree>
     <p:extLst>
       <p:ext uri="{BB962C8B-B14F-4D97-AF65-F5344CB8AC3E}">

--- a/20230427 CBE Student Colloquium.pptx
+++ b/20230427 CBE Student Colloquium.pptx
@@ -5,18 +5,19 @@
     <p:sldMasterId id="2147483648" r:id="rId1"/>
   </p:sldMasterIdLst>
   <p:notesMasterIdLst>
-    <p:notesMasterId r:id="rId11"/>
+    <p:notesMasterId r:id="rId12"/>
   </p:notesMasterIdLst>
   <p:sldIdLst>
     <p:sldId id="256" r:id="rId2"/>
     <p:sldId id="257" r:id="rId3"/>
     <p:sldId id="258" r:id="rId4"/>
     <p:sldId id="264" r:id="rId5"/>
-    <p:sldId id="259" r:id="rId6"/>
-    <p:sldId id="263" r:id="rId7"/>
-    <p:sldId id="262" r:id="rId8"/>
-    <p:sldId id="260" r:id="rId9"/>
-    <p:sldId id="261" r:id="rId10"/>
+    <p:sldId id="265" r:id="rId6"/>
+    <p:sldId id="259" r:id="rId7"/>
+    <p:sldId id="263" r:id="rId8"/>
+    <p:sldId id="262" r:id="rId9"/>
+    <p:sldId id="260" r:id="rId10"/>
+    <p:sldId id="261" r:id="rId11"/>
   </p:sldIdLst>
   <p:sldSz cx="12192000" cy="6858000"/>
   <p:notesSz cx="6858000" cy="9144000"/>
@@ -4003,6 +4004,2061 @@
 </p:sld>
 </file>
 
+<file path=ppt/slides/slide10.xml><?xml version="1.0" encoding="utf-8"?>
+<p:sld xmlns:a="http://schemas.openxmlformats.org/drawingml/2006/main" xmlns:r="http://schemas.openxmlformats.org/officeDocument/2006/relationships" xmlns:p="http://schemas.openxmlformats.org/presentationml/2006/main">
+  <p:cSld>
+    <p:spTree>
+      <p:nvGrpSpPr>
+        <p:cNvPr id="1" name=""/>
+        <p:cNvGrpSpPr/>
+        <p:nvPr/>
+      </p:nvGrpSpPr>
+      <p:grpSpPr>
+        <a:xfrm>
+          <a:off x="0" y="0"/>
+          <a:ext cx="0" cy="0"/>
+          <a:chOff x="0" y="0"/>
+          <a:chExt cx="0" cy="0"/>
+        </a:xfrm>
+      </p:grpSpPr>
+      <p:sp>
+        <p:nvSpPr>
+          <p:cNvPr id="2" name="Title 1">
+            <a:extLst>
+              <a:ext uri="{FF2B5EF4-FFF2-40B4-BE49-F238E27FC236}">
+                <a16:creationId xmlns:a16="http://schemas.microsoft.com/office/drawing/2014/main" id="{4E34F66B-294D-4F39-9C36-7B32143A328B}"/>
+              </a:ext>
+            </a:extLst>
+          </p:cNvPr>
+          <p:cNvSpPr>
+            <a:spLocks noGrp="1"/>
+          </p:cNvSpPr>
+          <p:nvPr>
+            <p:ph type="title"/>
+          </p:nvPr>
+        </p:nvSpPr>
+        <p:spPr>
+          <a:xfrm>
+            <a:off x="0" y="144617"/>
+            <a:ext cx="11353800" cy="800128"/>
+          </a:xfrm>
+        </p:spPr>
+        <p:txBody>
+          <a:bodyPr>
+            <a:normAutofit/>
+          </a:bodyPr>
+          <a:lstStyle/>
+          <a:p>
+            <a:r>
+              <a:rPr lang="en-US" dirty="0"/>
+              <a:t>Free Energy and SCF Equations</a:t>
+            </a:r>
+          </a:p>
+        </p:txBody>
+      </p:sp>
+      <p:sp>
+        <p:nvSpPr>
+          <p:cNvPr id="4" name="Slide Number Placeholder 3">
+            <a:extLst>
+              <a:ext uri="{FF2B5EF4-FFF2-40B4-BE49-F238E27FC236}">
+                <a16:creationId xmlns:a16="http://schemas.microsoft.com/office/drawing/2014/main" id="{A9BFEDFB-B927-4E53-828A-195916A12070}"/>
+              </a:ext>
+            </a:extLst>
+          </p:cNvPr>
+          <p:cNvSpPr>
+            <a:spLocks noGrp="1"/>
+          </p:cNvSpPr>
+          <p:nvPr>
+            <p:ph type="sldNum" sz="quarter" idx="12"/>
+          </p:nvPr>
+        </p:nvSpPr>
+        <p:spPr/>
+        <p:txBody>
+          <a:bodyPr/>
+          <a:lstStyle/>
+          <a:p>
+            <a:fld id="{5911C0E6-D9CE-431C-92CB-BB39B872F930}" type="slidenum">
+              <a:rPr lang="en-US" smtClean="0"/>
+              <a:t>10</a:t>
+            </a:fld>
+            <a:endParaRPr lang="en-US"/>
+          </a:p>
+        </p:txBody>
+      </p:sp>
+      <p:pic>
+        <p:nvPicPr>
+          <p:cNvPr id="8" name="Picture 7">
+            <a:extLst>
+              <a:ext uri="{FF2B5EF4-FFF2-40B4-BE49-F238E27FC236}">
+                <a16:creationId xmlns:a16="http://schemas.microsoft.com/office/drawing/2014/main" id="{E89B5C63-ADA5-4BD0-95A5-DF9C4E094121}"/>
+              </a:ext>
+            </a:extLst>
+          </p:cNvPr>
+          <p:cNvPicPr>
+            <a:picLocks noChangeAspect="1"/>
+          </p:cNvPicPr>
+          <p:nvPr/>
+        </p:nvPicPr>
+        <p:blipFill rotWithShape="1">
+          <a:blip r:embed="rId2"/>
+          <a:srcRect r="45057" b="70760"/>
+          <a:stretch/>
+        </p:blipFill>
+        <p:spPr>
+          <a:xfrm>
+            <a:off x="1795148" y="4658566"/>
+            <a:ext cx="2865224" cy="655776"/>
+          </a:xfrm>
+          <a:prstGeom prst="rect">
+            <a:avLst/>
+          </a:prstGeom>
+        </p:spPr>
+      </p:pic>
+      <p:pic>
+        <p:nvPicPr>
+          <p:cNvPr id="23" name="Picture 22">
+            <a:extLst>
+              <a:ext uri="{FF2B5EF4-FFF2-40B4-BE49-F238E27FC236}">
+                <a16:creationId xmlns:a16="http://schemas.microsoft.com/office/drawing/2014/main" id="{18357C38-7FD9-DFB5-5622-DA47A27C5B4B}"/>
+              </a:ext>
+            </a:extLst>
+          </p:cNvPr>
+          <p:cNvPicPr>
+            <a:picLocks noChangeAspect="1"/>
+          </p:cNvPicPr>
+          <p:nvPr/>
+        </p:nvPicPr>
+        <p:blipFill rotWithShape="1">
+          <a:blip r:embed="rId3"/>
+          <a:srcRect t="70378" r="53113" b="16415"/>
+          <a:stretch/>
+        </p:blipFill>
+        <p:spPr>
+          <a:xfrm>
+            <a:off x="2197026" y="3585674"/>
+            <a:ext cx="2219888" cy="415041"/>
+          </a:xfrm>
+          <a:prstGeom prst="rect">
+            <a:avLst/>
+          </a:prstGeom>
+        </p:spPr>
+      </p:pic>
+      <p:pic>
+        <p:nvPicPr>
+          <p:cNvPr id="26" name="Picture 25">
+            <a:extLst>
+              <a:ext uri="{FF2B5EF4-FFF2-40B4-BE49-F238E27FC236}">
+                <a16:creationId xmlns:a16="http://schemas.microsoft.com/office/drawing/2014/main" id="{B7FD24BF-AB23-8EF1-0995-71D059ADFCA4}"/>
+              </a:ext>
+            </a:extLst>
+          </p:cNvPr>
+          <p:cNvPicPr>
+            <a:picLocks noChangeAspect="1"/>
+          </p:cNvPicPr>
+          <p:nvPr/>
+        </p:nvPicPr>
+        <p:blipFill>
+          <a:blip r:embed="rId4"/>
+          <a:stretch>
+            <a:fillRect/>
+          </a:stretch>
+        </p:blipFill>
+        <p:spPr>
+          <a:xfrm>
+            <a:off x="2393289" y="4205094"/>
+            <a:ext cx="1447788" cy="291198"/>
+          </a:xfrm>
+          <a:prstGeom prst="rect">
+            <a:avLst/>
+          </a:prstGeom>
+        </p:spPr>
+      </p:pic>
+      <p:pic>
+        <p:nvPicPr>
+          <p:cNvPr id="39" name="Picture 38">
+            <a:extLst>
+              <a:ext uri="{FF2B5EF4-FFF2-40B4-BE49-F238E27FC236}">
+                <a16:creationId xmlns:a16="http://schemas.microsoft.com/office/drawing/2014/main" id="{6B032FDD-E663-0790-98CB-A464935072BF}"/>
+              </a:ext>
+            </a:extLst>
+          </p:cNvPr>
+          <p:cNvPicPr>
+            <a:picLocks noChangeAspect="1"/>
+          </p:cNvPicPr>
+          <p:nvPr/>
+        </p:nvPicPr>
+        <p:blipFill>
+          <a:blip r:embed="rId5"/>
+          <a:stretch>
+            <a:fillRect/>
+          </a:stretch>
+        </p:blipFill>
+        <p:spPr>
+          <a:xfrm>
+            <a:off x="2425020" y="2951630"/>
+            <a:ext cx="2701626" cy="555911"/>
+          </a:xfrm>
+          <a:prstGeom prst="rect">
+            <a:avLst/>
+          </a:prstGeom>
+        </p:spPr>
+      </p:pic>
+      <p:pic>
+        <p:nvPicPr>
+          <p:cNvPr id="41" name="Picture 40">
+            <a:extLst>
+              <a:ext uri="{FF2B5EF4-FFF2-40B4-BE49-F238E27FC236}">
+                <a16:creationId xmlns:a16="http://schemas.microsoft.com/office/drawing/2014/main" id="{E5ED2A4D-25CE-9BD5-336A-7FEC16881512}"/>
+              </a:ext>
+            </a:extLst>
+          </p:cNvPr>
+          <p:cNvPicPr>
+            <a:picLocks noChangeAspect="1"/>
+          </p:cNvPicPr>
+          <p:nvPr/>
+        </p:nvPicPr>
+        <p:blipFill>
+          <a:blip r:embed="rId6"/>
+          <a:stretch>
+            <a:fillRect/>
+          </a:stretch>
+        </p:blipFill>
+        <p:spPr>
+          <a:xfrm>
+            <a:off x="8631230" y="2928534"/>
+            <a:ext cx="3301087" cy="551968"/>
+          </a:xfrm>
+          <a:prstGeom prst="rect">
+            <a:avLst/>
+          </a:prstGeom>
+        </p:spPr>
+      </p:pic>
+      <p:pic>
+        <p:nvPicPr>
+          <p:cNvPr id="45" name="Picture 44">
+            <a:extLst>
+              <a:ext uri="{FF2B5EF4-FFF2-40B4-BE49-F238E27FC236}">
+                <a16:creationId xmlns:a16="http://schemas.microsoft.com/office/drawing/2014/main" id="{02745621-4577-5819-97AC-E2EFF40A2396}"/>
+              </a:ext>
+            </a:extLst>
+          </p:cNvPr>
+          <p:cNvPicPr>
+            <a:picLocks noChangeAspect="1"/>
+          </p:cNvPicPr>
+          <p:nvPr/>
+        </p:nvPicPr>
+        <p:blipFill>
+          <a:blip r:embed="rId7"/>
+          <a:stretch>
+            <a:fillRect/>
+          </a:stretch>
+        </p:blipFill>
+        <p:spPr>
+          <a:xfrm>
+            <a:off x="8645297" y="3702285"/>
+            <a:ext cx="1372201" cy="224951"/>
+          </a:xfrm>
+          <a:prstGeom prst="rect">
+            <a:avLst/>
+          </a:prstGeom>
+        </p:spPr>
+      </p:pic>
+      <p:sp>
+        <p:nvSpPr>
+          <p:cNvPr id="3" name="TextBox 2">
+            <a:extLst>
+              <a:ext uri="{FF2B5EF4-FFF2-40B4-BE49-F238E27FC236}">
+                <a16:creationId xmlns:a16="http://schemas.microsoft.com/office/drawing/2014/main" id="{594692E2-3D93-4675-22B9-2784FF650217}"/>
+              </a:ext>
+            </a:extLst>
+          </p:cNvPr>
+          <p:cNvSpPr txBox="1"/>
+          <p:nvPr/>
+        </p:nvSpPr>
+        <p:spPr>
+          <a:xfrm>
+            <a:off x="400698" y="3053483"/>
+            <a:ext cx="1690271" cy="338554"/>
+          </a:xfrm>
+          <a:prstGeom prst="rect">
+            <a:avLst/>
+          </a:prstGeom>
+          <a:noFill/>
+        </p:spPr>
+        <p:txBody>
+          <a:bodyPr wrap="none" rtlCol="0">
+            <a:spAutoFit/>
+          </a:bodyPr>
+          <a:lstStyle/>
+          <a:p>
+            <a:pPr algn="l">
+              <a:spcAft>
+                <a:spcPts val="1200"/>
+              </a:spcAft>
+            </a:pPr>
+            <a:r>
+              <a:rPr lang="en-US" sz="1600" dirty="0">
+                <a:solidFill>
+                  <a:schemeClr val="accent1"/>
+                </a:solidFill>
+                <a:latin typeface="Lucida grande" panose="020B0502040204020203"/>
+              </a:rPr>
+              <a:t>Polymer Density:</a:t>
+            </a:r>
+          </a:p>
+        </p:txBody>
+      </p:sp>
+      <p:sp>
+        <p:nvSpPr>
+          <p:cNvPr id="7" name="TextBox 6">
+            <a:extLst>
+              <a:ext uri="{FF2B5EF4-FFF2-40B4-BE49-F238E27FC236}">
+                <a16:creationId xmlns:a16="http://schemas.microsoft.com/office/drawing/2014/main" id="{79653924-62C4-CAE1-D5A6-AEB8FB5BFEAB}"/>
+              </a:ext>
+            </a:extLst>
+          </p:cNvPr>
+          <p:cNvSpPr txBox="1"/>
+          <p:nvPr/>
+        </p:nvSpPr>
+        <p:spPr>
+          <a:xfrm>
+            <a:off x="376975" y="3626782"/>
+            <a:ext cx="1624547" cy="338554"/>
+          </a:xfrm>
+          <a:prstGeom prst="rect">
+            <a:avLst/>
+          </a:prstGeom>
+          <a:noFill/>
+        </p:spPr>
+        <p:txBody>
+          <a:bodyPr wrap="none" rtlCol="0">
+            <a:spAutoFit/>
+          </a:bodyPr>
+          <a:lstStyle/>
+          <a:p>
+            <a:pPr algn="l">
+              <a:spcAft>
+                <a:spcPts val="1200"/>
+              </a:spcAft>
+            </a:pPr>
+            <a:r>
+              <a:rPr lang="en-US" sz="1600" dirty="0">
+                <a:latin typeface="Lucida grande" panose="020B0502040204020203"/>
+              </a:rPr>
+              <a:t>Solvent Density:</a:t>
+            </a:r>
+          </a:p>
+        </p:txBody>
+      </p:sp>
+      <p:sp>
+        <p:nvSpPr>
+          <p:cNvPr id="9" name="TextBox 8">
+            <a:extLst>
+              <a:ext uri="{FF2B5EF4-FFF2-40B4-BE49-F238E27FC236}">
+                <a16:creationId xmlns:a16="http://schemas.microsoft.com/office/drawing/2014/main" id="{A7AADAC3-907F-20B0-CA1C-5CFFAD0D8C88}"/>
+              </a:ext>
+            </a:extLst>
+          </p:cNvPr>
+          <p:cNvSpPr txBox="1"/>
+          <p:nvPr/>
+        </p:nvSpPr>
+        <p:spPr>
+          <a:xfrm>
+            <a:off x="376975" y="4175720"/>
+            <a:ext cx="1748107" cy="338554"/>
+          </a:xfrm>
+          <a:prstGeom prst="rect">
+            <a:avLst/>
+          </a:prstGeom>
+          <a:noFill/>
+        </p:spPr>
+        <p:txBody>
+          <a:bodyPr wrap="none" rtlCol="0">
+            <a:spAutoFit/>
+          </a:bodyPr>
+          <a:lstStyle/>
+          <a:p>
+            <a:pPr algn="l">
+              <a:spcAft>
+                <a:spcPts val="1200"/>
+              </a:spcAft>
+            </a:pPr>
+            <a:r>
+              <a:rPr lang="en-US" sz="1600" dirty="0">
+                <a:latin typeface="Lucida grande" panose="020B0502040204020203"/>
+              </a:rPr>
+              <a:t>Incompressibility:</a:t>
+            </a:r>
+          </a:p>
+        </p:txBody>
+      </p:sp>
+      <p:sp>
+        <p:nvSpPr>
+          <p:cNvPr id="10" name="TextBox 9">
+            <a:extLst>
+              <a:ext uri="{FF2B5EF4-FFF2-40B4-BE49-F238E27FC236}">
+                <a16:creationId xmlns:a16="http://schemas.microsoft.com/office/drawing/2014/main" id="{106845CD-D8BE-68D6-F556-53CCA1E38ACE}"/>
+              </a:ext>
+            </a:extLst>
+          </p:cNvPr>
+          <p:cNvSpPr txBox="1"/>
+          <p:nvPr/>
+        </p:nvSpPr>
+        <p:spPr>
+          <a:xfrm>
+            <a:off x="5736880" y="3043958"/>
+            <a:ext cx="2501903" cy="338554"/>
+          </a:xfrm>
+          <a:prstGeom prst="rect">
+            <a:avLst/>
+          </a:prstGeom>
+          <a:noFill/>
+        </p:spPr>
+        <p:txBody>
+          <a:bodyPr wrap="none" rtlCol="0">
+            <a:spAutoFit/>
+          </a:bodyPr>
+          <a:lstStyle/>
+          <a:p>
+            <a:pPr algn="l">
+              <a:spcAft>
+                <a:spcPts val="1200"/>
+              </a:spcAft>
+            </a:pPr>
+            <a:r>
+              <a:rPr lang="en-US" sz="1600" dirty="0">
+                <a:latin typeface="Lucida grande" panose="020B0502040204020203"/>
+              </a:rPr>
+              <a:t>Polymer-controlling Field:</a:t>
+            </a:r>
+          </a:p>
+        </p:txBody>
+      </p:sp>
+      <p:sp>
+        <p:nvSpPr>
+          <p:cNvPr id="11" name="TextBox 10">
+            <a:extLst>
+              <a:ext uri="{FF2B5EF4-FFF2-40B4-BE49-F238E27FC236}">
+                <a16:creationId xmlns:a16="http://schemas.microsoft.com/office/drawing/2014/main" id="{13B84901-A25D-83A3-3D33-BDC79CB5866D}"/>
+              </a:ext>
+            </a:extLst>
+          </p:cNvPr>
+          <p:cNvSpPr txBox="1"/>
+          <p:nvPr/>
+        </p:nvSpPr>
+        <p:spPr>
+          <a:xfrm>
+            <a:off x="5769741" y="3649319"/>
+            <a:ext cx="2436180" cy="338554"/>
+          </a:xfrm>
+          <a:prstGeom prst="rect">
+            <a:avLst/>
+          </a:prstGeom>
+          <a:noFill/>
+        </p:spPr>
+        <p:txBody>
+          <a:bodyPr wrap="none" rtlCol="0">
+            <a:spAutoFit/>
+          </a:bodyPr>
+          <a:lstStyle/>
+          <a:p>
+            <a:pPr algn="l">
+              <a:spcAft>
+                <a:spcPts val="1200"/>
+              </a:spcAft>
+            </a:pPr>
+            <a:r>
+              <a:rPr lang="en-US" sz="1600" dirty="0">
+                <a:latin typeface="Lucida grande" panose="020B0502040204020203"/>
+              </a:rPr>
+              <a:t>Solvent-controlling Field:</a:t>
+            </a:r>
+          </a:p>
+        </p:txBody>
+      </p:sp>
+      <p:sp>
+        <p:nvSpPr>
+          <p:cNvPr id="14" name="TextBox 13">
+            <a:extLst>
+              <a:ext uri="{FF2B5EF4-FFF2-40B4-BE49-F238E27FC236}">
+                <a16:creationId xmlns:a16="http://schemas.microsoft.com/office/drawing/2014/main" id="{63B357A2-5F5F-9317-9FFA-74F46ECDEFD0}"/>
+              </a:ext>
+            </a:extLst>
+          </p:cNvPr>
+          <p:cNvSpPr txBox="1"/>
+          <p:nvPr/>
+        </p:nvSpPr>
+        <p:spPr>
+          <a:xfrm>
+            <a:off x="386028" y="4713985"/>
+            <a:ext cx="1322114" cy="584775"/>
+          </a:xfrm>
+          <a:prstGeom prst="rect">
+            <a:avLst/>
+          </a:prstGeom>
+          <a:noFill/>
+        </p:spPr>
+        <p:txBody>
+          <a:bodyPr wrap="square" rtlCol="0">
+            <a:spAutoFit/>
+          </a:bodyPr>
+          <a:lstStyle/>
+          <a:p>
+            <a:pPr algn="l">
+              <a:spcAft>
+                <a:spcPts val="1200"/>
+              </a:spcAft>
+            </a:pPr>
+            <a:r>
+              <a:rPr lang="en-US" sz="1600" dirty="0">
+                <a:latin typeface="Lucida grande" panose="020B0502040204020203"/>
+              </a:rPr>
+              <a:t>Monomer Probability:</a:t>
+            </a:r>
+          </a:p>
+        </p:txBody>
+      </p:sp>
+      <p:grpSp>
+        <p:nvGrpSpPr>
+          <p:cNvPr id="17" name="Group 16">
+            <a:extLst>
+              <a:ext uri="{FF2B5EF4-FFF2-40B4-BE49-F238E27FC236}">
+                <a16:creationId xmlns:a16="http://schemas.microsoft.com/office/drawing/2014/main" id="{51A2302D-BE12-F771-B316-F2061EBEA78B}"/>
+              </a:ext>
+            </a:extLst>
+          </p:cNvPr>
+          <p:cNvGrpSpPr/>
+          <p:nvPr/>
+        </p:nvGrpSpPr>
+        <p:grpSpPr>
+          <a:xfrm>
+            <a:off x="8116462" y="5488474"/>
+            <a:ext cx="1349861" cy="996655"/>
+            <a:chOff x="5614082" y="4114505"/>
+            <a:chExt cx="1596861" cy="1116831"/>
+          </a:xfrm>
+        </p:grpSpPr>
+        <p:pic>
+          <p:nvPicPr>
+            <p:cNvPr id="18" name="Picture 17">
+              <a:extLst>
+                <a:ext uri="{FF2B5EF4-FFF2-40B4-BE49-F238E27FC236}">
+                  <a16:creationId xmlns:a16="http://schemas.microsoft.com/office/drawing/2014/main" id="{9A46958B-9061-E14F-8A4C-DC5C52650B14}"/>
+                </a:ext>
+              </a:extLst>
+            </p:cNvPr>
+            <p:cNvPicPr>
+              <a:picLocks noChangeAspect="1"/>
+            </p:cNvPicPr>
+            <p:nvPr/>
+          </p:nvPicPr>
+          <p:blipFill>
+            <a:blip r:embed="rId8"/>
+            <a:stretch>
+              <a:fillRect/>
+            </a:stretch>
+          </p:blipFill>
+          <p:spPr>
+            <a:xfrm>
+              <a:off x="5849722" y="4114505"/>
+              <a:ext cx="1361221" cy="234912"/>
+            </a:xfrm>
+            <a:prstGeom prst="rect">
+              <a:avLst/>
+            </a:prstGeom>
+          </p:spPr>
+        </p:pic>
+        <p:sp>
+          <p:nvSpPr>
+            <p:cNvPr id="19" name="Right Brace 18">
+              <a:extLst>
+                <a:ext uri="{FF2B5EF4-FFF2-40B4-BE49-F238E27FC236}">
+                  <a16:creationId xmlns:a16="http://schemas.microsoft.com/office/drawing/2014/main" id="{1914B663-2EC7-BABA-BD11-4A5FC85FF16B}"/>
+                </a:ext>
+              </a:extLst>
+            </p:cNvPr>
+            <p:cNvSpPr/>
+            <p:nvPr/>
+          </p:nvSpPr>
+          <p:spPr>
+            <a:xfrm flipH="1">
+              <a:off x="5614082" y="4151081"/>
+              <a:ext cx="93136" cy="920200"/>
+            </a:xfrm>
+            <a:prstGeom prst="rightBrace">
+              <a:avLst>
+                <a:gd name="adj1" fmla="val 77741"/>
+                <a:gd name="adj2" fmla="val 50637"/>
+              </a:avLst>
+            </a:prstGeom>
+            <a:ln w="19050">
+              <a:solidFill>
+                <a:schemeClr val="tx1"/>
+              </a:solidFill>
+            </a:ln>
+          </p:spPr>
+          <p:style>
+            <a:lnRef idx="1">
+              <a:schemeClr val="accent1"/>
+            </a:lnRef>
+            <a:fillRef idx="0">
+              <a:schemeClr val="accent1"/>
+            </a:fillRef>
+            <a:effectRef idx="0">
+              <a:schemeClr val="accent1"/>
+            </a:effectRef>
+            <a:fontRef idx="minor">
+              <a:schemeClr val="tx1"/>
+            </a:fontRef>
+          </p:style>
+          <p:txBody>
+            <a:bodyPr rtlCol="0" anchor="ctr"/>
+            <a:lstStyle/>
+            <a:p>
+              <a:pPr algn="ctr"/>
+              <a:endParaRPr lang="en-US" sz="2000"/>
+            </a:p>
+          </p:txBody>
+        </p:sp>
+        <p:pic>
+          <p:nvPicPr>
+            <p:cNvPr id="20" name="Picture 19">
+              <a:extLst>
+                <a:ext uri="{FF2B5EF4-FFF2-40B4-BE49-F238E27FC236}">
+                  <a16:creationId xmlns:a16="http://schemas.microsoft.com/office/drawing/2014/main" id="{3A25956F-81B8-4DC2-0591-69EA0EA767C3}"/>
+                </a:ext>
+              </a:extLst>
+            </p:cNvPr>
+            <p:cNvPicPr>
+              <a:picLocks noChangeAspect="1"/>
+            </p:cNvPicPr>
+            <p:nvPr/>
+          </p:nvPicPr>
+          <p:blipFill>
+            <a:blip r:embed="rId9"/>
+            <a:stretch>
+              <a:fillRect/>
+            </a:stretch>
+          </p:blipFill>
+          <p:spPr>
+            <a:xfrm>
+              <a:off x="5865154" y="4643083"/>
+              <a:ext cx="1250037" cy="588253"/>
+            </a:xfrm>
+            <a:prstGeom prst="rect">
+              <a:avLst/>
+            </a:prstGeom>
+          </p:spPr>
+        </p:pic>
+      </p:grpSp>
+      <p:sp>
+        <p:nvSpPr>
+          <p:cNvPr id="21" name="TextBox 20">
+            <a:extLst>
+              <a:ext uri="{FF2B5EF4-FFF2-40B4-BE49-F238E27FC236}">
+                <a16:creationId xmlns:a16="http://schemas.microsoft.com/office/drawing/2014/main" id="{00CB636F-0355-6D4C-4D85-E933E03636B2}"/>
+              </a:ext>
+            </a:extLst>
+          </p:cNvPr>
+          <p:cNvSpPr txBox="1"/>
+          <p:nvPr/>
+        </p:nvSpPr>
+        <p:spPr>
+          <a:xfrm>
+            <a:off x="5416731" y="4674011"/>
+            <a:ext cx="1528527" cy="584775"/>
+          </a:xfrm>
+          <a:prstGeom prst="rect">
+            <a:avLst/>
+          </a:prstGeom>
+          <a:noFill/>
+        </p:spPr>
+        <p:txBody>
+          <a:bodyPr wrap="square" rtlCol="0">
+            <a:spAutoFit/>
+          </a:bodyPr>
+          <a:lstStyle/>
+          <a:p>
+            <a:pPr algn="l">
+              <a:spcAft>
+                <a:spcPts val="1200"/>
+              </a:spcAft>
+            </a:pPr>
+            <a:r>
+              <a:rPr lang="en-US" sz="1600" dirty="0">
+                <a:latin typeface="Lucida grande" panose="020B0502040204020203"/>
+              </a:rPr>
+              <a:t>Electrostatic Potential:</a:t>
+            </a:r>
+          </a:p>
+        </p:txBody>
+      </p:sp>
+      <p:pic>
+        <p:nvPicPr>
+          <p:cNvPr id="24" name="Picture 23">
+            <a:extLst>
+              <a:ext uri="{FF2B5EF4-FFF2-40B4-BE49-F238E27FC236}">
+                <a16:creationId xmlns:a16="http://schemas.microsoft.com/office/drawing/2014/main" id="{46E90C04-E5AC-8813-D967-8812282E6795}"/>
+              </a:ext>
+            </a:extLst>
+          </p:cNvPr>
+          <p:cNvPicPr>
+            <a:picLocks noChangeAspect="1"/>
+          </p:cNvPicPr>
+          <p:nvPr/>
+        </p:nvPicPr>
+        <p:blipFill>
+          <a:blip r:embed="rId10"/>
+          <a:stretch>
+            <a:fillRect/>
+          </a:stretch>
+        </p:blipFill>
+        <p:spPr>
+          <a:xfrm>
+            <a:off x="7097919" y="4670976"/>
+            <a:ext cx="4834398" cy="556958"/>
+          </a:xfrm>
+          <a:prstGeom prst="rect">
+            <a:avLst/>
+          </a:prstGeom>
+        </p:spPr>
+      </p:pic>
+      <p:grpSp>
+        <p:nvGrpSpPr>
+          <p:cNvPr id="25" name="Group 24">
+            <a:extLst>
+              <a:ext uri="{FF2B5EF4-FFF2-40B4-BE49-F238E27FC236}">
+                <a16:creationId xmlns:a16="http://schemas.microsoft.com/office/drawing/2014/main" id="{0044B24D-D8AC-6CD2-ED8F-BBC6E73E617C}"/>
+              </a:ext>
+            </a:extLst>
+          </p:cNvPr>
+          <p:cNvGrpSpPr/>
+          <p:nvPr/>
+        </p:nvGrpSpPr>
+        <p:grpSpPr>
+          <a:xfrm>
+            <a:off x="400698" y="1594086"/>
+            <a:ext cx="11646644" cy="480033"/>
+            <a:chOff x="168990" y="2549046"/>
+            <a:chExt cx="12952956" cy="533875"/>
+          </a:xfrm>
+        </p:grpSpPr>
+        <p:pic>
+          <p:nvPicPr>
+            <p:cNvPr id="28" name="Picture 27">
+              <a:extLst>
+                <a:ext uri="{FF2B5EF4-FFF2-40B4-BE49-F238E27FC236}">
+                  <a16:creationId xmlns:a16="http://schemas.microsoft.com/office/drawing/2014/main" id="{4691F130-8807-B291-9F76-DF93F6D52465}"/>
+                </a:ext>
+              </a:extLst>
+            </p:cNvPr>
+            <p:cNvPicPr>
+              <a:picLocks noChangeAspect="1"/>
+            </p:cNvPicPr>
+            <p:nvPr/>
+          </p:nvPicPr>
+          <p:blipFill>
+            <a:blip r:embed="rId11"/>
+            <a:stretch>
+              <a:fillRect/>
+            </a:stretch>
+          </p:blipFill>
+          <p:spPr>
+            <a:xfrm>
+              <a:off x="168990" y="2695501"/>
+              <a:ext cx="3754111" cy="275943"/>
+            </a:xfrm>
+            <a:prstGeom prst="rect">
+              <a:avLst/>
+            </a:prstGeom>
+          </p:spPr>
+        </p:pic>
+        <p:pic>
+          <p:nvPicPr>
+            <p:cNvPr id="29" name="Picture 28">
+              <a:extLst>
+                <a:ext uri="{FF2B5EF4-FFF2-40B4-BE49-F238E27FC236}">
+                  <a16:creationId xmlns:a16="http://schemas.microsoft.com/office/drawing/2014/main" id="{C265D7EC-2E9C-F7DA-33EB-5294BDC10042}"/>
+                </a:ext>
+              </a:extLst>
+            </p:cNvPr>
+            <p:cNvPicPr>
+              <a:picLocks noChangeAspect="1"/>
+            </p:cNvPicPr>
+            <p:nvPr/>
+          </p:nvPicPr>
+          <p:blipFill>
+            <a:blip r:embed="rId12"/>
+            <a:stretch>
+              <a:fillRect/>
+            </a:stretch>
+          </p:blipFill>
+          <p:spPr>
+            <a:xfrm>
+              <a:off x="3998839" y="2549046"/>
+              <a:ext cx="5100830" cy="533875"/>
+            </a:xfrm>
+            <a:prstGeom prst="rect">
+              <a:avLst/>
+            </a:prstGeom>
+          </p:spPr>
+        </p:pic>
+        <p:pic>
+          <p:nvPicPr>
+            <p:cNvPr id="31" name="Picture 30">
+              <a:extLst>
+                <a:ext uri="{FF2B5EF4-FFF2-40B4-BE49-F238E27FC236}">
+                  <a16:creationId xmlns:a16="http://schemas.microsoft.com/office/drawing/2014/main" id="{A93D8A19-9DB2-B795-4155-3CEC1B9FEB16}"/>
+                </a:ext>
+              </a:extLst>
+            </p:cNvPr>
+            <p:cNvPicPr>
+              <a:picLocks noChangeAspect="1"/>
+            </p:cNvPicPr>
+            <p:nvPr/>
+          </p:nvPicPr>
+          <p:blipFill>
+            <a:blip r:embed="rId13"/>
+            <a:stretch>
+              <a:fillRect/>
+            </a:stretch>
+          </p:blipFill>
+          <p:spPr>
+            <a:xfrm>
+              <a:off x="9191013" y="2549046"/>
+              <a:ext cx="3930933" cy="525164"/>
+            </a:xfrm>
+            <a:prstGeom prst="rect">
+              <a:avLst/>
+            </a:prstGeom>
+          </p:spPr>
+        </p:pic>
+      </p:grpSp>
+      <p:sp>
+        <p:nvSpPr>
+          <p:cNvPr id="34" name="TextBox 33">
+            <a:extLst>
+              <a:ext uri="{FF2B5EF4-FFF2-40B4-BE49-F238E27FC236}">
+                <a16:creationId xmlns:a16="http://schemas.microsoft.com/office/drawing/2014/main" id="{5C53DE95-1053-A6DC-2364-88356BF21051}"/>
+              </a:ext>
+            </a:extLst>
+          </p:cNvPr>
+          <p:cNvSpPr txBox="1"/>
+          <p:nvPr/>
+        </p:nvSpPr>
+        <p:spPr>
+          <a:xfrm>
+            <a:off x="-14210" y="1121221"/>
+            <a:ext cx="5017867" cy="338554"/>
+          </a:xfrm>
+          <a:prstGeom prst="rect">
+            <a:avLst/>
+          </a:prstGeom>
+          <a:noFill/>
+        </p:spPr>
+        <p:txBody>
+          <a:bodyPr wrap="square" rtlCol="0">
+            <a:spAutoFit/>
+          </a:bodyPr>
+          <a:lstStyle/>
+          <a:p>
+            <a:pPr algn="l">
+              <a:spcAft>
+                <a:spcPts val="1200"/>
+              </a:spcAft>
+            </a:pPr>
+            <a:r>
+              <a:rPr lang="en-US" sz="1600" dirty="0">
+                <a:latin typeface="Lucida grande" panose="020B0502040204020203"/>
+              </a:rPr>
+              <a:t>Free Energy (ensemble average across surface)</a:t>
+            </a:r>
+          </a:p>
+        </p:txBody>
+      </p:sp>
+      <p:cxnSp>
+        <p:nvCxnSpPr>
+          <p:cNvPr id="43" name="Straight Arrow Connector 42">
+            <a:extLst>
+              <a:ext uri="{FF2B5EF4-FFF2-40B4-BE49-F238E27FC236}">
+                <a16:creationId xmlns:a16="http://schemas.microsoft.com/office/drawing/2014/main" id="{A4E86168-4818-D598-49AA-0BB56A22FD34}"/>
+              </a:ext>
+            </a:extLst>
+          </p:cNvPr>
+          <p:cNvCxnSpPr>
+            <a:cxnSpLocks/>
+          </p:cNvCxnSpPr>
+          <p:nvPr/>
+        </p:nvCxnSpPr>
+        <p:spPr>
+          <a:xfrm>
+            <a:off x="1182626" y="2094862"/>
+            <a:ext cx="0" cy="833672"/>
+          </a:xfrm>
+          <a:prstGeom prst="straightConnector1">
+            <a:avLst/>
+          </a:prstGeom>
+          <a:ln w="28575">
+            <a:solidFill>
+              <a:schemeClr val="tx1"/>
+            </a:solidFill>
+            <a:tailEnd type="triangle"/>
+          </a:ln>
+        </p:spPr>
+        <p:style>
+          <a:lnRef idx="1">
+            <a:schemeClr val="accent1"/>
+          </a:lnRef>
+          <a:fillRef idx="0">
+            <a:schemeClr val="accent1"/>
+          </a:fillRef>
+          <a:effectRef idx="0">
+            <a:schemeClr val="accent1"/>
+          </a:effectRef>
+          <a:fontRef idx="minor">
+            <a:schemeClr val="tx1"/>
+          </a:fontRef>
+        </p:style>
+      </p:cxnSp>
+      <p:sp>
+        <p:nvSpPr>
+          <p:cNvPr id="44" name="TextBox 43">
+            <a:extLst>
+              <a:ext uri="{FF2B5EF4-FFF2-40B4-BE49-F238E27FC236}">
+                <a16:creationId xmlns:a16="http://schemas.microsoft.com/office/drawing/2014/main" id="{8E4AE5D6-1B5B-0A8D-63CF-CCDBE3BA609E}"/>
+              </a:ext>
+            </a:extLst>
+          </p:cNvPr>
+          <p:cNvSpPr txBox="1"/>
+          <p:nvPr/>
+        </p:nvSpPr>
+        <p:spPr>
+          <a:xfrm>
+            <a:off x="1264883" y="2356949"/>
+            <a:ext cx="2613965" cy="307777"/>
+          </a:xfrm>
+          <a:prstGeom prst="rect">
+            <a:avLst/>
+          </a:prstGeom>
+          <a:noFill/>
+        </p:spPr>
+        <p:txBody>
+          <a:bodyPr wrap="square" rtlCol="0">
+            <a:spAutoFit/>
+          </a:bodyPr>
+          <a:lstStyle/>
+          <a:p>
+            <a:r>
+              <a:rPr lang="en-US" sz="1400" dirty="0">
+                <a:latin typeface="Lucida Grande" pitchFamily="2" charset="0"/>
+                <a:ea typeface="Lucida Grande" pitchFamily="2" charset="0"/>
+                <a:cs typeface="Lucida Grande" pitchFamily="2" charset="0"/>
+              </a:rPr>
+              <a:t>Functional Minimization</a:t>
+            </a:r>
+            <a:endParaRPr lang="en-US" sz="1400" dirty="0">
+              <a:solidFill>
+                <a:srgbClr val="FF0000"/>
+              </a:solidFill>
+              <a:latin typeface="Lucida Grande" pitchFamily="2" charset="0"/>
+              <a:ea typeface="Lucida Grande" pitchFamily="2" charset="0"/>
+              <a:cs typeface="Lucida Grande" pitchFamily="2" charset="0"/>
+            </a:endParaRPr>
+          </a:p>
+        </p:txBody>
+      </p:sp>
+      <p:pic>
+        <p:nvPicPr>
+          <p:cNvPr id="46" name="Picture 45">
+            <a:extLst>
+              <a:ext uri="{FF2B5EF4-FFF2-40B4-BE49-F238E27FC236}">
+                <a16:creationId xmlns:a16="http://schemas.microsoft.com/office/drawing/2014/main" id="{6253F987-4F16-94D4-3B8D-57C4E3E634CA}"/>
+              </a:ext>
+            </a:extLst>
+          </p:cNvPr>
+          <p:cNvPicPr>
+            <a:picLocks noChangeAspect="1"/>
+          </p:cNvPicPr>
+          <p:nvPr/>
+        </p:nvPicPr>
+        <p:blipFill>
+          <a:blip r:embed="rId14"/>
+          <a:stretch>
+            <a:fillRect/>
+          </a:stretch>
+        </p:blipFill>
+        <p:spPr>
+          <a:xfrm>
+            <a:off x="3728448" y="2269946"/>
+            <a:ext cx="826448" cy="480033"/>
+          </a:xfrm>
+          <a:prstGeom prst="rect">
+            <a:avLst/>
+          </a:prstGeom>
+        </p:spPr>
+      </p:pic>
+      <p:grpSp>
+        <p:nvGrpSpPr>
+          <p:cNvPr id="48" name="Group 47">
+            <a:extLst>
+              <a:ext uri="{FF2B5EF4-FFF2-40B4-BE49-F238E27FC236}">
+                <a16:creationId xmlns:a16="http://schemas.microsoft.com/office/drawing/2014/main" id="{4631233F-4ED0-2730-F633-6203F81F97AF}"/>
+              </a:ext>
+            </a:extLst>
+          </p:cNvPr>
+          <p:cNvGrpSpPr/>
+          <p:nvPr/>
+        </p:nvGrpSpPr>
+        <p:grpSpPr>
+          <a:xfrm>
+            <a:off x="2283364" y="5488691"/>
+            <a:ext cx="2843282" cy="1081304"/>
+            <a:chOff x="618975" y="5711761"/>
+            <a:chExt cx="2843282" cy="1081304"/>
+          </a:xfrm>
+        </p:grpSpPr>
+        <p:pic>
+          <p:nvPicPr>
+            <p:cNvPr id="27" name="Picture 26">
+              <a:extLst>
+                <a:ext uri="{FF2B5EF4-FFF2-40B4-BE49-F238E27FC236}">
+                  <a16:creationId xmlns:a16="http://schemas.microsoft.com/office/drawing/2014/main" id="{5CCCF049-2BD6-DB87-C8F7-4581EDAAA2A7}"/>
+                </a:ext>
+              </a:extLst>
+            </p:cNvPr>
+            <p:cNvPicPr>
+              <a:picLocks noChangeAspect="1"/>
+            </p:cNvPicPr>
+            <p:nvPr/>
+          </p:nvPicPr>
+          <p:blipFill>
+            <a:blip r:embed="rId15"/>
+            <a:stretch>
+              <a:fillRect/>
+            </a:stretch>
+          </p:blipFill>
+          <p:spPr>
+            <a:xfrm>
+              <a:off x="923001" y="5711761"/>
+              <a:ext cx="1208266" cy="193511"/>
+            </a:xfrm>
+            <a:prstGeom prst="rect">
+              <a:avLst/>
+            </a:prstGeom>
+          </p:spPr>
+        </p:pic>
+        <p:pic>
+          <p:nvPicPr>
+            <p:cNvPr id="30" name="Picture 29">
+              <a:extLst>
+                <a:ext uri="{FF2B5EF4-FFF2-40B4-BE49-F238E27FC236}">
+                  <a16:creationId xmlns:a16="http://schemas.microsoft.com/office/drawing/2014/main" id="{2E64648D-6BA6-7750-1050-CEBE00E33D35}"/>
+                </a:ext>
+              </a:extLst>
+            </p:cNvPr>
+            <p:cNvPicPr>
+              <a:picLocks noChangeAspect="1"/>
+            </p:cNvPicPr>
+            <p:nvPr/>
+          </p:nvPicPr>
+          <p:blipFill>
+            <a:blip r:embed="rId16"/>
+            <a:stretch>
+              <a:fillRect/>
+            </a:stretch>
+          </p:blipFill>
+          <p:spPr>
+            <a:xfrm>
+              <a:off x="923001" y="6032248"/>
+              <a:ext cx="1349862" cy="193511"/>
+            </a:xfrm>
+            <a:prstGeom prst="rect">
+              <a:avLst/>
+            </a:prstGeom>
+          </p:spPr>
+        </p:pic>
+        <p:pic>
+          <p:nvPicPr>
+            <p:cNvPr id="32" name="Picture 31">
+              <a:extLst>
+                <a:ext uri="{FF2B5EF4-FFF2-40B4-BE49-F238E27FC236}">
+                  <a16:creationId xmlns:a16="http://schemas.microsoft.com/office/drawing/2014/main" id="{33475963-B0A7-3BE7-3371-909CB258B5DC}"/>
+                </a:ext>
+              </a:extLst>
+            </p:cNvPr>
+            <p:cNvPicPr>
+              <a:picLocks noChangeAspect="1"/>
+            </p:cNvPicPr>
+            <p:nvPr/>
+          </p:nvPicPr>
+          <p:blipFill>
+            <a:blip r:embed="rId17"/>
+            <a:stretch>
+              <a:fillRect/>
+            </a:stretch>
+          </p:blipFill>
+          <p:spPr>
+            <a:xfrm>
+              <a:off x="918283" y="6314589"/>
+              <a:ext cx="2543974" cy="193511"/>
+            </a:xfrm>
+            <a:prstGeom prst="rect">
+              <a:avLst/>
+            </a:prstGeom>
+          </p:spPr>
+        </p:pic>
+        <p:sp>
+          <p:nvSpPr>
+            <p:cNvPr id="33" name="Right Brace 32">
+              <a:extLst>
+                <a:ext uri="{FF2B5EF4-FFF2-40B4-BE49-F238E27FC236}">
+                  <a16:creationId xmlns:a16="http://schemas.microsoft.com/office/drawing/2014/main" id="{1ECE630D-7A18-1663-EDD5-14C46A0D1F4F}"/>
+                </a:ext>
+              </a:extLst>
+            </p:cNvPr>
+            <p:cNvSpPr/>
+            <p:nvPr/>
+          </p:nvSpPr>
+          <p:spPr>
+            <a:xfrm flipH="1">
+              <a:off x="618975" y="5734146"/>
+              <a:ext cx="90678" cy="851598"/>
+            </a:xfrm>
+            <a:prstGeom prst="rightBrace">
+              <a:avLst>
+                <a:gd name="adj1" fmla="val 77741"/>
+                <a:gd name="adj2" fmla="val 50637"/>
+              </a:avLst>
+            </a:prstGeom>
+            <a:ln w="19050">
+              <a:solidFill>
+                <a:schemeClr val="tx1"/>
+              </a:solidFill>
+            </a:ln>
+          </p:spPr>
+          <p:style>
+            <a:lnRef idx="1">
+              <a:schemeClr val="accent1"/>
+            </a:lnRef>
+            <a:fillRef idx="0">
+              <a:schemeClr val="accent1"/>
+            </a:fillRef>
+            <a:effectRef idx="0">
+              <a:schemeClr val="accent1"/>
+            </a:effectRef>
+            <a:fontRef idx="minor">
+              <a:schemeClr val="tx1"/>
+            </a:fontRef>
+          </p:style>
+          <p:txBody>
+            <a:bodyPr rtlCol="0" anchor="ctr"/>
+            <a:lstStyle/>
+            <a:p>
+              <a:pPr algn="ctr"/>
+              <a:endParaRPr lang="en-US" sz="2000" dirty="0"/>
+            </a:p>
+          </p:txBody>
+        </p:sp>
+        <p:pic>
+          <p:nvPicPr>
+            <p:cNvPr id="40" name="Picture 39">
+              <a:extLst>
+                <a:ext uri="{FF2B5EF4-FFF2-40B4-BE49-F238E27FC236}">
+                  <a16:creationId xmlns:a16="http://schemas.microsoft.com/office/drawing/2014/main" id="{7AC1C5DE-F99E-7991-3D7A-93C94574EF66}"/>
+                </a:ext>
+              </a:extLst>
+            </p:cNvPr>
+            <p:cNvPicPr>
+              <a:picLocks noChangeAspect="1"/>
+            </p:cNvPicPr>
+            <p:nvPr/>
+          </p:nvPicPr>
+          <p:blipFill>
+            <a:blip r:embed="rId18"/>
+            <a:stretch>
+              <a:fillRect/>
+            </a:stretch>
+          </p:blipFill>
+          <p:spPr>
+            <a:xfrm>
+              <a:off x="918283" y="6585744"/>
+              <a:ext cx="1354580" cy="193511"/>
+            </a:xfrm>
+            <a:prstGeom prst="rect">
+              <a:avLst/>
+            </a:prstGeom>
+          </p:spPr>
+        </p:pic>
+        <p:sp>
+          <p:nvSpPr>
+            <p:cNvPr id="47" name="Right Brace 46">
+              <a:extLst>
+                <a:ext uri="{FF2B5EF4-FFF2-40B4-BE49-F238E27FC236}">
+                  <a16:creationId xmlns:a16="http://schemas.microsoft.com/office/drawing/2014/main" id="{921507F7-2239-31DD-DC3F-0210F3657B04}"/>
+                </a:ext>
+              </a:extLst>
+            </p:cNvPr>
+            <p:cNvSpPr/>
+            <p:nvPr/>
+          </p:nvSpPr>
+          <p:spPr>
+            <a:xfrm flipH="1">
+              <a:off x="778769" y="6314589"/>
+              <a:ext cx="90678" cy="478476"/>
+            </a:xfrm>
+            <a:prstGeom prst="rightBrace">
+              <a:avLst>
+                <a:gd name="adj1" fmla="val 77741"/>
+                <a:gd name="adj2" fmla="val 50637"/>
+              </a:avLst>
+            </a:prstGeom>
+            <a:ln w="19050">
+              <a:solidFill>
+                <a:schemeClr val="tx1"/>
+              </a:solidFill>
+            </a:ln>
+          </p:spPr>
+          <p:style>
+            <a:lnRef idx="1">
+              <a:schemeClr val="accent1"/>
+            </a:lnRef>
+            <a:fillRef idx="0">
+              <a:schemeClr val="accent1"/>
+            </a:fillRef>
+            <a:effectRef idx="0">
+              <a:schemeClr val="accent1"/>
+            </a:effectRef>
+            <a:fontRef idx="minor">
+              <a:schemeClr val="tx1"/>
+            </a:fontRef>
+          </p:style>
+          <p:txBody>
+            <a:bodyPr rtlCol="0" anchor="ctr"/>
+            <a:lstStyle/>
+            <a:p>
+              <a:pPr algn="ctr"/>
+              <a:endParaRPr lang="en-US" sz="2000" dirty="0"/>
+            </a:p>
+          </p:txBody>
+        </p:sp>
+      </p:grpSp>
+      <p:grpSp>
+        <p:nvGrpSpPr>
+          <p:cNvPr id="68" name="Group 67">
+            <a:extLst>
+              <a:ext uri="{FF2B5EF4-FFF2-40B4-BE49-F238E27FC236}">
+                <a16:creationId xmlns:a16="http://schemas.microsoft.com/office/drawing/2014/main" id="{C273BB8C-E556-9BBE-1B87-4303F8348F2A}"/>
+              </a:ext>
+            </a:extLst>
+          </p:cNvPr>
+          <p:cNvGrpSpPr/>
+          <p:nvPr/>
+        </p:nvGrpSpPr>
+        <p:grpSpPr>
+          <a:xfrm>
+            <a:off x="4896322" y="964806"/>
+            <a:ext cx="7295678" cy="392644"/>
+            <a:chOff x="4896322" y="964806"/>
+            <a:chExt cx="7295678" cy="392644"/>
+          </a:xfrm>
+        </p:grpSpPr>
+        <p:cxnSp>
+          <p:nvCxnSpPr>
+            <p:cNvPr id="38" name="Straight Connector 37">
+              <a:extLst>
+                <a:ext uri="{FF2B5EF4-FFF2-40B4-BE49-F238E27FC236}">
+                  <a16:creationId xmlns:a16="http://schemas.microsoft.com/office/drawing/2014/main" id="{1EFD076D-1AF5-04A1-903C-F060BF009EC3}"/>
+                </a:ext>
+              </a:extLst>
+            </p:cNvPr>
+            <p:cNvCxnSpPr>
+              <a:cxnSpLocks/>
+            </p:cNvCxnSpPr>
+            <p:nvPr/>
+          </p:nvCxnSpPr>
+          <p:spPr>
+            <a:xfrm flipH="1">
+              <a:off x="4896322" y="1357450"/>
+              <a:ext cx="7295678" cy="0"/>
+            </a:xfrm>
+            <a:prstGeom prst="line">
+              <a:avLst/>
+            </a:prstGeom>
+            <a:ln w="19050">
+              <a:solidFill>
+                <a:schemeClr val="tx1"/>
+              </a:solidFill>
+            </a:ln>
+          </p:spPr>
+          <p:style>
+            <a:lnRef idx="1">
+              <a:schemeClr val="accent1"/>
+            </a:lnRef>
+            <a:fillRef idx="0">
+              <a:schemeClr val="accent1"/>
+            </a:fillRef>
+            <a:effectRef idx="0">
+              <a:schemeClr val="accent1"/>
+            </a:effectRef>
+            <a:fontRef idx="minor">
+              <a:schemeClr val="tx1"/>
+            </a:fontRef>
+          </p:style>
+        </p:cxnSp>
+        <p:pic>
+          <p:nvPicPr>
+            <p:cNvPr id="56" name="Picture 55">
+              <a:extLst>
+                <a:ext uri="{FF2B5EF4-FFF2-40B4-BE49-F238E27FC236}">
+                  <a16:creationId xmlns:a16="http://schemas.microsoft.com/office/drawing/2014/main" id="{1DF46DD0-7618-A0D6-D51A-0A82810DF2C2}"/>
+                </a:ext>
+              </a:extLst>
+            </p:cNvPr>
+            <p:cNvPicPr>
+              <a:picLocks noChangeAspect="1"/>
+            </p:cNvPicPr>
+            <p:nvPr/>
+          </p:nvPicPr>
+          <p:blipFill>
+            <a:blip r:embed="rId19"/>
+            <a:stretch>
+              <a:fillRect/>
+            </a:stretch>
+          </p:blipFill>
+          <p:spPr>
+            <a:xfrm>
+              <a:off x="7667609" y="1056950"/>
+              <a:ext cx="2003442" cy="199073"/>
+            </a:xfrm>
+            <a:prstGeom prst="rect">
+              <a:avLst/>
+            </a:prstGeom>
+          </p:spPr>
+        </p:pic>
+        <p:pic>
+          <p:nvPicPr>
+            <p:cNvPr id="58" name="Picture 57">
+              <a:extLst>
+                <a:ext uri="{FF2B5EF4-FFF2-40B4-BE49-F238E27FC236}">
+                  <a16:creationId xmlns:a16="http://schemas.microsoft.com/office/drawing/2014/main" id="{13C6EA60-0C78-7443-A8E4-040614338C8B}"/>
+                </a:ext>
+              </a:extLst>
+            </p:cNvPr>
+            <p:cNvPicPr>
+              <a:picLocks noChangeAspect="1"/>
+            </p:cNvPicPr>
+            <p:nvPr/>
+          </p:nvPicPr>
+          <p:blipFill>
+            <a:blip r:embed="rId20"/>
+            <a:stretch>
+              <a:fillRect/>
+            </a:stretch>
+          </p:blipFill>
+          <p:spPr>
+            <a:xfrm>
+              <a:off x="5003659" y="1070010"/>
+              <a:ext cx="2468855" cy="192751"/>
+            </a:xfrm>
+            <a:prstGeom prst="rect">
+              <a:avLst/>
+            </a:prstGeom>
+          </p:spPr>
+        </p:pic>
+        <p:cxnSp>
+          <p:nvCxnSpPr>
+            <p:cNvPr id="61" name="Straight Connector 60">
+              <a:extLst>
+                <a:ext uri="{FF2B5EF4-FFF2-40B4-BE49-F238E27FC236}">
+                  <a16:creationId xmlns:a16="http://schemas.microsoft.com/office/drawing/2014/main" id="{FCDAE158-6C89-7A08-9D9B-AD95C7C30614}"/>
+                </a:ext>
+              </a:extLst>
+            </p:cNvPr>
+            <p:cNvCxnSpPr>
+              <a:cxnSpLocks/>
+            </p:cNvCxnSpPr>
+            <p:nvPr/>
+          </p:nvCxnSpPr>
+          <p:spPr>
+            <a:xfrm>
+              <a:off x="4896322" y="964806"/>
+              <a:ext cx="0" cy="390492"/>
+            </a:xfrm>
+            <a:prstGeom prst="line">
+              <a:avLst/>
+            </a:prstGeom>
+            <a:ln w="19050">
+              <a:solidFill>
+                <a:schemeClr val="tx1"/>
+              </a:solidFill>
+            </a:ln>
+          </p:spPr>
+          <p:style>
+            <a:lnRef idx="1">
+              <a:schemeClr val="accent1"/>
+            </a:lnRef>
+            <a:fillRef idx="0">
+              <a:schemeClr val="accent1"/>
+            </a:fillRef>
+            <a:effectRef idx="0">
+              <a:schemeClr val="accent1"/>
+            </a:effectRef>
+            <a:fontRef idx="minor">
+              <a:schemeClr val="tx1"/>
+            </a:fontRef>
+          </p:style>
+        </p:cxnSp>
+        <p:pic>
+          <p:nvPicPr>
+            <p:cNvPr id="67" name="Picture 66">
+              <a:extLst>
+                <a:ext uri="{FF2B5EF4-FFF2-40B4-BE49-F238E27FC236}">
+                  <a16:creationId xmlns:a16="http://schemas.microsoft.com/office/drawing/2014/main" id="{CE610BA2-AF26-4AB9-404E-D37B414DE7BF}"/>
+                </a:ext>
+              </a:extLst>
+            </p:cNvPr>
+            <p:cNvPicPr>
+              <a:picLocks noChangeAspect="1"/>
+            </p:cNvPicPr>
+            <p:nvPr/>
+          </p:nvPicPr>
+          <p:blipFill>
+            <a:blip r:embed="rId21"/>
+            <a:stretch>
+              <a:fillRect/>
+            </a:stretch>
+          </p:blipFill>
+          <p:spPr>
+            <a:xfrm>
+              <a:off x="9839251" y="1033210"/>
+              <a:ext cx="2287389" cy="222508"/>
+            </a:xfrm>
+            <a:prstGeom prst="rect">
+              <a:avLst/>
+            </a:prstGeom>
+          </p:spPr>
+        </p:pic>
+      </p:grpSp>
+    </p:spTree>
+    <p:extLst>
+      <p:ext uri="{BB962C8B-B14F-4D97-AF65-F5344CB8AC3E}">
+        <p14:creationId xmlns:p14="http://schemas.microsoft.com/office/powerpoint/2010/main" val="4184948205"/>
+      </p:ext>
+    </p:extLst>
+  </p:cSld>
+  <p:clrMapOvr>
+    <a:masterClrMapping/>
+  </p:clrMapOvr>
+  <p:timing>
+    <p:tnLst>
+      <p:par>
+        <p:cTn id="1" dur="indefinite" restart="never" nodeType="tmRoot">
+          <p:childTnLst>
+            <p:seq concurrent="1" nextAc="seek">
+              <p:cTn id="2" dur="indefinite" nodeType="mainSeq">
+                <p:childTnLst>
+                  <p:par>
+                    <p:cTn id="3" fill="hold">
+                      <p:stCondLst>
+                        <p:cond delay="indefinite"/>
+                      </p:stCondLst>
+                      <p:childTnLst>
+                        <p:par>
+                          <p:cTn id="4" fill="hold">
+                            <p:stCondLst>
+                              <p:cond delay="0"/>
+                            </p:stCondLst>
+                            <p:childTnLst>
+                              <p:par>
+                                <p:cTn id="5" presetID="1" presetClass="entr" presetSubtype="0" fill="hold" nodeType="clickEffect">
+                                  <p:stCondLst>
+                                    <p:cond delay="0"/>
+                                  </p:stCondLst>
+                                  <p:childTnLst>
+                                    <p:set>
+                                      <p:cBhvr>
+                                        <p:cTn id="6" dur="1" fill="hold">
+                                          <p:stCondLst>
+                                            <p:cond delay="0"/>
+                                          </p:stCondLst>
+                                        </p:cTn>
+                                        <p:tgtEl>
+                                          <p:spTgt spid="43"/>
+                                        </p:tgtEl>
+                                        <p:attrNameLst>
+                                          <p:attrName>style.visibility</p:attrName>
+                                        </p:attrNameLst>
+                                      </p:cBhvr>
+                                      <p:to>
+                                        <p:strVal val="visible"/>
+                                      </p:to>
+                                    </p:set>
+                                  </p:childTnLst>
+                                </p:cTn>
+                              </p:par>
+                              <p:par>
+                                <p:cTn id="7" presetID="1" presetClass="entr" presetSubtype="0" fill="hold" grpId="0" nodeType="withEffect">
+                                  <p:stCondLst>
+                                    <p:cond delay="0"/>
+                                  </p:stCondLst>
+                                  <p:childTnLst>
+                                    <p:set>
+                                      <p:cBhvr>
+                                        <p:cTn id="8" dur="1" fill="hold">
+                                          <p:stCondLst>
+                                            <p:cond delay="0"/>
+                                          </p:stCondLst>
+                                        </p:cTn>
+                                        <p:tgtEl>
+                                          <p:spTgt spid="44"/>
+                                        </p:tgtEl>
+                                        <p:attrNameLst>
+                                          <p:attrName>style.visibility</p:attrName>
+                                        </p:attrNameLst>
+                                      </p:cBhvr>
+                                      <p:to>
+                                        <p:strVal val="visible"/>
+                                      </p:to>
+                                    </p:set>
+                                  </p:childTnLst>
+                                </p:cTn>
+                              </p:par>
+                              <p:par>
+                                <p:cTn id="9" presetID="1" presetClass="entr" presetSubtype="0" fill="hold" nodeType="withEffect">
+                                  <p:stCondLst>
+                                    <p:cond delay="0"/>
+                                  </p:stCondLst>
+                                  <p:childTnLst>
+                                    <p:set>
+                                      <p:cBhvr>
+                                        <p:cTn id="10" dur="1" fill="hold">
+                                          <p:stCondLst>
+                                            <p:cond delay="0"/>
+                                          </p:stCondLst>
+                                        </p:cTn>
+                                        <p:tgtEl>
+                                          <p:spTgt spid="46"/>
+                                        </p:tgtEl>
+                                        <p:attrNameLst>
+                                          <p:attrName>style.visibility</p:attrName>
+                                        </p:attrNameLst>
+                                      </p:cBhvr>
+                                      <p:to>
+                                        <p:strVal val="visible"/>
+                                      </p:to>
+                                    </p:set>
+                                  </p:childTnLst>
+                                </p:cTn>
+                              </p:par>
+                            </p:childTnLst>
+                          </p:cTn>
+                        </p:par>
+                      </p:childTnLst>
+                    </p:cTn>
+                  </p:par>
+                  <p:par>
+                    <p:cTn id="11" fill="hold">
+                      <p:stCondLst>
+                        <p:cond delay="indefinite"/>
+                      </p:stCondLst>
+                      <p:childTnLst>
+                        <p:par>
+                          <p:cTn id="12" fill="hold">
+                            <p:stCondLst>
+                              <p:cond delay="0"/>
+                            </p:stCondLst>
+                            <p:childTnLst>
+                              <p:par>
+                                <p:cTn id="13" presetID="1" presetClass="entr" presetSubtype="0" fill="hold" nodeType="clickEffect">
+                                  <p:stCondLst>
+                                    <p:cond delay="0"/>
+                                  </p:stCondLst>
+                                  <p:childTnLst>
+                                    <p:set>
+                                      <p:cBhvr>
+                                        <p:cTn id="14" dur="1" fill="hold">
+                                          <p:stCondLst>
+                                            <p:cond delay="0"/>
+                                          </p:stCondLst>
+                                        </p:cTn>
+                                        <p:tgtEl>
+                                          <p:spTgt spid="39"/>
+                                        </p:tgtEl>
+                                        <p:attrNameLst>
+                                          <p:attrName>style.visibility</p:attrName>
+                                        </p:attrNameLst>
+                                      </p:cBhvr>
+                                      <p:to>
+                                        <p:strVal val="visible"/>
+                                      </p:to>
+                                    </p:set>
+                                  </p:childTnLst>
+                                </p:cTn>
+                              </p:par>
+                              <p:par>
+                                <p:cTn id="15" presetID="1" presetClass="entr" presetSubtype="0" fill="hold" nodeType="withEffect">
+                                  <p:stCondLst>
+                                    <p:cond delay="0"/>
+                                  </p:stCondLst>
+                                  <p:childTnLst>
+                                    <p:set>
+                                      <p:cBhvr>
+                                        <p:cTn id="16" dur="1" fill="hold">
+                                          <p:stCondLst>
+                                            <p:cond delay="0"/>
+                                          </p:stCondLst>
+                                        </p:cTn>
+                                        <p:tgtEl>
+                                          <p:spTgt spid="41"/>
+                                        </p:tgtEl>
+                                        <p:attrNameLst>
+                                          <p:attrName>style.visibility</p:attrName>
+                                        </p:attrNameLst>
+                                      </p:cBhvr>
+                                      <p:to>
+                                        <p:strVal val="visible"/>
+                                      </p:to>
+                                    </p:set>
+                                  </p:childTnLst>
+                                </p:cTn>
+                              </p:par>
+                              <p:par>
+                                <p:cTn id="17" presetID="1" presetClass="entr" presetSubtype="0" fill="hold" nodeType="withEffect">
+                                  <p:stCondLst>
+                                    <p:cond delay="0"/>
+                                  </p:stCondLst>
+                                  <p:childTnLst>
+                                    <p:set>
+                                      <p:cBhvr>
+                                        <p:cTn id="18" dur="1" fill="hold">
+                                          <p:stCondLst>
+                                            <p:cond delay="0"/>
+                                          </p:stCondLst>
+                                        </p:cTn>
+                                        <p:tgtEl>
+                                          <p:spTgt spid="45"/>
+                                        </p:tgtEl>
+                                        <p:attrNameLst>
+                                          <p:attrName>style.visibility</p:attrName>
+                                        </p:attrNameLst>
+                                      </p:cBhvr>
+                                      <p:to>
+                                        <p:strVal val="visible"/>
+                                      </p:to>
+                                    </p:set>
+                                  </p:childTnLst>
+                                </p:cTn>
+                              </p:par>
+                              <p:par>
+                                <p:cTn id="19" presetID="1" presetClass="entr" presetSubtype="0" fill="hold" nodeType="withEffect">
+                                  <p:stCondLst>
+                                    <p:cond delay="0"/>
+                                  </p:stCondLst>
+                                  <p:childTnLst>
+                                    <p:set>
+                                      <p:cBhvr>
+                                        <p:cTn id="20" dur="1" fill="hold">
+                                          <p:stCondLst>
+                                            <p:cond delay="0"/>
+                                          </p:stCondLst>
+                                        </p:cTn>
+                                        <p:tgtEl>
+                                          <p:spTgt spid="23"/>
+                                        </p:tgtEl>
+                                        <p:attrNameLst>
+                                          <p:attrName>style.visibility</p:attrName>
+                                        </p:attrNameLst>
+                                      </p:cBhvr>
+                                      <p:to>
+                                        <p:strVal val="visible"/>
+                                      </p:to>
+                                    </p:set>
+                                  </p:childTnLst>
+                                </p:cTn>
+                              </p:par>
+                              <p:par>
+                                <p:cTn id="21" presetID="1" presetClass="entr" presetSubtype="0" fill="hold" nodeType="withEffect">
+                                  <p:stCondLst>
+                                    <p:cond delay="0"/>
+                                  </p:stCondLst>
+                                  <p:childTnLst>
+                                    <p:set>
+                                      <p:cBhvr>
+                                        <p:cTn id="22" dur="1" fill="hold">
+                                          <p:stCondLst>
+                                            <p:cond delay="0"/>
+                                          </p:stCondLst>
+                                        </p:cTn>
+                                        <p:tgtEl>
+                                          <p:spTgt spid="26"/>
+                                        </p:tgtEl>
+                                        <p:attrNameLst>
+                                          <p:attrName>style.visibility</p:attrName>
+                                        </p:attrNameLst>
+                                      </p:cBhvr>
+                                      <p:to>
+                                        <p:strVal val="visible"/>
+                                      </p:to>
+                                    </p:set>
+                                  </p:childTnLst>
+                                </p:cTn>
+                              </p:par>
+                              <p:par>
+                                <p:cTn id="23" presetID="1" presetClass="entr" presetSubtype="0" fill="hold" grpId="0" nodeType="withEffect">
+                                  <p:stCondLst>
+                                    <p:cond delay="0"/>
+                                  </p:stCondLst>
+                                  <p:childTnLst>
+                                    <p:set>
+                                      <p:cBhvr>
+                                        <p:cTn id="24" dur="1" fill="hold">
+                                          <p:stCondLst>
+                                            <p:cond delay="0"/>
+                                          </p:stCondLst>
+                                        </p:cTn>
+                                        <p:tgtEl>
+                                          <p:spTgt spid="3"/>
+                                        </p:tgtEl>
+                                        <p:attrNameLst>
+                                          <p:attrName>style.visibility</p:attrName>
+                                        </p:attrNameLst>
+                                      </p:cBhvr>
+                                      <p:to>
+                                        <p:strVal val="visible"/>
+                                      </p:to>
+                                    </p:set>
+                                  </p:childTnLst>
+                                </p:cTn>
+                              </p:par>
+                              <p:par>
+                                <p:cTn id="25" presetID="1" presetClass="entr" presetSubtype="0" fill="hold" grpId="0" nodeType="withEffect">
+                                  <p:stCondLst>
+                                    <p:cond delay="0"/>
+                                  </p:stCondLst>
+                                  <p:childTnLst>
+                                    <p:set>
+                                      <p:cBhvr>
+                                        <p:cTn id="26" dur="1" fill="hold">
+                                          <p:stCondLst>
+                                            <p:cond delay="0"/>
+                                          </p:stCondLst>
+                                        </p:cTn>
+                                        <p:tgtEl>
+                                          <p:spTgt spid="7"/>
+                                        </p:tgtEl>
+                                        <p:attrNameLst>
+                                          <p:attrName>style.visibility</p:attrName>
+                                        </p:attrNameLst>
+                                      </p:cBhvr>
+                                      <p:to>
+                                        <p:strVal val="visible"/>
+                                      </p:to>
+                                    </p:set>
+                                  </p:childTnLst>
+                                </p:cTn>
+                              </p:par>
+                              <p:par>
+                                <p:cTn id="27" presetID="1" presetClass="entr" presetSubtype="0" fill="hold" grpId="0" nodeType="withEffect">
+                                  <p:stCondLst>
+                                    <p:cond delay="0"/>
+                                  </p:stCondLst>
+                                  <p:childTnLst>
+                                    <p:set>
+                                      <p:cBhvr>
+                                        <p:cTn id="28" dur="1" fill="hold">
+                                          <p:stCondLst>
+                                            <p:cond delay="0"/>
+                                          </p:stCondLst>
+                                        </p:cTn>
+                                        <p:tgtEl>
+                                          <p:spTgt spid="9"/>
+                                        </p:tgtEl>
+                                        <p:attrNameLst>
+                                          <p:attrName>style.visibility</p:attrName>
+                                        </p:attrNameLst>
+                                      </p:cBhvr>
+                                      <p:to>
+                                        <p:strVal val="visible"/>
+                                      </p:to>
+                                    </p:set>
+                                  </p:childTnLst>
+                                </p:cTn>
+                              </p:par>
+                              <p:par>
+                                <p:cTn id="29" presetID="1" presetClass="entr" presetSubtype="0" fill="hold" grpId="0" nodeType="withEffect">
+                                  <p:stCondLst>
+                                    <p:cond delay="0"/>
+                                  </p:stCondLst>
+                                  <p:childTnLst>
+                                    <p:set>
+                                      <p:cBhvr>
+                                        <p:cTn id="30" dur="1" fill="hold">
+                                          <p:stCondLst>
+                                            <p:cond delay="0"/>
+                                          </p:stCondLst>
+                                        </p:cTn>
+                                        <p:tgtEl>
+                                          <p:spTgt spid="10"/>
+                                        </p:tgtEl>
+                                        <p:attrNameLst>
+                                          <p:attrName>style.visibility</p:attrName>
+                                        </p:attrNameLst>
+                                      </p:cBhvr>
+                                      <p:to>
+                                        <p:strVal val="visible"/>
+                                      </p:to>
+                                    </p:set>
+                                  </p:childTnLst>
+                                </p:cTn>
+                              </p:par>
+                              <p:par>
+                                <p:cTn id="31" presetID="1" presetClass="entr" presetSubtype="0" fill="hold" grpId="0" nodeType="withEffect">
+                                  <p:stCondLst>
+                                    <p:cond delay="0"/>
+                                  </p:stCondLst>
+                                  <p:childTnLst>
+                                    <p:set>
+                                      <p:cBhvr>
+                                        <p:cTn id="32" dur="1" fill="hold">
+                                          <p:stCondLst>
+                                            <p:cond delay="0"/>
+                                          </p:stCondLst>
+                                        </p:cTn>
+                                        <p:tgtEl>
+                                          <p:spTgt spid="11"/>
+                                        </p:tgtEl>
+                                        <p:attrNameLst>
+                                          <p:attrName>style.visibility</p:attrName>
+                                        </p:attrNameLst>
+                                      </p:cBhvr>
+                                      <p:to>
+                                        <p:strVal val="visible"/>
+                                      </p:to>
+                                    </p:set>
+                                  </p:childTnLst>
+                                </p:cTn>
+                              </p:par>
+                            </p:childTnLst>
+                          </p:cTn>
+                        </p:par>
+                      </p:childTnLst>
+                    </p:cTn>
+                  </p:par>
+                  <p:par>
+                    <p:cTn id="33" fill="hold">
+                      <p:stCondLst>
+                        <p:cond delay="indefinite"/>
+                      </p:stCondLst>
+                      <p:childTnLst>
+                        <p:par>
+                          <p:cTn id="34" fill="hold">
+                            <p:stCondLst>
+                              <p:cond delay="0"/>
+                            </p:stCondLst>
+                            <p:childTnLst>
+                              <p:par>
+                                <p:cTn id="35" presetID="1" presetClass="entr" presetSubtype="0" fill="hold" grpId="0" nodeType="clickEffect">
+                                  <p:stCondLst>
+                                    <p:cond delay="0"/>
+                                  </p:stCondLst>
+                                  <p:childTnLst>
+                                    <p:set>
+                                      <p:cBhvr>
+                                        <p:cTn id="36" dur="1" fill="hold">
+                                          <p:stCondLst>
+                                            <p:cond delay="0"/>
+                                          </p:stCondLst>
+                                        </p:cTn>
+                                        <p:tgtEl>
+                                          <p:spTgt spid="14"/>
+                                        </p:tgtEl>
+                                        <p:attrNameLst>
+                                          <p:attrName>style.visibility</p:attrName>
+                                        </p:attrNameLst>
+                                      </p:cBhvr>
+                                      <p:to>
+                                        <p:strVal val="visible"/>
+                                      </p:to>
+                                    </p:set>
+                                  </p:childTnLst>
+                                </p:cTn>
+                              </p:par>
+                              <p:par>
+                                <p:cTn id="37" presetID="1" presetClass="entr" presetSubtype="0" fill="hold" nodeType="withEffect">
+                                  <p:stCondLst>
+                                    <p:cond delay="0"/>
+                                  </p:stCondLst>
+                                  <p:childTnLst>
+                                    <p:set>
+                                      <p:cBhvr>
+                                        <p:cTn id="38" dur="1" fill="hold">
+                                          <p:stCondLst>
+                                            <p:cond delay="0"/>
+                                          </p:stCondLst>
+                                        </p:cTn>
+                                        <p:tgtEl>
+                                          <p:spTgt spid="8"/>
+                                        </p:tgtEl>
+                                        <p:attrNameLst>
+                                          <p:attrName>style.visibility</p:attrName>
+                                        </p:attrNameLst>
+                                      </p:cBhvr>
+                                      <p:to>
+                                        <p:strVal val="visible"/>
+                                      </p:to>
+                                    </p:set>
+                                  </p:childTnLst>
+                                </p:cTn>
+                              </p:par>
+                              <p:par>
+                                <p:cTn id="39" presetID="1" presetClass="entr" presetSubtype="0" fill="hold" nodeType="withEffect">
+                                  <p:stCondLst>
+                                    <p:cond delay="0"/>
+                                  </p:stCondLst>
+                                  <p:childTnLst>
+                                    <p:set>
+                                      <p:cBhvr>
+                                        <p:cTn id="40" dur="1" fill="hold">
+                                          <p:stCondLst>
+                                            <p:cond delay="0"/>
+                                          </p:stCondLst>
+                                        </p:cTn>
+                                        <p:tgtEl>
+                                          <p:spTgt spid="17"/>
+                                        </p:tgtEl>
+                                        <p:attrNameLst>
+                                          <p:attrName>style.visibility</p:attrName>
+                                        </p:attrNameLst>
+                                      </p:cBhvr>
+                                      <p:to>
+                                        <p:strVal val="visible"/>
+                                      </p:to>
+                                    </p:set>
+                                  </p:childTnLst>
+                                </p:cTn>
+                              </p:par>
+                              <p:par>
+                                <p:cTn id="41" presetID="1" presetClass="entr" presetSubtype="0" fill="hold" grpId="0" nodeType="withEffect">
+                                  <p:stCondLst>
+                                    <p:cond delay="0"/>
+                                  </p:stCondLst>
+                                  <p:childTnLst>
+                                    <p:set>
+                                      <p:cBhvr>
+                                        <p:cTn id="42" dur="1" fill="hold">
+                                          <p:stCondLst>
+                                            <p:cond delay="0"/>
+                                          </p:stCondLst>
+                                        </p:cTn>
+                                        <p:tgtEl>
+                                          <p:spTgt spid="21"/>
+                                        </p:tgtEl>
+                                        <p:attrNameLst>
+                                          <p:attrName>style.visibility</p:attrName>
+                                        </p:attrNameLst>
+                                      </p:cBhvr>
+                                      <p:to>
+                                        <p:strVal val="visible"/>
+                                      </p:to>
+                                    </p:set>
+                                  </p:childTnLst>
+                                </p:cTn>
+                              </p:par>
+                              <p:par>
+                                <p:cTn id="43" presetID="1" presetClass="entr" presetSubtype="0" fill="hold" nodeType="withEffect">
+                                  <p:stCondLst>
+                                    <p:cond delay="0"/>
+                                  </p:stCondLst>
+                                  <p:childTnLst>
+                                    <p:set>
+                                      <p:cBhvr>
+                                        <p:cTn id="44" dur="1" fill="hold">
+                                          <p:stCondLst>
+                                            <p:cond delay="0"/>
+                                          </p:stCondLst>
+                                        </p:cTn>
+                                        <p:tgtEl>
+                                          <p:spTgt spid="24"/>
+                                        </p:tgtEl>
+                                        <p:attrNameLst>
+                                          <p:attrName>style.visibility</p:attrName>
+                                        </p:attrNameLst>
+                                      </p:cBhvr>
+                                      <p:to>
+                                        <p:strVal val="visible"/>
+                                      </p:to>
+                                    </p:set>
+                                  </p:childTnLst>
+                                </p:cTn>
+                              </p:par>
+                              <p:par>
+                                <p:cTn id="45" presetID="1" presetClass="entr" presetSubtype="0" fill="hold" nodeType="withEffect">
+                                  <p:stCondLst>
+                                    <p:cond delay="0"/>
+                                  </p:stCondLst>
+                                  <p:childTnLst>
+                                    <p:set>
+                                      <p:cBhvr>
+                                        <p:cTn id="46" dur="1" fill="hold">
+                                          <p:stCondLst>
+                                            <p:cond delay="0"/>
+                                          </p:stCondLst>
+                                        </p:cTn>
+                                        <p:tgtEl>
+                                          <p:spTgt spid="48"/>
+                                        </p:tgtEl>
+                                        <p:attrNameLst>
+                                          <p:attrName>style.visibility</p:attrName>
+                                        </p:attrNameLst>
+                                      </p:cBhvr>
+                                      <p:to>
+                                        <p:strVal val="visible"/>
+                                      </p:to>
+                                    </p:set>
+                                  </p:childTnLst>
+                                </p:cTn>
+                              </p:par>
+                            </p:childTnLst>
+                          </p:cTn>
+                        </p:par>
+                      </p:childTnLst>
+                    </p:cTn>
+                  </p:par>
+                </p:childTnLst>
+              </p:cTn>
+              <p:prevCondLst>
+                <p:cond evt="onPrev" delay="0">
+                  <p:tgtEl>
+                    <p:sldTgt/>
+                  </p:tgtEl>
+                </p:cond>
+              </p:prevCondLst>
+              <p:nextCondLst>
+                <p:cond evt="onNext" delay="0">
+                  <p:tgtEl>
+                    <p:sldTgt/>
+                  </p:tgtEl>
+                </p:cond>
+              </p:nextCondLst>
+            </p:seq>
+          </p:childTnLst>
+        </p:cTn>
+      </p:par>
+    </p:tnLst>
+    <p:bldLst>
+      <p:bldP spid="3" grpId="0"/>
+      <p:bldP spid="7" grpId="0"/>
+      <p:bldP spid="9" grpId="0"/>
+      <p:bldP spid="10" grpId="0"/>
+      <p:bldP spid="11" grpId="0"/>
+      <p:bldP spid="14" grpId="0"/>
+      <p:bldP spid="21" grpId="0"/>
+      <p:bldP spid="44" grpId="0"/>
+    </p:bldLst>
+  </p:timing>
+</p:sld>
+</file>
+
 <file path=ppt/slides/slide2.xml><?xml version="1.0" encoding="utf-8"?>
 <p:sld xmlns:a="http://schemas.openxmlformats.org/drawingml/2006/main" xmlns:r="http://schemas.openxmlformats.org/officeDocument/2006/relationships" xmlns:p="http://schemas.openxmlformats.org/presentationml/2006/main">
   <p:cSld>
@@ -7635,6 +9691,447 @@
           <a:chExt cx="0" cy="0"/>
         </a:xfrm>
       </p:grpSpPr>
+      <p:sp>
+        <p:nvSpPr>
+          <p:cNvPr id="2" name="Title 1">
+            <a:extLst>
+              <a:ext uri="{FF2B5EF4-FFF2-40B4-BE49-F238E27FC236}">
+                <a16:creationId xmlns:a16="http://schemas.microsoft.com/office/drawing/2014/main" id="{73A7ABDA-806C-DFED-5758-02D4C3ABA5A5}"/>
+              </a:ext>
+            </a:extLst>
+          </p:cNvPr>
+          <p:cNvSpPr>
+            <a:spLocks noGrp="1"/>
+          </p:cNvSpPr>
+          <p:nvPr>
+            <p:ph type="title"/>
+          </p:nvPr>
+        </p:nvSpPr>
+        <p:spPr/>
+        <p:txBody>
+          <a:bodyPr/>
+          <a:lstStyle/>
+          <a:p>
+            <a:r>
+              <a:rPr lang="en-US" dirty="0"/>
+              <a:t>The (beautiful?) math of polymers</a:t>
+            </a:r>
+          </a:p>
+        </p:txBody>
+      </p:sp>
+      <p:sp>
+        <p:nvSpPr>
+          <p:cNvPr id="3" name="Slide Number Placeholder 2">
+            <a:extLst>
+              <a:ext uri="{FF2B5EF4-FFF2-40B4-BE49-F238E27FC236}">
+                <a16:creationId xmlns:a16="http://schemas.microsoft.com/office/drawing/2014/main" id="{828881CF-DA80-2536-4DDC-737D40B3E642}"/>
+              </a:ext>
+            </a:extLst>
+          </p:cNvPr>
+          <p:cNvSpPr>
+            <a:spLocks noGrp="1"/>
+          </p:cNvSpPr>
+          <p:nvPr>
+            <p:ph type="sldNum" sz="quarter" idx="12"/>
+          </p:nvPr>
+        </p:nvSpPr>
+        <p:spPr/>
+        <p:txBody>
+          <a:bodyPr/>
+          <a:lstStyle/>
+          <a:p>
+            <a:fld id="{5911C0E6-D9CE-431C-92CB-BB39B872F930}" type="slidenum">
+              <a:rPr lang="en-US" smtClean="0"/>
+              <a:t>5</a:t>
+            </a:fld>
+            <a:endParaRPr lang="en-US"/>
+          </a:p>
+        </p:txBody>
+      </p:sp>
+      <p:grpSp>
+        <p:nvGrpSpPr>
+          <p:cNvPr id="9" name="Group 8">
+            <a:extLst>
+              <a:ext uri="{FF2B5EF4-FFF2-40B4-BE49-F238E27FC236}">
+                <a16:creationId xmlns:a16="http://schemas.microsoft.com/office/drawing/2014/main" id="{AE1AB5A9-F11B-8188-1E96-7AD91CFDDE41}"/>
+              </a:ext>
+            </a:extLst>
+          </p:cNvPr>
+          <p:cNvGrpSpPr/>
+          <p:nvPr/>
+        </p:nvGrpSpPr>
+        <p:grpSpPr>
+          <a:xfrm>
+            <a:off x="186273" y="1028119"/>
+            <a:ext cx="12005727" cy="627058"/>
+            <a:chOff x="186273" y="1028119"/>
+            <a:chExt cx="12005727" cy="627058"/>
+          </a:xfrm>
+        </p:grpSpPr>
+        <mc:AlternateContent xmlns:mc="http://schemas.openxmlformats.org/markup-compatibility/2006">
+          <mc:Choice xmlns:a14="http://schemas.microsoft.com/office/drawing/2010/main" Requires="a14">
+            <p:sp>
+              <p:nvSpPr>
+                <p:cNvPr id="64" name="TextBox 63">
+                  <a:extLst>
+                    <a:ext uri="{FF2B5EF4-FFF2-40B4-BE49-F238E27FC236}">
+                      <a16:creationId xmlns:a16="http://schemas.microsoft.com/office/drawing/2014/main" id="{47B9E759-C761-D171-2DF8-C901E2D2C2E4}"/>
+                    </a:ext>
+                  </a:extLst>
+                </p:cNvPr>
+                <p:cNvSpPr txBox="1"/>
+                <p:nvPr/>
+              </p:nvSpPr>
+              <p:spPr>
+                <a:xfrm>
+                  <a:off x="186273" y="1285845"/>
+                  <a:ext cx="12005727" cy="369332"/>
+                </a:xfrm>
+                <a:prstGeom prst="rect">
+                  <a:avLst/>
+                </a:prstGeom>
+                <a:noFill/>
+              </p:spPr>
+              <p:txBody>
+                <a:bodyPr wrap="square" rtlCol="0">
+                  <a:spAutoFit/>
+                </a:bodyPr>
+                <a:lstStyle/>
+                <a:p>
+                  <a:pPr marL="285750" indent="-285750">
+                    <a:buFont typeface="Arial" panose="020B0604020202020204" pitchFamily="34" charset="0"/>
+                    <a:buChar char="•"/>
+                  </a:pPr>
+                  <a:r>
+                    <a:rPr lang="en-US" dirty="0"/>
+                    <a:t> </a:t>
+                  </a:r>
+                  <a:r>
+                    <a:rPr lang="en-US" strike="sngStrike" dirty="0"/>
+                    <a:t>Total number</a:t>
+                  </a:r>
+                  <a:r>
+                    <a:rPr lang="en-US" dirty="0"/>
+                    <a:t> of trajectories (possible polymers) for a given </a:t>
+                  </a:r>
+                  <a14:m>
+                    <m:oMath xmlns:m="http://schemas.openxmlformats.org/officeDocument/2006/math">
+                      <m:r>
+                        <a:rPr lang="en-US" b="0" i="1" smtClean="0">
+                          <a:latin typeface="Cambria Math" panose="02040503050406030204" pitchFamily="18" charset="0"/>
+                        </a:rPr>
+                        <m:t>𝑁</m:t>
+                      </m:r>
+                    </m:oMath>
+                  </a14:m>
+                  <a:r>
+                    <a:rPr lang="en-US" dirty="0"/>
+                    <a:t> and </a:t>
+                  </a:r>
+                  <a14:m>
+                    <m:oMath xmlns:m="http://schemas.openxmlformats.org/officeDocument/2006/math">
+                      <m:r>
+                        <a:rPr lang="en-US" b="0" i="1" smtClean="0">
+                          <a:latin typeface="Cambria Math" panose="02040503050406030204" pitchFamily="18" charset="0"/>
+                        </a:rPr>
+                        <m:t>𝑅</m:t>
+                      </m:r>
+                    </m:oMath>
+                  </a14:m>
+                  <a:r>
+                    <a:rPr lang="en-US" dirty="0"/>
+                    <a:t>:</a:t>
+                  </a:r>
+                </a:p>
+              </p:txBody>
+            </p:sp>
+          </mc:Choice>
+          <mc:Fallback>
+            <p:sp>
+              <p:nvSpPr>
+                <p:cNvPr id="64" name="TextBox 63">
+                  <a:extLst>
+                    <a:ext uri="{FF2B5EF4-FFF2-40B4-BE49-F238E27FC236}">
+                      <a16:creationId xmlns:a16="http://schemas.microsoft.com/office/drawing/2014/main" id="{47B9E759-C761-D171-2DF8-C901E2D2C2E4}"/>
+                    </a:ext>
+                  </a:extLst>
+                </p:cNvPr>
+                <p:cNvSpPr txBox="1">
+                  <a:spLocks noRot="1" noChangeAspect="1" noMove="1" noResize="1" noEditPoints="1" noAdjustHandles="1" noChangeArrowheads="1" noChangeShapeType="1" noTextEdit="1"/>
+                </p:cNvSpPr>
+                <p:nvPr/>
+              </p:nvSpPr>
+              <p:spPr>
+                <a:xfrm>
+                  <a:off x="186273" y="1285845"/>
+                  <a:ext cx="12005727" cy="369332"/>
+                </a:xfrm>
+                <a:prstGeom prst="rect">
+                  <a:avLst/>
+                </a:prstGeom>
+                <a:blipFill>
+                  <a:blip r:embed="rId2"/>
+                  <a:stretch>
+                    <a:fillRect l="-356" t="-9836" b="-24590"/>
+                  </a:stretch>
+                </a:blipFill>
+              </p:spPr>
+              <p:txBody>
+                <a:bodyPr/>
+                <a:lstStyle/>
+                <a:p>
+                  <a:r>
+                    <a:rPr lang="en-US">
+                      <a:noFill/>
+                    </a:rPr>
+                    <a:t> </a:t>
+                  </a:r>
+                </a:p>
+              </p:txBody>
+            </p:sp>
+          </mc:Fallback>
+        </mc:AlternateContent>
+        <p:sp>
+          <p:nvSpPr>
+            <p:cNvPr id="5" name="TextBox 4">
+              <a:extLst>
+                <a:ext uri="{FF2B5EF4-FFF2-40B4-BE49-F238E27FC236}">
+                  <a16:creationId xmlns:a16="http://schemas.microsoft.com/office/drawing/2014/main" id="{A17D9224-6075-5EC6-8E48-DF1297D3458A}"/>
+                </a:ext>
+              </a:extLst>
+            </p:cNvPr>
+            <p:cNvSpPr txBox="1"/>
+            <p:nvPr/>
+          </p:nvSpPr>
+          <p:spPr>
+            <a:xfrm>
+              <a:off x="523874" y="1028119"/>
+              <a:ext cx="1381125" cy="369332"/>
+            </a:xfrm>
+            <a:prstGeom prst="rect">
+              <a:avLst/>
+            </a:prstGeom>
+            <a:noFill/>
+          </p:spPr>
+          <p:txBody>
+            <a:bodyPr wrap="square" rtlCol="0">
+              <a:spAutoFit/>
+            </a:bodyPr>
+            <a:lstStyle/>
+            <a:p>
+              <a:pPr algn="ctr"/>
+              <a:r>
+                <a:rPr lang="en-US" dirty="0"/>
+                <a:t>Probability</a:t>
+              </a:r>
+            </a:p>
+          </p:txBody>
+        </p:sp>
+      </p:grpSp>
+      <p:pic>
+        <p:nvPicPr>
+          <p:cNvPr id="19" name="Picture 18">
+            <a:extLst>
+              <a:ext uri="{FF2B5EF4-FFF2-40B4-BE49-F238E27FC236}">
+                <a16:creationId xmlns:a16="http://schemas.microsoft.com/office/drawing/2014/main" id="{3306997A-BC01-5C9F-4B19-6965DED14994}"/>
+              </a:ext>
+            </a:extLst>
+          </p:cNvPr>
+          <p:cNvPicPr>
+            <a:picLocks noChangeAspect="1"/>
+          </p:cNvPicPr>
+          <p:nvPr/>
+        </p:nvPicPr>
+        <p:blipFill>
+          <a:blip r:embed="rId3"/>
+          <a:stretch>
+            <a:fillRect/>
+          </a:stretch>
+        </p:blipFill>
+        <p:spPr>
+          <a:xfrm>
+            <a:off x="1809751" y="1857061"/>
+            <a:ext cx="5762624" cy="728174"/>
+          </a:xfrm>
+          <a:prstGeom prst="rect">
+            <a:avLst/>
+          </a:prstGeom>
+        </p:spPr>
+      </p:pic>
+      <p:cxnSp>
+        <p:nvCxnSpPr>
+          <p:cNvPr id="40" name="Straight Arrow Connector 39">
+            <a:extLst>
+              <a:ext uri="{FF2B5EF4-FFF2-40B4-BE49-F238E27FC236}">
+                <a16:creationId xmlns:a16="http://schemas.microsoft.com/office/drawing/2014/main" id="{C4B452CE-E07F-FEC4-AAD5-96A346331295}"/>
+              </a:ext>
+            </a:extLst>
+          </p:cNvPr>
+          <p:cNvCxnSpPr>
+            <a:cxnSpLocks/>
+          </p:cNvCxnSpPr>
+          <p:nvPr/>
+        </p:nvCxnSpPr>
+        <p:spPr>
+          <a:xfrm>
+            <a:off x="2571749" y="2787119"/>
+            <a:ext cx="0" cy="822856"/>
+          </a:xfrm>
+          <a:prstGeom prst="straightConnector1">
+            <a:avLst/>
+          </a:prstGeom>
+          <a:ln w="28575">
+            <a:solidFill>
+              <a:schemeClr val="tx1"/>
+            </a:solidFill>
+            <a:tailEnd type="triangle"/>
+          </a:ln>
+        </p:spPr>
+        <p:style>
+          <a:lnRef idx="1">
+            <a:schemeClr val="accent1"/>
+          </a:lnRef>
+          <a:fillRef idx="0">
+            <a:schemeClr val="accent1"/>
+          </a:fillRef>
+          <a:effectRef idx="0">
+            <a:schemeClr val="accent1"/>
+          </a:effectRef>
+          <a:fontRef idx="minor">
+            <a:schemeClr val="tx1"/>
+          </a:fontRef>
+        </p:style>
+      </p:cxnSp>
+      <p:sp>
+        <p:nvSpPr>
+          <p:cNvPr id="56" name="TextBox 55">
+            <a:extLst>
+              <a:ext uri="{FF2B5EF4-FFF2-40B4-BE49-F238E27FC236}">
+                <a16:creationId xmlns:a16="http://schemas.microsoft.com/office/drawing/2014/main" id="{38AE4ECB-3E79-18A0-22CF-E135C52697A9}"/>
+              </a:ext>
+            </a:extLst>
+          </p:cNvPr>
+          <p:cNvSpPr txBox="1"/>
+          <p:nvPr/>
+        </p:nvSpPr>
+        <p:spPr>
+          <a:xfrm>
+            <a:off x="2867025" y="2867025"/>
+            <a:ext cx="1638300" cy="369332"/>
+          </a:xfrm>
+          <a:prstGeom prst="rect">
+            <a:avLst/>
+          </a:prstGeom>
+          <a:noFill/>
+        </p:spPr>
+        <p:txBody>
+          <a:bodyPr wrap="square" rtlCol="0">
+            <a:spAutoFit/>
+          </a:bodyPr>
+          <a:lstStyle/>
+          <a:p>
+            <a:r>
+              <a:rPr lang="en-US" dirty="0"/>
+              <a:t>Algebra</a:t>
+            </a:r>
+          </a:p>
+        </p:txBody>
+      </p:sp>
+      <p:sp>
+        <p:nvSpPr>
+          <p:cNvPr id="57" name="TextBox 56">
+            <a:extLst>
+              <a:ext uri="{FF2B5EF4-FFF2-40B4-BE49-F238E27FC236}">
+                <a16:creationId xmlns:a16="http://schemas.microsoft.com/office/drawing/2014/main" id="{17431DB0-756F-BF61-2C35-E8FDA6B43C92}"/>
+              </a:ext>
+            </a:extLst>
+          </p:cNvPr>
+          <p:cNvSpPr txBox="1"/>
+          <p:nvPr/>
+        </p:nvSpPr>
+        <p:spPr>
+          <a:xfrm>
+            <a:off x="2867024" y="3252312"/>
+            <a:ext cx="2152649" cy="369332"/>
+          </a:xfrm>
+          <a:prstGeom prst="rect">
+            <a:avLst/>
+          </a:prstGeom>
+          <a:noFill/>
+        </p:spPr>
+        <p:txBody>
+          <a:bodyPr wrap="square" rtlCol="0">
+            <a:spAutoFit/>
+          </a:bodyPr>
+          <a:lstStyle/>
+          <a:p>
+            <a:r>
+              <a:rPr lang="en-US" dirty="0"/>
+              <a:t>Stirling’s formula: </a:t>
+            </a:r>
+          </a:p>
+        </p:txBody>
+      </p:sp>
+      <p:pic>
+        <p:nvPicPr>
+          <p:cNvPr id="59" name="Picture 58">
+            <a:extLst>
+              <a:ext uri="{FF2B5EF4-FFF2-40B4-BE49-F238E27FC236}">
+                <a16:creationId xmlns:a16="http://schemas.microsoft.com/office/drawing/2014/main" id="{72BE9BA8-8EF8-774C-908A-D09D7A8C7171}"/>
+              </a:ext>
+            </a:extLst>
+          </p:cNvPr>
+          <p:cNvPicPr>
+            <a:picLocks noChangeAspect="1"/>
+          </p:cNvPicPr>
+          <p:nvPr/>
+        </p:nvPicPr>
+        <p:blipFill>
+          <a:blip r:embed="rId4"/>
+          <a:stretch>
+            <a:fillRect/>
+          </a:stretch>
+        </p:blipFill>
+        <p:spPr>
+          <a:xfrm>
+            <a:off x="4905375" y="3132034"/>
+            <a:ext cx="2047879" cy="609887"/>
+          </a:xfrm>
+          <a:prstGeom prst="rect">
+            <a:avLst/>
+          </a:prstGeom>
+        </p:spPr>
+      </p:pic>
+    </p:spTree>
+    <p:extLst>
+      <p:ext uri="{BB962C8B-B14F-4D97-AF65-F5344CB8AC3E}">
+        <p14:creationId xmlns:p14="http://schemas.microsoft.com/office/powerpoint/2010/main" val="3213787699"/>
+      </p:ext>
+    </p:extLst>
+  </p:cSld>
+  <p:clrMapOvr>
+    <a:masterClrMapping/>
+  </p:clrMapOvr>
+</p:sld>
+</file>
+
+<file path=ppt/slides/slide6.xml><?xml version="1.0" encoding="utf-8"?>
+<p:sld xmlns:a="http://schemas.openxmlformats.org/drawingml/2006/main" xmlns:r="http://schemas.openxmlformats.org/officeDocument/2006/relationships" xmlns:p="http://schemas.openxmlformats.org/presentationml/2006/main">
+  <p:cSld>
+    <p:spTree>
+      <p:nvGrpSpPr>
+        <p:cNvPr id="1" name=""/>
+        <p:cNvGrpSpPr/>
+        <p:nvPr/>
+      </p:nvGrpSpPr>
+      <p:grpSpPr>
+        <a:xfrm>
+          <a:off x="0" y="0"/>
+          <a:ext cx="0" cy="0"/>
+          <a:chOff x="0" y="0"/>
+          <a:chExt cx="0" cy="0"/>
+        </a:xfrm>
+      </p:grpSpPr>
       <p:grpSp>
         <p:nvGrpSpPr>
           <p:cNvPr id="12" name="Group 11">
@@ -8109,7 +10606,7 @@
           <a:p>
             <a:fld id="{5911C0E6-D9CE-431C-92CB-BB39B872F930}" type="slidenum">
               <a:rPr lang="en-US" smtClean="0"/>
-              <a:t>5</a:t>
+              <a:t>6</a:t>
             </a:fld>
             <a:endParaRPr lang="en-US"/>
           </a:p>
@@ -8607,7 +11104,7 @@
 </p:sld>
 </file>
 
-<file path=ppt/slides/slide6.xml><?xml version="1.0" encoding="utf-8"?>
+<file path=ppt/slides/slide7.xml><?xml version="1.0" encoding="utf-8"?>
 <p:sld xmlns:a="http://schemas.openxmlformats.org/drawingml/2006/main" xmlns:r="http://schemas.openxmlformats.org/officeDocument/2006/relationships" xmlns:p="http://schemas.openxmlformats.org/presentationml/2006/main">
   <p:cSld>
     <p:spTree>
@@ -8682,7 +11179,7 @@
           <a:p>
             <a:fld id="{5911C0E6-D9CE-431C-92CB-BB39B872F930}" type="slidenum">
               <a:rPr lang="en-US" smtClean="0"/>
-              <a:t>6</a:t>
+              <a:t>7</a:t>
             </a:fld>
             <a:endParaRPr lang="en-US"/>
           </a:p>
@@ -8848,7 +11345,7 @@
 </p:sld>
 </file>
 
-<file path=ppt/slides/slide7.xml><?xml version="1.0" encoding="utf-8"?>
+<file path=ppt/slides/slide8.xml><?xml version="1.0" encoding="utf-8"?>
 <p:sld xmlns:a="http://schemas.openxmlformats.org/drawingml/2006/main" xmlns:r="http://schemas.openxmlformats.org/officeDocument/2006/relationships" xmlns:p="http://schemas.openxmlformats.org/presentationml/2006/main">
   <p:cSld>
     <p:spTree>
@@ -8917,7 +11414,7 @@
             <a:fld id="{5911C0E6-D9CE-431C-92CB-BB39B872F930}" type="slidenum">
               <a:rPr lang="en-US" smtClean="0"/>
               <a:pPr/>
-              <a:t>7</a:t>
+              <a:t>8</a:t>
             </a:fld>
             <a:endParaRPr lang="en-US" dirty="0"/>
           </a:p>
@@ -8936,7 +11433,7 @@
 </p:sld>
 </file>
 
-<file path=ppt/slides/slide8.xml><?xml version="1.0" encoding="utf-8"?>
+<file path=ppt/slides/slide9.xml><?xml version="1.0" encoding="utf-8"?>
 <p:sld xmlns:a="http://schemas.openxmlformats.org/drawingml/2006/main" xmlns:r="http://schemas.openxmlformats.org/officeDocument/2006/relationships" xmlns:p="http://schemas.openxmlformats.org/presentationml/2006/main">
   <p:cSld>
     <p:spTree>
@@ -9165,7 +11662,7 @@
           <a:p>
             <a:fld id="{5911C0E6-D9CE-431C-92CB-BB39B872F930}" type="slidenum">
               <a:rPr lang="en-US" smtClean="0"/>
-              <a:t>8</a:t>
+              <a:t>9</a:t>
             </a:fld>
             <a:endParaRPr lang="en-US" dirty="0"/>
           </a:p>
@@ -15553,2061 +18050,6 @@
 </p:sld>
 </file>
 
-<file path=ppt/slides/slide9.xml><?xml version="1.0" encoding="utf-8"?>
-<p:sld xmlns:a="http://schemas.openxmlformats.org/drawingml/2006/main" xmlns:r="http://schemas.openxmlformats.org/officeDocument/2006/relationships" xmlns:p="http://schemas.openxmlformats.org/presentationml/2006/main">
-  <p:cSld>
-    <p:spTree>
-      <p:nvGrpSpPr>
-        <p:cNvPr id="1" name=""/>
-        <p:cNvGrpSpPr/>
-        <p:nvPr/>
-      </p:nvGrpSpPr>
-      <p:grpSpPr>
-        <a:xfrm>
-          <a:off x="0" y="0"/>
-          <a:ext cx="0" cy="0"/>
-          <a:chOff x="0" y="0"/>
-          <a:chExt cx="0" cy="0"/>
-        </a:xfrm>
-      </p:grpSpPr>
-      <p:sp>
-        <p:nvSpPr>
-          <p:cNvPr id="2" name="Title 1">
-            <a:extLst>
-              <a:ext uri="{FF2B5EF4-FFF2-40B4-BE49-F238E27FC236}">
-                <a16:creationId xmlns:a16="http://schemas.microsoft.com/office/drawing/2014/main" id="{4E34F66B-294D-4F39-9C36-7B32143A328B}"/>
-              </a:ext>
-            </a:extLst>
-          </p:cNvPr>
-          <p:cNvSpPr>
-            <a:spLocks noGrp="1"/>
-          </p:cNvSpPr>
-          <p:nvPr>
-            <p:ph type="title"/>
-          </p:nvPr>
-        </p:nvSpPr>
-        <p:spPr>
-          <a:xfrm>
-            <a:off x="0" y="144617"/>
-            <a:ext cx="11353800" cy="800128"/>
-          </a:xfrm>
-        </p:spPr>
-        <p:txBody>
-          <a:bodyPr>
-            <a:normAutofit/>
-          </a:bodyPr>
-          <a:lstStyle/>
-          <a:p>
-            <a:r>
-              <a:rPr lang="en-US" dirty="0"/>
-              <a:t>Free Energy and SCF Equations</a:t>
-            </a:r>
-          </a:p>
-        </p:txBody>
-      </p:sp>
-      <p:sp>
-        <p:nvSpPr>
-          <p:cNvPr id="4" name="Slide Number Placeholder 3">
-            <a:extLst>
-              <a:ext uri="{FF2B5EF4-FFF2-40B4-BE49-F238E27FC236}">
-                <a16:creationId xmlns:a16="http://schemas.microsoft.com/office/drawing/2014/main" id="{A9BFEDFB-B927-4E53-828A-195916A12070}"/>
-              </a:ext>
-            </a:extLst>
-          </p:cNvPr>
-          <p:cNvSpPr>
-            <a:spLocks noGrp="1"/>
-          </p:cNvSpPr>
-          <p:nvPr>
-            <p:ph type="sldNum" sz="quarter" idx="12"/>
-          </p:nvPr>
-        </p:nvSpPr>
-        <p:spPr/>
-        <p:txBody>
-          <a:bodyPr/>
-          <a:lstStyle/>
-          <a:p>
-            <a:fld id="{5911C0E6-D9CE-431C-92CB-BB39B872F930}" type="slidenum">
-              <a:rPr lang="en-US" smtClean="0"/>
-              <a:t>9</a:t>
-            </a:fld>
-            <a:endParaRPr lang="en-US"/>
-          </a:p>
-        </p:txBody>
-      </p:sp>
-      <p:pic>
-        <p:nvPicPr>
-          <p:cNvPr id="8" name="Picture 7">
-            <a:extLst>
-              <a:ext uri="{FF2B5EF4-FFF2-40B4-BE49-F238E27FC236}">
-                <a16:creationId xmlns:a16="http://schemas.microsoft.com/office/drawing/2014/main" id="{E89B5C63-ADA5-4BD0-95A5-DF9C4E094121}"/>
-              </a:ext>
-            </a:extLst>
-          </p:cNvPr>
-          <p:cNvPicPr>
-            <a:picLocks noChangeAspect="1"/>
-          </p:cNvPicPr>
-          <p:nvPr/>
-        </p:nvPicPr>
-        <p:blipFill rotWithShape="1">
-          <a:blip r:embed="rId2"/>
-          <a:srcRect r="45057" b="70760"/>
-          <a:stretch/>
-        </p:blipFill>
-        <p:spPr>
-          <a:xfrm>
-            <a:off x="1795148" y="4658566"/>
-            <a:ext cx="2865224" cy="655776"/>
-          </a:xfrm>
-          <a:prstGeom prst="rect">
-            <a:avLst/>
-          </a:prstGeom>
-        </p:spPr>
-      </p:pic>
-      <p:pic>
-        <p:nvPicPr>
-          <p:cNvPr id="23" name="Picture 22">
-            <a:extLst>
-              <a:ext uri="{FF2B5EF4-FFF2-40B4-BE49-F238E27FC236}">
-                <a16:creationId xmlns:a16="http://schemas.microsoft.com/office/drawing/2014/main" id="{18357C38-7FD9-DFB5-5622-DA47A27C5B4B}"/>
-              </a:ext>
-            </a:extLst>
-          </p:cNvPr>
-          <p:cNvPicPr>
-            <a:picLocks noChangeAspect="1"/>
-          </p:cNvPicPr>
-          <p:nvPr/>
-        </p:nvPicPr>
-        <p:blipFill rotWithShape="1">
-          <a:blip r:embed="rId3"/>
-          <a:srcRect t="70378" r="53113" b="16415"/>
-          <a:stretch/>
-        </p:blipFill>
-        <p:spPr>
-          <a:xfrm>
-            <a:off x="2197026" y="3585674"/>
-            <a:ext cx="2219888" cy="415041"/>
-          </a:xfrm>
-          <a:prstGeom prst="rect">
-            <a:avLst/>
-          </a:prstGeom>
-        </p:spPr>
-      </p:pic>
-      <p:pic>
-        <p:nvPicPr>
-          <p:cNvPr id="26" name="Picture 25">
-            <a:extLst>
-              <a:ext uri="{FF2B5EF4-FFF2-40B4-BE49-F238E27FC236}">
-                <a16:creationId xmlns:a16="http://schemas.microsoft.com/office/drawing/2014/main" id="{B7FD24BF-AB23-8EF1-0995-71D059ADFCA4}"/>
-              </a:ext>
-            </a:extLst>
-          </p:cNvPr>
-          <p:cNvPicPr>
-            <a:picLocks noChangeAspect="1"/>
-          </p:cNvPicPr>
-          <p:nvPr/>
-        </p:nvPicPr>
-        <p:blipFill>
-          <a:blip r:embed="rId4"/>
-          <a:stretch>
-            <a:fillRect/>
-          </a:stretch>
-        </p:blipFill>
-        <p:spPr>
-          <a:xfrm>
-            <a:off x="2393289" y="4205094"/>
-            <a:ext cx="1447788" cy="291198"/>
-          </a:xfrm>
-          <a:prstGeom prst="rect">
-            <a:avLst/>
-          </a:prstGeom>
-        </p:spPr>
-      </p:pic>
-      <p:pic>
-        <p:nvPicPr>
-          <p:cNvPr id="39" name="Picture 38">
-            <a:extLst>
-              <a:ext uri="{FF2B5EF4-FFF2-40B4-BE49-F238E27FC236}">
-                <a16:creationId xmlns:a16="http://schemas.microsoft.com/office/drawing/2014/main" id="{6B032FDD-E663-0790-98CB-A464935072BF}"/>
-              </a:ext>
-            </a:extLst>
-          </p:cNvPr>
-          <p:cNvPicPr>
-            <a:picLocks noChangeAspect="1"/>
-          </p:cNvPicPr>
-          <p:nvPr/>
-        </p:nvPicPr>
-        <p:blipFill>
-          <a:blip r:embed="rId5"/>
-          <a:stretch>
-            <a:fillRect/>
-          </a:stretch>
-        </p:blipFill>
-        <p:spPr>
-          <a:xfrm>
-            <a:off x="2425020" y="2951630"/>
-            <a:ext cx="2701626" cy="555911"/>
-          </a:xfrm>
-          <a:prstGeom prst="rect">
-            <a:avLst/>
-          </a:prstGeom>
-        </p:spPr>
-      </p:pic>
-      <p:pic>
-        <p:nvPicPr>
-          <p:cNvPr id="41" name="Picture 40">
-            <a:extLst>
-              <a:ext uri="{FF2B5EF4-FFF2-40B4-BE49-F238E27FC236}">
-                <a16:creationId xmlns:a16="http://schemas.microsoft.com/office/drawing/2014/main" id="{E5ED2A4D-25CE-9BD5-336A-7FEC16881512}"/>
-              </a:ext>
-            </a:extLst>
-          </p:cNvPr>
-          <p:cNvPicPr>
-            <a:picLocks noChangeAspect="1"/>
-          </p:cNvPicPr>
-          <p:nvPr/>
-        </p:nvPicPr>
-        <p:blipFill>
-          <a:blip r:embed="rId6"/>
-          <a:stretch>
-            <a:fillRect/>
-          </a:stretch>
-        </p:blipFill>
-        <p:spPr>
-          <a:xfrm>
-            <a:off x="8631230" y="2928534"/>
-            <a:ext cx="3301087" cy="551968"/>
-          </a:xfrm>
-          <a:prstGeom prst="rect">
-            <a:avLst/>
-          </a:prstGeom>
-        </p:spPr>
-      </p:pic>
-      <p:pic>
-        <p:nvPicPr>
-          <p:cNvPr id="45" name="Picture 44">
-            <a:extLst>
-              <a:ext uri="{FF2B5EF4-FFF2-40B4-BE49-F238E27FC236}">
-                <a16:creationId xmlns:a16="http://schemas.microsoft.com/office/drawing/2014/main" id="{02745621-4577-5819-97AC-E2EFF40A2396}"/>
-              </a:ext>
-            </a:extLst>
-          </p:cNvPr>
-          <p:cNvPicPr>
-            <a:picLocks noChangeAspect="1"/>
-          </p:cNvPicPr>
-          <p:nvPr/>
-        </p:nvPicPr>
-        <p:blipFill>
-          <a:blip r:embed="rId7"/>
-          <a:stretch>
-            <a:fillRect/>
-          </a:stretch>
-        </p:blipFill>
-        <p:spPr>
-          <a:xfrm>
-            <a:off x="8645297" y="3702285"/>
-            <a:ext cx="1372201" cy="224951"/>
-          </a:xfrm>
-          <a:prstGeom prst="rect">
-            <a:avLst/>
-          </a:prstGeom>
-        </p:spPr>
-      </p:pic>
-      <p:sp>
-        <p:nvSpPr>
-          <p:cNvPr id="3" name="TextBox 2">
-            <a:extLst>
-              <a:ext uri="{FF2B5EF4-FFF2-40B4-BE49-F238E27FC236}">
-                <a16:creationId xmlns:a16="http://schemas.microsoft.com/office/drawing/2014/main" id="{594692E2-3D93-4675-22B9-2784FF650217}"/>
-              </a:ext>
-            </a:extLst>
-          </p:cNvPr>
-          <p:cNvSpPr txBox="1"/>
-          <p:nvPr/>
-        </p:nvSpPr>
-        <p:spPr>
-          <a:xfrm>
-            <a:off x="400698" y="3053483"/>
-            <a:ext cx="1690271" cy="338554"/>
-          </a:xfrm>
-          <a:prstGeom prst="rect">
-            <a:avLst/>
-          </a:prstGeom>
-          <a:noFill/>
-        </p:spPr>
-        <p:txBody>
-          <a:bodyPr wrap="none" rtlCol="0">
-            <a:spAutoFit/>
-          </a:bodyPr>
-          <a:lstStyle/>
-          <a:p>
-            <a:pPr algn="l">
-              <a:spcAft>
-                <a:spcPts val="1200"/>
-              </a:spcAft>
-            </a:pPr>
-            <a:r>
-              <a:rPr lang="en-US" sz="1600" dirty="0">
-                <a:solidFill>
-                  <a:schemeClr val="accent1"/>
-                </a:solidFill>
-                <a:latin typeface="Lucida grande" panose="020B0502040204020203"/>
-              </a:rPr>
-              <a:t>Polymer Density:</a:t>
-            </a:r>
-          </a:p>
-        </p:txBody>
-      </p:sp>
-      <p:sp>
-        <p:nvSpPr>
-          <p:cNvPr id="7" name="TextBox 6">
-            <a:extLst>
-              <a:ext uri="{FF2B5EF4-FFF2-40B4-BE49-F238E27FC236}">
-                <a16:creationId xmlns:a16="http://schemas.microsoft.com/office/drawing/2014/main" id="{79653924-62C4-CAE1-D5A6-AEB8FB5BFEAB}"/>
-              </a:ext>
-            </a:extLst>
-          </p:cNvPr>
-          <p:cNvSpPr txBox="1"/>
-          <p:nvPr/>
-        </p:nvSpPr>
-        <p:spPr>
-          <a:xfrm>
-            <a:off x="376975" y="3626782"/>
-            <a:ext cx="1624547" cy="338554"/>
-          </a:xfrm>
-          <a:prstGeom prst="rect">
-            <a:avLst/>
-          </a:prstGeom>
-          <a:noFill/>
-        </p:spPr>
-        <p:txBody>
-          <a:bodyPr wrap="none" rtlCol="0">
-            <a:spAutoFit/>
-          </a:bodyPr>
-          <a:lstStyle/>
-          <a:p>
-            <a:pPr algn="l">
-              <a:spcAft>
-                <a:spcPts val="1200"/>
-              </a:spcAft>
-            </a:pPr>
-            <a:r>
-              <a:rPr lang="en-US" sz="1600" dirty="0">
-                <a:latin typeface="Lucida grande" panose="020B0502040204020203"/>
-              </a:rPr>
-              <a:t>Solvent Density:</a:t>
-            </a:r>
-          </a:p>
-        </p:txBody>
-      </p:sp>
-      <p:sp>
-        <p:nvSpPr>
-          <p:cNvPr id="9" name="TextBox 8">
-            <a:extLst>
-              <a:ext uri="{FF2B5EF4-FFF2-40B4-BE49-F238E27FC236}">
-                <a16:creationId xmlns:a16="http://schemas.microsoft.com/office/drawing/2014/main" id="{A7AADAC3-907F-20B0-CA1C-5CFFAD0D8C88}"/>
-              </a:ext>
-            </a:extLst>
-          </p:cNvPr>
-          <p:cNvSpPr txBox="1"/>
-          <p:nvPr/>
-        </p:nvSpPr>
-        <p:spPr>
-          <a:xfrm>
-            <a:off x="376975" y="4175720"/>
-            <a:ext cx="1748107" cy="338554"/>
-          </a:xfrm>
-          <a:prstGeom prst="rect">
-            <a:avLst/>
-          </a:prstGeom>
-          <a:noFill/>
-        </p:spPr>
-        <p:txBody>
-          <a:bodyPr wrap="none" rtlCol="0">
-            <a:spAutoFit/>
-          </a:bodyPr>
-          <a:lstStyle/>
-          <a:p>
-            <a:pPr algn="l">
-              <a:spcAft>
-                <a:spcPts val="1200"/>
-              </a:spcAft>
-            </a:pPr>
-            <a:r>
-              <a:rPr lang="en-US" sz="1600" dirty="0">
-                <a:latin typeface="Lucida grande" panose="020B0502040204020203"/>
-              </a:rPr>
-              <a:t>Incompressibility:</a:t>
-            </a:r>
-          </a:p>
-        </p:txBody>
-      </p:sp>
-      <p:sp>
-        <p:nvSpPr>
-          <p:cNvPr id="10" name="TextBox 9">
-            <a:extLst>
-              <a:ext uri="{FF2B5EF4-FFF2-40B4-BE49-F238E27FC236}">
-                <a16:creationId xmlns:a16="http://schemas.microsoft.com/office/drawing/2014/main" id="{106845CD-D8BE-68D6-F556-53CCA1E38ACE}"/>
-              </a:ext>
-            </a:extLst>
-          </p:cNvPr>
-          <p:cNvSpPr txBox="1"/>
-          <p:nvPr/>
-        </p:nvSpPr>
-        <p:spPr>
-          <a:xfrm>
-            <a:off x="5736880" y="3043958"/>
-            <a:ext cx="2501903" cy="338554"/>
-          </a:xfrm>
-          <a:prstGeom prst="rect">
-            <a:avLst/>
-          </a:prstGeom>
-          <a:noFill/>
-        </p:spPr>
-        <p:txBody>
-          <a:bodyPr wrap="none" rtlCol="0">
-            <a:spAutoFit/>
-          </a:bodyPr>
-          <a:lstStyle/>
-          <a:p>
-            <a:pPr algn="l">
-              <a:spcAft>
-                <a:spcPts val="1200"/>
-              </a:spcAft>
-            </a:pPr>
-            <a:r>
-              <a:rPr lang="en-US" sz="1600" dirty="0">
-                <a:latin typeface="Lucida grande" panose="020B0502040204020203"/>
-              </a:rPr>
-              <a:t>Polymer-controlling Field:</a:t>
-            </a:r>
-          </a:p>
-        </p:txBody>
-      </p:sp>
-      <p:sp>
-        <p:nvSpPr>
-          <p:cNvPr id="11" name="TextBox 10">
-            <a:extLst>
-              <a:ext uri="{FF2B5EF4-FFF2-40B4-BE49-F238E27FC236}">
-                <a16:creationId xmlns:a16="http://schemas.microsoft.com/office/drawing/2014/main" id="{13B84901-A25D-83A3-3D33-BDC79CB5866D}"/>
-              </a:ext>
-            </a:extLst>
-          </p:cNvPr>
-          <p:cNvSpPr txBox="1"/>
-          <p:nvPr/>
-        </p:nvSpPr>
-        <p:spPr>
-          <a:xfrm>
-            <a:off x="5769741" y="3649319"/>
-            <a:ext cx="2436180" cy="338554"/>
-          </a:xfrm>
-          <a:prstGeom prst="rect">
-            <a:avLst/>
-          </a:prstGeom>
-          <a:noFill/>
-        </p:spPr>
-        <p:txBody>
-          <a:bodyPr wrap="none" rtlCol="0">
-            <a:spAutoFit/>
-          </a:bodyPr>
-          <a:lstStyle/>
-          <a:p>
-            <a:pPr algn="l">
-              <a:spcAft>
-                <a:spcPts val="1200"/>
-              </a:spcAft>
-            </a:pPr>
-            <a:r>
-              <a:rPr lang="en-US" sz="1600" dirty="0">
-                <a:latin typeface="Lucida grande" panose="020B0502040204020203"/>
-              </a:rPr>
-              <a:t>Solvent-controlling Field:</a:t>
-            </a:r>
-          </a:p>
-        </p:txBody>
-      </p:sp>
-      <p:sp>
-        <p:nvSpPr>
-          <p:cNvPr id="14" name="TextBox 13">
-            <a:extLst>
-              <a:ext uri="{FF2B5EF4-FFF2-40B4-BE49-F238E27FC236}">
-                <a16:creationId xmlns:a16="http://schemas.microsoft.com/office/drawing/2014/main" id="{63B357A2-5F5F-9317-9FFA-74F46ECDEFD0}"/>
-              </a:ext>
-            </a:extLst>
-          </p:cNvPr>
-          <p:cNvSpPr txBox="1"/>
-          <p:nvPr/>
-        </p:nvSpPr>
-        <p:spPr>
-          <a:xfrm>
-            <a:off x="386028" y="4713985"/>
-            <a:ext cx="1322114" cy="584775"/>
-          </a:xfrm>
-          <a:prstGeom prst="rect">
-            <a:avLst/>
-          </a:prstGeom>
-          <a:noFill/>
-        </p:spPr>
-        <p:txBody>
-          <a:bodyPr wrap="square" rtlCol="0">
-            <a:spAutoFit/>
-          </a:bodyPr>
-          <a:lstStyle/>
-          <a:p>
-            <a:pPr algn="l">
-              <a:spcAft>
-                <a:spcPts val="1200"/>
-              </a:spcAft>
-            </a:pPr>
-            <a:r>
-              <a:rPr lang="en-US" sz="1600" dirty="0">
-                <a:latin typeface="Lucida grande" panose="020B0502040204020203"/>
-              </a:rPr>
-              <a:t>Monomer Probability:</a:t>
-            </a:r>
-          </a:p>
-        </p:txBody>
-      </p:sp>
-      <p:grpSp>
-        <p:nvGrpSpPr>
-          <p:cNvPr id="17" name="Group 16">
-            <a:extLst>
-              <a:ext uri="{FF2B5EF4-FFF2-40B4-BE49-F238E27FC236}">
-                <a16:creationId xmlns:a16="http://schemas.microsoft.com/office/drawing/2014/main" id="{51A2302D-BE12-F771-B316-F2061EBEA78B}"/>
-              </a:ext>
-            </a:extLst>
-          </p:cNvPr>
-          <p:cNvGrpSpPr/>
-          <p:nvPr/>
-        </p:nvGrpSpPr>
-        <p:grpSpPr>
-          <a:xfrm>
-            <a:off x="8116462" y="5488474"/>
-            <a:ext cx="1349861" cy="996655"/>
-            <a:chOff x="5614082" y="4114505"/>
-            <a:chExt cx="1596861" cy="1116831"/>
-          </a:xfrm>
-        </p:grpSpPr>
-        <p:pic>
-          <p:nvPicPr>
-            <p:cNvPr id="18" name="Picture 17">
-              <a:extLst>
-                <a:ext uri="{FF2B5EF4-FFF2-40B4-BE49-F238E27FC236}">
-                  <a16:creationId xmlns:a16="http://schemas.microsoft.com/office/drawing/2014/main" id="{9A46958B-9061-E14F-8A4C-DC5C52650B14}"/>
-                </a:ext>
-              </a:extLst>
-            </p:cNvPr>
-            <p:cNvPicPr>
-              <a:picLocks noChangeAspect="1"/>
-            </p:cNvPicPr>
-            <p:nvPr/>
-          </p:nvPicPr>
-          <p:blipFill>
-            <a:blip r:embed="rId8"/>
-            <a:stretch>
-              <a:fillRect/>
-            </a:stretch>
-          </p:blipFill>
-          <p:spPr>
-            <a:xfrm>
-              <a:off x="5849722" y="4114505"/>
-              <a:ext cx="1361221" cy="234912"/>
-            </a:xfrm>
-            <a:prstGeom prst="rect">
-              <a:avLst/>
-            </a:prstGeom>
-          </p:spPr>
-        </p:pic>
-        <p:sp>
-          <p:nvSpPr>
-            <p:cNvPr id="19" name="Right Brace 18">
-              <a:extLst>
-                <a:ext uri="{FF2B5EF4-FFF2-40B4-BE49-F238E27FC236}">
-                  <a16:creationId xmlns:a16="http://schemas.microsoft.com/office/drawing/2014/main" id="{1914B663-2EC7-BABA-BD11-4A5FC85FF16B}"/>
-                </a:ext>
-              </a:extLst>
-            </p:cNvPr>
-            <p:cNvSpPr/>
-            <p:nvPr/>
-          </p:nvSpPr>
-          <p:spPr>
-            <a:xfrm flipH="1">
-              <a:off x="5614082" y="4151081"/>
-              <a:ext cx="93136" cy="920200"/>
-            </a:xfrm>
-            <a:prstGeom prst="rightBrace">
-              <a:avLst>
-                <a:gd name="adj1" fmla="val 77741"/>
-                <a:gd name="adj2" fmla="val 50637"/>
-              </a:avLst>
-            </a:prstGeom>
-            <a:ln w="19050">
-              <a:solidFill>
-                <a:schemeClr val="tx1"/>
-              </a:solidFill>
-            </a:ln>
-          </p:spPr>
-          <p:style>
-            <a:lnRef idx="1">
-              <a:schemeClr val="accent1"/>
-            </a:lnRef>
-            <a:fillRef idx="0">
-              <a:schemeClr val="accent1"/>
-            </a:fillRef>
-            <a:effectRef idx="0">
-              <a:schemeClr val="accent1"/>
-            </a:effectRef>
-            <a:fontRef idx="minor">
-              <a:schemeClr val="tx1"/>
-            </a:fontRef>
-          </p:style>
-          <p:txBody>
-            <a:bodyPr rtlCol="0" anchor="ctr"/>
-            <a:lstStyle/>
-            <a:p>
-              <a:pPr algn="ctr"/>
-              <a:endParaRPr lang="en-US" sz="2000"/>
-            </a:p>
-          </p:txBody>
-        </p:sp>
-        <p:pic>
-          <p:nvPicPr>
-            <p:cNvPr id="20" name="Picture 19">
-              <a:extLst>
-                <a:ext uri="{FF2B5EF4-FFF2-40B4-BE49-F238E27FC236}">
-                  <a16:creationId xmlns:a16="http://schemas.microsoft.com/office/drawing/2014/main" id="{3A25956F-81B8-4DC2-0591-69EA0EA767C3}"/>
-                </a:ext>
-              </a:extLst>
-            </p:cNvPr>
-            <p:cNvPicPr>
-              <a:picLocks noChangeAspect="1"/>
-            </p:cNvPicPr>
-            <p:nvPr/>
-          </p:nvPicPr>
-          <p:blipFill>
-            <a:blip r:embed="rId9"/>
-            <a:stretch>
-              <a:fillRect/>
-            </a:stretch>
-          </p:blipFill>
-          <p:spPr>
-            <a:xfrm>
-              <a:off x="5865154" y="4643083"/>
-              <a:ext cx="1250037" cy="588253"/>
-            </a:xfrm>
-            <a:prstGeom prst="rect">
-              <a:avLst/>
-            </a:prstGeom>
-          </p:spPr>
-        </p:pic>
-      </p:grpSp>
-      <p:sp>
-        <p:nvSpPr>
-          <p:cNvPr id="21" name="TextBox 20">
-            <a:extLst>
-              <a:ext uri="{FF2B5EF4-FFF2-40B4-BE49-F238E27FC236}">
-                <a16:creationId xmlns:a16="http://schemas.microsoft.com/office/drawing/2014/main" id="{00CB636F-0355-6D4C-4D85-E933E03636B2}"/>
-              </a:ext>
-            </a:extLst>
-          </p:cNvPr>
-          <p:cNvSpPr txBox="1"/>
-          <p:nvPr/>
-        </p:nvSpPr>
-        <p:spPr>
-          <a:xfrm>
-            <a:off x="5416731" y="4674011"/>
-            <a:ext cx="1528527" cy="584775"/>
-          </a:xfrm>
-          <a:prstGeom prst="rect">
-            <a:avLst/>
-          </a:prstGeom>
-          <a:noFill/>
-        </p:spPr>
-        <p:txBody>
-          <a:bodyPr wrap="square" rtlCol="0">
-            <a:spAutoFit/>
-          </a:bodyPr>
-          <a:lstStyle/>
-          <a:p>
-            <a:pPr algn="l">
-              <a:spcAft>
-                <a:spcPts val="1200"/>
-              </a:spcAft>
-            </a:pPr>
-            <a:r>
-              <a:rPr lang="en-US" sz="1600" dirty="0">
-                <a:latin typeface="Lucida grande" panose="020B0502040204020203"/>
-              </a:rPr>
-              <a:t>Electrostatic Potential:</a:t>
-            </a:r>
-          </a:p>
-        </p:txBody>
-      </p:sp>
-      <p:pic>
-        <p:nvPicPr>
-          <p:cNvPr id="24" name="Picture 23">
-            <a:extLst>
-              <a:ext uri="{FF2B5EF4-FFF2-40B4-BE49-F238E27FC236}">
-                <a16:creationId xmlns:a16="http://schemas.microsoft.com/office/drawing/2014/main" id="{46E90C04-E5AC-8813-D967-8812282E6795}"/>
-              </a:ext>
-            </a:extLst>
-          </p:cNvPr>
-          <p:cNvPicPr>
-            <a:picLocks noChangeAspect="1"/>
-          </p:cNvPicPr>
-          <p:nvPr/>
-        </p:nvPicPr>
-        <p:blipFill>
-          <a:blip r:embed="rId10"/>
-          <a:stretch>
-            <a:fillRect/>
-          </a:stretch>
-        </p:blipFill>
-        <p:spPr>
-          <a:xfrm>
-            <a:off x="7097919" y="4670976"/>
-            <a:ext cx="4834398" cy="556958"/>
-          </a:xfrm>
-          <a:prstGeom prst="rect">
-            <a:avLst/>
-          </a:prstGeom>
-        </p:spPr>
-      </p:pic>
-      <p:grpSp>
-        <p:nvGrpSpPr>
-          <p:cNvPr id="25" name="Group 24">
-            <a:extLst>
-              <a:ext uri="{FF2B5EF4-FFF2-40B4-BE49-F238E27FC236}">
-                <a16:creationId xmlns:a16="http://schemas.microsoft.com/office/drawing/2014/main" id="{0044B24D-D8AC-6CD2-ED8F-BBC6E73E617C}"/>
-              </a:ext>
-            </a:extLst>
-          </p:cNvPr>
-          <p:cNvGrpSpPr/>
-          <p:nvPr/>
-        </p:nvGrpSpPr>
-        <p:grpSpPr>
-          <a:xfrm>
-            <a:off x="400698" y="1594086"/>
-            <a:ext cx="11646644" cy="480033"/>
-            <a:chOff x="168990" y="2549046"/>
-            <a:chExt cx="12952956" cy="533875"/>
-          </a:xfrm>
-        </p:grpSpPr>
-        <p:pic>
-          <p:nvPicPr>
-            <p:cNvPr id="28" name="Picture 27">
-              <a:extLst>
-                <a:ext uri="{FF2B5EF4-FFF2-40B4-BE49-F238E27FC236}">
-                  <a16:creationId xmlns:a16="http://schemas.microsoft.com/office/drawing/2014/main" id="{4691F130-8807-B291-9F76-DF93F6D52465}"/>
-                </a:ext>
-              </a:extLst>
-            </p:cNvPr>
-            <p:cNvPicPr>
-              <a:picLocks noChangeAspect="1"/>
-            </p:cNvPicPr>
-            <p:nvPr/>
-          </p:nvPicPr>
-          <p:blipFill>
-            <a:blip r:embed="rId11"/>
-            <a:stretch>
-              <a:fillRect/>
-            </a:stretch>
-          </p:blipFill>
-          <p:spPr>
-            <a:xfrm>
-              <a:off x="168990" y="2695501"/>
-              <a:ext cx="3754111" cy="275943"/>
-            </a:xfrm>
-            <a:prstGeom prst="rect">
-              <a:avLst/>
-            </a:prstGeom>
-          </p:spPr>
-        </p:pic>
-        <p:pic>
-          <p:nvPicPr>
-            <p:cNvPr id="29" name="Picture 28">
-              <a:extLst>
-                <a:ext uri="{FF2B5EF4-FFF2-40B4-BE49-F238E27FC236}">
-                  <a16:creationId xmlns:a16="http://schemas.microsoft.com/office/drawing/2014/main" id="{C265D7EC-2E9C-F7DA-33EB-5294BDC10042}"/>
-                </a:ext>
-              </a:extLst>
-            </p:cNvPr>
-            <p:cNvPicPr>
-              <a:picLocks noChangeAspect="1"/>
-            </p:cNvPicPr>
-            <p:nvPr/>
-          </p:nvPicPr>
-          <p:blipFill>
-            <a:blip r:embed="rId12"/>
-            <a:stretch>
-              <a:fillRect/>
-            </a:stretch>
-          </p:blipFill>
-          <p:spPr>
-            <a:xfrm>
-              <a:off x="3998839" y="2549046"/>
-              <a:ext cx="5100830" cy="533875"/>
-            </a:xfrm>
-            <a:prstGeom prst="rect">
-              <a:avLst/>
-            </a:prstGeom>
-          </p:spPr>
-        </p:pic>
-        <p:pic>
-          <p:nvPicPr>
-            <p:cNvPr id="31" name="Picture 30">
-              <a:extLst>
-                <a:ext uri="{FF2B5EF4-FFF2-40B4-BE49-F238E27FC236}">
-                  <a16:creationId xmlns:a16="http://schemas.microsoft.com/office/drawing/2014/main" id="{A93D8A19-9DB2-B795-4155-3CEC1B9FEB16}"/>
-                </a:ext>
-              </a:extLst>
-            </p:cNvPr>
-            <p:cNvPicPr>
-              <a:picLocks noChangeAspect="1"/>
-            </p:cNvPicPr>
-            <p:nvPr/>
-          </p:nvPicPr>
-          <p:blipFill>
-            <a:blip r:embed="rId13"/>
-            <a:stretch>
-              <a:fillRect/>
-            </a:stretch>
-          </p:blipFill>
-          <p:spPr>
-            <a:xfrm>
-              <a:off x="9191013" y="2549046"/>
-              <a:ext cx="3930933" cy="525164"/>
-            </a:xfrm>
-            <a:prstGeom prst="rect">
-              <a:avLst/>
-            </a:prstGeom>
-          </p:spPr>
-        </p:pic>
-      </p:grpSp>
-      <p:sp>
-        <p:nvSpPr>
-          <p:cNvPr id="34" name="TextBox 33">
-            <a:extLst>
-              <a:ext uri="{FF2B5EF4-FFF2-40B4-BE49-F238E27FC236}">
-                <a16:creationId xmlns:a16="http://schemas.microsoft.com/office/drawing/2014/main" id="{5C53DE95-1053-A6DC-2364-88356BF21051}"/>
-              </a:ext>
-            </a:extLst>
-          </p:cNvPr>
-          <p:cNvSpPr txBox="1"/>
-          <p:nvPr/>
-        </p:nvSpPr>
-        <p:spPr>
-          <a:xfrm>
-            <a:off x="-14210" y="1121221"/>
-            <a:ext cx="5017867" cy="338554"/>
-          </a:xfrm>
-          <a:prstGeom prst="rect">
-            <a:avLst/>
-          </a:prstGeom>
-          <a:noFill/>
-        </p:spPr>
-        <p:txBody>
-          <a:bodyPr wrap="square" rtlCol="0">
-            <a:spAutoFit/>
-          </a:bodyPr>
-          <a:lstStyle/>
-          <a:p>
-            <a:pPr algn="l">
-              <a:spcAft>
-                <a:spcPts val="1200"/>
-              </a:spcAft>
-            </a:pPr>
-            <a:r>
-              <a:rPr lang="en-US" sz="1600" dirty="0">
-                <a:latin typeface="Lucida grande" panose="020B0502040204020203"/>
-              </a:rPr>
-              <a:t>Free Energy (ensemble average across surface)</a:t>
-            </a:r>
-          </a:p>
-        </p:txBody>
-      </p:sp>
-      <p:cxnSp>
-        <p:nvCxnSpPr>
-          <p:cNvPr id="43" name="Straight Arrow Connector 42">
-            <a:extLst>
-              <a:ext uri="{FF2B5EF4-FFF2-40B4-BE49-F238E27FC236}">
-                <a16:creationId xmlns:a16="http://schemas.microsoft.com/office/drawing/2014/main" id="{A4E86168-4818-D598-49AA-0BB56A22FD34}"/>
-              </a:ext>
-            </a:extLst>
-          </p:cNvPr>
-          <p:cNvCxnSpPr>
-            <a:cxnSpLocks/>
-          </p:cNvCxnSpPr>
-          <p:nvPr/>
-        </p:nvCxnSpPr>
-        <p:spPr>
-          <a:xfrm>
-            <a:off x="1182626" y="2094862"/>
-            <a:ext cx="0" cy="833672"/>
-          </a:xfrm>
-          <a:prstGeom prst="straightConnector1">
-            <a:avLst/>
-          </a:prstGeom>
-          <a:ln w="28575">
-            <a:solidFill>
-              <a:schemeClr val="tx1"/>
-            </a:solidFill>
-            <a:tailEnd type="triangle"/>
-          </a:ln>
-        </p:spPr>
-        <p:style>
-          <a:lnRef idx="1">
-            <a:schemeClr val="accent1"/>
-          </a:lnRef>
-          <a:fillRef idx="0">
-            <a:schemeClr val="accent1"/>
-          </a:fillRef>
-          <a:effectRef idx="0">
-            <a:schemeClr val="accent1"/>
-          </a:effectRef>
-          <a:fontRef idx="minor">
-            <a:schemeClr val="tx1"/>
-          </a:fontRef>
-        </p:style>
-      </p:cxnSp>
-      <p:sp>
-        <p:nvSpPr>
-          <p:cNvPr id="44" name="TextBox 43">
-            <a:extLst>
-              <a:ext uri="{FF2B5EF4-FFF2-40B4-BE49-F238E27FC236}">
-                <a16:creationId xmlns:a16="http://schemas.microsoft.com/office/drawing/2014/main" id="{8E4AE5D6-1B5B-0A8D-63CF-CCDBE3BA609E}"/>
-              </a:ext>
-            </a:extLst>
-          </p:cNvPr>
-          <p:cNvSpPr txBox="1"/>
-          <p:nvPr/>
-        </p:nvSpPr>
-        <p:spPr>
-          <a:xfrm>
-            <a:off x="1264883" y="2356949"/>
-            <a:ext cx="2613965" cy="307777"/>
-          </a:xfrm>
-          <a:prstGeom prst="rect">
-            <a:avLst/>
-          </a:prstGeom>
-          <a:noFill/>
-        </p:spPr>
-        <p:txBody>
-          <a:bodyPr wrap="square" rtlCol="0">
-            <a:spAutoFit/>
-          </a:bodyPr>
-          <a:lstStyle/>
-          <a:p>
-            <a:r>
-              <a:rPr lang="en-US" sz="1400" dirty="0">
-                <a:latin typeface="Lucida Grande" pitchFamily="2" charset="0"/>
-                <a:ea typeface="Lucida Grande" pitchFamily="2" charset="0"/>
-                <a:cs typeface="Lucida Grande" pitchFamily="2" charset="0"/>
-              </a:rPr>
-              <a:t>Functional Minimization</a:t>
-            </a:r>
-            <a:endParaRPr lang="en-US" sz="1400" dirty="0">
-              <a:solidFill>
-                <a:srgbClr val="FF0000"/>
-              </a:solidFill>
-              <a:latin typeface="Lucida Grande" pitchFamily="2" charset="0"/>
-              <a:ea typeface="Lucida Grande" pitchFamily="2" charset="0"/>
-              <a:cs typeface="Lucida Grande" pitchFamily="2" charset="0"/>
-            </a:endParaRPr>
-          </a:p>
-        </p:txBody>
-      </p:sp>
-      <p:pic>
-        <p:nvPicPr>
-          <p:cNvPr id="46" name="Picture 45">
-            <a:extLst>
-              <a:ext uri="{FF2B5EF4-FFF2-40B4-BE49-F238E27FC236}">
-                <a16:creationId xmlns:a16="http://schemas.microsoft.com/office/drawing/2014/main" id="{6253F987-4F16-94D4-3B8D-57C4E3E634CA}"/>
-              </a:ext>
-            </a:extLst>
-          </p:cNvPr>
-          <p:cNvPicPr>
-            <a:picLocks noChangeAspect="1"/>
-          </p:cNvPicPr>
-          <p:nvPr/>
-        </p:nvPicPr>
-        <p:blipFill>
-          <a:blip r:embed="rId14"/>
-          <a:stretch>
-            <a:fillRect/>
-          </a:stretch>
-        </p:blipFill>
-        <p:spPr>
-          <a:xfrm>
-            <a:off x="3728448" y="2269946"/>
-            <a:ext cx="826448" cy="480033"/>
-          </a:xfrm>
-          <a:prstGeom prst="rect">
-            <a:avLst/>
-          </a:prstGeom>
-        </p:spPr>
-      </p:pic>
-      <p:grpSp>
-        <p:nvGrpSpPr>
-          <p:cNvPr id="48" name="Group 47">
-            <a:extLst>
-              <a:ext uri="{FF2B5EF4-FFF2-40B4-BE49-F238E27FC236}">
-                <a16:creationId xmlns:a16="http://schemas.microsoft.com/office/drawing/2014/main" id="{4631233F-4ED0-2730-F633-6203F81F97AF}"/>
-              </a:ext>
-            </a:extLst>
-          </p:cNvPr>
-          <p:cNvGrpSpPr/>
-          <p:nvPr/>
-        </p:nvGrpSpPr>
-        <p:grpSpPr>
-          <a:xfrm>
-            <a:off x="2283364" y="5488691"/>
-            <a:ext cx="2843282" cy="1081304"/>
-            <a:chOff x="618975" y="5711761"/>
-            <a:chExt cx="2843282" cy="1081304"/>
-          </a:xfrm>
-        </p:grpSpPr>
-        <p:pic>
-          <p:nvPicPr>
-            <p:cNvPr id="27" name="Picture 26">
-              <a:extLst>
-                <a:ext uri="{FF2B5EF4-FFF2-40B4-BE49-F238E27FC236}">
-                  <a16:creationId xmlns:a16="http://schemas.microsoft.com/office/drawing/2014/main" id="{5CCCF049-2BD6-DB87-C8F7-4581EDAAA2A7}"/>
-                </a:ext>
-              </a:extLst>
-            </p:cNvPr>
-            <p:cNvPicPr>
-              <a:picLocks noChangeAspect="1"/>
-            </p:cNvPicPr>
-            <p:nvPr/>
-          </p:nvPicPr>
-          <p:blipFill>
-            <a:blip r:embed="rId15"/>
-            <a:stretch>
-              <a:fillRect/>
-            </a:stretch>
-          </p:blipFill>
-          <p:spPr>
-            <a:xfrm>
-              <a:off x="923001" y="5711761"/>
-              <a:ext cx="1208266" cy="193511"/>
-            </a:xfrm>
-            <a:prstGeom prst="rect">
-              <a:avLst/>
-            </a:prstGeom>
-          </p:spPr>
-        </p:pic>
-        <p:pic>
-          <p:nvPicPr>
-            <p:cNvPr id="30" name="Picture 29">
-              <a:extLst>
-                <a:ext uri="{FF2B5EF4-FFF2-40B4-BE49-F238E27FC236}">
-                  <a16:creationId xmlns:a16="http://schemas.microsoft.com/office/drawing/2014/main" id="{2E64648D-6BA6-7750-1050-CEBE00E33D35}"/>
-                </a:ext>
-              </a:extLst>
-            </p:cNvPr>
-            <p:cNvPicPr>
-              <a:picLocks noChangeAspect="1"/>
-            </p:cNvPicPr>
-            <p:nvPr/>
-          </p:nvPicPr>
-          <p:blipFill>
-            <a:blip r:embed="rId16"/>
-            <a:stretch>
-              <a:fillRect/>
-            </a:stretch>
-          </p:blipFill>
-          <p:spPr>
-            <a:xfrm>
-              <a:off x="923001" y="6032248"/>
-              <a:ext cx="1349862" cy="193511"/>
-            </a:xfrm>
-            <a:prstGeom prst="rect">
-              <a:avLst/>
-            </a:prstGeom>
-          </p:spPr>
-        </p:pic>
-        <p:pic>
-          <p:nvPicPr>
-            <p:cNvPr id="32" name="Picture 31">
-              <a:extLst>
-                <a:ext uri="{FF2B5EF4-FFF2-40B4-BE49-F238E27FC236}">
-                  <a16:creationId xmlns:a16="http://schemas.microsoft.com/office/drawing/2014/main" id="{33475963-B0A7-3BE7-3371-909CB258B5DC}"/>
-                </a:ext>
-              </a:extLst>
-            </p:cNvPr>
-            <p:cNvPicPr>
-              <a:picLocks noChangeAspect="1"/>
-            </p:cNvPicPr>
-            <p:nvPr/>
-          </p:nvPicPr>
-          <p:blipFill>
-            <a:blip r:embed="rId17"/>
-            <a:stretch>
-              <a:fillRect/>
-            </a:stretch>
-          </p:blipFill>
-          <p:spPr>
-            <a:xfrm>
-              <a:off x="918283" y="6314589"/>
-              <a:ext cx="2543974" cy="193511"/>
-            </a:xfrm>
-            <a:prstGeom prst="rect">
-              <a:avLst/>
-            </a:prstGeom>
-          </p:spPr>
-        </p:pic>
-        <p:sp>
-          <p:nvSpPr>
-            <p:cNvPr id="33" name="Right Brace 32">
-              <a:extLst>
-                <a:ext uri="{FF2B5EF4-FFF2-40B4-BE49-F238E27FC236}">
-                  <a16:creationId xmlns:a16="http://schemas.microsoft.com/office/drawing/2014/main" id="{1ECE630D-7A18-1663-EDD5-14C46A0D1F4F}"/>
-                </a:ext>
-              </a:extLst>
-            </p:cNvPr>
-            <p:cNvSpPr/>
-            <p:nvPr/>
-          </p:nvSpPr>
-          <p:spPr>
-            <a:xfrm flipH="1">
-              <a:off x="618975" y="5734146"/>
-              <a:ext cx="90678" cy="851598"/>
-            </a:xfrm>
-            <a:prstGeom prst="rightBrace">
-              <a:avLst>
-                <a:gd name="adj1" fmla="val 77741"/>
-                <a:gd name="adj2" fmla="val 50637"/>
-              </a:avLst>
-            </a:prstGeom>
-            <a:ln w="19050">
-              <a:solidFill>
-                <a:schemeClr val="tx1"/>
-              </a:solidFill>
-            </a:ln>
-          </p:spPr>
-          <p:style>
-            <a:lnRef idx="1">
-              <a:schemeClr val="accent1"/>
-            </a:lnRef>
-            <a:fillRef idx="0">
-              <a:schemeClr val="accent1"/>
-            </a:fillRef>
-            <a:effectRef idx="0">
-              <a:schemeClr val="accent1"/>
-            </a:effectRef>
-            <a:fontRef idx="minor">
-              <a:schemeClr val="tx1"/>
-            </a:fontRef>
-          </p:style>
-          <p:txBody>
-            <a:bodyPr rtlCol="0" anchor="ctr"/>
-            <a:lstStyle/>
-            <a:p>
-              <a:pPr algn="ctr"/>
-              <a:endParaRPr lang="en-US" sz="2000" dirty="0"/>
-            </a:p>
-          </p:txBody>
-        </p:sp>
-        <p:pic>
-          <p:nvPicPr>
-            <p:cNvPr id="40" name="Picture 39">
-              <a:extLst>
-                <a:ext uri="{FF2B5EF4-FFF2-40B4-BE49-F238E27FC236}">
-                  <a16:creationId xmlns:a16="http://schemas.microsoft.com/office/drawing/2014/main" id="{7AC1C5DE-F99E-7991-3D7A-93C94574EF66}"/>
-                </a:ext>
-              </a:extLst>
-            </p:cNvPr>
-            <p:cNvPicPr>
-              <a:picLocks noChangeAspect="1"/>
-            </p:cNvPicPr>
-            <p:nvPr/>
-          </p:nvPicPr>
-          <p:blipFill>
-            <a:blip r:embed="rId18"/>
-            <a:stretch>
-              <a:fillRect/>
-            </a:stretch>
-          </p:blipFill>
-          <p:spPr>
-            <a:xfrm>
-              <a:off x="918283" y="6585744"/>
-              <a:ext cx="1354580" cy="193511"/>
-            </a:xfrm>
-            <a:prstGeom prst="rect">
-              <a:avLst/>
-            </a:prstGeom>
-          </p:spPr>
-        </p:pic>
-        <p:sp>
-          <p:nvSpPr>
-            <p:cNvPr id="47" name="Right Brace 46">
-              <a:extLst>
-                <a:ext uri="{FF2B5EF4-FFF2-40B4-BE49-F238E27FC236}">
-                  <a16:creationId xmlns:a16="http://schemas.microsoft.com/office/drawing/2014/main" id="{921507F7-2239-31DD-DC3F-0210F3657B04}"/>
-                </a:ext>
-              </a:extLst>
-            </p:cNvPr>
-            <p:cNvSpPr/>
-            <p:nvPr/>
-          </p:nvSpPr>
-          <p:spPr>
-            <a:xfrm flipH="1">
-              <a:off x="778769" y="6314589"/>
-              <a:ext cx="90678" cy="478476"/>
-            </a:xfrm>
-            <a:prstGeom prst="rightBrace">
-              <a:avLst>
-                <a:gd name="adj1" fmla="val 77741"/>
-                <a:gd name="adj2" fmla="val 50637"/>
-              </a:avLst>
-            </a:prstGeom>
-            <a:ln w="19050">
-              <a:solidFill>
-                <a:schemeClr val="tx1"/>
-              </a:solidFill>
-            </a:ln>
-          </p:spPr>
-          <p:style>
-            <a:lnRef idx="1">
-              <a:schemeClr val="accent1"/>
-            </a:lnRef>
-            <a:fillRef idx="0">
-              <a:schemeClr val="accent1"/>
-            </a:fillRef>
-            <a:effectRef idx="0">
-              <a:schemeClr val="accent1"/>
-            </a:effectRef>
-            <a:fontRef idx="minor">
-              <a:schemeClr val="tx1"/>
-            </a:fontRef>
-          </p:style>
-          <p:txBody>
-            <a:bodyPr rtlCol="0" anchor="ctr"/>
-            <a:lstStyle/>
-            <a:p>
-              <a:pPr algn="ctr"/>
-              <a:endParaRPr lang="en-US" sz="2000" dirty="0"/>
-            </a:p>
-          </p:txBody>
-        </p:sp>
-      </p:grpSp>
-      <p:grpSp>
-        <p:nvGrpSpPr>
-          <p:cNvPr id="68" name="Group 67">
-            <a:extLst>
-              <a:ext uri="{FF2B5EF4-FFF2-40B4-BE49-F238E27FC236}">
-                <a16:creationId xmlns:a16="http://schemas.microsoft.com/office/drawing/2014/main" id="{C273BB8C-E556-9BBE-1B87-4303F8348F2A}"/>
-              </a:ext>
-            </a:extLst>
-          </p:cNvPr>
-          <p:cNvGrpSpPr/>
-          <p:nvPr/>
-        </p:nvGrpSpPr>
-        <p:grpSpPr>
-          <a:xfrm>
-            <a:off x="4896322" y="964806"/>
-            <a:ext cx="7295678" cy="392644"/>
-            <a:chOff x="4896322" y="964806"/>
-            <a:chExt cx="7295678" cy="392644"/>
-          </a:xfrm>
-        </p:grpSpPr>
-        <p:cxnSp>
-          <p:nvCxnSpPr>
-            <p:cNvPr id="38" name="Straight Connector 37">
-              <a:extLst>
-                <a:ext uri="{FF2B5EF4-FFF2-40B4-BE49-F238E27FC236}">
-                  <a16:creationId xmlns:a16="http://schemas.microsoft.com/office/drawing/2014/main" id="{1EFD076D-1AF5-04A1-903C-F060BF009EC3}"/>
-                </a:ext>
-              </a:extLst>
-            </p:cNvPr>
-            <p:cNvCxnSpPr>
-              <a:cxnSpLocks/>
-            </p:cNvCxnSpPr>
-            <p:nvPr/>
-          </p:nvCxnSpPr>
-          <p:spPr>
-            <a:xfrm flipH="1">
-              <a:off x="4896322" y="1357450"/>
-              <a:ext cx="7295678" cy="0"/>
-            </a:xfrm>
-            <a:prstGeom prst="line">
-              <a:avLst/>
-            </a:prstGeom>
-            <a:ln w="19050">
-              <a:solidFill>
-                <a:schemeClr val="tx1"/>
-              </a:solidFill>
-            </a:ln>
-          </p:spPr>
-          <p:style>
-            <a:lnRef idx="1">
-              <a:schemeClr val="accent1"/>
-            </a:lnRef>
-            <a:fillRef idx="0">
-              <a:schemeClr val="accent1"/>
-            </a:fillRef>
-            <a:effectRef idx="0">
-              <a:schemeClr val="accent1"/>
-            </a:effectRef>
-            <a:fontRef idx="minor">
-              <a:schemeClr val="tx1"/>
-            </a:fontRef>
-          </p:style>
-        </p:cxnSp>
-        <p:pic>
-          <p:nvPicPr>
-            <p:cNvPr id="56" name="Picture 55">
-              <a:extLst>
-                <a:ext uri="{FF2B5EF4-FFF2-40B4-BE49-F238E27FC236}">
-                  <a16:creationId xmlns:a16="http://schemas.microsoft.com/office/drawing/2014/main" id="{1DF46DD0-7618-A0D6-D51A-0A82810DF2C2}"/>
-                </a:ext>
-              </a:extLst>
-            </p:cNvPr>
-            <p:cNvPicPr>
-              <a:picLocks noChangeAspect="1"/>
-            </p:cNvPicPr>
-            <p:nvPr/>
-          </p:nvPicPr>
-          <p:blipFill>
-            <a:blip r:embed="rId19"/>
-            <a:stretch>
-              <a:fillRect/>
-            </a:stretch>
-          </p:blipFill>
-          <p:spPr>
-            <a:xfrm>
-              <a:off x="7667609" y="1056950"/>
-              <a:ext cx="2003442" cy="199073"/>
-            </a:xfrm>
-            <a:prstGeom prst="rect">
-              <a:avLst/>
-            </a:prstGeom>
-          </p:spPr>
-        </p:pic>
-        <p:pic>
-          <p:nvPicPr>
-            <p:cNvPr id="58" name="Picture 57">
-              <a:extLst>
-                <a:ext uri="{FF2B5EF4-FFF2-40B4-BE49-F238E27FC236}">
-                  <a16:creationId xmlns:a16="http://schemas.microsoft.com/office/drawing/2014/main" id="{13C6EA60-0C78-7443-A8E4-040614338C8B}"/>
-                </a:ext>
-              </a:extLst>
-            </p:cNvPr>
-            <p:cNvPicPr>
-              <a:picLocks noChangeAspect="1"/>
-            </p:cNvPicPr>
-            <p:nvPr/>
-          </p:nvPicPr>
-          <p:blipFill>
-            <a:blip r:embed="rId20"/>
-            <a:stretch>
-              <a:fillRect/>
-            </a:stretch>
-          </p:blipFill>
-          <p:spPr>
-            <a:xfrm>
-              <a:off x="5003659" y="1070010"/>
-              <a:ext cx="2468855" cy="192751"/>
-            </a:xfrm>
-            <a:prstGeom prst="rect">
-              <a:avLst/>
-            </a:prstGeom>
-          </p:spPr>
-        </p:pic>
-        <p:cxnSp>
-          <p:nvCxnSpPr>
-            <p:cNvPr id="61" name="Straight Connector 60">
-              <a:extLst>
-                <a:ext uri="{FF2B5EF4-FFF2-40B4-BE49-F238E27FC236}">
-                  <a16:creationId xmlns:a16="http://schemas.microsoft.com/office/drawing/2014/main" id="{FCDAE158-6C89-7A08-9D9B-AD95C7C30614}"/>
-                </a:ext>
-              </a:extLst>
-            </p:cNvPr>
-            <p:cNvCxnSpPr>
-              <a:cxnSpLocks/>
-            </p:cNvCxnSpPr>
-            <p:nvPr/>
-          </p:nvCxnSpPr>
-          <p:spPr>
-            <a:xfrm>
-              <a:off x="4896322" y="964806"/>
-              <a:ext cx="0" cy="390492"/>
-            </a:xfrm>
-            <a:prstGeom prst="line">
-              <a:avLst/>
-            </a:prstGeom>
-            <a:ln w="19050">
-              <a:solidFill>
-                <a:schemeClr val="tx1"/>
-              </a:solidFill>
-            </a:ln>
-          </p:spPr>
-          <p:style>
-            <a:lnRef idx="1">
-              <a:schemeClr val="accent1"/>
-            </a:lnRef>
-            <a:fillRef idx="0">
-              <a:schemeClr val="accent1"/>
-            </a:fillRef>
-            <a:effectRef idx="0">
-              <a:schemeClr val="accent1"/>
-            </a:effectRef>
-            <a:fontRef idx="minor">
-              <a:schemeClr val="tx1"/>
-            </a:fontRef>
-          </p:style>
-        </p:cxnSp>
-        <p:pic>
-          <p:nvPicPr>
-            <p:cNvPr id="67" name="Picture 66">
-              <a:extLst>
-                <a:ext uri="{FF2B5EF4-FFF2-40B4-BE49-F238E27FC236}">
-                  <a16:creationId xmlns:a16="http://schemas.microsoft.com/office/drawing/2014/main" id="{CE610BA2-AF26-4AB9-404E-D37B414DE7BF}"/>
-                </a:ext>
-              </a:extLst>
-            </p:cNvPr>
-            <p:cNvPicPr>
-              <a:picLocks noChangeAspect="1"/>
-            </p:cNvPicPr>
-            <p:nvPr/>
-          </p:nvPicPr>
-          <p:blipFill>
-            <a:blip r:embed="rId21"/>
-            <a:stretch>
-              <a:fillRect/>
-            </a:stretch>
-          </p:blipFill>
-          <p:spPr>
-            <a:xfrm>
-              <a:off x="9839251" y="1033210"/>
-              <a:ext cx="2287389" cy="222508"/>
-            </a:xfrm>
-            <a:prstGeom prst="rect">
-              <a:avLst/>
-            </a:prstGeom>
-          </p:spPr>
-        </p:pic>
-      </p:grpSp>
-    </p:spTree>
-    <p:extLst>
-      <p:ext uri="{BB962C8B-B14F-4D97-AF65-F5344CB8AC3E}">
-        <p14:creationId xmlns:p14="http://schemas.microsoft.com/office/powerpoint/2010/main" val="4184948205"/>
-      </p:ext>
-    </p:extLst>
-  </p:cSld>
-  <p:clrMapOvr>
-    <a:masterClrMapping/>
-  </p:clrMapOvr>
-  <p:timing>
-    <p:tnLst>
-      <p:par>
-        <p:cTn id="1" dur="indefinite" restart="never" nodeType="tmRoot">
-          <p:childTnLst>
-            <p:seq concurrent="1" nextAc="seek">
-              <p:cTn id="2" dur="indefinite" nodeType="mainSeq">
-                <p:childTnLst>
-                  <p:par>
-                    <p:cTn id="3" fill="hold">
-                      <p:stCondLst>
-                        <p:cond delay="indefinite"/>
-                      </p:stCondLst>
-                      <p:childTnLst>
-                        <p:par>
-                          <p:cTn id="4" fill="hold">
-                            <p:stCondLst>
-                              <p:cond delay="0"/>
-                            </p:stCondLst>
-                            <p:childTnLst>
-                              <p:par>
-                                <p:cTn id="5" presetID="1" presetClass="entr" presetSubtype="0" fill="hold" nodeType="clickEffect">
-                                  <p:stCondLst>
-                                    <p:cond delay="0"/>
-                                  </p:stCondLst>
-                                  <p:childTnLst>
-                                    <p:set>
-                                      <p:cBhvr>
-                                        <p:cTn id="6" dur="1" fill="hold">
-                                          <p:stCondLst>
-                                            <p:cond delay="0"/>
-                                          </p:stCondLst>
-                                        </p:cTn>
-                                        <p:tgtEl>
-                                          <p:spTgt spid="43"/>
-                                        </p:tgtEl>
-                                        <p:attrNameLst>
-                                          <p:attrName>style.visibility</p:attrName>
-                                        </p:attrNameLst>
-                                      </p:cBhvr>
-                                      <p:to>
-                                        <p:strVal val="visible"/>
-                                      </p:to>
-                                    </p:set>
-                                  </p:childTnLst>
-                                </p:cTn>
-                              </p:par>
-                              <p:par>
-                                <p:cTn id="7" presetID="1" presetClass="entr" presetSubtype="0" fill="hold" grpId="0" nodeType="withEffect">
-                                  <p:stCondLst>
-                                    <p:cond delay="0"/>
-                                  </p:stCondLst>
-                                  <p:childTnLst>
-                                    <p:set>
-                                      <p:cBhvr>
-                                        <p:cTn id="8" dur="1" fill="hold">
-                                          <p:stCondLst>
-                                            <p:cond delay="0"/>
-                                          </p:stCondLst>
-                                        </p:cTn>
-                                        <p:tgtEl>
-                                          <p:spTgt spid="44"/>
-                                        </p:tgtEl>
-                                        <p:attrNameLst>
-                                          <p:attrName>style.visibility</p:attrName>
-                                        </p:attrNameLst>
-                                      </p:cBhvr>
-                                      <p:to>
-                                        <p:strVal val="visible"/>
-                                      </p:to>
-                                    </p:set>
-                                  </p:childTnLst>
-                                </p:cTn>
-                              </p:par>
-                              <p:par>
-                                <p:cTn id="9" presetID="1" presetClass="entr" presetSubtype="0" fill="hold" nodeType="withEffect">
-                                  <p:stCondLst>
-                                    <p:cond delay="0"/>
-                                  </p:stCondLst>
-                                  <p:childTnLst>
-                                    <p:set>
-                                      <p:cBhvr>
-                                        <p:cTn id="10" dur="1" fill="hold">
-                                          <p:stCondLst>
-                                            <p:cond delay="0"/>
-                                          </p:stCondLst>
-                                        </p:cTn>
-                                        <p:tgtEl>
-                                          <p:spTgt spid="46"/>
-                                        </p:tgtEl>
-                                        <p:attrNameLst>
-                                          <p:attrName>style.visibility</p:attrName>
-                                        </p:attrNameLst>
-                                      </p:cBhvr>
-                                      <p:to>
-                                        <p:strVal val="visible"/>
-                                      </p:to>
-                                    </p:set>
-                                  </p:childTnLst>
-                                </p:cTn>
-                              </p:par>
-                            </p:childTnLst>
-                          </p:cTn>
-                        </p:par>
-                      </p:childTnLst>
-                    </p:cTn>
-                  </p:par>
-                  <p:par>
-                    <p:cTn id="11" fill="hold">
-                      <p:stCondLst>
-                        <p:cond delay="indefinite"/>
-                      </p:stCondLst>
-                      <p:childTnLst>
-                        <p:par>
-                          <p:cTn id="12" fill="hold">
-                            <p:stCondLst>
-                              <p:cond delay="0"/>
-                            </p:stCondLst>
-                            <p:childTnLst>
-                              <p:par>
-                                <p:cTn id="13" presetID="1" presetClass="entr" presetSubtype="0" fill="hold" nodeType="clickEffect">
-                                  <p:stCondLst>
-                                    <p:cond delay="0"/>
-                                  </p:stCondLst>
-                                  <p:childTnLst>
-                                    <p:set>
-                                      <p:cBhvr>
-                                        <p:cTn id="14" dur="1" fill="hold">
-                                          <p:stCondLst>
-                                            <p:cond delay="0"/>
-                                          </p:stCondLst>
-                                        </p:cTn>
-                                        <p:tgtEl>
-                                          <p:spTgt spid="39"/>
-                                        </p:tgtEl>
-                                        <p:attrNameLst>
-                                          <p:attrName>style.visibility</p:attrName>
-                                        </p:attrNameLst>
-                                      </p:cBhvr>
-                                      <p:to>
-                                        <p:strVal val="visible"/>
-                                      </p:to>
-                                    </p:set>
-                                  </p:childTnLst>
-                                </p:cTn>
-                              </p:par>
-                              <p:par>
-                                <p:cTn id="15" presetID="1" presetClass="entr" presetSubtype="0" fill="hold" nodeType="withEffect">
-                                  <p:stCondLst>
-                                    <p:cond delay="0"/>
-                                  </p:stCondLst>
-                                  <p:childTnLst>
-                                    <p:set>
-                                      <p:cBhvr>
-                                        <p:cTn id="16" dur="1" fill="hold">
-                                          <p:stCondLst>
-                                            <p:cond delay="0"/>
-                                          </p:stCondLst>
-                                        </p:cTn>
-                                        <p:tgtEl>
-                                          <p:spTgt spid="41"/>
-                                        </p:tgtEl>
-                                        <p:attrNameLst>
-                                          <p:attrName>style.visibility</p:attrName>
-                                        </p:attrNameLst>
-                                      </p:cBhvr>
-                                      <p:to>
-                                        <p:strVal val="visible"/>
-                                      </p:to>
-                                    </p:set>
-                                  </p:childTnLst>
-                                </p:cTn>
-                              </p:par>
-                              <p:par>
-                                <p:cTn id="17" presetID="1" presetClass="entr" presetSubtype="0" fill="hold" nodeType="withEffect">
-                                  <p:stCondLst>
-                                    <p:cond delay="0"/>
-                                  </p:stCondLst>
-                                  <p:childTnLst>
-                                    <p:set>
-                                      <p:cBhvr>
-                                        <p:cTn id="18" dur="1" fill="hold">
-                                          <p:stCondLst>
-                                            <p:cond delay="0"/>
-                                          </p:stCondLst>
-                                        </p:cTn>
-                                        <p:tgtEl>
-                                          <p:spTgt spid="45"/>
-                                        </p:tgtEl>
-                                        <p:attrNameLst>
-                                          <p:attrName>style.visibility</p:attrName>
-                                        </p:attrNameLst>
-                                      </p:cBhvr>
-                                      <p:to>
-                                        <p:strVal val="visible"/>
-                                      </p:to>
-                                    </p:set>
-                                  </p:childTnLst>
-                                </p:cTn>
-                              </p:par>
-                              <p:par>
-                                <p:cTn id="19" presetID="1" presetClass="entr" presetSubtype="0" fill="hold" nodeType="withEffect">
-                                  <p:stCondLst>
-                                    <p:cond delay="0"/>
-                                  </p:stCondLst>
-                                  <p:childTnLst>
-                                    <p:set>
-                                      <p:cBhvr>
-                                        <p:cTn id="20" dur="1" fill="hold">
-                                          <p:stCondLst>
-                                            <p:cond delay="0"/>
-                                          </p:stCondLst>
-                                        </p:cTn>
-                                        <p:tgtEl>
-                                          <p:spTgt spid="23"/>
-                                        </p:tgtEl>
-                                        <p:attrNameLst>
-                                          <p:attrName>style.visibility</p:attrName>
-                                        </p:attrNameLst>
-                                      </p:cBhvr>
-                                      <p:to>
-                                        <p:strVal val="visible"/>
-                                      </p:to>
-                                    </p:set>
-                                  </p:childTnLst>
-                                </p:cTn>
-                              </p:par>
-                              <p:par>
-                                <p:cTn id="21" presetID="1" presetClass="entr" presetSubtype="0" fill="hold" nodeType="withEffect">
-                                  <p:stCondLst>
-                                    <p:cond delay="0"/>
-                                  </p:stCondLst>
-                                  <p:childTnLst>
-                                    <p:set>
-                                      <p:cBhvr>
-                                        <p:cTn id="22" dur="1" fill="hold">
-                                          <p:stCondLst>
-                                            <p:cond delay="0"/>
-                                          </p:stCondLst>
-                                        </p:cTn>
-                                        <p:tgtEl>
-                                          <p:spTgt spid="26"/>
-                                        </p:tgtEl>
-                                        <p:attrNameLst>
-                                          <p:attrName>style.visibility</p:attrName>
-                                        </p:attrNameLst>
-                                      </p:cBhvr>
-                                      <p:to>
-                                        <p:strVal val="visible"/>
-                                      </p:to>
-                                    </p:set>
-                                  </p:childTnLst>
-                                </p:cTn>
-                              </p:par>
-                              <p:par>
-                                <p:cTn id="23" presetID="1" presetClass="entr" presetSubtype="0" fill="hold" grpId="0" nodeType="withEffect">
-                                  <p:stCondLst>
-                                    <p:cond delay="0"/>
-                                  </p:stCondLst>
-                                  <p:childTnLst>
-                                    <p:set>
-                                      <p:cBhvr>
-                                        <p:cTn id="24" dur="1" fill="hold">
-                                          <p:stCondLst>
-                                            <p:cond delay="0"/>
-                                          </p:stCondLst>
-                                        </p:cTn>
-                                        <p:tgtEl>
-                                          <p:spTgt spid="3"/>
-                                        </p:tgtEl>
-                                        <p:attrNameLst>
-                                          <p:attrName>style.visibility</p:attrName>
-                                        </p:attrNameLst>
-                                      </p:cBhvr>
-                                      <p:to>
-                                        <p:strVal val="visible"/>
-                                      </p:to>
-                                    </p:set>
-                                  </p:childTnLst>
-                                </p:cTn>
-                              </p:par>
-                              <p:par>
-                                <p:cTn id="25" presetID="1" presetClass="entr" presetSubtype="0" fill="hold" grpId="0" nodeType="withEffect">
-                                  <p:stCondLst>
-                                    <p:cond delay="0"/>
-                                  </p:stCondLst>
-                                  <p:childTnLst>
-                                    <p:set>
-                                      <p:cBhvr>
-                                        <p:cTn id="26" dur="1" fill="hold">
-                                          <p:stCondLst>
-                                            <p:cond delay="0"/>
-                                          </p:stCondLst>
-                                        </p:cTn>
-                                        <p:tgtEl>
-                                          <p:spTgt spid="7"/>
-                                        </p:tgtEl>
-                                        <p:attrNameLst>
-                                          <p:attrName>style.visibility</p:attrName>
-                                        </p:attrNameLst>
-                                      </p:cBhvr>
-                                      <p:to>
-                                        <p:strVal val="visible"/>
-                                      </p:to>
-                                    </p:set>
-                                  </p:childTnLst>
-                                </p:cTn>
-                              </p:par>
-                              <p:par>
-                                <p:cTn id="27" presetID="1" presetClass="entr" presetSubtype="0" fill="hold" grpId="0" nodeType="withEffect">
-                                  <p:stCondLst>
-                                    <p:cond delay="0"/>
-                                  </p:stCondLst>
-                                  <p:childTnLst>
-                                    <p:set>
-                                      <p:cBhvr>
-                                        <p:cTn id="28" dur="1" fill="hold">
-                                          <p:stCondLst>
-                                            <p:cond delay="0"/>
-                                          </p:stCondLst>
-                                        </p:cTn>
-                                        <p:tgtEl>
-                                          <p:spTgt spid="9"/>
-                                        </p:tgtEl>
-                                        <p:attrNameLst>
-                                          <p:attrName>style.visibility</p:attrName>
-                                        </p:attrNameLst>
-                                      </p:cBhvr>
-                                      <p:to>
-                                        <p:strVal val="visible"/>
-                                      </p:to>
-                                    </p:set>
-                                  </p:childTnLst>
-                                </p:cTn>
-                              </p:par>
-                              <p:par>
-                                <p:cTn id="29" presetID="1" presetClass="entr" presetSubtype="0" fill="hold" grpId="0" nodeType="withEffect">
-                                  <p:stCondLst>
-                                    <p:cond delay="0"/>
-                                  </p:stCondLst>
-                                  <p:childTnLst>
-                                    <p:set>
-                                      <p:cBhvr>
-                                        <p:cTn id="30" dur="1" fill="hold">
-                                          <p:stCondLst>
-                                            <p:cond delay="0"/>
-                                          </p:stCondLst>
-                                        </p:cTn>
-                                        <p:tgtEl>
-                                          <p:spTgt spid="10"/>
-                                        </p:tgtEl>
-                                        <p:attrNameLst>
-                                          <p:attrName>style.visibility</p:attrName>
-                                        </p:attrNameLst>
-                                      </p:cBhvr>
-                                      <p:to>
-                                        <p:strVal val="visible"/>
-                                      </p:to>
-                                    </p:set>
-                                  </p:childTnLst>
-                                </p:cTn>
-                              </p:par>
-                              <p:par>
-                                <p:cTn id="31" presetID="1" presetClass="entr" presetSubtype="0" fill="hold" grpId="0" nodeType="withEffect">
-                                  <p:stCondLst>
-                                    <p:cond delay="0"/>
-                                  </p:stCondLst>
-                                  <p:childTnLst>
-                                    <p:set>
-                                      <p:cBhvr>
-                                        <p:cTn id="32" dur="1" fill="hold">
-                                          <p:stCondLst>
-                                            <p:cond delay="0"/>
-                                          </p:stCondLst>
-                                        </p:cTn>
-                                        <p:tgtEl>
-                                          <p:spTgt spid="11"/>
-                                        </p:tgtEl>
-                                        <p:attrNameLst>
-                                          <p:attrName>style.visibility</p:attrName>
-                                        </p:attrNameLst>
-                                      </p:cBhvr>
-                                      <p:to>
-                                        <p:strVal val="visible"/>
-                                      </p:to>
-                                    </p:set>
-                                  </p:childTnLst>
-                                </p:cTn>
-                              </p:par>
-                            </p:childTnLst>
-                          </p:cTn>
-                        </p:par>
-                      </p:childTnLst>
-                    </p:cTn>
-                  </p:par>
-                  <p:par>
-                    <p:cTn id="33" fill="hold">
-                      <p:stCondLst>
-                        <p:cond delay="indefinite"/>
-                      </p:stCondLst>
-                      <p:childTnLst>
-                        <p:par>
-                          <p:cTn id="34" fill="hold">
-                            <p:stCondLst>
-                              <p:cond delay="0"/>
-                            </p:stCondLst>
-                            <p:childTnLst>
-                              <p:par>
-                                <p:cTn id="35" presetID="1" presetClass="entr" presetSubtype="0" fill="hold" grpId="0" nodeType="clickEffect">
-                                  <p:stCondLst>
-                                    <p:cond delay="0"/>
-                                  </p:stCondLst>
-                                  <p:childTnLst>
-                                    <p:set>
-                                      <p:cBhvr>
-                                        <p:cTn id="36" dur="1" fill="hold">
-                                          <p:stCondLst>
-                                            <p:cond delay="0"/>
-                                          </p:stCondLst>
-                                        </p:cTn>
-                                        <p:tgtEl>
-                                          <p:spTgt spid="14"/>
-                                        </p:tgtEl>
-                                        <p:attrNameLst>
-                                          <p:attrName>style.visibility</p:attrName>
-                                        </p:attrNameLst>
-                                      </p:cBhvr>
-                                      <p:to>
-                                        <p:strVal val="visible"/>
-                                      </p:to>
-                                    </p:set>
-                                  </p:childTnLst>
-                                </p:cTn>
-                              </p:par>
-                              <p:par>
-                                <p:cTn id="37" presetID="1" presetClass="entr" presetSubtype="0" fill="hold" nodeType="withEffect">
-                                  <p:stCondLst>
-                                    <p:cond delay="0"/>
-                                  </p:stCondLst>
-                                  <p:childTnLst>
-                                    <p:set>
-                                      <p:cBhvr>
-                                        <p:cTn id="38" dur="1" fill="hold">
-                                          <p:stCondLst>
-                                            <p:cond delay="0"/>
-                                          </p:stCondLst>
-                                        </p:cTn>
-                                        <p:tgtEl>
-                                          <p:spTgt spid="8"/>
-                                        </p:tgtEl>
-                                        <p:attrNameLst>
-                                          <p:attrName>style.visibility</p:attrName>
-                                        </p:attrNameLst>
-                                      </p:cBhvr>
-                                      <p:to>
-                                        <p:strVal val="visible"/>
-                                      </p:to>
-                                    </p:set>
-                                  </p:childTnLst>
-                                </p:cTn>
-                              </p:par>
-                              <p:par>
-                                <p:cTn id="39" presetID="1" presetClass="entr" presetSubtype="0" fill="hold" nodeType="withEffect">
-                                  <p:stCondLst>
-                                    <p:cond delay="0"/>
-                                  </p:stCondLst>
-                                  <p:childTnLst>
-                                    <p:set>
-                                      <p:cBhvr>
-                                        <p:cTn id="40" dur="1" fill="hold">
-                                          <p:stCondLst>
-                                            <p:cond delay="0"/>
-                                          </p:stCondLst>
-                                        </p:cTn>
-                                        <p:tgtEl>
-                                          <p:spTgt spid="17"/>
-                                        </p:tgtEl>
-                                        <p:attrNameLst>
-                                          <p:attrName>style.visibility</p:attrName>
-                                        </p:attrNameLst>
-                                      </p:cBhvr>
-                                      <p:to>
-                                        <p:strVal val="visible"/>
-                                      </p:to>
-                                    </p:set>
-                                  </p:childTnLst>
-                                </p:cTn>
-                              </p:par>
-                              <p:par>
-                                <p:cTn id="41" presetID="1" presetClass="entr" presetSubtype="0" fill="hold" grpId="0" nodeType="withEffect">
-                                  <p:stCondLst>
-                                    <p:cond delay="0"/>
-                                  </p:stCondLst>
-                                  <p:childTnLst>
-                                    <p:set>
-                                      <p:cBhvr>
-                                        <p:cTn id="42" dur="1" fill="hold">
-                                          <p:stCondLst>
-                                            <p:cond delay="0"/>
-                                          </p:stCondLst>
-                                        </p:cTn>
-                                        <p:tgtEl>
-                                          <p:spTgt spid="21"/>
-                                        </p:tgtEl>
-                                        <p:attrNameLst>
-                                          <p:attrName>style.visibility</p:attrName>
-                                        </p:attrNameLst>
-                                      </p:cBhvr>
-                                      <p:to>
-                                        <p:strVal val="visible"/>
-                                      </p:to>
-                                    </p:set>
-                                  </p:childTnLst>
-                                </p:cTn>
-                              </p:par>
-                              <p:par>
-                                <p:cTn id="43" presetID="1" presetClass="entr" presetSubtype="0" fill="hold" nodeType="withEffect">
-                                  <p:stCondLst>
-                                    <p:cond delay="0"/>
-                                  </p:stCondLst>
-                                  <p:childTnLst>
-                                    <p:set>
-                                      <p:cBhvr>
-                                        <p:cTn id="44" dur="1" fill="hold">
-                                          <p:stCondLst>
-                                            <p:cond delay="0"/>
-                                          </p:stCondLst>
-                                        </p:cTn>
-                                        <p:tgtEl>
-                                          <p:spTgt spid="24"/>
-                                        </p:tgtEl>
-                                        <p:attrNameLst>
-                                          <p:attrName>style.visibility</p:attrName>
-                                        </p:attrNameLst>
-                                      </p:cBhvr>
-                                      <p:to>
-                                        <p:strVal val="visible"/>
-                                      </p:to>
-                                    </p:set>
-                                  </p:childTnLst>
-                                </p:cTn>
-                              </p:par>
-                              <p:par>
-                                <p:cTn id="45" presetID="1" presetClass="entr" presetSubtype="0" fill="hold" nodeType="withEffect">
-                                  <p:stCondLst>
-                                    <p:cond delay="0"/>
-                                  </p:stCondLst>
-                                  <p:childTnLst>
-                                    <p:set>
-                                      <p:cBhvr>
-                                        <p:cTn id="46" dur="1" fill="hold">
-                                          <p:stCondLst>
-                                            <p:cond delay="0"/>
-                                          </p:stCondLst>
-                                        </p:cTn>
-                                        <p:tgtEl>
-                                          <p:spTgt spid="48"/>
-                                        </p:tgtEl>
-                                        <p:attrNameLst>
-                                          <p:attrName>style.visibility</p:attrName>
-                                        </p:attrNameLst>
-                                      </p:cBhvr>
-                                      <p:to>
-                                        <p:strVal val="visible"/>
-                                      </p:to>
-                                    </p:set>
-                                  </p:childTnLst>
-                                </p:cTn>
-                              </p:par>
-                            </p:childTnLst>
-                          </p:cTn>
-                        </p:par>
-                      </p:childTnLst>
-                    </p:cTn>
-                  </p:par>
-                </p:childTnLst>
-              </p:cTn>
-              <p:prevCondLst>
-                <p:cond evt="onPrev" delay="0">
-                  <p:tgtEl>
-                    <p:sldTgt/>
-                  </p:tgtEl>
-                </p:cond>
-              </p:prevCondLst>
-              <p:nextCondLst>
-                <p:cond evt="onNext" delay="0">
-                  <p:tgtEl>
-                    <p:sldTgt/>
-                  </p:tgtEl>
-                </p:cond>
-              </p:nextCondLst>
-            </p:seq>
-          </p:childTnLst>
-        </p:cTn>
-      </p:par>
-    </p:tnLst>
-    <p:bldLst>
-      <p:bldP spid="3" grpId="0"/>
-      <p:bldP spid="7" grpId="0"/>
-      <p:bldP spid="9" grpId="0"/>
-      <p:bldP spid="10" grpId="0"/>
-      <p:bldP spid="11" grpId="0"/>
-      <p:bldP spid="14" grpId="0"/>
-      <p:bldP spid="21" grpId="0"/>
-      <p:bldP spid="44" grpId="0"/>
-    </p:bldLst>
-  </p:timing>
-</p:sld>
-</file>
-
 <file path=ppt/theme/theme1.xml><?xml version="1.0" encoding="utf-8"?>
 <a:theme xmlns:a="http://schemas.openxmlformats.org/drawingml/2006/main" name="Office Theme">
   <a:themeElements>

--- a/20230427 CBE Student Colloquium.pptx
+++ b/20230427 CBE Student Colloquium.pptx
@@ -9928,12 +9928,403 @@
           </p:txBody>
         </p:sp>
       </p:grpSp>
+      <p:grpSp>
+        <p:nvGrpSpPr>
+          <p:cNvPr id="69" name="Group 68">
+            <a:extLst>
+              <a:ext uri="{FF2B5EF4-FFF2-40B4-BE49-F238E27FC236}">
+                <a16:creationId xmlns:a16="http://schemas.microsoft.com/office/drawing/2014/main" id="{6E2F3D1E-F9A5-D2D7-ED37-A05145DBAB22}"/>
+              </a:ext>
+            </a:extLst>
+          </p:cNvPr>
+          <p:cNvGrpSpPr/>
+          <p:nvPr/>
+        </p:nvGrpSpPr>
+        <p:grpSpPr>
+          <a:xfrm>
+            <a:off x="2476502" y="1809734"/>
+            <a:ext cx="5048248" cy="2736262"/>
+            <a:chOff x="1781177" y="1782983"/>
+            <a:chExt cx="5048248" cy="2736262"/>
+          </a:xfrm>
+        </p:grpSpPr>
+        <p:pic>
+          <p:nvPicPr>
+            <p:cNvPr id="19" name="Picture 18">
+              <a:extLst>
+                <a:ext uri="{FF2B5EF4-FFF2-40B4-BE49-F238E27FC236}">
+                  <a16:creationId xmlns:a16="http://schemas.microsoft.com/office/drawing/2014/main" id="{3306997A-BC01-5C9F-4B19-6965DED14994}"/>
+                </a:ext>
+              </a:extLst>
+            </p:cNvPr>
+            <p:cNvPicPr>
+              <a:picLocks noChangeAspect="1"/>
+            </p:cNvPicPr>
+            <p:nvPr/>
+          </p:nvPicPr>
+          <p:blipFill>
+            <a:blip r:embed="rId3"/>
+            <a:stretch>
+              <a:fillRect/>
+            </a:stretch>
+          </p:blipFill>
+          <p:spPr>
+            <a:xfrm>
+              <a:off x="1781177" y="1782983"/>
+              <a:ext cx="5048248" cy="637904"/>
+            </a:xfrm>
+            <a:prstGeom prst="rect">
+              <a:avLst/>
+            </a:prstGeom>
+          </p:spPr>
+        </p:pic>
+        <p:cxnSp>
+          <p:nvCxnSpPr>
+            <p:cNvPr id="40" name="Straight Arrow Connector 39">
+              <a:extLst>
+                <a:ext uri="{FF2B5EF4-FFF2-40B4-BE49-F238E27FC236}">
+                  <a16:creationId xmlns:a16="http://schemas.microsoft.com/office/drawing/2014/main" id="{C4B452CE-E07F-FEC4-AAD5-96A346331295}"/>
+                </a:ext>
+              </a:extLst>
+            </p:cNvPr>
+            <p:cNvCxnSpPr>
+              <a:cxnSpLocks/>
+            </p:cNvCxnSpPr>
+            <p:nvPr/>
+          </p:nvCxnSpPr>
+          <p:spPr>
+            <a:xfrm>
+              <a:off x="2447920" y="2497081"/>
+              <a:ext cx="0" cy="1375306"/>
+            </a:xfrm>
+            <a:prstGeom prst="straightConnector1">
+              <a:avLst/>
+            </a:prstGeom>
+            <a:ln w="28575">
+              <a:solidFill>
+                <a:schemeClr val="tx1"/>
+              </a:solidFill>
+              <a:tailEnd type="triangle"/>
+            </a:ln>
+          </p:spPr>
+          <p:style>
+            <a:lnRef idx="1">
+              <a:schemeClr val="accent1"/>
+            </a:lnRef>
+            <a:fillRef idx="0">
+              <a:schemeClr val="accent1"/>
+            </a:fillRef>
+            <a:effectRef idx="0">
+              <a:schemeClr val="accent1"/>
+            </a:effectRef>
+            <a:fontRef idx="minor">
+              <a:schemeClr val="tx1"/>
+            </a:fontRef>
+          </p:style>
+        </p:cxnSp>
+        <p:sp>
+          <p:nvSpPr>
+            <p:cNvPr id="56" name="TextBox 55">
+              <a:extLst>
+                <a:ext uri="{FF2B5EF4-FFF2-40B4-BE49-F238E27FC236}">
+                  <a16:creationId xmlns:a16="http://schemas.microsoft.com/office/drawing/2014/main" id="{38AE4ECB-3E79-18A0-22CF-E135C52697A9}"/>
+                </a:ext>
+              </a:extLst>
+            </p:cNvPr>
+            <p:cNvSpPr txBox="1"/>
+            <p:nvPr/>
+          </p:nvSpPr>
+          <p:spPr>
+            <a:xfrm>
+              <a:off x="2743195" y="2497081"/>
+              <a:ext cx="1638300" cy="369332"/>
+            </a:xfrm>
+            <a:prstGeom prst="rect">
+              <a:avLst/>
+            </a:prstGeom>
+            <a:noFill/>
+          </p:spPr>
+          <p:txBody>
+            <a:bodyPr wrap="square" rtlCol="0">
+              <a:spAutoFit/>
+            </a:bodyPr>
+            <a:lstStyle/>
+            <a:p>
+              <a:r>
+                <a:rPr lang="en-US" dirty="0"/>
+                <a:t>Algebra</a:t>
+              </a:r>
+            </a:p>
+          </p:txBody>
+        </p:sp>
+        <p:sp>
+          <p:nvSpPr>
+            <p:cNvPr id="57" name="TextBox 56">
+              <a:extLst>
+                <a:ext uri="{FF2B5EF4-FFF2-40B4-BE49-F238E27FC236}">
+                  <a16:creationId xmlns:a16="http://schemas.microsoft.com/office/drawing/2014/main" id="{17431DB0-756F-BF61-2C35-E8FDA6B43C92}"/>
+                </a:ext>
+              </a:extLst>
+            </p:cNvPr>
+            <p:cNvSpPr txBox="1"/>
+            <p:nvPr/>
+          </p:nvSpPr>
+          <p:spPr>
+            <a:xfrm>
+              <a:off x="2743195" y="2962274"/>
+              <a:ext cx="2152649" cy="369332"/>
+            </a:xfrm>
+            <a:prstGeom prst="rect">
+              <a:avLst/>
+            </a:prstGeom>
+            <a:noFill/>
+          </p:spPr>
+          <p:txBody>
+            <a:bodyPr wrap="square" rtlCol="0">
+              <a:spAutoFit/>
+            </a:bodyPr>
+            <a:lstStyle/>
+            <a:p>
+              <a:r>
+                <a:rPr lang="en-US" dirty="0"/>
+                <a:t>Stirling’s formula: </a:t>
+              </a:r>
+            </a:p>
+          </p:txBody>
+        </p:sp>
+        <p:pic>
+          <p:nvPicPr>
+            <p:cNvPr id="59" name="Picture 58">
+              <a:extLst>
+                <a:ext uri="{FF2B5EF4-FFF2-40B4-BE49-F238E27FC236}">
+                  <a16:creationId xmlns:a16="http://schemas.microsoft.com/office/drawing/2014/main" id="{72BE9BA8-8EF8-774C-908A-D09D7A8C7171}"/>
+                </a:ext>
+              </a:extLst>
+            </p:cNvPr>
+            <p:cNvPicPr>
+              <a:picLocks noChangeAspect="1"/>
+            </p:cNvPicPr>
+            <p:nvPr/>
+          </p:nvPicPr>
+          <p:blipFill>
+            <a:blip r:embed="rId4"/>
+            <a:stretch>
+              <a:fillRect/>
+            </a:stretch>
+          </p:blipFill>
+          <p:spPr>
+            <a:xfrm>
+              <a:off x="4781546" y="2841996"/>
+              <a:ext cx="2047879" cy="609887"/>
+            </a:xfrm>
+            <a:prstGeom prst="rect">
+              <a:avLst/>
+            </a:prstGeom>
+          </p:spPr>
+        </p:pic>
+        <mc:AlternateContent xmlns:mc="http://schemas.openxmlformats.org/markup-compatibility/2006">
+          <mc:Choice xmlns:a14="http://schemas.microsoft.com/office/drawing/2010/main" Requires="a14">
+            <p:sp>
+              <p:nvSpPr>
+                <p:cNvPr id="65" name="TextBox 64">
+                  <a:extLst>
+                    <a:ext uri="{FF2B5EF4-FFF2-40B4-BE49-F238E27FC236}">
+                      <a16:creationId xmlns:a16="http://schemas.microsoft.com/office/drawing/2014/main" id="{525ABB0E-A56B-1341-DF12-8D9F3322492B}"/>
+                    </a:ext>
+                  </a:extLst>
+                </p:cNvPr>
+                <p:cNvSpPr txBox="1"/>
+                <p:nvPr/>
+              </p:nvSpPr>
+              <p:spPr>
+                <a:xfrm>
+                  <a:off x="2771768" y="3427467"/>
+                  <a:ext cx="4057655" cy="369332"/>
+                </a:xfrm>
+                <a:prstGeom prst="rect">
+                  <a:avLst/>
+                </a:prstGeom>
+                <a:noFill/>
+              </p:spPr>
+              <p:txBody>
+                <a:bodyPr wrap="square" rtlCol="0">
+                  <a:spAutoFit/>
+                </a:bodyPr>
+                <a:lstStyle/>
+                <a:p>
+                  <a:r>
+                    <a:rPr lang="en-US" dirty="0"/>
+                    <a:t>Only non-zero </a:t>
+                  </a:r>
+                  <a14:m>
+                    <m:oMath xmlns:m="http://schemas.openxmlformats.org/officeDocument/2006/math">
+                      <m:r>
+                        <a:rPr lang="en-US" b="0" i="1" smtClean="0">
+                          <a:latin typeface="Cambria Math" panose="02040503050406030204" pitchFamily="18" charset="0"/>
+                        </a:rPr>
+                        <m:t>𝑊</m:t>
+                      </m:r>
+                      <m:r>
+                        <a:rPr lang="en-US" b="0" i="1" smtClean="0">
+                          <a:latin typeface="Cambria Math" panose="02040503050406030204" pitchFamily="18" charset="0"/>
+                        </a:rPr>
+                        <m:t>(</m:t>
+                      </m:r>
+                      <m:r>
+                        <a:rPr lang="en-US" b="0" i="1" smtClean="0">
+                          <a:latin typeface="Cambria Math" panose="02040503050406030204" pitchFamily="18" charset="0"/>
+                        </a:rPr>
+                        <m:t>𝑁</m:t>
+                      </m:r>
+                      <m:r>
+                        <a:rPr lang="en-US" b="0" i="1" smtClean="0">
+                          <a:latin typeface="Cambria Math" panose="02040503050406030204" pitchFamily="18" charset="0"/>
+                        </a:rPr>
+                        <m:t>,</m:t>
+                      </m:r>
+                      <m:r>
+                        <a:rPr lang="en-US" b="0" i="1" smtClean="0">
+                          <a:latin typeface="Cambria Math" panose="02040503050406030204" pitchFamily="18" charset="0"/>
+                        </a:rPr>
+                        <m:t>𝑅</m:t>
+                      </m:r>
+                      <m:r>
+                        <a:rPr lang="en-US" b="0" i="1" smtClean="0">
+                          <a:latin typeface="Cambria Math" panose="02040503050406030204" pitchFamily="18" charset="0"/>
+                        </a:rPr>
+                        <m:t>)</m:t>
+                      </m:r>
+                    </m:oMath>
+                  </a14:m>
+                  <a:r>
+                    <a:rPr lang="en-US" dirty="0"/>
+                    <a:t>’s (Divide by 2)</a:t>
+                  </a:r>
+                </a:p>
+              </p:txBody>
+            </p:sp>
+          </mc:Choice>
+          <mc:Fallback>
+            <p:sp>
+              <p:nvSpPr>
+                <p:cNvPr id="65" name="TextBox 64">
+                  <a:extLst>
+                    <a:ext uri="{FF2B5EF4-FFF2-40B4-BE49-F238E27FC236}">
+                      <a16:creationId xmlns:a16="http://schemas.microsoft.com/office/drawing/2014/main" id="{525ABB0E-A56B-1341-DF12-8D9F3322492B}"/>
+                    </a:ext>
+                  </a:extLst>
+                </p:cNvPr>
+                <p:cNvSpPr txBox="1">
+                  <a:spLocks noRot="1" noChangeAspect="1" noMove="1" noResize="1" noEditPoints="1" noAdjustHandles="1" noChangeArrowheads="1" noChangeShapeType="1" noTextEdit="1"/>
+                </p:cNvSpPr>
+                <p:nvPr/>
+              </p:nvSpPr>
+              <p:spPr>
+                <a:xfrm>
+                  <a:off x="2771768" y="3427467"/>
+                  <a:ext cx="4057655" cy="369332"/>
+                </a:xfrm>
+                <a:prstGeom prst="rect">
+                  <a:avLst/>
+                </a:prstGeom>
+                <a:blipFill>
+                  <a:blip r:embed="rId5"/>
+                  <a:stretch>
+                    <a:fillRect l="-1353" t="-10000" b="-26667"/>
+                  </a:stretch>
+                </a:blipFill>
+              </p:spPr>
+              <p:txBody>
+                <a:bodyPr/>
+                <a:lstStyle/>
+                <a:p>
+                  <a:r>
+                    <a:rPr lang="en-US">
+                      <a:noFill/>
+                    </a:rPr>
+                    <a:t> </a:t>
+                  </a:r>
+                </a:p>
+              </p:txBody>
+            </p:sp>
+          </mc:Fallback>
+        </mc:AlternateContent>
+        <p:pic>
+          <p:nvPicPr>
+            <p:cNvPr id="67" name="Picture 66">
+              <a:extLst>
+                <a:ext uri="{FF2B5EF4-FFF2-40B4-BE49-F238E27FC236}">
+                  <a16:creationId xmlns:a16="http://schemas.microsoft.com/office/drawing/2014/main" id="{A6A02659-D6EF-023E-673A-C7C4EA1CF445}"/>
+                </a:ext>
+              </a:extLst>
+            </p:cNvPr>
+            <p:cNvPicPr>
+              <a:picLocks noChangeAspect="1"/>
+            </p:cNvPicPr>
+            <p:nvPr/>
+          </p:nvPicPr>
+          <p:blipFill>
+            <a:blip r:embed="rId6"/>
+            <a:stretch>
+              <a:fillRect/>
+            </a:stretch>
+          </p:blipFill>
+          <p:spPr>
+            <a:xfrm>
+              <a:off x="1781177" y="3944599"/>
+              <a:ext cx="3633792" cy="574646"/>
+            </a:xfrm>
+            <a:prstGeom prst="rect">
+              <a:avLst/>
+            </a:prstGeom>
+          </p:spPr>
+        </p:pic>
+      </p:grpSp>
+      <p:sp>
+        <p:nvSpPr>
+          <p:cNvPr id="68" name="TextBox 67">
+            <a:extLst>
+              <a:ext uri="{FF2B5EF4-FFF2-40B4-BE49-F238E27FC236}">
+                <a16:creationId xmlns:a16="http://schemas.microsoft.com/office/drawing/2014/main" id="{BD69807C-7570-4749-E66C-254B9DA246DD}"/>
+              </a:ext>
+            </a:extLst>
+          </p:cNvPr>
+          <p:cNvSpPr txBox="1"/>
+          <p:nvPr/>
+        </p:nvSpPr>
+        <p:spPr>
+          <a:xfrm>
+            <a:off x="186273" y="6202703"/>
+            <a:ext cx="12005727" cy="369332"/>
+          </a:xfrm>
+          <a:prstGeom prst="rect">
+            <a:avLst/>
+          </a:prstGeom>
+          <a:noFill/>
+        </p:spPr>
+        <p:txBody>
+          <a:bodyPr wrap="square" rtlCol="0">
+            <a:spAutoFit/>
+          </a:bodyPr>
+          <a:lstStyle/>
+          <a:p>
+            <a:pPr marL="285750" indent="-285750">
+              <a:buFont typeface="Arial" panose="020B0604020202020204" pitchFamily="34" charset="0"/>
+              <a:buChar char="•"/>
+            </a:pPr>
+            <a:r>
+              <a:rPr lang="en-US" dirty="0"/>
+              <a:t>Entropy</a:t>
+            </a:r>
+          </a:p>
+        </p:txBody>
+      </p:sp>
       <p:pic>
         <p:nvPicPr>
-          <p:cNvPr id="19" name="Picture 18">
+          <p:cNvPr id="75" name="Picture 74">
             <a:extLst>
               <a:ext uri="{FF2B5EF4-FFF2-40B4-BE49-F238E27FC236}">
-                <a16:creationId xmlns:a16="http://schemas.microsoft.com/office/drawing/2014/main" id="{3306997A-BC01-5C9F-4B19-6965DED14994}"/>
+                <a16:creationId xmlns:a16="http://schemas.microsoft.com/office/drawing/2014/main" id="{1DFD242C-3119-ED14-D784-677FB885996D}"/>
               </a:ext>
             </a:extLst>
           </p:cNvPr>
@@ -9943,15 +10334,45 @@
           <p:nvPr/>
         </p:nvPicPr>
         <p:blipFill>
-          <a:blip r:embed="rId3"/>
+          <a:blip r:embed="rId7"/>
           <a:stretch>
             <a:fillRect/>
           </a:stretch>
         </p:blipFill>
         <p:spPr>
           <a:xfrm>
-            <a:off x="1809751" y="1857061"/>
-            <a:ext cx="5762624" cy="728174"/>
+            <a:off x="2476502" y="4563912"/>
+            <a:ext cx="8376689" cy="637904"/>
+          </a:xfrm>
+          <a:prstGeom prst="rect">
+            <a:avLst/>
+          </a:prstGeom>
+        </p:spPr>
+      </p:pic>
+      <p:pic>
+        <p:nvPicPr>
+          <p:cNvPr id="80" name="Picture 79">
+            <a:extLst>
+              <a:ext uri="{FF2B5EF4-FFF2-40B4-BE49-F238E27FC236}">
+                <a16:creationId xmlns:a16="http://schemas.microsoft.com/office/drawing/2014/main" id="{B127055A-3159-2D00-6A67-9CE4619DEB03}"/>
+              </a:ext>
+            </a:extLst>
+          </p:cNvPr>
+          <p:cNvPicPr>
+            <a:picLocks noChangeAspect="1"/>
+          </p:cNvPicPr>
+          <p:nvPr/>
+        </p:nvPicPr>
+        <p:blipFill>
+          <a:blip r:embed="rId8"/>
+          <a:stretch>
+            <a:fillRect/>
+          </a:stretch>
+        </p:blipFill>
+        <p:spPr>
+          <a:xfrm>
+            <a:off x="2476502" y="6096117"/>
+            <a:ext cx="7077073" cy="625358"/>
           </a:xfrm>
           <a:prstGeom prst="rect">
             <a:avLst/>
@@ -9960,10 +10381,10 @@
       </p:pic>
       <p:cxnSp>
         <p:nvCxnSpPr>
-          <p:cNvPr id="40" name="Straight Arrow Connector 39">
+          <p:cNvPr id="82" name="Straight Arrow Connector 81">
             <a:extLst>
               <a:ext uri="{FF2B5EF4-FFF2-40B4-BE49-F238E27FC236}">
-                <a16:creationId xmlns:a16="http://schemas.microsoft.com/office/drawing/2014/main" id="{C4B452CE-E07F-FEC4-AAD5-96A346331295}"/>
+                <a16:creationId xmlns:a16="http://schemas.microsoft.com/office/drawing/2014/main" id="{303586DD-5008-1EB4-DED2-5317A6E823D3}"/>
               </a:ext>
             </a:extLst>
           </p:cNvPr>
@@ -9974,8 +10395,8 @@
         </p:nvCxnSpPr>
         <p:spPr>
           <a:xfrm>
-            <a:off x="2571749" y="2787119"/>
-            <a:ext cx="0" cy="822856"/>
+            <a:off x="2828920" y="5201816"/>
+            <a:ext cx="0" cy="954794"/>
           </a:xfrm>
           <a:prstGeom prst="straightConnector1">
             <a:avLst/>
@@ -10002,82 +10423,12 @@
           </a:fontRef>
         </p:style>
       </p:cxnSp>
-      <p:sp>
-        <p:nvSpPr>
-          <p:cNvPr id="56" name="TextBox 55">
+      <p:pic>
+        <p:nvPicPr>
+          <p:cNvPr id="86" name="Picture 85">
             <a:extLst>
               <a:ext uri="{FF2B5EF4-FFF2-40B4-BE49-F238E27FC236}">
-                <a16:creationId xmlns:a16="http://schemas.microsoft.com/office/drawing/2014/main" id="{38AE4ECB-3E79-18A0-22CF-E135C52697A9}"/>
-              </a:ext>
-            </a:extLst>
-          </p:cNvPr>
-          <p:cNvSpPr txBox="1"/>
-          <p:nvPr/>
-        </p:nvSpPr>
-        <p:spPr>
-          <a:xfrm>
-            <a:off x="2867025" y="2867025"/>
-            <a:ext cx="1638300" cy="369332"/>
-          </a:xfrm>
-          <a:prstGeom prst="rect">
-            <a:avLst/>
-          </a:prstGeom>
-          <a:noFill/>
-        </p:spPr>
-        <p:txBody>
-          <a:bodyPr wrap="square" rtlCol="0">
-            <a:spAutoFit/>
-          </a:bodyPr>
-          <a:lstStyle/>
-          <a:p>
-            <a:r>
-              <a:rPr lang="en-US" dirty="0"/>
-              <a:t>Algebra</a:t>
-            </a:r>
-          </a:p>
-        </p:txBody>
-      </p:sp>
-      <p:sp>
-        <p:nvSpPr>
-          <p:cNvPr id="57" name="TextBox 56">
-            <a:extLst>
-              <a:ext uri="{FF2B5EF4-FFF2-40B4-BE49-F238E27FC236}">
-                <a16:creationId xmlns:a16="http://schemas.microsoft.com/office/drawing/2014/main" id="{17431DB0-756F-BF61-2C35-E8FDA6B43C92}"/>
-              </a:ext>
-            </a:extLst>
-          </p:cNvPr>
-          <p:cNvSpPr txBox="1"/>
-          <p:nvPr/>
-        </p:nvSpPr>
-        <p:spPr>
-          <a:xfrm>
-            <a:off x="2867024" y="3252312"/>
-            <a:ext cx="2152649" cy="369332"/>
-          </a:xfrm>
-          <a:prstGeom prst="rect">
-            <a:avLst/>
-          </a:prstGeom>
-          <a:noFill/>
-        </p:spPr>
-        <p:txBody>
-          <a:bodyPr wrap="square" rtlCol="0">
-            <a:spAutoFit/>
-          </a:bodyPr>
-          <a:lstStyle/>
-          <a:p>
-            <a:r>
-              <a:rPr lang="en-US" dirty="0"/>
-              <a:t>Stirling’s formula: </a:t>
-            </a:r>
-          </a:p>
-        </p:txBody>
-      </p:sp>
-      <p:pic>
-        <p:nvPicPr>
-          <p:cNvPr id="59" name="Picture 58">
-            <a:extLst>
-              <a:ext uri="{FF2B5EF4-FFF2-40B4-BE49-F238E27FC236}">
-                <a16:creationId xmlns:a16="http://schemas.microsoft.com/office/drawing/2014/main" id="{72BE9BA8-8EF8-774C-908A-D09D7A8C7171}"/>
+                <a16:creationId xmlns:a16="http://schemas.microsoft.com/office/drawing/2014/main" id="{EDF9B3B5-C7ED-6744-A49A-CC6091FAF0EE}"/>
               </a:ext>
             </a:extLst>
           </p:cNvPr>
@@ -10087,15 +10438,15 @@
           <p:nvPr/>
         </p:nvPicPr>
         <p:blipFill>
-          <a:blip r:embed="rId4"/>
+          <a:blip r:embed="rId9"/>
           <a:stretch>
             <a:fillRect/>
           </a:stretch>
         </p:blipFill>
         <p:spPr>
           <a:xfrm>
-            <a:off x="4905375" y="3132034"/>
-            <a:ext cx="2047879" cy="609887"/>
+            <a:off x="3119696" y="5411521"/>
+            <a:ext cx="2976304" cy="585978"/>
           </a:xfrm>
           <a:prstGeom prst="rect">
             <a:avLst/>

--- a/20230427 CBE Student Colloquium.pptx
+++ b/20230427 CBE Student Colloquium.pptx
@@ -14481,7 +14481,7 @@
         </p:nvGrpSpPr>
         <p:grpSpPr>
           <a:xfrm>
-            <a:off x="5593854" y="4241054"/>
+            <a:off x="5768026" y="4212026"/>
             <a:ext cx="3212668" cy="2339973"/>
             <a:chOff x="3102348" y="699247"/>
             <a:chExt cx="6381750" cy="4648200"/>
@@ -14657,7 +14657,7 @@
         </p:nvGrpSpPr>
         <p:grpSpPr>
           <a:xfrm>
-            <a:off x="8721852" y="4246216"/>
+            <a:off x="8896024" y="4217188"/>
             <a:ext cx="2989416" cy="2372912"/>
             <a:chOff x="6269858" y="4411816"/>
             <a:chExt cx="2989416" cy="2372912"/>
@@ -14861,8 +14861,8 @@
         </p:nvSpPr>
         <p:spPr>
           <a:xfrm>
-            <a:off x="5963570" y="3910251"/>
-            <a:ext cx="2723017" cy="369332"/>
+            <a:off x="6161121" y="3928770"/>
+            <a:ext cx="2723017" cy="338554"/>
           </a:xfrm>
           <a:prstGeom prst="rect">
             <a:avLst/>
@@ -14877,7 +14877,9 @@
           <a:p>
             <a:pPr algn="ctr"/>
             <a:r>
-              <a:rPr lang="en-US" dirty="0"/>
+              <a:rPr lang="en-US" sz="1600" dirty="0">
+                <a:latin typeface="Lucida grande" panose="020B0502040204020203"/>
+              </a:rPr>
               <a:t>Polymer organization</a:t>
             </a:r>
           </a:p>
@@ -14947,55 +14949,6 @@
           </a:p>
         </p:txBody>
       </p:sp>
-      <p:sp>
-        <p:nvSpPr>
-          <p:cNvPr id="4" name="Rectangle 3">
-            <a:extLst>
-              <a:ext uri="{FF2B5EF4-FFF2-40B4-BE49-F238E27FC236}">
-                <a16:creationId xmlns:a16="http://schemas.microsoft.com/office/drawing/2014/main" id="{75040344-FED5-4CC6-7B20-431323F6CD8E}"/>
-              </a:ext>
-            </a:extLst>
-          </p:cNvPr>
-          <p:cNvSpPr/>
-          <p:nvPr/>
-        </p:nvSpPr>
-        <p:spPr>
-          <a:xfrm>
-            <a:off x="5466070" y="1605174"/>
-            <a:ext cx="5218642" cy="1400175"/>
-          </a:xfrm>
-          <a:prstGeom prst="rect">
-            <a:avLst/>
-          </a:prstGeom>
-        </p:spPr>
-        <p:style>
-          <a:lnRef idx="2">
-            <a:schemeClr val="accent1">
-              <a:shade val="50000"/>
-            </a:schemeClr>
-          </a:lnRef>
-          <a:fillRef idx="1">
-            <a:schemeClr val="accent1"/>
-          </a:fillRef>
-          <a:effectRef idx="0">
-            <a:schemeClr val="accent1"/>
-          </a:effectRef>
-          <a:fontRef idx="minor">
-            <a:schemeClr val="lt1"/>
-          </a:fontRef>
-        </p:style>
-        <p:txBody>
-          <a:bodyPr rtlCol="0" anchor="ctr"/>
-          <a:lstStyle/>
-          <a:p>
-            <a:pPr algn="ctr"/>
-            <a:r>
-              <a:rPr lang="en-US" dirty="0"/>
-              <a:t>Consider Gaussian chain attached to substrate (brush), polymer-solvent interactions (FH), and polymer-ion electrostatic interactions</a:t>
-            </a:r>
-          </a:p>
-        </p:txBody>
-      </p:sp>
       <p:pic>
         <p:nvPicPr>
           <p:cNvPr id="5" name="Graphic 4">
@@ -15061,7 +15014,7 @@
         </p:blipFill>
         <p:spPr bwMode="auto">
           <a:xfrm>
-            <a:off x="96449" y="4226527"/>
+            <a:off x="270621" y="4197499"/>
             <a:ext cx="3062546" cy="2466480"/>
           </a:xfrm>
           <a:prstGeom prst="rect">
@@ -15093,8 +15046,8 @@
         </p:nvSpPr>
         <p:spPr>
           <a:xfrm>
-            <a:off x="480080" y="3910251"/>
-            <a:ext cx="2723017" cy="369332"/>
+            <a:off x="663089" y="3928770"/>
+            <a:ext cx="2723017" cy="338554"/>
           </a:xfrm>
           <a:prstGeom prst="rect">
             <a:avLst/>
@@ -15109,7 +15062,9 @@
           <a:p>
             <a:pPr algn="ctr"/>
             <a:r>
-              <a:rPr lang="en-US" dirty="0"/>
+              <a:rPr lang="en-US" sz="1600" dirty="0">
+                <a:latin typeface="Lucida grande" panose="020B0502040204020203"/>
+              </a:rPr>
               <a:t>Experimental comparison</a:t>
             </a:r>
           </a:p>
@@ -15129,8 +15084,8 @@
         </p:nvSpPr>
         <p:spPr>
           <a:xfrm>
-            <a:off x="9056303" y="3910251"/>
-            <a:ext cx="2723017" cy="369332"/>
+            <a:off x="9227248" y="3928770"/>
+            <a:ext cx="2723017" cy="338554"/>
           </a:xfrm>
           <a:prstGeom prst="rect">
             <a:avLst/>
@@ -15145,7 +15100,9 @@
           <a:p>
             <a:pPr algn="ctr"/>
             <a:r>
-              <a:rPr lang="en-US" dirty="0"/>
+              <a:rPr lang="en-US" sz="1600" dirty="0">
+                <a:latin typeface="Lucida grande" panose="020B0502040204020203"/>
+              </a:rPr>
               <a:t>Spectra predictions</a:t>
             </a:r>
           </a:p>
@@ -15165,10 +15122,10 @@
         </p:nvGrpSpPr>
         <p:grpSpPr>
           <a:xfrm>
-            <a:off x="3020193" y="4805925"/>
-            <a:ext cx="2723017" cy="483773"/>
-            <a:chOff x="2952341" y="4818623"/>
-            <a:chExt cx="2723017" cy="483773"/>
+            <a:off x="3248866" y="4799983"/>
+            <a:ext cx="2723017" cy="423092"/>
+            <a:chOff x="2964657" y="4879304"/>
+            <a:chExt cx="2723017" cy="423092"/>
           </a:xfrm>
         </p:grpSpPr>
         <p:sp>
@@ -15185,8 +15142,8 @@
           </p:nvSpPr>
           <p:spPr>
             <a:xfrm>
-              <a:off x="2952341" y="4818623"/>
-              <a:ext cx="2723017" cy="369332"/>
+              <a:off x="2964657" y="4879304"/>
+              <a:ext cx="2723017" cy="338554"/>
             </a:xfrm>
             <a:prstGeom prst="rect">
               <a:avLst/>
@@ -15201,7 +15158,9 @@
             <a:p>
               <a:pPr algn="ctr"/>
               <a:r>
-                <a:rPr lang="en-US" dirty="0"/>
+                <a:rPr lang="en-US" sz="1600" dirty="0">
+                  <a:latin typeface="Lucida grande" panose="020B0502040204020203"/>
+                </a:rPr>
                 <a:t>More importantly,</a:t>
               </a:r>
             </a:p>
@@ -15229,7 +15188,7 @@
             <a:prstGeom prst="straightConnector1">
               <a:avLst/>
             </a:prstGeom>
-            <a:ln w="38100">
+            <a:ln w="19050">
               <a:solidFill>
                 <a:schemeClr val="tx1"/>
               </a:solidFill>
@@ -15252,6 +15211,498 @@
           </p:style>
         </p:cxnSp>
       </p:grpSp>
+      <p:pic>
+        <p:nvPicPr>
+          <p:cNvPr id="7" name="Picture 6">
+            <a:extLst>
+              <a:ext uri="{FF2B5EF4-FFF2-40B4-BE49-F238E27FC236}">
+                <a16:creationId xmlns:a16="http://schemas.microsoft.com/office/drawing/2014/main" id="{FD7FF898-9BFE-D434-68E7-D14F3FC434D5}"/>
+              </a:ext>
+            </a:extLst>
+          </p:cNvPr>
+          <p:cNvPicPr>
+            <a:picLocks noChangeAspect="1"/>
+          </p:cNvPicPr>
+          <p:nvPr/>
+        </p:nvPicPr>
+        <p:blipFill>
+          <a:blip r:embed="rId13"/>
+          <a:stretch>
+            <a:fillRect/>
+          </a:stretch>
+        </p:blipFill>
+        <p:spPr>
+          <a:xfrm>
+            <a:off x="5300464" y="1236681"/>
+            <a:ext cx="5267790" cy="570254"/>
+          </a:xfrm>
+          <a:prstGeom prst="rect">
+            <a:avLst/>
+          </a:prstGeom>
+        </p:spPr>
+      </p:pic>
+      <p:sp>
+        <p:nvSpPr>
+          <p:cNvPr id="8" name="TextBox 7">
+            <a:extLst>
+              <a:ext uri="{FF2B5EF4-FFF2-40B4-BE49-F238E27FC236}">
+                <a16:creationId xmlns:a16="http://schemas.microsoft.com/office/drawing/2014/main" id="{E36A2165-8E3C-3873-D1AF-D54D37A6D8F6}"/>
+              </a:ext>
+            </a:extLst>
+          </p:cNvPr>
+          <p:cNvSpPr txBox="1"/>
+          <p:nvPr/>
+        </p:nvSpPr>
+        <p:spPr>
+          <a:xfrm>
+            <a:off x="5952333" y="2095393"/>
+            <a:ext cx="1620191" cy="307777"/>
+          </a:xfrm>
+          <a:prstGeom prst="rect">
+            <a:avLst/>
+          </a:prstGeom>
+          <a:noFill/>
+        </p:spPr>
+        <p:txBody>
+          <a:bodyPr wrap="square" rtlCol="0">
+            <a:spAutoFit/>
+          </a:bodyPr>
+          <a:lstStyle/>
+          <a:p>
+            <a:pPr algn="ctr"/>
+            <a:r>
+              <a:rPr lang="en-US" sz="1400" u="sng" dirty="0">
+                <a:latin typeface="Lucida grande" panose="020B0502040204020203"/>
+              </a:rPr>
+              <a:t>Gaussian chain</a:t>
+            </a:r>
+          </a:p>
+        </p:txBody>
+      </p:sp>
+      <p:sp>
+        <p:nvSpPr>
+          <p:cNvPr id="9" name="TextBox 8">
+            <a:extLst>
+              <a:ext uri="{FF2B5EF4-FFF2-40B4-BE49-F238E27FC236}">
+                <a16:creationId xmlns:a16="http://schemas.microsoft.com/office/drawing/2014/main" id="{1C149EDB-FD1A-BF22-4E9D-32D9585AD589}"/>
+              </a:ext>
+            </a:extLst>
+          </p:cNvPr>
+          <p:cNvSpPr txBox="1"/>
+          <p:nvPr/>
+        </p:nvSpPr>
+        <p:spPr>
+          <a:xfrm>
+            <a:off x="7349107" y="2094689"/>
+            <a:ext cx="1620191" cy="307777"/>
+          </a:xfrm>
+          <a:prstGeom prst="rect">
+            <a:avLst/>
+          </a:prstGeom>
+          <a:noFill/>
+        </p:spPr>
+        <p:txBody>
+          <a:bodyPr wrap="square" rtlCol="0">
+            <a:spAutoFit/>
+          </a:bodyPr>
+          <a:lstStyle/>
+          <a:p>
+            <a:pPr algn="ctr"/>
+            <a:r>
+              <a:rPr lang="en-US" sz="1400" dirty="0">
+                <a:latin typeface="Lucida grande" panose="020B0502040204020203"/>
+              </a:rPr>
+              <a:t>Flory-Huggins</a:t>
+            </a:r>
+          </a:p>
+        </p:txBody>
+      </p:sp>
+      <p:sp>
+        <p:nvSpPr>
+          <p:cNvPr id="10" name="TextBox 9">
+            <a:extLst>
+              <a:ext uri="{FF2B5EF4-FFF2-40B4-BE49-F238E27FC236}">
+                <a16:creationId xmlns:a16="http://schemas.microsoft.com/office/drawing/2014/main" id="{258D97A7-3621-0FD6-6ED5-7F76A252CC49}"/>
+              </a:ext>
+            </a:extLst>
+          </p:cNvPr>
+          <p:cNvSpPr txBox="1"/>
+          <p:nvPr/>
+        </p:nvSpPr>
+        <p:spPr>
+          <a:xfrm>
+            <a:off x="8759205" y="2088872"/>
+            <a:ext cx="1620191" cy="307777"/>
+          </a:xfrm>
+          <a:prstGeom prst="rect">
+            <a:avLst/>
+          </a:prstGeom>
+          <a:noFill/>
+        </p:spPr>
+        <p:txBody>
+          <a:bodyPr wrap="square" rtlCol="0">
+            <a:spAutoFit/>
+          </a:bodyPr>
+          <a:lstStyle/>
+          <a:p>
+            <a:pPr algn="ctr"/>
+            <a:r>
+              <a:rPr lang="en-US" sz="1400" dirty="0">
+                <a:latin typeface="Lucida grande" panose="020B0502040204020203"/>
+              </a:rPr>
+              <a:t>Incompressibility</a:t>
+            </a:r>
+          </a:p>
+        </p:txBody>
+      </p:sp>
+      <p:sp>
+        <p:nvSpPr>
+          <p:cNvPr id="24" name="TextBox 23">
+            <a:extLst>
+              <a:ext uri="{FF2B5EF4-FFF2-40B4-BE49-F238E27FC236}">
+                <a16:creationId xmlns:a16="http://schemas.microsoft.com/office/drawing/2014/main" id="{051C7FC6-59B5-648E-6173-31AD4E98931D}"/>
+              </a:ext>
+            </a:extLst>
+          </p:cNvPr>
+          <p:cNvSpPr txBox="1"/>
+          <p:nvPr/>
+        </p:nvSpPr>
+        <p:spPr>
+          <a:xfrm>
+            <a:off x="10159129" y="2071930"/>
+            <a:ext cx="1620191" cy="307777"/>
+          </a:xfrm>
+          <a:prstGeom prst="rect">
+            <a:avLst/>
+          </a:prstGeom>
+          <a:noFill/>
+        </p:spPr>
+        <p:txBody>
+          <a:bodyPr wrap="square" rtlCol="0">
+            <a:spAutoFit/>
+          </a:bodyPr>
+          <a:lstStyle/>
+          <a:p>
+            <a:pPr algn="ctr"/>
+            <a:r>
+              <a:rPr lang="en-US" sz="1400" dirty="0">
+                <a:latin typeface="Lucida grande" panose="020B0502040204020203"/>
+              </a:rPr>
+              <a:t>Electrostatics</a:t>
+            </a:r>
+          </a:p>
+        </p:txBody>
+      </p:sp>
+      <p:cxnSp>
+        <p:nvCxnSpPr>
+          <p:cNvPr id="25" name="Straight Arrow Connector 24">
+            <a:extLst>
+              <a:ext uri="{FF2B5EF4-FFF2-40B4-BE49-F238E27FC236}">
+                <a16:creationId xmlns:a16="http://schemas.microsoft.com/office/drawing/2014/main" id="{02337D95-3221-B905-85AB-692B10EC6C6E}"/>
+              </a:ext>
+            </a:extLst>
+          </p:cNvPr>
+          <p:cNvCxnSpPr>
+            <a:cxnSpLocks/>
+          </p:cNvCxnSpPr>
+          <p:nvPr/>
+        </p:nvCxnSpPr>
+        <p:spPr>
+          <a:xfrm flipV="1">
+            <a:off x="7040101" y="1736639"/>
+            <a:ext cx="580786" cy="358754"/>
+          </a:xfrm>
+          <a:prstGeom prst="straightConnector1">
+            <a:avLst/>
+          </a:prstGeom>
+          <a:ln w="19050">
+            <a:solidFill>
+              <a:schemeClr val="tx1"/>
+            </a:solidFill>
+            <a:tailEnd type="triangle"/>
+          </a:ln>
+        </p:spPr>
+        <p:style>
+          <a:lnRef idx="1">
+            <a:schemeClr val="accent1"/>
+          </a:lnRef>
+          <a:fillRef idx="0">
+            <a:schemeClr val="accent1"/>
+          </a:fillRef>
+          <a:effectRef idx="0">
+            <a:schemeClr val="accent1"/>
+          </a:effectRef>
+          <a:fontRef idx="minor">
+            <a:schemeClr val="tx1"/>
+          </a:fontRef>
+        </p:style>
+      </p:cxnSp>
+      <p:cxnSp>
+        <p:nvCxnSpPr>
+          <p:cNvPr id="34" name="Straight Arrow Connector 33">
+            <a:extLst>
+              <a:ext uri="{FF2B5EF4-FFF2-40B4-BE49-F238E27FC236}">
+                <a16:creationId xmlns:a16="http://schemas.microsoft.com/office/drawing/2014/main" id="{73A17139-29D9-9AE3-F553-76F14E1E41B8}"/>
+              </a:ext>
+            </a:extLst>
+          </p:cNvPr>
+          <p:cNvCxnSpPr>
+            <a:cxnSpLocks/>
+            <a:stCxn id="9" idx="0"/>
+          </p:cNvCxnSpPr>
+          <p:nvPr/>
+        </p:nvCxnSpPr>
+        <p:spPr>
+          <a:xfrm flipV="1">
+            <a:off x="8159203" y="1736639"/>
+            <a:ext cx="378673" cy="358050"/>
+          </a:xfrm>
+          <a:prstGeom prst="straightConnector1">
+            <a:avLst/>
+          </a:prstGeom>
+          <a:ln w="19050">
+            <a:solidFill>
+              <a:schemeClr val="tx1"/>
+            </a:solidFill>
+            <a:tailEnd type="triangle"/>
+          </a:ln>
+        </p:spPr>
+        <p:style>
+          <a:lnRef idx="1">
+            <a:schemeClr val="accent1"/>
+          </a:lnRef>
+          <a:fillRef idx="0">
+            <a:schemeClr val="accent1"/>
+          </a:fillRef>
+          <a:effectRef idx="0">
+            <a:schemeClr val="accent1"/>
+          </a:effectRef>
+          <a:fontRef idx="minor">
+            <a:schemeClr val="tx1"/>
+          </a:fontRef>
+        </p:style>
+      </p:cxnSp>
+      <p:cxnSp>
+        <p:nvCxnSpPr>
+          <p:cNvPr id="36" name="Straight Arrow Connector 35">
+            <a:extLst>
+              <a:ext uri="{FF2B5EF4-FFF2-40B4-BE49-F238E27FC236}">
+                <a16:creationId xmlns:a16="http://schemas.microsoft.com/office/drawing/2014/main" id="{C713359F-D8FD-9D46-0F37-F54C084D6616}"/>
+              </a:ext>
+            </a:extLst>
+          </p:cNvPr>
+          <p:cNvCxnSpPr>
+            <a:cxnSpLocks/>
+            <a:stCxn id="10" idx="0"/>
+          </p:cNvCxnSpPr>
+          <p:nvPr/>
+        </p:nvCxnSpPr>
+        <p:spPr>
+          <a:xfrm flipH="1" flipV="1">
+            <a:off x="9395797" y="1736639"/>
+            <a:ext cx="173504" cy="352233"/>
+          </a:xfrm>
+          <a:prstGeom prst="straightConnector1">
+            <a:avLst/>
+          </a:prstGeom>
+          <a:ln w="19050">
+            <a:solidFill>
+              <a:schemeClr val="tx1"/>
+            </a:solidFill>
+            <a:tailEnd type="triangle"/>
+          </a:ln>
+        </p:spPr>
+        <p:style>
+          <a:lnRef idx="1">
+            <a:schemeClr val="accent1"/>
+          </a:lnRef>
+          <a:fillRef idx="0">
+            <a:schemeClr val="accent1"/>
+          </a:fillRef>
+          <a:effectRef idx="0">
+            <a:schemeClr val="accent1"/>
+          </a:effectRef>
+          <a:fontRef idx="minor">
+            <a:schemeClr val="tx1"/>
+          </a:fontRef>
+        </p:style>
+      </p:cxnSp>
+      <p:cxnSp>
+        <p:nvCxnSpPr>
+          <p:cNvPr id="40" name="Straight Arrow Connector 39">
+            <a:extLst>
+              <a:ext uri="{FF2B5EF4-FFF2-40B4-BE49-F238E27FC236}">
+                <a16:creationId xmlns:a16="http://schemas.microsoft.com/office/drawing/2014/main" id="{5D0D6BDD-34A2-F394-7091-522F2F8607BB}"/>
+              </a:ext>
+            </a:extLst>
+          </p:cNvPr>
+          <p:cNvCxnSpPr>
+            <a:cxnSpLocks/>
+            <a:stCxn id="24" idx="0"/>
+          </p:cNvCxnSpPr>
+          <p:nvPr/>
+        </p:nvCxnSpPr>
+        <p:spPr>
+          <a:xfrm flipH="1" flipV="1">
+            <a:off x="10167283" y="1724884"/>
+            <a:ext cx="801942" cy="347046"/>
+          </a:xfrm>
+          <a:prstGeom prst="straightConnector1">
+            <a:avLst/>
+          </a:prstGeom>
+          <a:ln w="19050">
+            <a:solidFill>
+              <a:schemeClr val="tx1"/>
+            </a:solidFill>
+            <a:tailEnd type="triangle"/>
+          </a:ln>
+        </p:spPr>
+        <p:style>
+          <a:lnRef idx="1">
+            <a:schemeClr val="accent1"/>
+          </a:lnRef>
+          <a:fillRef idx="0">
+            <a:schemeClr val="accent1"/>
+          </a:fillRef>
+          <a:effectRef idx="0">
+            <a:schemeClr val="accent1"/>
+          </a:effectRef>
+          <a:fontRef idx="minor">
+            <a:schemeClr val="tx1"/>
+          </a:fontRef>
+        </p:style>
+      </p:cxnSp>
+      <p:cxnSp>
+        <p:nvCxnSpPr>
+          <p:cNvPr id="43" name="Straight Arrow Connector 42">
+            <a:extLst>
+              <a:ext uri="{FF2B5EF4-FFF2-40B4-BE49-F238E27FC236}">
+                <a16:creationId xmlns:a16="http://schemas.microsoft.com/office/drawing/2014/main" id="{673CF260-D0F6-4AD1-ABAE-276E0B0812A6}"/>
+              </a:ext>
+            </a:extLst>
+          </p:cNvPr>
+          <p:cNvCxnSpPr>
+            <a:cxnSpLocks/>
+          </p:cNvCxnSpPr>
+          <p:nvPr/>
+        </p:nvCxnSpPr>
+        <p:spPr>
+          <a:xfrm>
+            <a:off x="5622026" y="1788519"/>
+            <a:ext cx="0" cy="764181"/>
+          </a:xfrm>
+          <a:prstGeom prst="straightConnector1">
+            <a:avLst/>
+          </a:prstGeom>
+          <a:ln w="19050">
+            <a:solidFill>
+              <a:schemeClr val="tx1"/>
+            </a:solidFill>
+            <a:tailEnd type="triangle"/>
+          </a:ln>
+        </p:spPr>
+        <p:style>
+          <a:lnRef idx="1">
+            <a:schemeClr val="accent1"/>
+          </a:lnRef>
+          <a:fillRef idx="0">
+            <a:schemeClr val="accent1"/>
+          </a:fillRef>
+          <a:effectRef idx="0">
+            <a:schemeClr val="accent1"/>
+          </a:effectRef>
+          <a:fontRef idx="minor">
+            <a:schemeClr val="tx1"/>
+          </a:fontRef>
+        </p:style>
+      </p:cxnSp>
+      <p:sp>
+        <p:nvSpPr>
+          <p:cNvPr id="47" name="TextBox 46">
+            <a:extLst>
+              <a:ext uri="{FF2B5EF4-FFF2-40B4-BE49-F238E27FC236}">
+                <a16:creationId xmlns:a16="http://schemas.microsoft.com/office/drawing/2014/main" id="{C31ED2A9-2C36-52F5-D526-A85DA0C5FBAF}"/>
+              </a:ext>
+            </a:extLst>
+          </p:cNvPr>
+          <p:cNvSpPr txBox="1"/>
+          <p:nvPr/>
+        </p:nvSpPr>
+        <p:spPr>
+          <a:xfrm>
+            <a:off x="5214948" y="2532403"/>
+            <a:ext cx="4268318" cy="1344855"/>
+          </a:xfrm>
+          <a:prstGeom prst="rect">
+            <a:avLst/>
+          </a:prstGeom>
+          <a:noFill/>
+        </p:spPr>
+        <p:txBody>
+          <a:bodyPr wrap="square" rtlCol="0">
+            <a:spAutoFit/>
+          </a:bodyPr>
+          <a:lstStyle/>
+          <a:p>
+            <a:pPr>
+              <a:lnSpc>
+                <a:spcPct val="150000"/>
+              </a:lnSpc>
+            </a:pPr>
+            <a:r>
+              <a:rPr lang="en-US" sz="1400" dirty="0">
+                <a:latin typeface="Lucida grande" panose="020B0502040204020203"/>
+              </a:rPr>
+              <a:t>Self-consistent field theory (SCFT)</a:t>
+            </a:r>
+          </a:p>
+          <a:p>
+            <a:pPr marL="285750" indent="-285750">
+              <a:lnSpc>
+                <a:spcPct val="150000"/>
+              </a:lnSpc>
+              <a:buFont typeface="Arial" panose="020B0604020202020204" pitchFamily="34" charset="0"/>
+              <a:buChar char="•"/>
+            </a:pPr>
+            <a:r>
+              <a:rPr lang="en-US" sz="1400" dirty="0">
+                <a:latin typeface="Lucida grande" panose="020B0502040204020203"/>
+              </a:rPr>
+              <a:t>Polymer morphologies (density profiles)</a:t>
+            </a:r>
+          </a:p>
+          <a:p>
+            <a:pPr marL="285750" indent="-285750">
+              <a:lnSpc>
+                <a:spcPct val="150000"/>
+              </a:lnSpc>
+              <a:buFont typeface="Arial" panose="020B0604020202020204" pitchFamily="34" charset="0"/>
+              <a:buChar char="•"/>
+            </a:pPr>
+            <a:r>
+              <a:rPr lang="en-US" sz="1400" dirty="0">
+                <a:latin typeface="Lucida grande" panose="020B0502040204020203"/>
+              </a:rPr>
+              <a:t>Phase transitions (free energies)</a:t>
+            </a:r>
+          </a:p>
+          <a:p>
+            <a:pPr marL="285750" indent="-285750">
+              <a:lnSpc>
+                <a:spcPct val="150000"/>
+              </a:lnSpc>
+              <a:buFont typeface="Arial" panose="020B0604020202020204" pitchFamily="34" charset="0"/>
+              <a:buChar char="•"/>
+            </a:pPr>
+            <a:r>
+              <a:rPr lang="en-US" sz="1400" dirty="0">
+                <a:latin typeface="Lucida grande" panose="020B0502040204020203"/>
+              </a:rPr>
+              <a:t>Much more!</a:t>
+            </a:r>
+          </a:p>
+        </p:txBody>
+      </p:sp>
     </p:spTree>
     <p:extLst>
       <p:ext uri="{BB962C8B-B14F-4D97-AF65-F5344CB8AC3E}">

--- a/20230427 CBE Student Colloquium.pptx
+++ b/20230427 CBE Student Colloquium.pptx
@@ -14481,7 +14481,7 @@
         </p:nvGrpSpPr>
         <p:grpSpPr>
           <a:xfrm>
-            <a:off x="5768026" y="4212026"/>
+            <a:off x="5171561" y="4238175"/>
             <a:ext cx="3212668" cy="2339973"/>
             <a:chOff x="3102348" y="699247"/>
             <a:chExt cx="6381750" cy="4648200"/>
@@ -14657,7 +14657,7 @@
         </p:nvGrpSpPr>
         <p:grpSpPr>
           <a:xfrm>
-            <a:off x="8896024" y="4217188"/>
+            <a:off x="8299559" y="4243337"/>
             <a:ext cx="2989416" cy="2372912"/>
             <a:chOff x="6269858" y="4411816"/>
             <a:chExt cx="2989416" cy="2372912"/>
@@ -14861,7 +14861,7 @@
         </p:nvSpPr>
         <p:spPr>
           <a:xfrm>
-            <a:off x="6161121" y="3928770"/>
+            <a:off x="5564656" y="3954919"/>
             <a:ext cx="2723017" cy="338554"/>
           </a:xfrm>
           <a:prstGeom prst="rect">
@@ -15084,7 +15084,7 @@
         </p:nvSpPr>
         <p:spPr>
           <a:xfrm>
-            <a:off x="9227248" y="3928770"/>
+            <a:off x="8630783" y="3954919"/>
             <a:ext cx="2723017" cy="338554"/>
           </a:xfrm>
           <a:prstGeom prst="rect">
@@ -15122,10 +15122,10 @@
         </p:nvGrpSpPr>
         <p:grpSpPr>
           <a:xfrm>
-            <a:off x="3248866" y="4799983"/>
-            <a:ext cx="2723017" cy="423092"/>
-            <a:chOff x="2964657" y="4879304"/>
-            <a:chExt cx="2723017" cy="423092"/>
+            <a:off x="3085696" y="4886320"/>
+            <a:ext cx="2348175" cy="375419"/>
+            <a:chOff x="2952610" y="4939474"/>
+            <a:chExt cx="2723017" cy="375419"/>
           </a:xfrm>
         </p:grpSpPr>
         <p:sp>
@@ -15142,8 +15142,8 @@
           </p:nvSpPr>
           <p:spPr>
             <a:xfrm>
-              <a:off x="2964657" y="4879304"/>
-              <a:ext cx="2723017" cy="338554"/>
+              <a:off x="2952610" y="4939474"/>
+              <a:ext cx="2723017" cy="307777"/>
             </a:xfrm>
             <a:prstGeom prst="rect">
               <a:avLst/>
@@ -15158,7 +15158,7 @@
             <a:p>
               <a:pPr algn="ctr"/>
               <a:r>
-                <a:rPr lang="en-US" sz="1600" dirty="0">
+                <a:rPr lang="en-US" sz="1400" dirty="0">
                   <a:latin typeface="Lucida grande" panose="020B0502040204020203"/>
                 </a:rPr>
                 <a:t>More importantly,</a:t>
@@ -15182,8 +15182,8 @@
           </p:nvCxnSpPr>
           <p:spPr>
             <a:xfrm>
-              <a:off x="3353507" y="5302396"/>
-              <a:ext cx="1921225" cy="0"/>
+              <a:off x="3446228" y="5314893"/>
+              <a:ext cx="1779961" cy="0"/>
             </a:xfrm>
             <a:prstGeom prst="straightConnector1">
               <a:avLst/>
@@ -15588,7 +15588,7 @@
         </p:nvCxnSpPr>
         <p:spPr>
           <a:xfrm>
-            <a:off x="5622026" y="1788519"/>
+            <a:off x="5597041" y="1707799"/>
             <a:ext cx="0" cy="764181"/>
           </a:xfrm>
           <a:prstGeom prst="straightConnector1">
@@ -15630,7 +15630,7 @@
         </p:nvSpPr>
         <p:spPr>
           <a:xfrm>
-            <a:off x="5214948" y="2532403"/>
+            <a:off x="5214948" y="2475253"/>
             <a:ext cx="4268318" cy="1344855"/>
           </a:xfrm>
           <a:prstGeom prst="rect">
@@ -15974,153 +15974,775 @@
           </a:p>
         </p:txBody>
       </p:sp>
-      <p:sp>
-        <p:nvSpPr>
-          <p:cNvPr id="4" name="Rectangle 3">
+      <p:grpSp>
+        <p:nvGrpSpPr>
+          <p:cNvPr id="14" name="Group 13">
             <a:extLst>
               <a:ext uri="{FF2B5EF4-FFF2-40B4-BE49-F238E27FC236}">
-                <a16:creationId xmlns:a16="http://schemas.microsoft.com/office/drawing/2014/main" id="{FAAA92A5-961D-50F8-18F6-F067A8F7CD5B}"/>
+                <a16:creationId xmlns:a16="http://schemas.microsoft.com/office/drawing/2014/main" id="{41E44A25-B8BE-AC49-5EAB-6BFFA15DEF37}"/>
               </a:ext>
             </a:extLst>
           </p:cNvPr>
-          <p:cNvSpPr/>
+          <p:cNvGrpSpPr/>
           <p:nvPr/>
-        </p:nvSpPr>
-        <p:spPr>
+        </p:nvGrpSpPr>
+        <p:grpSpPr>
           <a:xfrm>
-            <a:off x="7268634" y="2065866"/>
-            <a:ext cx="3479800" cy="990600"/>
+            <a:off x="7835673" y="993146"/>
+            <a:ext cx="2338548" cy="2039225"/>
+            <a:chOff x="4180327" y="1262991"/>
+            <a:chExt cx="2771775" cy="2416999"/>
           </a:xfrm>
-          <a:prstGeom prst="rect">
-            <a:avLst/>
-          </a:prstGeom>
-        </p:spPr>
-        <p:style>
-          <a:lnRef idx="2">
-            <a:schemeClr val="accent1">
-              <a:shade val="50000"/>
-            </a:schemeClr>
-          </a:lnRef>
-          <a:fillRef idx="1">
-            <a:schemeClr val="accent1"/>
-          </a:fillRef>
-          <a:effectRef idx="0">
-            <a:schemeClr val="accent1"/>
-          </a:effectRef>
-          <a:fontRef idx="minor">
-            <a:schemeClr val="lt1"/>
-          </a:fontRef>
-        </p:style>
-        <p:txBody>
-          <a:bodyPr rtlCol="0" anchor="ctr"/>
-          <a:lstStyle/>
-          <a:p>
-            <a:pPr algn="ctr"/>
-            <a:r>
-              <a:rPr lang="en-US" dirty="0"/>
-              <a:t>Aggregation</a:t>
-            </a:r>
-          </a:p>
-        </p:txBody>
-      </p:sp>
-      <p:sp>
-        <p:nvSpPr>
-          <p:cNvPr id="5" name="Rectangle 4">
+        </p:grpSpPr>
+        <p:pic>
+          <p:nvPicPr>
+            <p:cNvPr id="12" name="Picture 11">
+              <a:extLst>
+                <a:ext uri="{FF2B5EF4-FFF2-40B4-BE49-F238E27FC236}">
+                  <a16:creationId xmlns:a16="http://schemas.microsoft.com/office/drawing/2014/main" id="{BC995074-72B5-D830-34E5-44A85C220515}"/>
+                </a:ext>
+              </a:extLst>
+            </p:cNvPr>
+            <p:cNvPicPr>
+              <a:picLocks noChangeAspect="1"/>
+            </p:cNvPicPr>
+            <p:nvPr/>
+          </p:nvPicPr>
+          <p:blipFill rotWithShape="1">
+            <a:blip r:embed="rId2"/>
+            <a:srcRect l="614" t="709"/>
+            <a:stretch/>
+          </p:blipFill>
+          <p:spPr>
+            <a:xfrm>
+              <a:off x="4199377" y="1262991"/>
+              <a:ext cx="2459745" cy="2166009"/>
+            </a:xfrm>
+            <a:prstGeom prst="rect">
+              <a:avLst/>
+            </a:prstGeom>
+          </p:spPr>
+        </p:pic>
+        <p:sp>
+          <p:nvSpPr>
+            <p:cNvPr id="13" name="TextBox 12">
+              <a:extLst>
+                <a:ext uri="{FF2B5EF4-FFF2-40B4-BE49-F238E27FC236}">
+                  <a16:creationId xmlns:a16="http://schemas.microsoft.com/office/drawing/2014/main" id="{F14BB1D5-A489-528B-BC5D-1DE02C5A6346}"/>
+                </a:ext>
+              </a:extLst>
+            </p:cNvPr>
+            <p:cNvSpPr txBox="1"/>
+            <p:nvPr/>
+          </p:nvSpPr>
+          <p:spPr>
+            <a:xfrm>
+              <a:off x="4180327" y="3433769"/>
+              <a:ext cx="2771775" cy="246221"/>
+            </a:xfrm>
+            <a:prstGeom prst="rect">
+              <a:avLst/>
+            </a:prstGeom>
+            <a:noFill/>
+          </p:spPr>
+          <p:txBody>
+            <a:bodyPr wrap="square" rtlCol="0">
+              <a:spAutoFit/>
+            </a:bodyPr>
+            <a:lstStyle/>
+            <a:p>
+              <a:pPr algn="ctr"/>
+              <a:r>
+                <a:rPr lang="en-US" sz="1000" dirty="0"/>
+                <a:t>Liu, Duan, Wang. (2022). </a:t>
+              </a:r>
+              <a:r>
+                <a:rPr lang="en-US" sz="1000" i="1" dirty="0"/>
+                <a:t>Polymer</a:t>
+              </a:r>
+              <a:r>
+                <a:rPr lang="en-US" sz="1000" dirty="0"/>
+                <a:t>. 258</a:t>
+              </a:r>
+            </a:p>
+          </p:txBody>
+        </p:sp>
+      </p:grpSp>
+      <p:grpSp>
+        <p:nvGrpSpPr>
+          <p:cNvPr id="23" name="Group 22">
             <a:extLst>
               <a:ext uri="{FF2B5EF4-FFF2-40B4-BE49-F238E27FC236}">
-                <a16:creationId xmlns:a16="http://schemas.microsoft.com/office/drawing/2014/main" id="{AB5732DC-2C5D-6C8A-1C9F-A89F366A095D}"/>
+                <a16:creationId xmlns:a16="http://schemas.microsoft.com/office/drawing/2014/main" id="{FAD52CC7-071C-D520-16F9-9194103C896B}"/>
               </a:ext>
             </a:extLst>
           </p:cNvPr>
-          <p:cNvSpPr/>
+          <p:cNvGrpSpPr/>
           <p:nvPr/>
-        </p:nvSpPr>
-        <p:spPr>
-          <a:xfrm>
-            <a:off x="1358900" y="2065866"/>
-            <a:ext cx="3479800" cy="990600"/>
+        </p:nvGrpSpPr>
+        <p:grpSpPr>
+          <a:xfrm rot="943203">
+            <a:off x="4759594" y="2134953"/>
+            <a:ext cx="2348175" cy="777868"/>
+            <a:chOff x="1901487" y="2701061"/>
+            <a:chExt cx="2348175" cy="777868"/>
           </a:xfrm>
-          <a:prstGeom prst="rect">
-            <a:avLst/>
-          </a:prstGeom>
-        </p:spPr>
-        <p:style>
-          <a:lnRef idx="2">
-            <a:schemeClr val="accent1">
-              <a:shade val="50000"/>
-            </a:schemeClr>
-          </a:lnRef>
-          <a:fillRef idx="1">
-            <a:schemeClr val="accent1"/>
-          </a:fillRef>
-          <a:effectRef idx="0">
-            <a:schemeClr val="accent1"/>
-          </a:effectRef>
-          <a:fontRef idx="minor">
-            <a:schemeClr val="lt1"/>
-          </a:fontRef>
-        </p:style>
-        <p:txBody>
-          <a:bodyPr rtlCol="0" anchor="ctr"/>
-          <a:lstStyle/>
-          <a:p>
-            <a:pPr algn="ctr"/>
-            <a:r>
-              <a:rPr lang="en-US" dirty="0"/>
-              <a:t>Vesicle fission by topology</a:t>
-            </a:r>
-          </a:p>
-        </p:txBody>
-      </p:sp>
-      <p:sp>
-        <p:nvSpPr>
-          <p:cNvPr id="6" name="Rectangle 5">
+        </p:grpSpPr>
+        <p:cxnSp>
+          <p:nvCxnSpPr>
+            <p:cNvPr id="15" name="Straight Arrow Connector 14">
+              <a:extLst>
+                <a:ext uri="{FF2B5EF4-FFF2-40B4-BE49-F238E27FC236}">
+                  <a16:creationId xmlns:a16="http://schemas.microsoft.com/office/drawing/2014/main" id="{CEC05FE8-5122-DC0B-8310-4341604DBF84}"/>
+                </a:ext>
+              </a:extLst>
+            </p:cNvPr>
+            <p:cNvCxnSpPr>
+              <a:cxnSpLocks/>
+            </p:cNvCxnSpPr>
+            <p:nvPr/>
+          </p:nvCxnSpPr>
+          <p:spPr>
+            <a:xfrm flipV="1">
+              <a:off x="2556537" y="2705100"/>
+              <a:ext cx="1291563" cy="773829"/>
+            </a:xfrm>
+            <a:prstGeom prst="straightConnector1">
+              <a:avLst/>
+            </a:prstGeom>
+            <a:ln w="19050">
+              <a:solidFill>
+                <a:schemeClr val="tx1"/>
+              </a:solidFill>
+              <a:tailEnd type="triangle"/>
+            </a:ln>
+          </p:spPr>
+          <p:style>
+            <a:lnRef idx="1">
+              <a:schemeClr val="accent1"/>
+            </a:lnRef>
+            <a:fillRef idx="0">
+              <a:schemeClr val="accent1"/>
+            </a:fillRef>
+            <a:effectRef idx="0">
+              <a:schemeClr val="accent1"/>
+            </a:effectRef>
+            <a:fontRef idx="minor">
+              <a:schemeClr val="tx1"/>
+            </a:fontRef>
+          </p:style>
+        </p:cxnSp>
+        <p:sp>
+          <p:nvSpPr>
+            <p:cNvPr id="19" name="TextBox 18">
+              <a:extLst>
+                <a:ext uri="{FF2B5EF4-FFF2-40B4-BE49-F238E27FC236}">
+                  <a16:creationId xmlns:a16="http://schemas.microsoft.com/office/drawing/2014/main" id="{708D548A-1703-07C8-C4E5-1845C9A578F2}"/>
+                </a:ext>
+              </a:extLst>
+            </p:cNvPr>
+            <p:cNvSpPr txBox="1"/>
+            <p:nvPr/>
+          </p:nvSpPr>
+          <p:spPr>
+            <a:xfrm rot="19742307">
+              <a:off x="1901487" y="2701061"/>
+              <a:ext cx="2348175" cy="338554"/>
+            </a:xfrm>
+            <a:prstGeom prst="rect">
+              <a:avLst/>
+            </a:prstGeom>
+            <a:noFill/>
+          </p:spPr>
+          <p:txBody>
+            <a:bodyPr wrap="square" rtlCol="0">
+              <a:spAutoFit/>
+            </a:bodyPr>
+            <a:lstStyle/>
+            <a:p>
+              <a:pPr algn="ctr"/>
+              <a:r>
+                <a:rPr lang="en-US" sz="1600" dirty="0">
+                  <a:latin typeface="Lucida grande" panose="020B0502040204020203"/>
+                </a:rPr>
+                <a:t>Mechanical</a:t>
+              </a:r>
+              <a:r>
+                <a:rPr lang="en-US" sz="1400" dirty="0">
+                  <a:latin typeface="Lucida grande" panose="020B0502040204020203"/>
+                </a:rPr>
+                <a:t> response</a:t>
+              </a:r>
+            </a:p>
+          </p:txBody>
+        </p:sp>
+      </p:grpSp>
+      <p:grpSp>
+        <p:nvGrpSpPr>
+          <p:cNvPr id="28" name="Group 27">
             <a:extLst>
               <a:ext uri="{FF2B5EF4-FFF2-40B4-BE49-F238E27FC236}">
-                <a16:creationId xmlns:a16="http://schemas.microsoft.com/office/drawing/2014/main" id="{ADEF9190-7433-ED92-33D1-DA8D477FEAF8}"/>
+                <a16:creationId xmlns:a16="http://schemas.microsoft.com/office/drawing/2014/main" id="{761D46C4-E858-9F54-AF5C-8E8851F684D5}"/>
               </a:ext>
             </a:extLst>
           </p:cNvPr>
-          <p:cNvSpPr/>
+          <p:cNvGrpSpPr/>
           <p:nvPr/>
-        </p:nvSpPr>
-        <p:spPr>
+        </p:nvGrpSpPr>
+        <p:grpSpPr>
           <a:xfrm>
-            <a:off x="4356100" y="4521199"/>
-            <a:ext cx="3479800" cy="990600"/>
+            <a:off x="5203192" y="3577330"/>
+            <a:ext cx="1683932" cy="400873"/>
+            <a:chOff x="2493900" y="4259095"/>
+            <a:chExt cx="1683932" cy="400873"/>
           </a:xfrm>
-          <a:prstGeom prst="rect">
-            <a:avLst/>
-          </a:prstGeom>
-        </p:spPr>
-        <p:style>
-          <a:lnRef idx="2">
-            <a:schemeClr val="accent1">
-              <a:shade val="50000"/>
-            </a:schemeClr>
-          </a:lnRef>
-          <a:fillRef idx="1">
-            <a:schemeClr val="accent1"/>
-          </a:fillRef>
-          <a:effectRef idx="0">
-            <a:schemeClr val="accent1"/>
-          </a:effectRef>
-          <a:fontRef idx="minor">
-            <a:schemeClr val="lt1"/>
-          </a:fontRef>
-        </p:style>
-        <p:txBody>
-          <a:bodyPr rtlCol="0" anchor="ctr"/>
-          <a:lstStyle/>
-          <a:p>
-            <a:pPr algn="ctr"/>
-            <a:r>
-              <a:rPr lang="en-US" dirty="0"/>
-              <a:t>Something about NLH? </a:t>
-            </a:r>
-          </a:p>
-        </p:txBody>
-      </p:sp>
+        </p:grpSpPr>
+        <p:cxnSp>
+          <p:nvCxnSpPr>
+            <p:cNvPr id="25" name="Straight Arrow Connector 24">
+              <a:extLst>
+                <a:ext uri="{FF2B5EF4-FFF2-40B4-BE49-F238E27FC236}">
+                  <a16:creationId xmlns:a16="http://schemas.microsoft.com/office/drawing/2014/main" id="{26F101CA-62E7-4254-B189-5D7FDFDD2B6C}"/>
+                </a:ext>
+              </a:extLst>
+            </p:cNvPr>
+            <p:cNvCxnSpPr>
+              <a:cxnSpLocks/>
+            </p:cNvCxnSpPr>
+            <p:nvPr/>
+          </p:nvCxnSpPr>
+          <p:spPr>
+            <a:xfrm>
+              <a:off x="2644659" y="4659968"/>
+              <a:ext cx="1427644" cy="0"/>
+            </a:xfrm>
+            <a:prstGeom prst="straightConnector1">
+              <a:avLst/>
+            </a:prstGeom>
+            <a:ln w="19050">
+              <a:solidFill>
+                <a:schemeClr val="tx1"/>
+              </a:solidFill>
+              <a:tailEnd type="triangle"/>
+            </a:ln>
+          </p:spPr>
+          <p:style>
+            <a:lnRef idx="1">
+              <a:schemeClr val="accent1"/>
+            </a:lnRef>
+            <a:fillRef idx="0">
+              <a:schemeClr val="accent1"/>
+            </a:fillRef>
+            <a:effectRef idx="0">
+              <a:schemeClr val="accent1"/>
+            </a:effectRef>
+            <a:fontRef idx="minor">
+              <a:schemeClr val="tx1"/>
+            </a:fontRef>
+          </p:style>
+        </p:cxnSp>
+        <p:sp>
+          <p:nvSpPr>
+            <p:cNvPr id="26" name="TextBox 25">
+              <a:extLst>
+                <a:ext uri="{FF2B5EF4-FFF2-40B4-BE49-F238E27FC236}">
+                  <a16:creationId xmlns:a16="http://schemas.microsoft.com/office/drawing/2014/main" id="{461A2155-2315-0304-4A73-137A536A9359}"/>
+                </a:ext>
+              </a:extLst>
+            </p:cNvPr>
+            <p:cNvSpPr txBox="1"/>
+            <p:nvPr/>
+          </p:nvSpPr>
+          <p:spPr>
+            <a:xfrm>
+              <a:off x="2493900" y="4259095"/>
+              <a:ext cx="1683932" cy="338554"/>
+            </a:xfrm>
+            <a:prstGeom prst="rect">
+              <a:avLst/>
+            </a:prstGeom>
+            <a:noFill/>
+          </p:spPr>
+          <p:txBody>
+            <a:bodyPr wrap="square" rtlCol="0">
+              <a:spAutoFit/>
+            </a:bodyPr>
+            <a:lstStyle/>
+            <a:p>
+              <a:pPr algn="ctr"/>
+              <a:r>
+                <a:rPr lang="en-US" sz="1600" dirty="0">
+                  <a:latin typeface="Lucida grande" panose="020B0502040204020203"/>
+                </a:rPr>
+                <a:t>Ionic response</a:t>
+              </a:r>
+            </a:p>
+          </p:txBody>
+        </p:sp>
+      </p:grpSp>
+      <p:grpSp>
+        <p:nvGrpSpPr>
+          <p:cNvPr id="30" name="Group 29">
+            <a:extLst>
+              <a:ext uri="{FF2B5EF4-FFF2-40B4-BE49-F238E27FC236}">
+                <a16:creationId xmlns:a16="http://schemas.microsoft.com/office/drawing/2014/main" id="{DB7FDDCA-7E8E-3CFE-BA3F-84396BE6B2AB}"/>
+              </a:ext>
+            </a:extLst>
+          </p:cNvPr>
+          <p:cNvGrpSpPr/>
+          <p:nvPr/>
+        </p:nvGrpSpPr>
+        <p:grpSpPr>
+          <a:xfrm>
+            <a:off x="7625896" y="3076523"/>
+            <a:ext cx="2722522" cy="1968010"/>
+            <a:chOff x="4164426" y="3746731"/>
+            <a:chExt cx="2722522" cy="1968010"/>
+          </a:xfrm>
+        </p:grpSpPr>
+        <p:pic>
+          <p:nvPicPr>
+            <p:cNvPr id="22" name="Picture 21">
+              <a:extLst>
+                <a:ext uri="{FF2B5EF4-FFF2-40B4-BE49-F238E27FC236}">
+                  <a16:creationId xmlns:a16="http://schemas.microsoft.com/office/drawing/2014/main" id="{E5D92B11-8A1F-49B8-79FE-50907E1CCB2B}"/>
+                </a:ext>
+              </a:extLst>
+            </p:cNvPr>
+            <p:cNvPicPr>
+              <a:picLocks noChangeAspect="1"/>
+            </p:cNvPicPr>
+            <p:nvPr/>
+          </p:nvPicPr>
+          <p:blipFill>
+            <a:blip r:embed="rId3"/>
+            <a:stretch>
+              <a:fillRect/>
+            </a:stretch>
+          </p:blipFill>
+          <p:spPr>
+            <a:xfrm>
+              <a:off x="4164426" y="3746731"/>
+              <a:ext cx="2383814" cy="1739910"/>
+            </a:xfrm>
+            <a:prstGeom prst="rect">
+              <a:avLst/>
+            </a:prstGeom>
+          </p:spPr>
+        </p:pic>
+        <p:sp>
+          <p:nvSpPr>
+            <p:cNvPr id="29" name="TextBox 28">
+              <a:extLst>
+                <a:ext uri="{FF2B5EF4-FFF2-40B4-BE49-F238E27FC236}">
+                  <a16:creationId xmlns:a16="http://schemas.microsoft.com/office/drawing/2014/main" id="{E48957DA-6EF9-F548-A87D-038E6CA599C2}"/>
+                </a:ext>
+              </a:extLst>
+            </p:cNvPr>
+            <p:cNvSpPr txBox="1"/>
+            <p:nvPr/>
+          </p:nvSpPr>
+          <p:spPr>
+            <a:xfrm>
+              <a:off x="4217264" y="5468520"/>
+              <a:ext cx="2669684" cy="246221"/>
+            </a:xfrm>
+            <a:prstGeom prst="rect">
+              <a:avLst/>
+            </a:prstGeom>
+            <a:noFill/>
+          </p:spPr>
+          <p:txBody>
+            <a:bodyPr wrap="square" rtlCol="0">
+              <a:spAutoFit/>
+            </a:bodyPr>
+            <a:lstStyle/>
+            <a:p>
+              <a:pPr algn="ctr"/>
+              <a:r>
+                <a:rPr lang="en-US" sz="1000" dirty="0"/>
+                <a:t>Duan, Li, Wang. (2022). </a:t>
+              </a:r>
+              <a:r>
+                <a:rPr lang="en-US" sz="1000" i="1" dirty="0"/>
+                <a:t>Macromolecules</a:t>
+              </a:r>
+              <a:r>
+                <a:rPr lang="en-US" sz="1000" dirty="0"/>
+                <a:t>. 55 (3)</a:t>
+              </a:r>
+            </a:p>
+          </p:txBody>
+        </p:sp>
+      </p:grpSp>
+      <p:grpSp>
+        <p:nvGrpSpPr>
+          <p:cNvPr id="32" name="Group 31">
+            <a:extLst>
+              <a:ext uri="{FF2B5EF4-FFF2-40B4-BE49-F238E27FC236}">
+                <a16:creationId xmlns:a16="http://schemas.microsoft.com/office/drawing/2014/main" id="{E70FEBDF-4399-1D73-BADB-47D38351AE63}"/>
+              </a:ext>
+            </a:extLst>
+          </p:cNvPr>
+          <p:cNvGrpSpPr/>
+          <p:nvPr/>
+        </p:nvGrpSpPr>
+        <p:grpSpPr>
+          <a:xfrm>
+            <a:off x="2262319" y="2346670"/>
+            <a:ext cx="3311715" cy="3453100"/>
+            <a:chOff x="2270500" y="3335179"/>
+            <a:chExt cx="2669684" cy="2783659"/>
+          </a:xfrm>
+        </p:grpSpPr>
+        <p:grpSp>
+          <p:nvGrpSpPr>
+            <p:cNvPr id="10" name="Group 9">
+              <a:extLst>
+                <a:ext uri="{FF2B5EF4-FFF2-40B4-BE49-F238E27FC236}">
+                  <a16:creationId xmlns:a16="http://schemas.microsoft.com/office/drawing/2014/main" id="{E89D5920-AB0F-CD37-515C-02D21B5C1868}"/>
+                </a:ext>
+              </a:extLst>
+            </p:cNvPr>
+            <p:cNvGrpSpPr/>
+            <p:nvPr/>
+          </p:nvGrpSpPr>
+          <p:grpSpPr>
+            <a:xfrm>
+              <a:off x="2909181" y="3335179"/>
+              <a:ext cx="1197637" cy="2443531"/>
+              <a:chOff x="1937807" y="2971799"/>
+              <a:chExt cx="1361033" cy="2776907"/>
+            </a:xfrm>
+          </p:grpSpPr>
+          <p:pic>
+            <p:nvPicPr>
+              <p:cNvPr id="8" name="Picture 7">
+                <a:extLst>
+                  <a:ext uri="{FF2B5EF4-FFF2-40B4-BE49-F238E27FC236}">
+                    <a16:creationId xmlns:a16="http://schemas.microsoft.com/office/drawing/2014/main" id="{3A8633C9-AED0-6483-ED1E-0182B0CB396E}"/>
+                  </a:ext>
+                </a:extLst>
+              </p:cNvPr>
+              <p:cNvPicPr>
+                <a:picLocks noChangeAspect="1"/>
+              </p:cNvPicPr>
+              <p:nvPr/>
+            </p:nvPicPr>
+            <p:blipFill>
+              <a:blip r:embed="rId4"/>
+              <a:stretch>
+                <a:fillRect/>
+              </a:stretch>
+            </p:blipFill>
+            <p:spPr>
+              <a:xfrm>
+                <a:off x="1937807" y="2971799"/>
+                <a:ext cx="1361033" cy="2776907"/>
+              </a:xfrm>
+              <a:prstGeom prst="rect">
+                <a:avLst/>
+              </a:prstGeom>
+            </p:spPr>
+          </p:pic>
+          <p:sp>
+            <p:nvSpPr>
+              <p:cNvPr id="9" name="Rectangle 8">
+                <a:extLst>
+                  <a:ext uri="{FF2B5EF4-FFF2-40B4-BE49-F238E27FC236}">
+                    <a16:creationId xmlns:a16="http://schemas.microsoft.com/office/drawing/2014/main" id="{9C0329D2-9105-C2D9-A57A-FBC5C6E1C1A1}"/>
+                  </a:ext>
+                </a:extLst>
+              </p:cNvPr>
+              <p:cNvSpPr/>
+              <p:nvPr/>
+            </p:nvSpPr>
+            <p:spPr>
+              <a:xfrm>
+                <a:off x="1937807" y="3638550"/>
+                <a:ext cx="271993" cy="1057275"/>
+              </a:xfrm>
+              <a:prstGeom prst="rect">
+                <a:avLst/>
+              </a:prstGeom>
+              <a:solidFill>
+                <a:schemeClr val="bg1"/>
+              </a:solidFill>
+              <a:ln>
+                <a:solidFill>
+                  <a:schemeClr val="bg1"/>
+                </a:solidFill>
+              </a:ln>
+            </p:spPr>
+            <p:style>
+              <a:lnRef idx="2">
+                <a:schemeClr val="accent1">
+                  <a:shade val="50000"/>
+                </a:schemeClr>
+              </a:lnRef>
+              <a:fillRef idx="1">
+                <a:schemeClr val="accent1"/>
+              </a:fillRef>
+              <a:effectRef idx="0">
+                <a:schemeClr val="accent1"/>
+              </a:effectRef>
+              <a:fontRef idx="minor">
+                <a:schemeClr val="lt1"/>
+              </a:fontRef>
+            </p:style>
+            <p:txBody>
+              <a:bodyPr rtlCol="0" anchor="ctr"/>
+              <a:lstStyle/>
+              <a:p>
+                <a:pPr algn="ctr"/>
+                <a:endParaRPr lang="en-US"/>
+              </a:p>
+            </p:txBody>
+          </p:sp>
+        </p:grpSp>
+        <p:sp>
+          <p:nvSpPr>
+            <p:cNvPr id="31" name="TextBox 30">
+              <a:extLst>
+                <a:ext uri="{FF2B5EF4-FFF2-40B4-BE49-F238E27FC236}">
+                  <a16:creationId xmlns:a16="http://schemas.microsoft.com/office/drawing/2014/main" id="{A94A148A-9E2A-FE34-4A9B-694289214634}"/>
+                </a:ext>
+              </a:extLst>
+            </p:cNvPr>
+            <p:cNvSpPr txBox="1"/>
+            <p:nvPr/>
+          </p:nvSpPr>
+          <p:spPr>
+            <a:xfrm>
+              <a:off x="2270500" y="5872617"/>
+              <a:ext cx="2669684" cy="246221"/>
+            </a:xfrm>
+            <a:prstGeom prst="rect">
+              <a:avLst/>
+            </a:prstGeom>
+            <a:noFill/>
+          </p:spPr>
+          <p:txBody>
+            <a:bodyPr wrap="square" rtlCol="0">
+              <a:spAutoFit/>
+            </a:bodyPr>
+            <a:lstStyle/>
+            <a:p>
+              <a:pPr algn="ctr"/>
+              <a:r>
+                <a:rPr lang="en-US" sz="1000" dirty="0"/>
+                <a:t>Duan, Li, Wang. (2022). </a:t>
+              </a:r>
+              <a:r>
+                <a:rPr lang="en-US" sz="1000" i="1" dirty="0"/>
+                <a:t>Macromolecules</a:t>
+              </a:r>
+              <a:r>
+                <a:rPr lang="en-US" sz="1000" dirty="0"/>
+                <a:t>. 55 (3)</a:t>
+              </a:r>
+            </a:p>
+          </p:txBody>
+        </p:sp>
+      </p:grpSp>
+      <p:grpSp>
+        <p:nvGrpSpPr>
+          <p:cNvPr id="39" name="Group 38">
+            <a:extLst>
+              <a:ext uri="{FF2B5EF4-FFF2-40B4-BE49-F238E27FC236}">
+                <a16:creationId xmlns:a16="http://schemas.microsoft.com/office/drawing/2014/main" id="{E4FE53A5-DA64-984F-9EB3-81DE64B0A12A}"/>
+              </a:ext>
+            </a:extLst>
+          </p:cNvPr>
+          <p:cNvGrpSpPr/>
+          <p:nvPr/>
+        </p:nvGrpSpPr>
+        <p:grpSpPr>
+          <a:xfrm rot="1375798">
+            <a:off x="5037073" y="5004972"/>
+            <a:ext cx="2041912" cy="710587"/>
+            <a:chOff x="2384078" y="4257686"/>
+            <a:chExt cx="2041912" cy="710587"/>
+          </a:xfrm>
+        </p:grpSpPr>
+        <p:cxnSp>
+          <p:nvCxnSpPr>
+            <p:cNvPr id="40" name="Straight Arrow Connector 39">
+              <a:extLst>
+                <a:ext uri="{FF2B5EF4-FFF2-40B4-BE49-F238E27FC236}">
+                  <a16:creationId xmlns:a16="http://schemas.microsoft.com/office/drawing/2014/main" id="{EE78F8AD-1C97-F480-1A1F-80C73BB91504}"/>
+                </a:ext>
+              </a:extLst>
+            </p:cNvPr>
+            <p:cNvCxnSpPr>
+              <a:cxnSpLocks/>
+            </p:cNvCxnSpPr>
+            <p:nvPr/>
+          </p:nvCxnSpPr>
+          <p:spPr>
+            <a:xfrm rot="20224202">
+              <a:off x="2707188" y="4356643"/>
+              <a:ext cx="1433041" cy="611630"/>
+            </a:xfrm>
+            <a:prstGeom prst="straightConnector1">
+              <a:avLst/>
+            </a:prstGeom>
+            <a:ln w="19050">
+              <a:solidFill>
+                <a:schemeClr val="tx1"/>
+              </a:solidFill>
+              <a:tailEnd type="triangle"/>
+            </a:ln>
+          </p:spPr>
+          <p:style>
+            <a:lnRef idx="1">
+              <a:schemeClr val="accent1"/>
+            </a:lnRef>
+            <a:fillRef idx="0">
+              <a:schemeClr val="accent1"/>
+            </a:fillRef>
+            <a:effectRef idx="0">
+              <a:schemeClr val="accent1"/>
+            </a:effectRef>
+            <a:fontRef idx="minor">
+              <a:schemeClr val="tx1"/>
+            </a:fontRef>
+          </p:style>
+        </p:cxnSp>
+        <p:sp>
+          <p:nvSpPr>
+            <p:cNvPr id="41" name="TextBox 40">
+              <a:extLst>
+                <a:ext uri="{FF2B5EF4-FFF2-40B4-BE49-F238E27FC236}">
+                  <a16:creationId xmlns:a16="http://schemas.microsoft.com/office/drawing/2014/main" id="{1BCF28F4-FDD6-2608-7E54-89384830F1F8}"/>
+                </a:ext>
+              </a:extLst>
+            </p:cNvPr>
+            <p:cNvSpPr txBox="1"/>
+            <p:nvPr/>
+          </p:nvSpPr>
+          <p:spPr>
+            <a:xfrm>
+              <a:off x="2384078" y="4257686"/>
+              <a:ext cx="2041912" cy="338554"/>
+            </a:xfrm>
+            <a:prstGeom prst="rect">
+              <a:avLst/>
+            </a:prstGeom>
+            <a:noFill/>
+          </p:spPr>
+          <p:txBody>
+            <a:bodyPr wrap="square" rtlCol="0">
+              <a:spAutoFit/>
+            </a:bodyPr>
+            <a:lstStyle/>
+            <a:p>
+              <a:pPr algn="ctr"/>
+              <a:r>
+                <a:rPr lang="en-US" sz="1600" dirty="0">
+                  <a:latin typeface="Lucida grande" panose="020B0502040204020203"/>
+                </a:rPr>
+                <a:t>Aggregation kinetics</a:t>
+              </a:r>
+            </a:p>
+          </p:txBody>
+        </p:sp>
+      </p:grpSp>
+      <p:grpSp>
+        <p:nvGrpSpPr>
+          <p:cNvPr id="47" name="Group 46">
+            <a:extLst>
+              <a:ext uri="{FF2B5EF4-FFF2-40B4-BE49-F238E27FC236}">
+                <a16:creationId xmlns:a16="http://schemas.microsoft.com/office/drawing/2014/main" id="{4B0A01D3-6FA1-F037-8A03-8A2242C792B0}"/>
+              </a:ext>
+            </a:extLst>
+          </p:cNvPr>
+          <p:cNvGrpSpPr/>
+          <p:nvPr/>
+        </p:nvGrpSpPr>
+        <p:grpSpPr>
+          <a:xfrm>
+            <a:off x="7656283" y="5115748"/>
+            <a:ext cx="2717309" cy="1685102"/>
+            <a:chOff x="6500145" y="5175509"/>
+            <a:chExt cx="2717309" cy="1685102"/>
+          </a:xfrm>
+        </p:grpSpPr>
+        <p:pic>
+          <p:nvPicPr>
+            <p:cNvPr id="38" name="Picture 37">
+              <a:extLst>
+                <a:ext uri="{FF2B5EF4-FFF2-40B4-BE49-F238E27FC236}">
+                  <a16:creationId xmlns:a16="http://schemas.microsoft.com/office/drawing/2014/main" id="{BC034E9F-1A5B-985B-47CE-4765DC121095}"/>
+                </a:ext>
+              </a:extLst>
+            </p:cNvPr>
+            <p:cNvPicPr>
+              <a:picLocks noChangeAspect="1"/>
+            </p:cNvPicPr>
+            <p:nvPr/>
+          </p:nvPicPr>
+          <p:blipFill>
+            <a:blip r:embed="rId5"/>
+            <a:stretch>
+              <a:fillRect/>
+            </a:stretch>
+          </p:blipFill>
+          <p:spPr>
+            <a:xfrm>
+              <a:off x="6500145" y="5175509"/>
+              <a:ext cx="2534542" cy="1438881"/>
+            </a:xfrm>
+            <a:prstGeom prst="rect">
+              <a:avLst/>
+            </a:prstGeom>
+          </p:spPr>
+        </p:pic>
+        <p:sp>
+          <p:nvSpPr>
+            <p:cNvPr id="46" name="TextBox 45">
+              <a:extLst>
+                <a:ext uri="{FF2B5EF4-FFF2-40B4-BE49-F238E27FC236}">
+                  <a16:creationId xmlns:a16="http://schemas.microsoft.com/office/drawing/2014/main" id="{76CE7A02-D070-122D-8B52-AB75342BEC3A}"/>
+                </a:ext>
+              </a:extLst>
+            </p:cNvPr>
+            <p:cNvSpPr txBox="1"/>
+            <p:nvPr/>
+          </p:nvSpPr>
+          <p:spPr>
+            <a:xfrm>
+              <a:off x="6547770" y="6614390"/>
+              <a:ext cx="2669684" cy="246221"/>
+            </a:xfrm>
+            <a:prstGeom prst="rect">
+              <a:avLst/>
+            </a:prstGeom>
+            <a:noFill/>
+          </p:spPr>
+          <p:txBody>
+            <a:bodyPr wrap="square" rtlCol="0">
+              <a:spAutoFit/>
+            </a:bodyPr>
+            <a:lstStyle/>
+            <a:p>
+              <a:pPr algn="ctr"/>
+              <a:r>
+                <a:rPr lang="en-US" sz="1000" dirty="0"/>
+                <a:t>Duan, Wang. (2023). </a:t>
+              </a:r>
+              <a:r>
+                <a:rPr lang="en-US" sz="1000" i="1" dirty="0"/>
+                <a:t>Phys. Rev. Lett</a:t>
+              </a:r>
+              <a:r>
+                <a:rPr lang="en-US" sz="1000" dirty="0"/>
+                <a:t>. 130</a:t>
+              </a:r>
+            </a:p>
+          </p:txBody>
+        </p:sp>
+      </p:grpSp>
     </p:spTree>
     <p:extLst>
       <p:ext uri="{BB962C8B-B14F-4D97-AF65-F5344CB8AC3E}">

--- a/20230427 CBE Student Colloquium.pptx
+++ b/20230427 CBE Student Colloquium.pptx
@@ -8167,6 +8167,486 @@
   <p:clrMapOvr>
     <a:masterClrMapping/>
   </p:clrMapOvr>
+  <p:timing>
+    <p:tnLst>
+      <p:par>
+        <p:cTn id="1" dur="indefinite" restart="never" nodeType="tmRoot">
+          <p:childTnLst>
+            <p:seq concurrent="1" nextAc="seek">
+              <p:cTn id="2" dur="indefinite" nodeType="mainSeq">
+                <p:childTnLst>
+                  <p:par>
+                    <p:cTn id="3" fill="hold">
+                      <p:stCondLst>
+                        <p:cond delay="indefinite"/>
+                      </p:stCondLst>
+                      <p:childTnLst>
+                        <p:par>
+                          <p:cTn id="4" fill="hold">
+                            <p:stCondLst>
+                              <p:cond delay="0"/>
+                            </p:stCondLst>
+                            <p:childTnLst>
+                              <p:par>
+                                <p:cTn id="5" presetID="1" presetClass="entr" presetSubtype="0" fill="hold" grpId="0" nodeType="clickEffect">
+                                  <p:stCondLst>
+                                    <p:cond delay="0"/>
+                                  </p:stCondLst>
+                                  <p:childTnLst>
+                                    <p:set>
+                                      <p:cBhvr>
+                                        <p:cTn id="6" dur="1" fill="hold">
+                                          <p:stCondLst>
+                                            <p:cond delay="0"/>
+                                          </p:stCondLst>
+                                        </p:cTn>
+                                        <p:tgtEl>
+                                          <p:spTgt spid="30"/>
+                                        </p:tgtEl>
+                                        <p:attrNameLst>
+                                          <p:attrName>style.visibility</p:attrName>
+                                        </p:attrNameLst>
+                                      </p:cBhvr>
+                                      <p:to>
+                                        <p:strVal val="visible"/>
+                                      </p:to>
+                                    </p:set>
+                                  </p:childTnLst>
+                                </p:cTn>
+                              </p:par>
+                              <p:par>
+                                <p:cTn id="7" presetID="1" presetClass="entr" presetSubtype="0" fill="hold" nodeType="withEffect">
+                                  <p:stCondLst>
+                                    <p:cond delay="0"/>
+                                  </p:stCondLst>
+                                  <p:childTnLst>
+                                    <p:set>
+                                      <p:cBhvr>
+                                        <p:cTn id="8" dur="1" fill="hold">
+                                          <p:stCondLst>
+                                            <p:cond delay="0"/>
+                                          </p:stCondLst>
+                                        </p:cTn>
+                                        <p:tgtEl>
+                                          <p:spTgt spid="39"/>
+                                        </p:tgtEl>
+                                        <p:attrNameLst>
+                                          <p:attrName>style.visibility</p:attrName>
+                                        </p:attrNameLst>
+                                      </p:cBhvr>
+                                      <p:to>
+                                        <p:strVal val="visible"/>
+                                      </p:to>
+                                    </p:set>
+                                  </p:childTnLst>
+                                </p:cTn>
+                              </p:par>
+                            </p:childTnLst>
+                          </p:cTn>
+                        </p:par>
+                      </p:childTnLst>
+                    </p:cTn>
+                  </p:par>
+                  <p:par>
+                    <p:cTn id="9" fill="hold">
+                      <p:stCondLst>
+                        <p:cond delay="indefinite"/>
+                      </p:stCondLst>
+                      <p:childTnLst>
+                        <p:par>
+                          <p:cTn id="10" fill="hold">
+                            <p:stCondLst>
+                              <p:cond delay="0"/>
+                            </p:stCondLst>
+                            <p:childTnLst>
+                              <p:par>
+                                <p:cTn id="11" presetID="1" presetClass="entr" presetSubtype="0" fill="hold" grpId="0" nodeType="clickEffect">
+                                  <p:stCondLst>
+                                    <p:cond delay="0"/>
+                                  </p:stCondLst>
+                                  <p:childTnLst>
+                                    <p:set>
+                                      <p:cBhvr>
+                                        <p:cTn id="12" dur="1" fill="hold">
+                                          <p:stCondLst>
+                                            <p:cond delay="0"/>
+                                          </p:stCondLst>
+                                        </p:cTn>
+                                        <p:tgtEl>
+                                          <p:spTgt spid="7"/>
+                                        </p:tgtEl>
+                                        <p:attrNameLst>
+                                          <p:attrName>style.visibility</p:attrName>
+                                        </p:attrNameLst>
+                                      </p:cBhvr>
+                                      <p:to>
+                                        <p:strVal val="visible"/>
+                                      </p:to>
+                                    </p:set>
+                                  </p:childTnLst>
+                                </p:cTn>
+                              </p:par>
+                              <p:par>
+                                <p:cTn id="13" presetID="1" presetClass="entr" presetSubtype="0" fill="hold" nodeType="withEffect">
+                                  <p:stCondLst>
+                                    <p:cond delay="0"/>
+                                  </p:stCondLst>
+                                  <p:childTnLst>
+                                    <p:set>
+                                      <p:cBhvr>
+                                        <p:cTn id="14" dur="1" fill="hold">
+                                          <p:stCondLst>
+                                            <p:cond delay="0"/>
+                                          </p:stCondLst>
+                                        </p:cTn>
+                                        <p:tgtEl>
+                                          <p:spTgt spid="28"/>
+                                        </p:tgtEl>
+                                        <p:attrNameLst>
+                                          <p:attrName>style.visibility</p:attrName>
+                                        </p:attrNameLst>
+                                      </p:cBhvr>
+                                      <p:to>
+                                        <p:strVal val="visible"/>
+                                      </p:to>
+                                    </p:set>
+                                  </p:childTnLst>
+                                </p:cTn>
+                              </p:par>
+                              <p:par>
+                                <p:cTn id="15" presetID="1" presetClass="entr" presetSubtype="0" fill="hold" nodeType="withEffect">
+                                  <p:stCondLst>
+                                    <p:cond delay="0"/>
+                                  </p:stCondLst>
+                                  <p:childTnLst>
+                                    <p:set>
+                                      <p:cBhvr>
+                                        <p:cTn id="16" dur="1" fill="hold">
+                                          <p:stCondLst>
+                                            <p:cond delay="0"/>
+                                          </p:stCondLst>
+                                        </p:cTn>
+                                        <p:tgtEl>
+                                          <p:spTgt spid="45"/>
+                                        </p:tgtEl>
+                                        <p:attrNameLst>
+                                          <p:attrName>style.visibility</p:attrName>
+                                        </p:attrNameLst>
+                                      </p:cBhvr>
+                                      <p:to>
+                                        <p:strVal val="visible"/>
+                                      </p:to>
+                                    </p:set>
+                                  </p:childTnLst>
+                                </p:cTn>
+                              </p:par>
+                              <p:par>
+                                <p:cTn id="17" presetID="1" presetClass="entr" presetSubtype="0" fill="hold" grpId="0" nodeType="withEffect">
+                                  <p:stCondLst>
+                                    <p:cond delay="0"/>
+                                  </p:stCondLst>
+                                  <p:childTnLst>
+                                    <p:set>
+                                      <p:cBhvr>
+                                        <p:cTn id="18" dur="1" fill="hold">
+                                          <p:stCondLst>
+                                            <p:cond delay="0"/>
+                                          </p:stCondLst>
+                                        </p:cTn>
+                                        <p:tgtEl>
+                                          <p:spTgt spid="29"/>
+                                        </p:tgtEl>
+                                        <p:attrNameLst>
+                                          <p:attrName>style.visibility</p:attrName>
+                                        </p:attrNameLst>
+                                      </p:cBhvr>
+                                      <p:to>
+                                        <p:strVal val="visible"/>
+                                      </p:to>
+                                    </p:set>
+                                  </p:childTnLst>
+                                </p:cTn>
+                              </p:par>
+                              <p:par>
+                                <p:cTn id="19" presetID="1" presetClass="entr" presetSubtype="0" fill="hold" grpId="0" nodeType="withEffect">
+                                  <p:stCondLst>
+                                    <p:cond delay="0"/>
+                                  </p:stCondLst>
+                                  <p:childTnLst>
+                                    <p:set>
+                                      <p:cBhvr>
+                                        <p:cTn id="20" dur="1" fill="hold">
+                                          <p:stCondLst>
+                                            <p:cond delay="0"/>
+                                          </p:stCondLst>
+                                        </p:cTn>
+                                        <p:tgtEl>
+                                          <p:spTgt spid="42"/>
+                                        </p:tgtEl>
+                                        <p:attrNameLst>
+                                          <p:attrName>style.visibility</p:attrName>
+                                        </p:attrNameLst>
+                                      </p:cBhvr>
+                                      <p:to>
+                                        <p:strVal val="visible"/>
+                                      </p:to>
+                                    </p:set>
+                                  </p:childTnLst>
+                                </p:cTn>
+                              </p:par>
+                            </p:childTnLst>
+                          </p:cTn>
+                        </p:par>
+                      </p:childTnLst>
+                    </p:cTn>
+                  </p:par>
+                  <p:par>
+                    <p:cTn id="21" fill="hold">
+                      <p:stCondLst>
+                        <p:cond delay="indefinite"/>
+                      </p:stCondLst>
+                      <p:childTnLst>
+                        <p:par>
+                          <p:cTn id="22" fill="hold">
+                            <p:stCondLst>
+                              <p:cond delay="0"/>
+                            </p:stCondLst>
+                            <p:childTnLst>
+                              <p:par>
+                                <p:cTn id="23" presetID="1" presetClass="entr" presetSubtype="0" fill="hold" grpId="0" nodeType="clickEffect">
+                                  <p:stCondLst>
+                                    <p:cond delay="0"/>
+                                  </p:stCondLst>
+                                  <p:childTnLst>
+                                    <p:set>
+                                      <p:cBhvr>
+                                        <p:cTn id="24" dur="1" fill="hold">
+                                          <p:stCondLst>
+                                            <p:cond delay="0"/>
+                                          </p:stCondLst>
+                                        </p:cTn>
+                                        <p:tgtEl>
+                                          <p:spTgt spid="11"/>
+                                        </p:tgtEl>
+                                        <p:attrNameLst>
+                                          <p:attrName>style.visibility</p:attrName>
+                                        </p:attrNameLst>
+                                      </p:cBhvr>
+                                      <p:to>
+                                        <p:strVal val="visible"/>
+                                      </p:to>
+                                    </p:set>
+                                  </p:childTnLst>
+                                </p:cTn>
+                              </p:par>
+                            </p:childTnLst>
+                          </p:cTn>
+                        </p:par>
+                      </p:childTnLst>
+                    </p:cTn>
+                  </p:par>
+                  <p:par>
+                    <p:cTn id="25" fill="hold">
+                      <p:stCondLst>
+                        <p:cond delay="indefinite"/>
+                      </p:stCondLst>
+                      <p:childTnLst>
+                        <p:par>
+                          <p:cTn id="26" fill="hold">
+                            <p:stCondLst>
+                              <p:cond delay="0"/>
+                            </p:stCondLst>
+                            <p:childTnLst>
+                              <p:par>
+                                <p:cTn id="27" presetID="1" presetClass="entr" presetSubtype="0" fill="hold" grpId="0" nodeType="clickEffect">
+                                  <p:stCondLst>
+                                    <p:cond delay="0"/>
+                                  </p:stCondLst>
+                                  <p:childTnLst>
+                                    <p:set>
+                                      <p:cBhvr>
+                                        <p:cTn id="28" dur="1" fill="hold">
+                                          <p:stCondLst>
+                                            <p:cond delay="0"/>
+                                          </p:stCondLst>
+                                        </p:cTn>
+                                        <p:tgtEl>
+                                          <p:spTgt spid="9"/>
+                                        </p:tgtEl>
+                                        <p:attrNameLst>
+                                          <p:attrName>style.visibility</p:attrName>
+                                        </p:attrNameLst>
+                                      </p:cBhvr>
+                                      <p:to>
+                                        <p:strVal val="visible"/>
+                                      </p:to>
+                                    </p:set>
+                                  </p:childTnLst>
+                                </p:cTn>
+                              </p:par>
+                              <p:par>
+                                <p:cTn id="29" presetID="1" presetClass="entr" presetSubtype="0" fill="hold" nodeType="withEffect">
+                                  <p:stCondLst>
+                                    <p:cond delay="0"/>
+                                  </p:stCondLst>
+                                  <p:childTnLst>
+                                    <p:set>
+                                      <p:cBhvr>
+                                        <p:cTn id="30" dur="1" fill="hold">
+                                          <p:stCondLst>
+                                            <p:cond delay="0"/>
+                                          </p:stCondLst>
+                                        </p:cTn>
+                                        <p:tgtEl>
+                                          <p:spTgt spid="1024"/>
+                                        </p:tgtEl>
+                                        <p:attrNameLst>
+                                          <p:attrName>style.visibility</p:attrName>
+                                        </p:attrNameLst>
+                                      </p:cBhvr>
+                                      <p:to>
+                                        <p:strVal val="visible"/>
+                                      </p:to>
+                                    </p:set>
+                                  </p:childTnLst>
+                                </p:cTn>
+                              </p:par>
+                              <p:par>
+                                <p:cTn id="31" presetID="1" presetClass="entr" presetSubtype="0" fill="hold" nodeType="withEffect">
+                                  <p:stCondLst>
+                                    <p:cond delay="0"/>
+                                  </p:stCondLst>
+                                  <p:childTnLst>
+                                    <p:set>
+                                      <p:cBhvr>
+                                        <p:cTn id="32" dur="1" fill="hold">
+                                          <p:stCondLst>
+                                            <p:cond delay="0"/>
+                                          </p:stCondLst>
+                                        </p:cTn>
+                                        <p:tgtEl>
+                                          <p:spTgt spid="1029"/>
+                                        </p:tgtEl>
+                                        <p:attrNameLst>
+                                          <p:attrName>style.visibility</p:attrName>
+                                        </p:attrNameLst>
+                                      </p:cBhvr>
+                                      <p:to>
+                                        <p:strVal val="visible"/>
+                                      </p:to>
+                                    </p:set>
+                                  </p:childTnLst>
+                                </p:cTn>
+                              </p:par>
+                              <p:par>
+                                <p:cTn id="33" presetID="1" presetClass="entr" presetSubtype="0" fill="hold" nodeType="withEffect">
+                                  <p:stCondLst>
+                                    <p:cond delay="0"/>
+                                  </p:stCondLst>
+                                  <p:childTnLst>
+                                    <p:set>
+                                      <p:cBhvr>
+                                        <p:cTn id="34" dur="1" fill="hold">
+                                          <p:stCondLst>
+                                            <p:cond delay="0"/>
+                                          </p:stCondLst>
+                                        </p:cTn>
+                                        <p:tgtEl>
+                                          <p:spTgt spid="1033"/>
+                                        </p:tgtEl>
+                                        <p:attrNameLst>
+                                          <p:attrName>style.visibility</p:attrName>
+                                        </p:attrNameLst>
+                                      </p:cBhvr>
+                                      <p:to>
+                                        <p:strVal val="visible"/>
+                                      </p:to>
+                                    </p:set>
+                                  </p:childTnLst>
+                                </p:cTn>
+                              </p:par>
+                            </p:childTnLst>
+                          </p:cTn>
+                        </p:par>
+                      </p:childTnLst>
+                    </p:cTn>
+                  </p:par>
+                  <p:par>
+                    <p:cTn id="35" fill="hold">
+                      <p:stCondLst>
+                        <p:cond delay="indefinite"/>
+                      </p:stCondLst>
+                      <p:childTnLst>
+                        <p:par>
+                          <p:cTn id="36" fill="hold">
+                            <p:stCondLst>
+                              <p:cond delay="0"/>
+                            </p:stCondLst>
+                            <p:childTnLst>
+                              <p:par>
+                                <p:cTn id="37" presetID="1" presetClass="entr" presetSubtype="0" fill="hold" grpId="0" nodeType="clickEffect">
+                                  <p:stCondLst>
+                                    <p:cond delay="0"/>
+                                  </p:stCondLst>
+                                  <p:childTnLst>
+                                    <p:set>
+                                      <p:cBhvr>
+                                        <p:cTn id="38" dur="1" fill="hold">
+                                          <p:stCondLst>
+                                            <p:cond delay="0"/>
+                                          </p:stCondLst>
+                                        </p:cTn>
+                                        <p:tgtEl>
+                                          <p:spTgt spid="12"/>
+                                        </p:tgtEl>
+                                        <p:attrNameLst>
+                                          <p:attrName>style.visibility</p:attrName>
+                                        </p:attrNameLst>
+                                      </p:cBhvr>
+                                      <p:to>
+                                        <p:strVal val="visible"/>
+                                      </p:to>
+                                    </p:set>
+                                  </p:childTnLst>
+                                </p:cTn>
+                              </p:par>
+                            </p:childTnLst>
+                          </p:cTn>
+                        </p:par>
+                      </p:childTnLst>
+                    </p:cTn>
+                  </p:par>
+                </p:childTnLst>
+              </p:cTn>
+              <p:prevCondLst>
+                <p:cond evt="onPrev" delay="0">
+                  <p:tgtEl>
+                    <p:sldTgt/>
+                  </p:tgtEl>
+                </p:cond>
+              </p:prevCondLst>
+              <p:nextCondLst>
+                <p:cond evt="onNext" delay="0">
+                  <p:tgtEl>
+                    <p:sldTgt/>
+                  </p:tgtEl>
+                </p:cond>
+              </p:nextCondLst>
+            </p:seq>
+          </p:childTnLst>
+        </p:cTn>
+      </p:par>
+    </p:tnLst>
+    <p:bldLst>
+      <p:bldP spid="7" grpId="0"/>
+      <p:bldP spid="9" grpId="0"/>
+      <p:bldP spid="11" grpId="0"/>
+      <p:bldP spid="12" grpId="0"/>
+      <p:bldP spid="29" grpId="0"/>
+      <p:bldP spid="30" grpId="0"/>
+      <p:bldP spid="42" grpId="0"/>
+    </p:bldLst>
+  </p:timing>
 </p:sld>
 </file>
 
@@ -8274,8 +8754,8 @@
           </a:p>
         </p:txBody>
       </p:sp>
-      <mc:AlternateContent xmlns:mc="http://schemas.openxmlformats.org/markup-compatibility/2006" xmlns:a14="http://schemas.microsoft.com/office/drawing/2010/main">
-        <mc:Choice Requires="a14">
+      <mc:AlternateContent xmlns:mc="http://schemas.openxmlformats.org/markup-compatibility/2006">
+        <mc:Choice xmlns:a14="http://schemas.microsoft.com/office/drawing/2010/main" Requires="a14">
           <p:sp>
             <p:nvSpPr>
               <p:cNvPr id="4" name="TextBox 3">
@@ -8291,7 +8771,7 @@
             <p:spPr>
               <a:xfrm>
                 <a:off x="186266" y="1002188"/>
-                <a:ext cx="12005734" cy="1434367"/>
+                <a:ext cx="12005734" cy="1200329"/>
               </a:xfrm>
               <a:prstGeom prst="rect">
                 <a:avLst/>
@@ -8316,9 +8796,6 @@
               </a:p>
               <a:p>
                 <a:pPr marL="285750" indent="-285750">
-                  <a:lnSpc>
-                    <a:spcPct val="150000"/>
-                  </a:lnSpc>
                   <a:buFont typeface="Arial" panose="020B0604020202020204" pitchFamily="34" charset="0"/>
                   <a:buChar char="•"/>
                 </a:pPr>
@@ -8553,7 +9030,7 @@
             </p:txBody>
           </p:sp>
         </mc:Choice>
-        <mc:Fallback xmlns="">
+        <mc:Fallback>
           <p:sp>
             <p:nvSpPr>
               <p:cNvPr id="4" name="TextBox 3">
@@ -8571,7 +9048,7 @@
             <p:spPr>
               <a:xfrm>
                 <a:off x="186266" y="1002188"/>
-                <a:ext cx="12005734" cy="1434367"/>
+                <a:ext cx="12005734" cy="1200329"/>
               </a:xfrm>
               <a:prstGeom prst="rect">
                 <a:avLst/>
@@ -8579,7 +9056,7 @@
               <a:blipFill>
                 <a:blip r:embed="rId3"/>
                 <a:stretch>
-                  <a:fillRect l="-813" b="-5508"/>
+                  <a:fillRect l="-813" b="-7107"/>
                 </a:stretch>
               </a:blipFill>
             </p:spPr>
@@ -8612,7 +9089,7 @@
         </p:nvGrpSpPr>
         <p:grpSpPr>
           <a:xfrm>
-            <a:off x="1277939" y="3116796"/>
+            <a:off x="988632" y="3204632"/>
             <a:ext cx="9586591" cy="307848"/>
             <a:chOff x="1108077" y="2178177"/>
             <a:chExt cx="9586591" cy="307848"/>
@@ -9462,7 +9939,7 @@
         </p:nvSpPr>
         <p:spPr>
           <a:xfrm>
-            <a:off x="5856287" y="2606578"/>
+            <a:off x="5566980" y="2694414"/>
             <a:ext cx="400050" cy="400110"/>
           </a:xfrm>
           <a:prstGeom prst="rect">
@@ -9502,7 +9979,7 @@
         </p:nvGrpSpPr>
         <p:grpSpPr>
           <a:xfrm>
-            <a:off x="4941887" y="2606578"/>
+            <a:off x="4652580" y="2694414"/>
             <a:ext cx="1114425" cy="631945"/>
             <a:chOff x="4941887" y="2610934"/>
             <a:chExt cx="1114425" cy="631945"/>
@@ -9604,7 +10081,7 @@
         </p:nvGrpSpPr>
         <p:grpSpPr>
           <a:xfrm>
-            <a:off x="5141912" y="2191272"/>
+            <a:off x="4852605" y="2279108"/>
             <a:ext cx="1103313" cy="997508"/>
             <a:chOff x="5141912" y="2195628"/>
             <a:chExt cx="1103313" cy="997508"/>
@@ -9706,7 +10183,7 @@
         </p:nvGrpSpPr>
         <p:grpSpPr>
           <a:xfrm>
-            <a:off x="6056312" y="2591382"/>
+            <a:off x="5767005" y="2679218"/>
             <a:ext cx="1114425" cy="597398"/>
             <a:chOff x="6056312" y="2595738"/>
             <a:chExt cx="1114425" cy="597398"/>
@@ -9808,7 +10285,7 @@
         </p:nvGrpSpPr>
         <p:grpSpPr>
           <a:xfrm>
-            <a:off x="6970712" y="2589689"/>
+            <a:off x="6681405" y="2677525"/>
             <a:ext cx="1103313" cy="599091"/>
             <a:chOff x="6970712" y="2594045"/>
             <a:chExt cx="1103313" cy="599091"/>
@@ -9910,7 +10387,7 @@
         </p:nvGrpSpPr>
         <p:grpSpPr>
           <a:xfrm>
-            <a:off x="6770687" y="2191272"/>
+            <a:off x="6481380" y="2279108"/>
             <a:ext cx="1114425" cy="945504"/>
             <a:chOff x="6770687" y="2195628"/>
             <a:chExt cx="1114425" cy="945504"/>
@@ -10012,7 +10489,7 @@
         </p:nvGrpSpPr>
         <p:grpSpPr>
           <a:xfrm>
-            <a:off x="6970712" y="2189579"/>
+            <a:off x="6681405" y="2277415"/>
             <a:ext cx="1103313" cy="903021"/>
             <a:chOff x="6970712" y="2193935"/>
             <a:chExt cx="1103313" cy="903021"/>
@@ -10114,7 +10591,7 @@
         </p:nvGrpSpPr>
         <p:grpSpPr>
           <a:xfrm>
-            <a:off x="7885112" y="2609883"/>
+            <a:off x="7595805" y="2697719"/>
             <a:ext cx="1125538" cy="477571"/>
             <a:chOff x="7885112" y="2614239"/>
             <a:chExt cx="1125538" cy="477571"/>
@@ -10202,161 +10679,182 @@
           </p:style>
         </p:cxnSp>
       </p:grpSp>
-      <p:sp>
-        <p:nvSpPr>
-          <p:cNvPr id="62" name="Left Bracket 61">
+      <p:grpSp>
+        <p:nvGrpSpPr>
+          <p:cNvPr id="7" name="Group 6">
             <a:extLst>
               <a:ext uri="{FF2B5EF4-FFF2-40B4-BE49-F238E27FC236}">
-                <a16:creationId xmlns:a16="http://schemas.microsoft.com/office/drawing/2014/main" id="{07EA2D86-0C86-EED5-E93C-27D7937900BE}"/>
+                <a16:creationId xmlns:a16="http://schemas.microsoft.com/office/drawing/2014/main" id="{CC5AF335-5876-E1CC-AF2A-0BED8A405FEE}"/>
               </a:ext>
             </a:extLst>
           </p:cNvPr>
-          <p:cNvSpPr/>
+          <p:cNvGrpSpPr/>
           <p:nvPr/>
-        </p:nvSpPr>
-        <p:spPr>
-          <a:xfrm rot="16200000">
-            <a:off x="7341811" y="2308320"/>
-            <a:ext cx="172201" cy="2743200"/>
+        </p:nvGrpSpPr>
+        <p:grpSpPr>
+          <a:xfrm>
+            <a:off x="5767005" y="3681655"/>
+            <a:ext cx="2743200" cy="303078"/>
+            <a:chOff x="5767005" y="3681655"/>
+            <a:chExt cx="2743200" cy="303078"/>
           </a:xfrm>
-          <a:prstGeom prst="leftBracket">
-            <a:avLst>
-              <a:gd name="adj" fmla="val 115272"/>
-            </a:avLst>
-          </a:prstGeom>
-          <a:ln w="28575">
-            <a:solidFill>
+        </p:grpSpPr>
+        <p:sp>
+          <p:nvSpPr>
+            <p:cNvPr id="62" name="Left Bracket 61">
+              <a:extLst>
+                <a:ext uri="{FF2B5EF4-FFF2-40B4-BE49-F238E27FC236}">
+                  <a16:creationId xmlns:a16="http://schemas.microsoft.com/office/drawing/2014/main" id="{07EA2D86-0C86-EED5-E93C-27D7937900BE}"/>
+                </a:ext>
+              </a:extLst>
+            </p:cNvPr>
+            <p:cNvSpPr/>
+            <p:nvPr/>
+          </p:nvSpPr>
+          <p:spPr>
+            <a:xfrm rot="16200000">
+              <a:off x="7052504" y="2396156"/>
+              <a:ext cx="172201" cy="2743200"/>
+            </a:xfrm>
+            <a:prstGeom prst="leftBracket">
+              <a:avLst>
+                <a:gd name="adj" fmla="val 115272"/>
+              </a:avLst>
+            </a:prstGeom>
+            <a:ln w="28575">
+              <a:solidFill>
+                <a:schemeClr val="tx1"/>
+              </a:solidFill>
+            </a:ln>
+          </p:spPr>
+          <p:style>
+            <a:lnRef idx="1">
+              <a:schemeClr val="accent1"/>
+            </a:lnRef>
+            <a:fillRef idx="0">
+              <a:schemeClr val="accent1"/>
+            </a:fillRef>
+            <a:effectRef idx="0">
+              <a:schemeClr val="accent1"/>
+            </a:effectRef>
+            <a:fontRef idx="minor">
               <a:schemeClr val="tx1"/>
-            </a:solidFill>
-          </a:ln>
-        </p:spPr>
-        <p:style>
-          <a:lnRef idx="1">
-            <a:schemeClr val="accent1"/>
-          </a:lnRef>
-          <a:fillRef idx="0">
-            <a:schemeClr val="accent1"/>
-          </a:fillRef>
-          <a:effectRef idx="0">
-            <a:schemeClr val="accent1"/>
-          </a:effectRef>
-          <a:fontRef idx="minor">
-            <a:schemeClr val="tx1"/>
-          </a:fontRef>
-        </p:style>
-        <p:txBody>
-          <a:bodyPr rtlCol="0" anchor="ctr"/>
-          <a:lstStyle/>
-          <a:p>
-            <a:pPr algn="ctr"/>
-            <a:endParaRPr lang="en-US"/>
-          </a:p>
-        </p:txBody>
-      </p:sp>
-      <mc:AlternateContent xmlns:mc="http://schemas.openxmlformats.org/markup-compatibility/2006" xmlns:a14="http://schemas.microsoft.com/office/drawing/2010/main">
-        <mc:Choice Requires="a14">
-          <p:sp>
-            <p:nvSpPr>
-              <p:cNvPr id="63" name="TextBox 62">
-                <a:extLst>
-                  <a:ext uri="{FF2B5EF4-FFF2-40B4-BE49-F238E27FC236}">
-                    <a16:creationId xmlns:a16="http://schemas.microsoft.com/office/drawing/2014/main" id="{6967ABFE-70F8-2EF1-CFAA-C1C4BAB98E71}"/>
-                  </a:ext>
-                </a:extLst>
-              </p:cNvPr>
-              <p:cNvSpPr txBox="1"/>
-              <p:nvPr/>
-            </p:nvSpPr>
-            <p:spPr>
-              <a:xfrm>
-                <a:off x="6513512" y="3618810"/>
-                <a:ext cx="1896081" cy="278087"/>
-              </a:xfrm>
-              <a:prstGeom prst="rect">
-                <a:avLst/>
-              </a:prstGeom>
-              <a:solidFill>
-                <a:schemeClr val="bg1"/>
-              </a:solidFill>
-            </p:spPr>
-            <p:txBody>
-              <a:bodyPr wrap="square" lIns="0" tIns="0" rIns="0" bIns="0" rtlCol="0">
-                <a:spAutoFit/>
-              </a:bodyPr>
-              <a:lstStyle/>
-              <a:p>
-                <a:pPr/>
-                <a14:m>
-                  <m:oMathPara xmlns:m="http://schemas.openxmlformats.org/officeDocument/2006/math">
-                    <m:oMathParaPr>
-                      <m:jc m:val="centerGroup"/>
-                    </m:oMathParaPr>
-                    <m:oMath xmlns:m="http://schemas.openxmlformats.org/officeDocument/2006/math">
-                      <m:r>
-                        <a:rPr lang="en-US" b="0" i="1" smtClean="0">
-                          <a:latin typeface="Cambria Math" panose="02040503050406030204" pitchFamily="18" charset="0"/>
-                        </a:rPr>
-                        <m:t>𝑅</m:t>
-                      </m:r>
-                      <m:r>
-                        <a:rPr lang="en-US" b="0" i="1" smtClean="0">
-                          <a:latin typeface="Cambria Math" panose="02040503050406030204" pitchFamily="18" charset="0"/>
-                        </a:rPr>
-                        <m:t>= 5 −2=3</m:t>
-                      </m:r>
-                    </m:oMath>
-                  </m:oMathPara>
-                </a14:m>
-                <a:endParaRPr lang="en-US" dirty="0"/>
-              </a:p>
-            </p:txBody>
-          </p:sp>
-        </mc:Choice>
-        <mc:Fallback xmlns="">
-          <p:sp>
-            <p:nvSpPr>
-              <p:cNvPr id="63" name="TextBox 62">
-                <a:extLst>
-                  <a:ext uri="{FF2B5EF4-FFF2-40B4-BE49-F238E27FC236}">
-                    <a16:creationId xmlns:a16="http://schemas.microsoft.com/office/drawing/2014/main" id="{6967ABFE-70F8-2EF1-CFAA-C1C4BAB98E71}"/>
-                  </a:ext>
-                </a:extLst>
-              </p:cNvPr>
-              <p:cNvSpPr txBox="1">
-                <a:spLocks noRot="1" noChangeAspect="1" noMove="1" noResize="1" noEditPoints="1" noAdjustHandles="1" noChangeArrowheads="1" noChangeShapeType="1" noTextEdit="1"/>
-              </p:cNvSpPr>
-              <p:nvPr/>
-            </p:nvSpPr>
-            <p:spPr>
-              <a:xfrm>
-                <a:off x="6513512" y="3618810"/>
-                <a:ext cx="1896081" cy="278087"/>
-              </a:xfrm>
-              <a:prstGeom prst="rect">
-                <a:avLst/>
-              </a:prstGeom>
-              <a:blipFill>
-                <a:blip r:embed="rId4"/>
-                <a:stretch>
-                  <a:fillRect b="-8889"/>
-                </a:stretch>
-              </a:blipFill>
-            </p:spPr>
-            <p:txBody>
-              <a:bodyPr/>
-              <a:lstStyle/>
-              <a:p>
-                <a:r>
-                  <a:rPr lang="en-US">
-                    <a:noFill/>
-                  </a:rPr>
-                  <a:t> </a:t>
-                </a:r>
-              </a:p>
-            </p:txBody>
-          </p:sp>
-        </mc:Fallback>
-      </mc:AlternateContent>
+            </a:fontRef>
+          </p:style>
+          <p:txBody>
+            <a:bodyPr rtlCol="0" anchor="ctr"/>
+            <a:lstStyle/>
+            <a:p>
+              <a:pPr algn="ctr"/>
+              <a:endParaRPr lang="en-US"/>
+            </a:p>
+          </p:txBody>
+        </p:sp>
+        <mc:AlternateContent xmlns:mc="http://schemas.openxmlformats.org/markup-compatibility/2006">
+          <mc:Choice xmlns:a14="http://schemas.microsoft.com/office/drawing/2010/main" Requires="a14">
+            <p:sp>
+              <p:nvSpPr>
+                <p:cNvPr id="63" name="TextBox 62">
+                  <a:extLst>
+                    <a:ext uri="{FF2B5EF4-FFF2-40B4-BE49-F238E27FC236}">
+                      <a16:creationId xmlns:a16="http://schemas.microsoft.com/office/drawing/2014/main" id="{6967ABFE-70F8-2EF1-CFAA-C1C4BAB98E71}"/>
+                    </a:ext>
+                  </a:extLst>
+                </p:cNvPr>
+                <p:cNvSpPr txBox="1"/>
+                <p:nvPr/>
+              </p:nvSpPr>
+              <p:spPr>
+                <a:xfrm>
+                  <a:off x="6224205" y="3706646"/>
+                  <a:ext cx="1896081" cy="278087"/>
+                </a:xfrm>
+                <a:prstGeom prst="rect">
+                  <a:avLst/>
+                </a:prstGeom>
+                <a:solidFill>
+                  <a:schemeClr val="bg1"/>
+                </a:solidFill>
+              </p:spPr>
+              <p:txBody>
+                <a:bodyPr wrap="square" lIns="0" tIns="0" rIns="0" bIns="0" rtlCol="0">
+                  <a:spAutoFit/>
+                </a:bodyPr>
+                <a:lstStyle/>
+                <a:p>
+                  <a:pPr/>
+                  <a14:m>
+                    <m:oMathPara xmlns:m="http://schemas.openxmlformats.org/officeDocument/2006/math">
+                      <m:oMathParaPr>
+                        <m:jc m:val="centerGroup"/>
+                      </m:oMathParaPr>
+                      <m:oMath xmlns:m="http://schemas.openxmlformats.org/officeDocument/2006/math">
+                        <m:r>
+                          <a:rPr lang="en-US" b="0" i="1" smtClean="0">
+                            <a:latin typeface="Cambria Math" panose="02040503050406030204" pitchFamily="18" charset="0"/>
+                          </a:rPr>
+                          <m:t>𝑅</m:t>
+                        </m:r>
+                        <m:r>
+                          <a:rPr lang="en-US" b="0" i="1" smtClean="0">
+                            <a:latin typeface="Cambria Math" panose="02040503050406030204" pitchFamily="18" charset="0"/>
+                          </a:rPr>
+                          <m:t>= 5 −2=3</m:t>
+                        </m:r>
+                      </m:oMath>
+                    </m:oMathPara>
+                  </a14:m>
+                  <a:endParaRPr lang="en-US" dirty="0"/>
+                </a:p>
+              </p:txBody>
+            </p:sp>
+          </mc:Choice>
+          <mc:Fallback>
+            <p:sp>
+              <p:nvSpPr>
+                <p:cNvPr id="63" name="TextBox 62">
+                  <a:extLst>
+                    <a:ext uri="{FF2B5EF4-FFF2-40B4-BE49-F238E27FC236}">
+                      <a16:creationId xmlns:a16="http://schemas.microsoft.com/office/drawing/2014/main" id="{6967ABFE-70F8-2EF1-CFAA-C1C4BAB98E71}"/>
+                    </a:ext>
+                  </a:extLst>
+                </p:cNvPr>
+                <p:cNvSpPr txBox="1">
+                  <a:spLocks noRot="1" noChangeAspect="1" noMove="1" noResize="1" noEditPoints="1" noAdjustHandles="1" noChangeArrowheads="1" noChangeShapeType="1" noTextEdit="1"/>
+                </p:cNvSpPr>
+                <p:nvPr/>
+              </p:nvSpPr>
+              <p:spPr>
+                <a:xfrm>
+                  <a:off x="6224205" y="3706646"/>
+                  <a:ext cx="1896081" cy="278087"/>
+                </a:xfrm>
+                <a:prstGeom prst="rect">
+                  <a:avLst/>
+                </a:prstGeom>
+                <a:blipFill>
+                  <a:blip r:embed="rId4"/>
+                  <a:stretch>
+                    <a:fillRect b="-6522"/>
+                  </a:stretch>
+                </a:blipFill>
+              </p:spPr>
+              <p:txBody>
+                <a:bodyPr/>
+                <a:lstStyle/>
+                <a:p>
+                  <a:r>
+                    <a:rPr lang="en-US">
+                      <a:noFill/>
+                    </a:rPr>
+                    <a:t> </a:t>
+                  </a:r>
+                </a:p>
+              </p:txBody>
+            </p:sp>
+          </mc:Fallback>
+        </mc:AlternateContent>
+      </p:grpSp>
       <mc:AlternateContent xmlns:mc="http://schemas.openxmlformats.org/markup-compatibility/2006">
         <mc:Choice xmlns:a14="http://schemas.microsoft.com/office/drawing/2010/main" Requires="a14">
           <p:sp>
@@ -10502,175 +11000,182 @@
           </a:prstGeom>
         </p:spPr>
       </p:pic>
-      <p:grpSp>
-        <p:nvGrpSpPr>
-          <p:cNvPr id="101" name="Group 100">
+      <p:pic>
+        <p:nvPicPr>
+          <p:cNvPr id="78" name="Picture 77">
             <a:extLst>
               <a:ext uri="{FF2B5EF4-FFF2-40B4-BE49-F238E27FC236}">
-                <a16:creationId xmlns:a16="http://schemas.microsoft.com/office/drawing/2014/main" id="{AF99B6E5-CA15-CE31-574C-9578C8A463E9}"/>
+                <a16:creationId xmlns:a16="http://schemas.microsoft.com/office/drawing/2014/main" id="{F549D429-13EE-19D0-A194-98AFB193EA01}"/>
               </a:ext>
             </a:extLst>
           </p:cNvPr>
-          <p:cNvGrpSpPr/>
+          <p:cNvPicPr>
+            <a:picLocks noChangeAspect="1"/>
+          </p:cNvPicPr>
           <p:nvPr/>
-        </p:nvGrpSpPr>
-        <p:grpSpPr>
+        </p:nvPicPr>
+        <p:blipFill rotWithShape="1">
+          <a:blip r:embed="rId7"/>
+          <a:srcRect t="1" r="48976" b="-53458"/>
+          <a:stretch/>
+        </p:blipFill>
+        <p:spPr>
           <a:xfrm>
-            <a:off x="5599112" y="5099416"/>
-            <a:ext cx="3375025" cy="1000954"/>
-            <a:chOff x="5599112" y="5179465"/>
-            <a:chExt cx="3375025" cy="1000954"/>
+            <a:off x="5599113" y="5530953"/>
+            <a:ext cx="1722056" cy="324859"/>
           </a:xfrm>
-        </p:grpSpPr>
-        <p:pic>
-          <p:nvPicPr>
-            <p:cNvPr id="78" name="Picture 77">
-              <a:extLst>
-                <a:ext uri="{FF2B5EF4-FFF2-40B4-BE49-F238E27FC236}">
-                  <a16:creationId xmlns:a16="http://schemas.microsoft.com/office/drawing/2014/main" id="{F549D429-13EE-19D0-A194-98AFB193EA01}"/>
-                </a:ext>
-              </a:extLst>
-            </p:cNvPr>
-            <p:cNvPicPr>
-              <a:picLocks noChangeAspect="1"/>
-            </p:cNvPicPr>
-            <p:nvPr/>
-          </p:nvPicPr>
-          <p:blipFill>
-            <a:blip r:embed="rId7"/>
-            <a:stretch>
-              <a:fillRect/>
-            </a:stretch>
-          </p:blipFill>
-          <p:spPr>
-            <a:xfrm>
-              <a:off x="5599112" y="5611002"/>
-              <a:ext cx="3375025" cy="211695"/>
-            </a:xfrm>
-            <a:prstGeom prst="rect">
-              <a:avLst/>
-            </a:prstGeom>
-          </p:spPr>
-        </p:pic>
-        <p:cxnSp>
-          <p:nvCxnSpPr>
-            <p:cNvPr id="81" name="Straight Arrow Connector 80">
-              <a:extLst>
-                <a:ext uri="{FF2B5EF4-FFF2-40B4-BE49-F238E27FC236}">
-                  <a16:creationId xmlns:a16="http://schemas.microsoft.com/office/drawing/2014/main" id="{8E5212A0-7027-74F4-9334-00EF34CBEC6E}"/>
-                </a:ext>
-              </a:extLst>
-            </p:cNvPr>
-            <p:cNvCxnSpPr>
-              <a:cxnSpLocks/>
-            </p:cNvCxnSpPr>
-            <p:nvPr/>
-          </p:nvCxnSpPr>
-          <p:spPr>
-            <a:xfrm>
-              <a:off x="6095999" y="5179465"/>
-              <a:ext cx="12701" cy="329476"/>
-            </a:xfrm>
-            <a:prstGeom prst="straightConnector1">
-              <a:avLst/>
-            </a:prstGeom>
-            <a:ln w="28575">
-              <a:solidFill>
-                <a:schemeClr val="tx1"/>
-              </a:solidFill>
-              <a:tailEnd type="triangle"/>
-            </a:ln>
-          </p:spPr>
-          <p:style>
-            <a:lnRef idx="1">
-              <a:schemeClr val="accent1"/>
-            </a:lnRef>
-            <a:fillRef idx="0">
-              <a:schemeClr val="accent1"/>
-            </a:fillRef>
-            <a:effectRef idx="0">
-              <a:schemeClr val="accent1"/>
-            </a:effectRef>
-            <a:fontRef idx="minor">
+          <a:prstGeom prst="rect">
+            <a:avLst/>
+          </a:prstGeom>
+        </p:spPr>
+      </p:pic>
+      <p:cxnSp>
+        <p:nvCxnSpPr>
+          <p:cNvPr id="81" name="Straight Arrow Connector 80">
+            <a:extLst>
+              <a:ext uri="{FF2B5EF4-FFF2-40B4-BE49-F238E27FC236}">
+                <a16:creationId xmlns:a16="http://schemas.microsoft.com/office/drawing/2014/main" id="{8E5212A0-7027-74F4-9334-00EF34CBEC6E}"/>
+              </a:ext>
+            </a:extLst>
+          </p:cNvPr>
+          <p:cNvCxnSpPr>
+            <a:cxnSpLocks/>
+          </p:cNvCxnSpPr>
+          <p:nvPr/>
+        </p:nvCxnSpPr>
+        <p:spPr>
+          <a:xfrm>
+            <a:off x="6095999" y="5099416"/>
+            <a:ext cx="12701" cy="329476"/>
+          </a:xfrm>
+          <a:prstGeom prst="straightConnector1">
+            <a:avLst/>
+          </a:prstGeom>
+          <a:ln w="28575">
+            <a:solidFill>
               <a:schemeClr val="tx1"/>
-            </a:fontRef>
-          </p:style>
-        </p:cxnSp>
-        <p:cxnSp>
-          <p:nvCxnSpPr>
-            <p:cNvPr id="84" name="Straight Arrow Connector 83">
-              <a:extLst>
-                <a:ext uri="{FF2B5EF4-FFF2-40B4-BE49-F238E27FC236}">
-                  <a16:creationId xmlns:a16="http://schemas.microsoft.com/office/drawing/2014/main" id="{0901349E-F2BA-2264-9830-C7479DC9C0F0}"/>
-                </a:ext>
-              </a:extLst>
-            </p:cNvPr>
-            <p:cNvCxnSpPr>
-              <a:cxnSpLocks/>
-            </p:cNvCxnSpPr>
-            <p:nvPr/>
-          </p:nvCxnSpPr>
-          <p:spPr>
-            <a:xfrm flipH="1">
-              <a:off x="7534275" y="5179465"/>
-              <a:ext cx="428625" cy="329476"/>
-            </a:xfrm>
-            <a:prstGeom prst="straightConnector1">
-              <a:avLst/>
-            </a:prstGeom>
-            <a:ln w="28575">
-              <a:solidFill>
-                <a:schemeClr val="tx1"/>
-              </a:solidFill>
-              <a:tailEnd type="triangle"/>
-            </a:ln>
-          </p:spPr>
-          <p:style>
-            <a:lnRef idx="1">
-              <a:schemeClr val="accent1"/>
-            </a:lnRef>
-            <a:fillRef idx="0">
-              <a:schemeClr val="accent1"/>
-            </a:fillRef>
-            <a:effectRef idx="0">
-              <a:schemeClr val="accent1"/>
-            </a:effectRef>
-            <a:fontRef idx="minor">
+            </a:solidFill>
+            <a:tailEnd type="triangle"/>
+          </a:ln>
+        </p:spPr>
+        <p:style>
+          <a:lnRef idx="1">
+            <a:schemeClr val="accent1"/>
+          </a:lnRef>
+          <a:fillRef idx="0">
+            <a:schemeClr val="accent1"/>
+          </a:fillRef>
+          <a:effectRef idx="0">
+            <a:schemeClr val="accent1"/>
+          </a:effectRef>
+          <a:fontRef idx="minor">
+            <a:schemeClr val="tx1"/>
+          </a:fontRef>
+        </p:style>
+      </p:cxnSp>
+      <p:cxnSp>
+        <p:nvCxnSpPr>
+          <p:cNvPr id="84" name="Straight Arrow Connector 83">
+            <a:extLst>
+              <a:ext uri="{FF2B5EF4-FFF2-40B4-BE49-F238E27FC236}">
+                <a16:creationId xmlns:a16="http://schemas.microsoft.com/office/drawing/2014/main" id="{0901349E-F2BA-2264-9830-C7479DC9C0F0}"/>
+              </a:ext>
+            </a:extLst>
+          </p:cNvPr>
+          <p:cNvCxnSpPr>
+            <a:cxnSpLocks/>
+          </p:cNvCxnSpPr>
+          <p:nvPr/>
+        </p:nvCxnSpPr>
+        <p:spPr>
+          <a:xfrm flipH="1">
+            <a:off x="7534275" y="5099416"/>
+            <a:ext cx="428625" cy="329476"/>
+          </a:xfrm>
+          <a:prstGeom prst="straightConnector1">
+            <a:avLst/>
+          </a:prstGeom>
+          <a:ln w="28575">
+            <a:solidFill>
               <a:schemeClr val="tx1"/>
-            </a:fontRef>
-          </p:style>
-        </p:cxnSp>
-        <p:pic>
-          <p:nvPicPr>
-            <p:cNvPr id="100" name="Picture 99">
-              <a:extLst>
-                <a:ext uri="{FF2B5EF4-FFF2-40B4-BE49-F238E27FC236}">
-                  <a16:creationId xmlns:a16="http://schemas.microsoft.com/office/drawing/2014/main" id="{7BD3F21D-1976-C8AF-0D48-2811257166B1}"/>
-                </a:ext>
-              </a:extLst>
-            </p:cNvPr>
-            <p:cNvPicPr>
-              <a:picLocks noChangeAspect="1"/>
-            </p:cNvPicPr>
-            <p:nvPr/>
-          </p:nvPicPr>
-          <p:blipFill>
-            <a:blip r:embed="rId8"/>
-            <a:stretch>
-              <a:fillRect/>
-            </a:stretch>
-          </p:blipFill>
-          <p:spPr>
-            <a:xfrm>
-              <a:off x="6068898" y="5924758"/>
-              <a:ext cx="1465377" cy="255661"/>
-            </a:xfrm>
-            <a:prstGeom prst="rect">
-              <a:avLst/>
-            </a:prstGeom>
-          </p:spPr>
-        </p:pic>
-      </p:grpSp>
+            </a:solidFill>
+            <a:tailEnd type="triangle"/>
+          </a:ln>
+        </p:spPr>
+        <p:style>
+          <a:lnRef idx="1">
+            <a:schemeClr val="accent1"/>
+          </a:lnRef>
+          <a:fillRef idx="0">
+            <a:schemeClr val="accent1"/>
+          </a:fillRef>
+          <a:effectRef idx="0">
+            <a:schemeClr val="accent1"/>
+          </a:effectRef>
+          <a:fontRef idx="minor">
+            <a:schemeClr val="tx1"/>
+          </a:fontRef>
+        </p:style>
+      </p:cxnSp>
+      <p:pic>
+        <p:nvPicPr>
+          <p:cNvPr id="100" name="Picture 99">
+            <a:extLst>
+              <a:ext uri="{FF2B5EF4-FFF2-40B4-BE49-F238E27FC236}">
+                <a16:creationId xmlns:a16="http://schemas.microsoft.com/office/drawing/2014/main" id="{7BD3F21D-1976-C8AF-0D48-2811257166B1}"/>
+              </a:ext>
+            </a:extLst>
+          </p:cNvPr>
+          <p:cNvPicPr>
+            <a:picLocks noChangeAspect="1"/>
+          </p:cNvPicPr>
+          <p:nvPr/>
+        </p:nvPicPr>
+        <p:blipFill>
+          <a:blip r:embed="rId8"/>
+          <a:stretch>
+            <a:fillRect/>
+          </a:stretch>
+        </p:blipFill>
+        <p:spPr>
+          <a:xfrm>
+            <a:off x="6068898" y="5844709"/>
+            <a:ext cx="1465377" cy="255661"/>
+          </a:xfrm>
+          <a:prstGeom prst="rect">
+            <a:avLst/>
+          </a:prstGeom>
+        </p:spPr>
+      </p:pic>
+      <p:pic>
+        <p:nvPicPr>
+          <p:cNvPr id="5" name="Picture 4">
+            <a:extLst>
+              <a:ext uri="{FF2B5EF4-FFF2-40B4-BE49-F238E27FC236}">
+                <a16:creationId xmlns:a16="http://schemas.microsoft.com/office/drawing/2014/main" id="{8B9BA984-E99B-AAEC-2903-E3D91283386A}"/>
+              </a:ext>
+            </a:extLst>
+          </p:cNvPr>
+          <p:cNvPicPr>
+            <a:picLocks noChangeAspect="1"/>
+          </p:cNvPicPr>
+          <p:nvPr/>
+        </p:nvPicPr>
+        <p:blipFill rotWithShape="1">
+          <a:blip r:embed="rId7"/>
+          <a:srcRect l="49482" t="-55637"/>
+          <a:stretch/>
+        </p:blipFill>
+        <p:spPr>
+          <a:xfrm>
+            <a:off x="7326155" y="5413173"/>
+            <a:ext cx="1705001" cy="329475"/>
+          </a:xfrm>
+          <a:prstGeom prst="rect">
+            <a:avLst/>
+          </a:prstGeom>
+        </p:spPr>
+      </p:pic>
     </p:spTree>
     <p:extLst>
       <p:ext uri="{BB962C8B-B14F-4D97-AF65-F5344CB8AC3E}">
@@ -10998,6 +11503,339 @@
                                   </p:childTnLst>
                                 </p:cTn>
                               </p:par>
+                              <p:par>
+                                <p:cTn id="31" presetID="1" presetClass="entr" presetSubtype="0" fill="hold" nodeType="withEffect">
+                                  <p:stCondLst>
+                                    <p:cond delay="0"/>
+                                  </p:stCondLst>
+                                  <p:childTnLst>
+                                    <p:set>
+                                      <p:cBhvr>
+                                        <p:cTn id="32" dur="1" fill="hold">
+                                          <p:stCondLst>
+                                            <p:cond delay="0"/>
+                                          </p:stCondLst>
+                                        </p:cTn>
+                                        <p:tgtEl>
+                                          <p:spTgt spid="7"/>
+                                        </p:tgtEl>
+                                        <p:attrNameLst>
+                                          <p:attrName>style.visibility</p:attrName>
+                                        </p:attrNameLst>
+                                      </p:cBhvr>
+                                      <p:to>
+                                        <p:strVal val="visible"/>
+                                      </p:to>
+                                    </p:set>
+                                  </p:childTnLst>
+                                </p:cTn>
+                              </p:par>
+                            </p:childTnLst>
+                          </p:cTn>
+                        </p:par>
+                      </p:childTnLst>
+                    </p:cTn>
+                  </p:par>
+                  <p:par>
+                    <p:cTn id="33" fill="hold">
+                      <p:stCondLst>
+                        <p:cond delay="indefinite"/>
+                      </p:stCondLst>
+                      <p:childTnLst>
+                        <p:par>
+                          <p:cTn id="34" fill="hold">
+                            <p:stCondLst>
+                              <p:cond delay="0"/>
+                            </p:stCondLst>
+                            <p:childTnLst>
+                              <p:par>
+                                <p:cTn id="35" presetID="1" presetClass="entr" presetSubtype="0" fill="hold" grpId="0" nodeType="clickEffect">
+                                  <p:stCondLst>
+                                    <p:cond delay="0"/>
+                                  </p:stCondLst>
+                                  <p:childTnLst>
+                                    <p:set>
+                                      <p:cBhvr>
+                                        <p:cTn id="36" dur="1" fill="hold">
+                                          <p:stCondLst>
+                                            <p:cond delay="0"/>
+                                          </p:stCondLst>
+                                        </p:cTn>
+                                        <p:tgtEl>
+                                          <p:spTgt spid="64"/>
+                                        </p:tgtEl>
+                                        <p:attrNameLst>
+                                          <p:attrName>style.visibility</p:attrName>
+                                        </p:attrNameLst>
+                                      </p:cBhvr>
+                                      <p:to>
+                                        <p:strVal val="visible"/>
+                                      </p:to>
+                                    </p:set>
+                                  </p:childTnLst>
+                                </p:cTn>
+                              </p:par>
+                            </p:childTnLst>
+                          </p:cTn>
+                        </p:par>
+                      </p:childTnLst>
+                    </p:cTn>
+                  </p:par>
+                  <p:par>
+                    <p:cTn id="37" fill="hold">
+                      <p:stCondLst>
+                        <p:cond delay="indefinite"/>
+                      </p:stCondLst>
+                      <p:childTnLst>
+                        <p:par>
+                          <p:cTn id="38" fill="hold">
+                            <p:stCondLst>
+                              <p:cond delay="0"/>
+                            </p:stCondLst>
+                            <p:childTnLst>
+                              <p:par>
+                                <p:cTn id="39" presetID="1" presetClass="entr" presetSubtype="0" fill="hold" nodeType="clickEffect">
+                                  <p:stCondLst>
+                                    <p:cond delay="0"/>
+                                  </p:stCondLst>
+                                  <p:childTnLst>
+                                    <p:set>
+                                      <p:cBhvr>
+                                        <p:cTn id="40" dur="1" fill="hold">
+                                          <p:stCondLst>
+                                            <p:cond delay="0"/>
+                                          </p:stCondLst>
+                                        </p:cTn>
+                                        <p:tgtEl>
+                                          <p:spTgt spid="88"/>
+                                        </p:tgtEl>
+                                        <p:attrNameLst>
+                                          <p:attrName>style.visibility</p:attrName>
+                                        </p:attrNameLst>
+                                      </p:cBhvr>
+                                      <p:to>
+                                        <p:strVal val="visible"/>
+                                      </p:to>
+                                    </p:set>
+                                  </p:childTnLst>
+                                </p:cTn>
+                              </p:par>
+                            </p:childTnLst>
+                          </p:cTn>
+                        </p:par>
+                      </p:childTnLst>
+                    </p:cTn>
+                  </p:par>
+                  <p:par>
+                    <p:cTn id="41" fill="hold">
+                      <p:stCondLst>
+                        <p:cond delay="indefinite"/>
+                      </p:stCondLst>
+                      <p:childTnLst>
+                        <p:par>
+                          <p:cTn id="42" fill="hold">
+                            <p:stCondLst>
+                              <p:cond delay="0"/>
+                            </p:stCondLst>
+                            <p:childTnLst>
+                              <p:par>
+                                <p:cTn id="43" presetID="1" presetClass="entr" presetSubtype="0" fill="hold" nodeType="clickEffect">
+                                  <p:stCondLst>
+                                    <p:cond delay="0"/>
+                                  </p:stCondLst>
+                                  <p:childTnLst>
+                                    <p:set>
+                                      <p:cBhvr>
+                                        <p:cTn id="44" dur="1" fill="hold">
+                                          <p:stCondLst>
+                                            <p:cond delay="0"/>
+                                          </p:stCondLst>
+                                        </p:cTn>
+                                        <p:tgtEl>
+                                          <p:spTgt spid="78"/>
+                                        </p:tgtEl>
+                                        <p:attrNameLst>
+                                          <p:attrName>style.visibility</p:attrName>
+                                        </p:attrNameLst>
+                                      </p:cBhvr>
+                                      <p:to>
+                                        <p:strVal val="visible"/>
+                                      </p:to>
+                                    </p:set>
+                                  </p:childTnLst>
+                                </p:cTn>
+                              </p:par>
+                              <p:par>
+                                <p:cTn id="45" presetID="1" presetClass="entr" presetSubtype="0" fill="hold" nodeType="withEffect">
+                                  <p:stCondLst>
+                                    <p:cond delay="0"/>
+                                  </p:stCondLst>
+                                  <p:childTnLst>
+                                    <p:set>
+                                      <p:cBhvr>
+                                        <p:cTn id="46" dur="1" fill="hold">
+                                          <p:stCondLst>
+                                            <p:cond delay="0"/>
+                                          </p:stCondLst>
+                                        </p:cTn>
+                                        <p:tgtEl>
+                                          <p:spTgt spid="81"/>
+                                        </p:tgtEl>
+                                        <p:attrNameLst>
+                                          <p:attrName>style.visibility</p:attrName>
+                                        </p:attrNameLst>
+                                      </p:cBhvr>
+                                      <p:to>
+                                        <p:strVal val="visible"/>
+                                      </p:to>
+                                    </p:set>
+                                  </p:childTnLst>
+                                </p:cTn>
+                              </p:par>
+                            </p:childTnLst>
+                          </p:cTn>
+                        </p:par>
+                      </p:childTnLst>
+                    </p:cTn>
+                  </p:par>
+                  <p:par>
+                    <p:cTn id="47" fill="hold">
+                      <p:stCondLst>
+                        <p:cond delay="indefinite"/>
+                      </p:stCondLst>
+                      <p:childTnLst>
+                        <p:par>
+                          <p:cTn id="48" fill="hold">
+                            <p:stCondLst>
+                              <p:cond delay="0"/>
+                            </p:stCondLst>
+                            <p:childTnLst>
+                              <p:par>
+                                <p:cTn id="49" presetID="1" presetClass="entr" presetSubtype="0" fill="hold" nodeType="clickEffect">
+                                  <p:stCondLst>
+                                    <p:cond delay="0"/>
+                                  </p:stCondLst>
+                                  <p:childTnLst>
+                                    <p:set>
+                                      <p:cBhvr>
+                                        <p:cTn id="50" dur="1" fill="hold">
+                                          <p:stCondLst>
+                                            <p:cond delay="0"/>
+                                          </p:stCondLst>
+                                        </p:cTn>
+                                        <p:tgtEl>
+                                          <p:spTgt spid="5"/>
+                                        </p:tgtEl>
+                                        <p:attrNameLst>
+                                          <p:attrName>style.visibility</p:attrName>
+                                        </p:attrNameLst>
+                                      </p:cBhvr>
+                                      <p:to>
+                                        <p:strVal val="visible"/>
+                                      </p:to>
+                                    </p:set>
+                                  </p:childTnLst>
+                                </p:cTn>
+                              </p:par>
+                              <p:par>
+                                <p:cTn id="51" presetID="1" presetClass="entr" presetSubtype="0" fill="hold" nodeType="withEffect">
+                                  <p:stCondLst>
+                                    <p:cond delay="0"/>
+                                  </p:stCondLst>
+                                  <p:childTnLst>
+                                    <p:set>
+                                      <p:cBhvr>
+                                        <p:cTn id="52" dur="1" fill="hold">
+                                          <p:stCondLst>
+                                            <p:cond delay="0"/>
+                                          </p:stCondLst>
+                                        </p:cTn>
+                                        <p:tgtEl>
+                                          <p:spTgt spid="84"/>
+                                        </p:tgtEl>
+                                        <p:attrNameLst>
+                                          <p:attrName>style.visibility</p:attrName>
+                                        </p:attrNameLst>
+                                      </p:cBhvr>
+                                      <p:to>
+                                        <p:strVal val="visible"/>
+                                      </p:to>
+                                    </p:set>
+                                  </p:childTnLst>
+                                </p:cTn>
+                              </p:par>
+                              <p:par>
+                                <p:cTn id="53" presetID="1" presetClass="entr" presetSubtype="0" fill="hold" nodeType="withEffect">
+                                  <p:stCondLst>
+                                    <p:cond delay="0"/>
+                                  </p:stCondLst>
+                                  <p:childTnLst>
+                                    <p:set>
+                                      <p:cBhvr>
+                                        <p:cTn id="54" dur="1" fill="hold">
+                                          <p:stCondLst>
+                                            <p:cond delay="0"/>
+                                          </p:stCondLst>
+                                        </p:cTn>
+                                        <p:tgtEl>
+                                          <p:spTgt spid="100"/>
+                                        </p:tgtEl>
+                                        <p:attrNameLst>
+                                          <p:attrName>style.visibility</p:attrName>
+                                        </p:attrNameLst>
+                                      </p:cBhvr>
+                                      <p:to>
+                                        <p:strVal val="visible"/>
+                                      </p:to>
+                                    </p:set>
+                                  </p:childTnLst>
+                                </p:cTn>
+                              </p:par>
+                            </p:childTnLst>
+                          </p:cTn>
+                        </p:par>
+                      </p:childTnLst>
+                    </p:cTn>
+                  </p:par>
+                  <p:par>
+                    <p:cTn id="55" fill="hold">
+                      <p:stCondLst>
+                        <p:cond delay="indefinite"/>
+                      </p:stCondLst>
+                      <p:childTnLst>
+                        <p:par>
+                          <p:cTn id="56" fill="hold">
+                            <p:stCondLst>
+                              <p:cond delay="0"/>
+                            </p:stCondLst>
+                            <p:childTnLst>
+                              <p:par>
+                                <p:cTn id="57" presetID="1" presetClass="entr" presetSubtype="0" fill="hold" nodeType="clickEffect">
+                                  <p:stCondLst>
+                                    <p:cond delay="0"/>
+                                  </p:stCondLst>
+                                  <p:childTnLst>
+                                    <p:set>
+                                      <p:cBhvr>
+                                        <p:cTn id="58" dur="1" fill="hold">
+                                          <p:stCondLst>
+                                            <p:cond delay="0"/>
+                                          </p:stCondLst>
+                                        </p:cTn>
+                                        <p:tgtEl>
+                                          <p:spTgt spid="96"/>
+                                        </p:tgtEl>
+                                        <p:attrNameLst>
+                                          <p:attrName>style.visibility</p:attrName>
+                                        </p:attrNameLst>
+                                      </p:cBhvr>
+                                      <p:to>
+                                        <p:strVal val="visible"/>
+                                      </p:to>
+                                    </p:set>
+                                  </p:childTnLst>
+                                </p:cTn>
+                              </p:par>
                             </p:childTnLst>
                           </p:cTn>
                         </p:par>
@@ -11025,6 +11863,9 @@
         </p:cTn>
       </p:par>
     </p:tnLst>
+    <p:bldLst>
+      <p:bldP spid="64" grpId="0"/>
+    </p:bldLst>
   </p:timing>
 </p:sld>
 </file>
@@ -11283,358 +12124,210 @@
           </p:txBody>
         </p:sp>
       </p:grpSp>
-      <p:grpSp>
-        <p:nvGrpSpPr>
-          <p:cNvPr id="69" name="Group 68">
+      <p:pic>
+        <p:nvPicPr>
+          <p:cNvPr id="19" name="Picture 18">
             <a:extLst>
               <a:ext uri="{FF2B5EF4-FFF2-40B4-BE49-F238E27FC236}">
-                <a16:creationId xmlns:a16="http://schemas.microsoft.com/office/drawing/2014/main" id="{6E2F3D1E-F9A5-D2D7-ED37-A05145DBAB22}"/>
+                <a16:creationId xmlns:a16="http://schemas.microsoft.com/office/drawing/2014/main" id="{3306997A-BC01-5C9F-4B19-6965DED14994}"/>
               </a:ext>
             </a:extLst>
           </p:cNvPr>
-          <p:cNvGrpSpPr/>
+          <p:cNvPicPr>
+            <a:picLocks noChangeAspect="1"/>
+          </p:cNvPicPr>
           <p:nvPr/>
-        </p:nvGrpSpPr>
-        <p:grpSpPr>
+        </p:nvPicPr>
+        <p:blipFill>
+          <a:blip r:embed="rId3"/>
+          <a:stretch>
+            <a:fillRect/>
+          </a:stretch>
+        </p:blipFill>
+        <p:spPr>
           <a:xfrm>
             <a:off x="2476502" y="1809734"/>
-            <a:ext cx="5048248" cy="2736262"/>
-            <a:chOff x="1781177" y="1782983"/>
-            <a:chExt cx="5048248" cy="2736262"/>
+            <a:ext cx="5048248" cy="637904"/>
           </a:xfrm>
-        </p:grpSpPr>
-        <p:pic>
-          <p:nvPicPr>
-            <p:cNvPr id="19" name="Picture 18">
-              <a:extLst>
-                <a:ext uri="{FF2B5EF4-FFF2-40B4-BE49-F238E27FC236}">
-                  <a16:creationId xmlns:a16="http://schemas.microsoft.com/office/drawing/2014/main" id="{3306997A-BC01-5C9F-4B19-6965DED14994}"/>
-                </a:ext>
-              </a:extLst>
-            </p:cNvPr>
-            <p:cNvPicPr>
-              <a:picLocks noChangeAspect="1"/>
-            </p:cNvPicPr>
-            <p:nvPr/>
-          </p:nvPicPr>
-          <p:blipFill>
-            <a:blip r:embed="rId3"/>
-            <a:stretch>
-              <a:fillRect/>
-            </a:stretch>
-          </p:blipFill>
-          <p:spPr>
-            <a:xfrm>
-              <a:off x="1781177" y="1782983"/>
-              <a:ext cx="5048248" cy="637904"/>
-            </a:xfrm>
-            <a:prstGeom prst="rect">
-              <a:avLst/>
-            </a:prstGeom>
-          </p:spPr>
-        </p:pic>
-        <p:cxnSp>
-          <p:nvCxnSpPr>
-            <p:cNvPr id="40" name="Straight Arrow Connector 39">
-              <a:extLst>
-                <a:ext uri="{FF2B5EF4-FFF2-40B4-BE49-F238E27FC236}">
-                  <a16:creationId xmlns:a16="http://schemas.microsoft.com/office/drawing/2014/main" id="{C4B452CE-E07F-FEC4-AAD5-96A346331295}"/>
-                </a:ext>
-              </a:extLst>
-            </p:cNvPr>
-            <p:cNvCxnSpPr>
-              <a:cxnSpLocks/>
-            </p:cNvCxnSpPr>
-            <p:nvPr/>
-          </p:nvCxnSpPr>
-          <p:spPr>
-            <a:xfrm>
-              <a:off x="2447920" y="2497081"/>
-              <a:ext cx="0" cy="1375306"/>
-            </a:xfrm>
-            <a:prstGeom prst="straightConnector1">
-              <a:avLst/>
-            </a:prstGeom>
-            <a:ln w="28575">
-              <a:solidFill>
-                <a:schemeClr val="tx1"/>
-              </a:solidFill>
-              <a:tailEnd type="triangle"/>
-            </a:ln>
-          </p:spPr>
-          <p:style>
-            <a:lnRef idx="1">
-              <a:schemeClr val="accent1"/>
-            </a:lnRef>
-            <a:fillRef idx="0">
-              <a:schemeClr val="accent1"/>
-            </a:fillRef>
-            <a:effectRef idx="0">
-              <a:schemeClr val="accent1"/>
-            </a:effectRef>
-            <a:fontRef idx="minor">
+          <a:prstGeom prst="rect">
+            <a:avLst/>
+          </a:prstGeom>
+        </p:spPr>
+      </p:pic>
+      <p:cxnSp>
+        <p:nvCxnSpPr>
+          <p:cNvPr id="40" name="Straight Arrow Connector 39">
+            <a:extLst>
+              <a:ext uri="{FF2B5EF4-FFF2-40B4-BE49-F238E27FC236}">
+                <a16:creationId xmlns:a16="http://schemas.microsoft.com/office/drawing/2014/main" id="{C4B452CE-E07F-FEC4-AAD5-96A346331295}"/>
+              </a:ext>
+            </a:extLst>
+          </p:cNvPr>
+          <p:cNvCxnSpPr>
+            <a:cxnSpLocks/>
+          </p:cNvCxnSpPr>
+          <p:nvPr/>
+        </p:nvCxnSpPr>
+        <p:spPr>
+          <a:xfrm>
+            <a:off x="3143245" y="2523832"/>
+            <a:ext cx="0" cy="954802"/>
+          </a:xfrm>
+          <a:prstGeom prst="straightConnector1">
+            <a:avLst/>
+          </a:prstGeom>
+          <a:ln w="28575">
+            <a:solidFill>
               <a:schemeClr val="tx1"/>
-            </a:fontRef>
-          </p:style>
-        </p:cxnSp>
-        <p:sp>
-          <p:nvSpPr>
-            <p:cNvPr id="56" name="TextBox 55">
-              <a:extLst>
-                <a:ext uri="{FF2B5EF4-FFF2-40B4-BE49-F238E27FC236}">
-                  <a16:creationId xmlns:a16="http://schemas.microsoft.com/office/drawing/2014/main" id="{38AE4ECB-3E79-18A0-22CF-E135C52697A9}"/>
-                </a:ext>
-              </a:extLst>
-            </p:cNvPr>
-            <p:cNvSpPr txBox="1"/>
-            <p:nvPr/>
-          </p:nvSpPr>
-          <p:spPr>
-            <a:xfrm>
-              <a:off x="2743195" y="2497081"/>
-              <a:ext cx="1638300" cy="369332"/>
-            </a:xfrm>
-            <a:prstGeom prst="rect">
-              <a:avLst/>
-            </a:prstGeom>
-            <a:noFill/>
-          </p:spPr>
-          <p:txBody>
-            <a:bodyPr wrap="square" rtlCol="0">
-              <a:spAutoFit/>
-            </a:bodyPr>
-            <a:lstStyle/>
-            <a:p>
-              <a:r>
-                <a:rPr lang="en-US" dirty="0"/>
-                <a:t>Algebra</a:t>
-              </a:r>
-            </a:p>
-          </p:txBody>
-        </p:sp>
-        <p:sp>
-          <p:nvSpPr>
-            <p:cNvPr id="57" name="TextBox 56">
-              <a:extLst>
-                <a:ext uri="{FF2B5EF4-FFF2-40B4-BE49-F238E27FC236}">
-                  <a16:creationId xmlns:a16="http://schemas.microsoft.com/office/drawing/2014/main" id="{17431DB0-756F-BF61-2C35-E8FDA6B43C92}"/>
-                </a:ext>
-              </a:extLst>
-            </p:cNvPr>
-            <p:cNvSpPr txBox="1"/>
-            <p:nvPr/>
-          </p:nvSpPr>
-          <p:spPr>
-            <a:xfrm>
-              <a:off x="2743195" y="2962274"/>
-              <a:ext cx="2152649" cy="369332"/>
-            </a:xfrm>
-            <a:prstGeom prst="rect">
-              <a:avLst/>
-            </a:prstGeom>
-            <a:noFill/>
-          </p:spPr>
-          <p:txBody>
-            <a:bodyPr wrap="square" rtlCol="0">
-              <a:spAutoFit/>
-            </a:bodyPr>
-            <a:lstStyle/>
-            <a:p>
-              <a:r>
-                <a:rPr lang="en-US" dirty="0"/>
-                <a:t>Stirling’s formula: </a:t>
-              </a:r>
-            </a:p>
-          </p:txBody>
-        </p:sp>
-        <p:pic>
-          <p:nvPicPr>
-            <p:cNvPr id="59" name="Picture 58">
-              <a:extLst>
-                <a:ext uri="{FF2B5EF4-FFF2-40B4-BE49-F238E27FC236}">
-                  <a16:creationId xmlns:a16="http://schemas.microsoft.com/office/drawing/2014/main" id="{72BE9BA8-8EF8-774C-908A-D09D7A8C7171}"/>
-                </a:ext>
-              </a:extLst>
-            </p:cNvPr>
-            <p:cNvPicPr>
-              <a:picLocks noChangeAspect="1"/>
-            </p:cNvPicPr>
-            <p:nvPr/>
-          </p:nvPicPr>
-          <p:blipFill>
-            <a:blip r:embed="rId4"/>
-            <a:stretch>
-              <a:fillRect/>
-            </a:stretch>
-          </p:blipFill>
-          <p:spPr>
-            <a:xfrm>
-              <a:off x="4781546" y="2841996"/>
-              <a:ext cx="2047879" cy="609887"/>
-            </a:xfrm>
-            <a:prstGeom prst="rect">
-              <a:avLst/>
-            </a:prstGeom>
-          </p:spPr>
-        </p:pic>
-        <mc:AlternateContent xmlns:mc="http://schemas.openxmlformats.org/markup-compatibility/2006" xmlns:a14="http://schemas.microsoft.com/office/drawing/2010/main">
-          <mc:Choice Requires="a14">
-            <p:sp>
-              <p:nvSpPr>
-                <p:cNvPr id="65" name="TextBox 64">
-                  <a:extLst>
-                    <a:ext uri="{FF2B5EF4-FFF2-40B4-BE49-F238E27FC236}">
-                      <a16:creationId xmlns:a16="http://schemas.microsoft.com/office/drawing/2014/main" id="{525ABB0E-A56B-1341-DF12-8D9F3322492B}"/>
-                    </a:ext>
-                  </a:extLst>
-                </p:cNvPr>
-                <p:cNvSpPr txBox="1"/>
-                <p:nvPr/>
-              </p:nvSpPr>
-              <p:spPr>
-                <a:xfrm>
-                  <a:off x="2771768" y="3427467"/>
-                  <a:ext cx="4057655" cy="369332"/>
-                </a:xfrm>
-                <a:prstGeom prst="rect">
-                  <a:avLst/>
-                </a:prstGeom>
-                <a:noFill/>
-              </p:spPr>
-              <p:txBody>
-                <a:bodyPr wrap="square" rtlCol="0">
-                  <a:spAutoFit/>
-                </a:bodyPr>
-                <a:lstStyle/>
-                <a:p>
-                  <a:r>
-                    <a:rPr lang="en-US" dirty="0"/>
-                    <a:t>Only non-zero </a:t>
-                  </a:r>
-                  <a14:m>
-                    <m:oMath xmlns:m="http://schemas.openxmlformats.org/officeDocument/2006/math">
-                      <m:r>
-                        <a:rPr lang="en-US" b="0" i="1" smtClean="0">
-                          <a:latin typeface="Cambria Math" panose="02040503050406030204" pitchFamily="18" charset="0"/>
-                        </a:rPr>
-                        <m:t>𝑊</m:t>
-                      </m:r>
-                      <m:r>
-                        <a:rPr lang="en-US" b="0" i="1" smtClean="0">
-                          <a:latin typeface="Cambria Math" panose="02040503050406030204" pitchFamily="18" charset="0"/>
-                        </a:rPr>
-                        <m:t>(</m:t>
-                      </m:r>
-                      <m:r>
-                        <a:rPr lang="en-US" b="0" i="1" smtClean="0">
-                          <a:latin typeface="Cambria Math" panose="02040503050406030204" pitchFamily="18" charset="0"/>
-                        </a:rPr>
-                        <m:t>𝑁</m:t>
-                      </m:r>
-                      <m:r>
-                        <a:rPr lang="en-US" b="0" i="1" smtClean="0">
-                          <a:latin typeface="Cambria Math" panose="02040503050406030204" pitchFamily="18" charset="0"/>
-                        </a:rPr>
-                        <m:t>,</m:t>
-                      </m:r>
-                      <m:r>
-                        <a:rPr lang="en-US" b="0" i="1" smtClean="0">
-                          <a:latin typeface="Cambria Math" panose="02040503050406030204" pitchFamily="18" charset="0"/>
-                        </a:rPr>
-                        <m:t>𝑅</m:t>
-                      </m:r>
-                      <m:r>
-                        <a:rPr lang="en-US" b="0" i="1" smtClean="0">
-                          <a:latin typeface="Cambria Math" panose="02040503050406030204" pitchFamily="18" charset="0"/>
-                        </a:rPr>
-                        <m:t>)</m:t>
-                      </m:r>
-                    </m:oMath>
-                  </a14:m>
-                  <a:r>
-                    <a:rPr lang="en-US" dirty="0"/>
-                    <a:t>’s (Divide by 2)</a:t>
-                  </a:r>
-                </a:p>
-              </p:txBody>
-            </p:sp>
-          </mc:Choice>
-          <mc:Fallback xmlns="">
-            <p:sp>
-              <p:nvSpPr>
-                <p:cNvPr id="65" name="TextBox 64">
-                  <a:extLst>
-                    <a:ext uri="{FF2B5EF4-FFF2-40B4-BE49-F238E27FC236}">
-                      <a16:creationId xmlns:a16="http://schemas.microsoft.com/office/drawing/2014/main" id="{525ABB0E-A56B-1341-DF12-8D9F3322492B}"/>
-                    </a:ext>
-                  </a:extLst>
-                </p:cNvPr>
-                <p:cNvSpPr txBox="1">
-                  <a:spLocks noRot="1" noChangeAspect="1" noMove="1" noResize="1" noEditPoints="1" noAdjustHandles="1" noChangeArrowheads="1" noChangeShapeType="1" noTextEdit="1"/>
-                </p:cNvSpPr>
-                <p:nvPr/>
-              </p:nvSpPr>
-              <p:spPr>
-                <a:xfrm>
-                  <a:off x="2771768" y="3427467"/>
-                  <a:ext cx="4057655" cy="369332"/>
-                </a:xfrm>
-                <a:prstGeom prst="rect">
-                  <a:avLst/>
-                </a:prstGeom>
-                <a:blipFill>
-                  <a:blip r:embed="rId5"/>
-                  <a:stretch>
-                    <a:fillRect l="-1353" t="-10000" b="-26667"/>
-                  </a:stretch>
-                </a:blipFill>
-              </p:spPr>
-              <p:txBody>
-                <a:bodyPr/>
-                <a:lstStyle/>
-                <a:p>
-                  <a:r>
-                    <a:rPr lang="en-US">
-                      <a:noFill/>
-                    </a:rPr>
-                    <a:t> </a:t>
-                  </a:r>
-                </a:p>
-              </p:txBody>
-            </p:sp>
-          </mc:Fallback>
-        </mc:AlternateContent>
-        <p:pic>
-          <p:nvPicPr>
-            <p:cNvPr id="67" name="Picture 66">
-              <a:extLst>
-                <a:ext uri="{FF2B5EF4-FFF2-40B4-BE49-F238E27FC236}">
-                  <a16:creationId xmlns:a16="http://schemas.microsoft.com/office/drawing/2014/main" id="{A6A02659-D6EF-023E-673A-C7C4EA1CF445}"/>
-                </a:ext>
-              </a:extLst>
-            </p:cNvPr>
-            <p:cNvPicPr>
-              <a:picLocks noChangeAspect="1"/>
-            </p:cNvPicPr>
-            <p:nvPr/>
-          </p:nvPicPr>
-          <p:blipFill>
-            <a:blip r:embed="rId6"/>
-            <a:stretch>
-              <a:fillRect/>
-            </a:stretch>
-          </p:blipFill>
-          <p:spPr>
-            <a:xfrm>
-              <a:off x="1781177" y="3944599"/>
-              <a:ext cx="3633792" cy="574646"/>
-            </a:xfrm>
-            <a:prstGeom prst="rect">
-              <a:avLst/>
-            </a:prstGeom>
-          </p:spPr>
-        </p:pic>
-      </p:grpSp>
+            </a:solidFill>
+            <a:tailEnd type="triangle"/>
+          </a:ln>
+        </p:spPr>
+        <p:style>
+          <a:lnRef idx="1">
+            <a:schemeClr val="accent1"/>
+          </a:lnRef>
+          <a:fillRef idx="0">
+            <a:schemeClr val="accent1"/>
+          </a:fillRef>
+          <a:effectRef idx="0">
+            <a:schemeClr val="accent1"/>
+          </a:effectRef>
+          <a:fontRef idx="minor">
+            <a:schemeClr val="tx1"/>
+          </a:fontRef>
+        </p:style>
+      </p:cxnSp>
+      <p:sp>
+        <p:nvSpPr>
+          <p:cNvPr id="56" name="TextBox 55">
+            <a:extLst>
+              <a:ext uri="{FF2B5EF4-FFF2-40B4-BE49-F238E27FC236}">
+                <a16:creationId xmlns:a16="http://schemas.microsoft.com/office/drawing/2014/main" id="{38AE4ECB-3E79-18A0-22CF-E135C52697A9}"/>
+              </a:ext>
+            </a:extLst>
+          </p:cNvPr>
+          <p:cNvSpPr txBox="1"/>
+          <p:nvPr/>
+        </p:nvSpPr>
+        <p:spPr>
+          <a:xfrm>
+            <a:off x="3438520" y="2541735"/>
+            <a:ext cx="1638300" cy="369332"/>
+          </a:xfrm>
+          <a:prstGeom prst="rect">
+            <a:avLst/>
+          </a:prstGeom>
+          <a:noFill/>
+        </p:spPr>
+        <p:txBody>
+          <a:bodyPr wrap="square" rtlCol="0">
+            <a:spAutoFit/>
+          </a:bodyPr>
+          <a:lstStyle/>
+          <a:p>
+            <a:r>
+              <a:rPr lang="en-US" dirty="0"/>
+              <a:t>Algebra</a:t>
+            </a:r>
+          </a:p>
+        </p:txBody>
+      </p:sp>
+      <p:sp>
+        <p:nvSpPr>
+          <p:cNvPr id="57" name="TextBox 56">
+            <a:extLst>
+              <a:ext uri="{FF2B5EF4-FFF2-40B4-BE49-F238E27FC236}">
+                <a16:creationId xmlns:a16="http://schemas.microsoft.com/office/drawing/2014/main" id="{17431DB0-756F-BF61-2C35-E8FDA6B43C92}"/>
+              </a:ext>
+            </a:extLst>
+          </p:cNvPr>
+          <p:cNvSpPr txBox="1"/>
+          <p:nvPr/>
+        </p:nvSpPr>
+        <p:spPr>
+          <a:xfrm>
+            <a:off x="3438520" y="3006928"/>
+            <a:ext cx="2152649" cy="369332"/>
+          </a:xfrm>
+          <a:prstGeom prst="rect">
+            <a:avLst/>
+          </a:prstGeom>
+          <a:noFill/>
+        </p:spPr>
+        <p:txBody>
+          <a:bodyPr wrap="square" rtlCol="0">
+            <a:spAutoFit/>
+          </a:bodyPr>
+          <a:lstStyle/>
+          <a:p>
+            <a:r>
+              <a:rPr lang="en-US" dirty="0"/>
+              <a:t>Stirling’s formula: </a:t>
+            </a:r>
+          </a:p>
+        </p:txBody>
+      </p:sp>
+      <p:pic>
+        <p:nvPicPr>
+          <p:cNvPr id="59" name="Picture 58">
+            <a:extLst>
+              <a:ext uri="{FF2B5EF4-FFF2-40B4-BE49-F238E27FC236}">
+                <a16:creationId xmlns:a16="http://schemas.microsoft.com/office/drawing/2014/main" id="{72BE9BA8-8EF8-774C-908A-D09D7A8C7171}"/>
+              </a:ext>
+            </a:extLst>
+          </p:cNvPr>
+          <p:cNvPicPr>
+            <a:picLocks noChangeAspect="1"/>
+          </p:cNvPicPr>
+          <p:nvPr/>
+        </p:nvPicPr>
+        <p:blipFill>
+          <a:blip r:embed="rId4"/>
+          <a:stretch>
+            <a:fillRect/>
+          </a:stretch>
+        </p:blipFill>
+        <p:spPr>
+          <a:xfrm>
+            <a:off x="5476871" y="2886650"/>
+            <a:ext cx="2047879" cy="609887"/>
+          </a:xfrm>
+          <a:prstGeom prst="rect">
+            <a:avLst/>
+          </a:prstGeom>
+        </p:spPr>
+      </p:pic>
+      <p:pic>
+        <p:nvPicPr>
+          <p:cNvPr id="67" name="Picture 66">
+            <a:extLst>
+              <a:ext uri="{FF2B5EF4-FFF2-40B4-BE49-F238E27FC236}">
+                <a16:creationId xmlns:a16="http://schemas.microsoft.com/office/drawing/2014/main" id="{A6A02659-D6EF-023E-673A-C7C4EA1CF445}"/>
+              </a:ext>
+            </a:extLst>
+          </p:cNvPr>
+          <p:cNvPicPr>
+            <a:picLocks noChangeAspect="1"/>
+          </p:cNvPicPr>
+          <p:nvPr/>
+        </p:nvPicPr>
+        <p:blipFill>
+          <a:blip r:embed="rId5"/>
+          <a:stretch>
+            <a:fillRect/>
+          </a:stretch>
+        </p:blipFill>
+        <p:spPr>
+          <a:xfrm>
+            <a:off x="2476502" y="3715862"/>
+            <a:ext cx="3633792" cy="574646"/>
+          </a:xfrm>
+          <a:prstGeom prst="rect">
+            <a:avLst/>
+          </a:prstGeom>
+        </p:spPr>
+      </p:pic>
       <p:sp>
         <p:nvSpPr>
           <p:cNvPr id="68" name="TextBox 67">
@@ -11689,14 +12382,14 @@
           <p:nvPr/>
         </p:nvPicPr>
         <p:blipFill>
-          <a:blip r:embed="rId7"/>
+          <a:blip r:embed="rId6"/>
           <a:stretch>
             <a:fillRect/>
           </a:stretch>
         </p:blipFill>
         <p:spPr>
           <a:xfrm>
-            <a:off x="2476502" y="4563912"/>
+            <a:off x="2476502" y="4308424"/>
             <a:ext cx="8376689" cy="637904"/>
           </a:xfrm>
           <a:prstGeom prst="rect">
@@ -11719,7 +12412,7 @@
           <p:nvPr/>
         </p:nvPicPr>
         <p:blipFill>
-          <a:blip r:embed="rId8"/>
+          <a:blip r:embed="rId7"/>
           <a:stretch>
             <a:fillRect/>
           </a:stretch>
@@ -11750,7 +12443,7 @@
         </p:nvCxnSpPr>
         <p:spPr>
           <a:xfrm>
-            <a:off x="2828920" y="5201816"/>
+            <a:off x="3143245" y="5064236"/>
             <a:ext cx="0" cy="954794"/>
           </a:xfrm>
           <a:prstGeom prst="straightConnector1">
@@ -11793,14 +12486,14 @@
           <p:nvPr/>
         </p:nvPicPr>
         <p:blipFill>
-          <a:blip r:embed="rId9"/>
+          <a:blip r:embed="rId8"/>
           <a:stretch>
             <a:fillRect/>
           </a:stretch>
         </p:blipFill>
         <p:spPr>
           <a:xfrm>
-            <a:off x="3119696" y="5411521"/>
+            <a:off x="3434021" y="5273941"/>
             <a:ext cx="2976304" cy="585978"/>
           </a:xfrm>
           <a:prstGeom prst="rect">
@@ -11818,6 +12511,491 @@
   <p:clrMapOvr>
     <a:masterClrMapping/>
   </p:clrMapOvr>
+  <p:timing>
+    <p:tnLst>
+      <p:par>
+        <p:cTn id="1" dur="indefinite" restart="never" nodeType="tmRoot">
+          <p:childTnLst>
+            <p:seq concurrent="1" nextAc="seek">
+              <p:cTn id="2" dur="indefinite" nodeType="mainSeq">
+                <p:childTnLst>
+                  <p:par>
+                    <p:cTn id="3" fill="hold">
+                      <p:stCondLst>
+                        <p:cond delay="indefinite"/>
+                      </p:stCondLst>
+                      <p:childTnLst>
+                        <p:par>
+                          <p:cTn id="4" fill="hold">
+                            <p:stCondLst>
+                              <p:cond delay="0"/>
+                            </p:stCondLst>
+                            <p:childTnLst>
+                              <p:par>
+                                <p:cTn id="5" presetID="1" presetClass="entr" presetSubtype="0" fill="hold" nodeType="clickEffect">
+                                  <p:stCondLst>
+                                    <p:cond delay="0"/>
+                                  </p:stCondLst>
+                                  <p:childTnLst>
+                                    <p:set>
+                                      <p:cBhvr>
+                                        <p:cTn id="6" dur="1" fill="hold">
+                                          <p:stCondLst>
+                                            <p:cond delay="0"/>
+                                          </p:stCondLst>
+                                        </p:cTn>
+                                        <p:tgtEl>
+                                          <p:spTgt spid="9"/>
+                                        </p:tgtEl>
+                                        <p:attrNameLst>
+                                          <p:attrName>style.visibility</p:attrName>
+                                        </p:attrNameLst>
+                                      </p:cBhvr>
+                                      <p:to>
+                                        <p:strVal val="visible"/>
+                                      </p:to>
+                                    </p:set>
+                                  </p:childTnLst>
+                                </p:cTn>
+                              </p:par>
+                            </p:childTnLst>
+                          </p:cTn>
+                        </p:par>
+                      </p:childTnLst>
+                    </p:cTn>
+                  </p:par>
+                  <p:par>
+                    <p:cTn id="7" fill="hold">
+                      <p:stCondLst>
+                        <p:cond delay="indefinite"/>
+                      </p:stCondLst>
+                      <p:childTnLst>
+                        <p:par>
+                          <p:cTn id="8" fill="hold">
+                            <p:stCondLst>
+                              <p:cond delay="0"/>
+                            </p:stCondLst>
+                            <p:childTnLst>
+                              <p:par>
+                                <p:cTn id="9" presetID="1" presetClass="entr" presetSubtype="0" fill="hold" nodeType="clickEffect">
+                                  <p:stCondLst>
+                                    <p:cond delay="0"/>
+                                  </p:stCondLst>
+                                  <p:childTnLst>
+                                    <p:set>
+                                      <p:cBhvr>
+                                        <p:cTn id="10" dur="1" fill="hold">
+                                          <p:stCondLst>
+                                            <p:cond delay="0"/>
+                                          </p:stCondLst>
+                                        </p:cTn>
+                                        <p:tgtEl>
+                                          <p:spTgt spid="19"/>
+                                        </p:tgtEl>
+                                        <p:attrNameLst>
+                                          <p:attrName>style.visibility</p:attrName>
+                                        </p:attrNameLst>
+                                      </p:cBhvr>
+                                      <p:to>
+                                        <p:strVal val="visible"/>
+                                      </p:to>
+                                    </p:set>
+                                  </p:childTnLst>
+                                </p:cTn>
+                              </p:par>
+                            </p:childTnLst>
+                          </p:cTn>
+                        </p:par>
+                      </p:childTnLst>
+                    </p:cTn>
+                  </p:par>
+                  <p:par>
+                    <p:cTn id="11" fill="hold">
+                      <p:stCondLst>
+                        <p:cond delay="indefinite"/>
+                      </p:stCondLst>
+                      <p:childTnLst>
+                        <p:par>
+                          <p:cTn id="12" fill="hold">
+                            <p:stCondLst>
+                              <p:cond delay="0"/>
+                            </p:stCondLst>
+                            <p:childTnLst>
+                              <p:par>
+                                <p:cTn id="13" presetID="1" presetClass="entr" presetSubtype="0" fill="hold" grpId="0" nodeType="clickEffect">
+                                  <p:stCondLst>
+                                    <p:cond delay="0"/>
+                                  </p:stCondLst>
+                                  <p:childTnLst>
+                                    <p:set>
+                                      <p:cBhvr>
+                                        <p:cTn id="14" dur="1" fill="hold">
+                                          <p:stCondLst>
+                                            <p:cond delay="0"/>
+                                          </p:stCondLst>
+                                        </p:cTn>
+                                        <p:tgtEl>
+                                          <p:spTgt spid="56"/>
+                                        </p:tgtEl>
+                                        <p:attrNameLst>
+                                          <p:attrName>style.visibility</p:attrName>
+                                        </p:attrNameLst>
+                                      </p:cBhvr>
+                                      <p:to>
+                                        <p:strVal val="visible"/>
+                                      </p:to>
+                                    </p:set>
+                                  </p:childTnLst>
+                                </p:cTn>
+                              </p:par>
+                              <p:par>
+                                <p:cTn id="15" presetID="1" presetClass="entr" presetSubtype="0" fill="hold" nodeType="withEffect">
+                                  <p:stCondLst>
+                                    <p:cond delay="0"/>
+                                  </p:stCondLst>
+                                  <p:childTnLst>
+                                    <p:set>
+                                      <p:cBhvr>
+                                        <p:cTn id="16" dur="1" fill="hold">
+                                          <p:stCondLst>
+                                            <p:cond delay="0"/>
+                                          </p:stCondLst>
+                                        </p:cTn>
+                                        <p:tgtEl>
+                                          <p:spTgt spid="40"/>
+                                        </p:tgtEl>
+                                        <p:attrNameLst>
+                                          <p:attrName>style.visibility</p:attrName>
+                                        </p:attrNameLst>
+                                      </p:cBhvr>
+                                      <p:to>
+                                        <p:strVal val="visible"/>
+                                      </p:to>
+                                    </p:set>
+                                  </p:childTnLst>
+                                </p:cTn>
+                              </p:par>
+                              <p:par>
+                                <p:cTn id="17" presetID="1" presetClass="entr" presetSubtype="0" fill="hold" grpId="0" nodeType="withEffect">
+                                  <p:stCondLst>
+                                    <p:cond delay="0"/>
+                                  </p:stCondLst>
+                                  <p:childTnLst>
+                                    <p:set>
+                                      <p:cBhvr>
+                                        <p:cTn id="18" dur="1" fill="hold">
+                                          <p:stCondLst>
+                                            <p:cond delay="0"/>
+                                          </p:stCondLst>
+                                        </p:cTn>
+                                        <p:tgtEl>
+                                          <p:spTgt spid="57"/>
+                                        </p:tgtEl>
+                                        <p:attrNameLst>
+                                          <p:attrName>style.visibility</p:attrName>
+                                        </p:attrNameLst>
+                                      </p:cBhvr>
+                                      <p:to>
+                                        <p:strVal val="visible"/>
+                                      </p:to>
+                                    </p:set>
+                                  </p:childTnLst>
+                                </p:cTn>
+                              </p:par>
+                              <p:par>
+                                <p:cTn id="19" presetID="1" presetClass="entr" presetSubtype="0" fill="hold" nodeType="withEffect">
+                                  <p:stCondLst>
+                                    <p:cond delay="0"/>
+                                  </p:stCondLst>
+                                  <p:childTnLst>
+                                    <p:set>
+                                      <p:cBhvr>
+                                        <p:cTn id="20" dur="1" fill="hold">
+                                          <p:stCondLst>
+                                            <p:cond delay="0"/>
+                                          </p:stCondLst>
+                                        </p:cTn>
+                                        <p:tgtEl>
+                                          <p:spTgt spid="59"/>
+                                        </p:tgtEl>
+                                        <p:attrNameLst>
+                                          <p:attrName>style.visibility</p:attrName>
+                                        </p:attrNameLst>
+                                      </p:cBhvr>
+                                      <p:to>
+                                        <p:strVal val="visible"/>
+                                      </p:to>
+                                    </p:set>
+                                  </p:childTnLst>
+                                </p:cTn>
+                              </p:par>
+                            </p:childTnLst>
+                          </p:cTn>
+                        </p:par>
+                      </p:childTnLst>
+                    </p:cTn>
+                  </p:par>
+                  <p:par>
+                    <p:cTn id="21" fill="hold">
+                      <p:stCondLst>
+                        <p:cond delay="indefinite"/>
+                      </p:stCondLst>
+                      <p:childTnLst>
+                        <p:par>
+                          <p:cTn id="22" fill="hold">
+                            <p:stCondLst>
+                              <p:cond delay="0"/>
+                            </p:stCondLst>
+                            <p:childTnLst>
+                              <p:par>
+                                <p:cTn id="23" presetID="1" presetClass="entr" presetSubtype="0" fill="hold" nodeType="clickEffect">
+                                  <p:stCondLst>
+                                    <p:cond delay="0"/>
+                                  </p:stCondLst>
+                                  <p:childTnLst>
+                                    <p:set>
+                                      <p:cBhvr>
+                                        <p:cTn id="24" dur="1" fill="hold">
+                                          <p:stCondLst>
+                                            <p:cond delay="0"/>
+                                          </p:stCondLst>
+                                        </p:cTn>
+                                        <p:tgtEl>
+                                          <p:spTgt spid="67"/>
+                                        </p:tgtEl>
+                                        <p:attrNameLst>
+                                          <p:attrName>style.visibility</p:attrName>
+                                        </p:attrNameLst>
+                                      </p:cBhvr>
+                                      <p:to>
+                                        <p:strVal val="visible"/>
+                                      </p:to>
+                                    </p:set>
+                                  </p:childTnLst>
+                                </p:cTn>
+                              </p:par>
+                            </p:childTnLst>
+                          </p:cTn>
+                        </p:par>
+                      </p:childTnLst>
+                    </p:cTn>
+                  </p:par>
+                  <p:par>
+                    <p:cTn id="25" fill="hold">
+                      <p:stCondLst>
+                        <p:cond delay="indefinite"/>
+                      </p:stCondLst>
+                      <p:childTnLst>
+                        <p:par>
+                          <p:cTn id="26" fill="hold">
+                            <p:stCondLst>
+                              <p:cond delay="0"/>
+                            </p:stCondLst>
+                            <p:childTnLst>
+                              <p:par>
+                                <p:cTn id="27" presetID="1" presetClass="entr" presetSubtype="0" fill="hold" nodeType="clickEffect">
+                                  <p:stCondLst>
+                                    <p:cond delay="0"/>
+                                  </p:stCondLst>
+                                  <p:childTnLst>
+                                    <p:set>
+                                      <p:cBhvr>
+                                        <p:cTn id="28" dur="1" fill="hold">
+                                          <p:stCondLst>
+                                            <p:cond delay="0"/>
+                                          </p:stCondLst>
+                                        </p:cTn>
+                                        <p:tgtEl>
+                                          <p:spTgt spid="75"/>
+                                        </p:tgtEl>
+                                        <p:attrNameLst>
+                                          <p:attrName>style.visibility</p:attrName>
+                                        </p:attrNameLst>
+                                      </p:cBhvr>
+                                      <p:to>
+                                        <p:strVal val="visible"/>
+                                      </p:to>
+                                    </p:set>
+                                  </p:childTnLst>
+                                </p:cTn>
+                              </p:par>
+                            </p:childTnLst>
+                          </p:cTn>
+                        </p:par>
+                      </p:childTnLst>
+                    </p:cTn>
+                  </p:par>
+                  <p:par>
+                    <p:cTn id="29" fill="hold">
+                      <p:stCondLst>
+                        <p:cond delay="indefinite"/>
+                      </p:stCondLst>
+                      <p:childTnLst>
+                        <p:par>
+                          <p:cTn id="30" fill="hold">
+                            <p:stCondLst>
+                              <p:cond delay="0"/>
+                            </p:stCondLst>
+                            <p:childTnLst>
+                              <p:par>
+                                <p:cTn id="31" presetID="1" presetClass="entr" presetSubtype="0" fill="hold" nodeType="clickEffect">
+                                  <p:stCondLst>
+                                    <p:cond delay="0"/>
+                                  </p:stCondLst>
+                                  <p:childTnLst>
+                                    <p:set>
+                                      <p:cBhvr>
+                                        <p:cTn id="32" dur="1" fill="hold">
+                                          <p:stCondLst>
+                                            <p:cond delay="0"/>
+                                          </p:stCondLst>
+                                        </p:cTn>
+                                        <p:tgtEl>
+                                          <p:spTgt spid="82"/>
+                                        </p:tgtEl>
+                                        <p:attrNameLst>
+                                          <p:attrName>style.visibility</p:attrName>
+                                        </p:attrNameLst>
+                                      </p:cBhvr>
+                                      <p:to>
+                                        <p:strVal val="visible"/>
+                                      </p:to>
+                                    </p:set>
+                                  </p:childTnLst>
+                                </p:cTn>
+                              </p:par>
+                              <p:par>
+                                <p:cTn id="33" presetID="1" presetClass="entr" presetSubtype="0" fill="hold" nodeType="withEffect">
+                                  <p:stCondLst>
+                                    <p:cond delay="0"/>
+                                  </p:stCondLst>
+                                  <p:childTnLst>
+                                    <p:set>
+                                      <p:cBhvr>
+                                        <p:cTn id="34" dur="1" fill="hold">
+                                          <p:stCondLst>
+                                            <p:cond delay="0"/>
+                                          </p:stCondLst>
+                                        </p:cTn>
+                                        <p:tgtEl>
+                                          <p:spTgt spid="86"/>
+                                        </p:tgtEl>
+                                        <p:attrNameLst>
+                                          <p:attrName>style.visibility</p:attrName>
+                                        </p:attrNameLst>
+                                      </p:cBhvr>
+                                      <p:to>
+                                        <p:strVal val="visible"/>
+                                      </p:to>
+                                    </p:set>
+                                  </p:childTnLst>
+                                </p:cTn>
+                              </p:par>
+                            </p:childTnLst>
+                          </p:cTn>
+                        </p:par>
+                      </p:childTnLst>
+                    </p:cTn>
+                  </p:par>
+                  <p:par>
+                    <p:cTn id="35" fill="hold">
+                      <p:stCondLst>
+                        <p:cond delay="indefinite"/>
+                      </p:stCondLst>
+                      <p:childTnLst>
+                        <p:par>
+                          <p:cTn id="36" fill="hold">
+                            <p:stCondLst>
+                              <p:cond delay="0"/>
+                            </p:stCondLst>
+                            <p:childTnLst>
+                              <p:par>
+                                <p:cTn id="37" presetID="1" presetClass="entr" presetSubtype="0" fill="hold" grpId="0" nodeType="clickEffect">
+                                  <p:stCondLst>
+                                    <p:cond delay="0"/>
+                                  </p:stCondLst>
+                                  <p:childTnLst>
+                                    <p:set>
+                                      <p:cBhvr>
+                                        <p:cTn id="38" dur="1" fill="hold">
+                                          <p:stCondLst>
+                                            <p:cond delay="0"/>
+                                          </p:stCondLst>
+                                        </p:cTn>
+                                        <p:tgtEl>
+                                          <p:spTgt spid="68"/>
+                                        </p:tgtEl>
+                                        <p:attrNameLst>
+                                          <p:attrName>style.visibility</p:attrName>
+                                        </p:attrNameLst>
+                                      </p:cBhvr>
+                                      <p:to>
+                                        <p:strVal val="visible"/>
+                                      </p:to>
+                                    </p:set>
+                                  </p:childTnLst>
+                                </p:cTn>
+                              </p:par>
+                              <p:par>
+                                <p:cTn id="39" presetID="1" presetClass="entr" presetSubtype="0" fill="hold" nodeType="withEffect">
+                                  <p:stCondLst>
+                                    <p:cond delay="0"/>
+                                  </p:stCondLst>
+                                  <p:childTnLst>
+                                    <p:set>
+                                      <p:cBhvr>
+                                        <p:cTn id="40" dur="1" fill="hold">
+                                          <p:stCondLst>
+                                            <p:cond delay="0"/>
+                                          </p:stCondLst>
+                                        </p:cTn>
+                                        <p:tgtEl>
+                                          <p:spTgt spid="80"/>
+                                        </p:tgtEl>
+                                        <p:attrNameLst>
+                                          <p:attrName>style.visibility</p:attrName>
+                                        </p:attrNameLst>
+                                      </p:cBhvr>
+                                      <p:to>
+                                        <p:strVal val="visible"/>
+                                      </p:to>
+                                    </p:set>
+                                  </p:childTnLst>
+                                </p:cTn>
+                              </p:par>
+                            </p:childTnLst>
+                          </p:cTn>
+                        </p:par>
+                      </p:childTnLst>
+                    </p:cTn>
+                  </p:par>
+                </p:childTnLst>
+              </p:cTn>
+              <p:prevCondLst>
+                <p:cond evt="onPrev" delay="0">
+                  <p:tgtEl>
+                    <p:sldTgt/>
+                  </p:tgtEl>
+                </p:cond>
+              </p:prevCondLst>
+              <p:nextCondLst>
+                <p:cond evt="onNext" delay="0">
+                  <p:tgtEl>
+                    <p:sldTgt/>
+                  </p:tgtEl>
+                </p:cond>
+              </p:nextCondLst>
+            </p:seq>
+          </p:childTnLst>
+        </p:cTn>
+      </p:par>
+    </p:tnLst>
+    <p:bldLst>
+      <p:bldP spid="56" grpId="0"/>
+      <p:bldP spid="57" grpId="0"/>
+      <p:bldP spid="68" grpId="0"/>
+    </p:bldLst>
+  </p:timing>
 </p:sld>
 </file>
 
@@ -14369,7 +15547,7 @@
             <a:solidFill>
               <a:schemeClr val="bg1"/>
             </a:solidFill>
-            <a:ln w="28575">
+            <a:ln w="19050">
               <a:solidFill>
                 <a:schemeClr val="tx1"/>
               </a:solidFill>
@@ -14447,6 +15625,578 @@
   <p:clrMapOvr>
     <a:masterClrMapping/>
   </p:clrMapOvr>
+  <p:timing>
+    <p:tnLst>
+      <p:par>
+        <p:cTn id="1" dur="indefinite" restart="never" nodeType="tmRoot">
+          <p:childTnLst>
+            <p:seq concurrent="1" nextAc="seek">
+              <p:cTn id="2" dur="indefinite" nodeType="mainSeq">
+                <p:childTnLst>
+                  <p:par>
+                    <p:cTn id="3" fill="hold">
+                      <p:stCondLst>
+                        <p:cond delay="indefinite"/>
+                      </p:stCondLst>
+                      <p:childTnLst>
+                        <p:par>
+                          <p:cTn id="4" fill="hold">
+                            <p:stCondLst>
+                              <p:cond delay="0"/>
+                            </p:stCondLst>
+                            <p:childTnLst>
+                              <p:par>
+                                <p:cTn id="5" presetID="1" presetClass="entr" presetSubtype="0" fill="hold" grpId="0" nodeType="clickEffect">
+                                  <p:stCondLst>
+                                    <p:cond delay="0"/>
+                                  </p:stCondLst>
+                                  <p:childTnLst>
+                                    <p:set>
+                                      <p:cBhvr>
+                                        <p:cTn id="6" dur="1" fill="hold">
+                                          <p:stCondLst>
+                                            <p:cond delay="0"/>
+                                          </p:stCondLst>
+                                        </p:cTn>
+                                        <p:tgtEl>
+                                          <p:spTgt spid="68"/>
+                                        </p:tgtEl>
+                                        <p:attrNameLst>
+                                          <p:attrName>style.visibility</p:attrName>
+                                        </p:attrNameLst>
+                                      </p:cBhvr>
+                                      <p:to>
+                                        <p:strVal val="visible"/>
+                                      </p:to>
+                                    </p:set>
+                                  </p:childTnLst>
+                                </p:cTn>
+                              </p:par>
+                              <p:par>
+                                <p:cTn id="7" presetID="1" presetClass="entr" presetSubtype="0" fill="hold" nodeType="withEffect">
+                                  <p:stCondLst>
+                                    <p:cond delay="0"/>
+                                  </p:stCondLst>
+                                  <p:childTnLst>
+                                    <p:set>
+                                      <p:cBhvr>
+                                        <p:cTn id="8" dur="1" fill="hold">
+                                          <p:stCondLst>
+                                            <p:cond delay="0"/>
+                                          </p:stCondLst>
+                                        </p:cTn>
+                                        <p:tgtEl>
+                                          <p:spTgt spid="80"/>
+                                        </p:tgtEl>
+                                        <p:attrNameLst>
+                                          <p:attrName>style.visibility</p:attrName>
+                                        </p:attrNameLst>
+                                      </p:cBhvr>
+                                      <p:to>
+                                        <p:strVal val="visible"/>
+                                      </p:to>
+                                    </p:set>
+                                  </p:childTnLst>
+                                </p:cTn>
+                              </p:par>
+                            </p:childTnLst>
+                          </p:cTn>
+                        </p:par>
+                      </p:childTnLst>
+                    </p:cTn>
+                  </p:par>
+                  <p:par>
+                    <p:cTn id="9" fill="hold">
+                      <p:stCondLst>
+                        <p:cond delay="indefinite"/>
+                      </p:stCondLst>
+                      <p:childTnLst>
+                        <p:par>
+                          <p:cTn id="10" fill="hold">
+                            <p:stCondLst>
+                              <p:cond delay="0"/>
+                            </p:stCondLst>
+                            <p:childTnLst>
+                              <p:par>
+                                <p:cTn id="11" presetID="1" presetClass="entr" presetSubtype="0" fill="hold" grpId="0" nodeType="clickEffect">
+                                  <p:stCondLst>
+                                    <p:cond delay="0"/>
+                                  </p:stCondLst>
+                                  <p:childTnLst>
+                                    <p:set>
+                                      <p:cBhvr>
+                                        <p:cTn id="12" dur="1" fill="hold">
+                                          <p:stCondLst>
+                                            <p:cond delay="0"/>
+                                          </p:stCondLst>
+                                        </p:cTn>
+                                        <p:tgtEl>
+                                          <p:spTgt spid="4"/>
+                                        </p:tgtEl>
+                                        <p:attrNameLst>
+                                          <p:attrName>style.visibility</p:attrName>
+                                        </p:attrNameLst>
+                                      </p:cBhvr>
+                                      <p:to>
+                                        <p:strVal val="visible"/>
+                                      </p:to>
+                                    </p:set>
+                                  </p:childTnLst>
+                                </p:cTn>
+                              </p:par>
+                              <p:par>
+                                <p:cTn id="13" presetID="1" presetClass="entr" presetSubtype="0" fill="hold" nodeType="withEffect">
+                                  <p:stCondLst>
+                                    <p:cond delay="0"/>
+                                  </p:stCondLst>
+                                  <p:childTnLst>
+                                    <p:set>
+                                      <p:cBhvr>
+                                        <p:cTn id="14" dur="1" fill="hold">
+                                          <p:stCondLst>
+                                            <p:cond delay="0"/>
+                                          </p:stCondLst>
+                                        </p:cTn>
+                                        <p:tgtEl>
+                                          <p:spTgt spid="7"/>
+                                        </p:tgtEl>
+                                        <p:attrNameLst>
+                                          <p:attrName>style.visibility</p:attrName>
+                                        </p:attrNameLst>
+                                      </p:cBhvr>
+                                      <p:to>
+                                        <p:strVal val="visible"/>
+                                      </p:to>
+                                    </p:set>
+                                  </p:childTnLst>
+                                </p:cTn>
+                              </p:par>
+                              <p:par>
+                                <p:cTn id="15" presetID="1" presetClass="entr" presetSubtype="0" fill="hold" nodeType="withEffect">
+                                  <p:stCondLst>
+                                    <p:cond delay="0"/>
+                                  </p:stCondLst>
+                                  <p:childTnLst>
+                                    <p:set>
+                                      <p:cBhvr>
+                                        <p:cTn id="16" dur="1" fill="hold">
+                                          <p:stCondLst>
+                                            <p:cond delay="0"/>
+                                          </p:stCondLst>
+                                        </p:cTn>
+                                        <p:tgtEl>
+                                          <p:spTgt spid="14"/>
+                                        </p:tgtEl>
+                                        <p:attrNameLst>
+                                          <p:attrName>style.visibility</p:attrName>
+                                        </p:attrNameLst>
+                                      </p:cBhvr>
+                                      <p:to>
+                                        <p:strVal val="visible"/>
+                                      </p:to>
+                                    </p:set>
+                                  </p:childTnLst>
+                                </p:cTn>
+                              </p:par>
+                            </p:childTnLst>
+                          </p:cTn>
+                        </p:par>
+                      </p:childTnLst>
+                    </p:cTn>
+                  </p:par>
+                  <p:par>
+                    <p:cTn id="17" fill="hold">
+                      <p:stCondLst>
+                        <p:cond delay="indefinite"/>
+                      </p:stCondLst>
+                      <p:childTnLst>
+                        <p:par>
+                          <p:cTn id="18" fill="hold">
+                            <p:stCondLst>
+                              <p:cond delay="0"/>
+                            </p:stCondLst>
+                            <p:childTnLst>
+                              <p:par>
+                                <p:cTn id="19" presetID="1" presetClass="entr" presetSubtype="0" fill="hold" nodeType="clickEffect">
+                                  <p:stCondLst>
+                                    <p:cond delay="0"/>
+                                  </p:stCondLst>
+                                  <p:childTnLst>
+                                    <p:set>
+                                      <p:cBhvr>
+                                        <p:cTn id="20" dur="1" fill="hold">
+                                          <p:stCondLst>
+                                            <p:cond delay="0"/>
+                                          </p:stCondLst>
+                                        </p:cTn>
+                                        <p:tgtEl>
+                                          <p:spTgt spid="12"/>
+                                        </p:tgtEl>
+                                        <p:attrNameLst>
+                                          <p:attrName>style.visibility</p:attrName>
+                                        </p:attrNameLst>
+                                      </p:cBhvr>
+                                      <p:to>
+                                        <p:strVal val="visible"/>
+                                      </p:to>
+                                    </p:set>
+                                  </p:childTnLst>
+                                </p:cTn>
+                              </p:par>
+                            </p:childTnLst>
+                          </p:cTn>
+                        </p:par>
+                      </p:childTnLst>
+                    </p:cTn>
+                  </p:par>
+                  <p:par>
+                    <p:cTn id="21" fill="hold">
+                      <p:stCondLst>
+                        <p:cond delay="indefinite"/>
+                      </p:stCondLst>
+                      <p:childTnLst>
+                        <p:par>
+                          <p:cTn id="22" fill="hold">
+                            <p:stCondLst>
+                              <p:cond delay="0"/>
+                            </p:stCondLst>
+                            <p:childTnLst>
+                              <p:par>
+                                <p:cTn id="23" presetID="1" presetClass="entr" presetSubtype="0" fill="hold" nodeType="clickEffect">
+                                  <p:stCondLst>
+                                    <p:cond delay="0"/>
+                                  </p:stCondLst>
+                                  <p:childTnLst>
+                                    <p:set>
+                                      <p:cBhvr>
+                                        <p:cTn id="24" dur="1" fill="hold">
+                                          <p:stCondLst>
+                                            <p:cond delay="0"/>
+                                          </p:stCondLst>
+                                        </p:cTn>
+                                        <p:tgtEl>
+                                          <p:spTgt spid="15">
+                                            <p:txEl>
+                                              <p:pRg st="0" end="0"/>
+                                            </p:txEl>
+                                          </p:spTgt>
+                                        </p:tgtEl>
+                                        <p:attrNameLst>
+                                          <p:attrName>style.visibility</p:attrName>
+                                        </p:attrNameLst>
+                                      </p:cBhvr>
+                                      <p:to>
+                                        <p:strVal val="visible"/>
+                                      </p:to>
+                                    </p:set>
+                                  </p:childTnLst>
+                                </p:cTn>
+                              </p:par>
+                              <p:par>
+                                <p:cTn id="25" presetID="1" presetClass="entr" presetSubtype="0" fill="hold" nodeType="withEffect">
+                                  <p:stCondLst>
+                                    <p:cond delay="0"/>
+                                  </p:stCondLst>
+                                  <p:childTnLst>
+                                    <p:set>
+                                      <p:cBhvr>
+                                        <p:cTn id="26" dur="1" fill="hold">
+                                          <p:stCondLst>
+                                            <p:cond delay="0"/>
+                                          </p:stCondLst>
+                                        </p:cTn>
+                                        <p:tgtEl>
+                                          <p:spTgt spid="15">
+                                            <p:txEl>
+                                              <p:pRg st="1" end="1"/>
+                                            </p:txEl>
+                                          </p:spTgt>
+                                        </p:tgtEl>
+                                        <p:attrNameLst>
+                                          <p:attrName>style.visibility</p:attrName>
+                                        </p:attrNameLst>
+                                      </p:cBhvr>
+                                      <p:to>
+                                        <p:strVal val="visible"/>
+                                      </p:to>
+                                    </p:set>
+                                  </p:childTnLst>
+                                </p:cTn>
+                              </p:par>
+                            </p:childTnLst>
+                          </p:cTn>
+                        </p:par>
+                      </p:childTnLst>
+                    </p:cTn>
+                  </p:par>
+                  <p:par>
+                    <p:cTn id="27" fill="hold">
+                      <p:stCondLst>
+                        <p:cond delay="indefinite"/>
+                      </p:stCondLst>
+                      <p:childTnLst>
+                        <p:par>
+                          <p:cTn id="28" fill="hold">
+                            <p:stCondLst>
+                              <p:cond delay="0"/>
+                            </p:stCondLst>
+                            <p:childTnLst>
+                              <p:par>
+                                <p:cTn id="29" presetID="1" presetClass="entr" presetSubtype="0" fill="hold" nodeType="clickEffect">
+                                  <p:stCondLst>
+                                    <p:cond delay="0"/>
+                                  </p:stCondLst>
+                                  <p:childTnLst>
+                                    <p:set>
+                                      <p:cBhvr>
+                                        <p:cTn id="30" dur="1" fill="hold">
+                                          <p:stCondLst>
+                                            <p:cond delay="0"/>
+                                          </p:stCondLst>
+                                        </p:cTn>
+                                        <p:tgtEl>
+                                          <p:spTgt spid="15">
+                                            <p:txEl>
+                                              <p:pRg st="2" end="2"/>
+                                            </p:txEl>
+                                          </p:spTgt>
+                                        </p:tgtEl>
+                                        <p:attrNameLst>
+                                          <p:attrName>style.visibility</p:attrName>
+                                        </p:attrNameLst>
+                                      </p:cBhvr>
+                                      <p:to>
+                                        <p:strVal val="visible"/>
+                                      </p:to>
+                                    </p:set>
+                                  </p:childTnLst>
+                                </p:cTn>
+                              </p:par>
+                              <p:par>
+                                <p:cTn id="31" presetID="1" presetClass="entr" presetSubtype="0" fill="hold" nodeType="withEffect">
+                                  <p:stCondLst>
+                                    <p:cond delay="0"/>
+                                  </p:stCondLst>
+                                  <p:childTnLst>
+                                    <p:set>
+                                      <p:cBhvr>
+                                        <p:cTn id="32" dur="1" fill="hold">
+                                          <p:stCondLst>
+                                            <p:cond delay="0"/>
+                                          </p:stCondLst>
+                                        </p:cTn>
+                                        <p:tgtEl>
+                                          <p:spTgt spid="15">
+                                            <p:txEl>
+                                              <p:pRg st="3" end="3"/>
+                                            </p:txEl>
+                                          </p:spTgt>
+                                        </p:tgtEl>
+                                        <p:attrNameLst>
+                                          <p:attrName>style.visibility</p:attrName>
+                                        </p:attrNameLst>
+                                      </p:cBhvr>
+                                      <p:to>
+                                        <p:strVal val="visible"/>
+                                      </p:to>
+                                    </p:set>
+                                  </p:childTnLst>
+                                </p:cTn>
+                              </p:par>
+                            </p:childTnLst>
+                          </p:cTn>
+                        </p:par>
+                      </p:childTnLst>
+                    </p:cTn>
+                  </p:par>
+                  <p:par>
+                    <p:cTn id="33" fill="hold">
+                      <p:stCondLst>
+                        <p:cond delay="indefinite"/>
+                      </p:stCondLst>
+                      <p:childTnLst>
+                        <p:par>
+                          <p:cTn id="34" fill="hold">
+                            <p:stCondLst>
+                              <p:cond delay="0"/>
+                            </p:stCondLst>
+                            <p:childTnLst>
+                              <p:par>
+                                <p:cTn id="35" presetID="1" presetClass="entr" presetSubtype="0" fill="hold" nodeType="clickEffect">
+                                  <p:stCondLst>
+                                    <p:cond delay="0"/>
+                                  </p:stCondLst>
+                                  <p:childTnLst>
+                                    <p:set>
+                                      <p:cBhvr>
+                                        <p:cTn id="36" dur="1" fill="hold">
+                                          <p:stCondLst>
+                                            <p:cond delay="0"/>
+                                          </p:stCondLst>
+                                        </p:cTn>
+                                        <p:tgtEl>
+                                          <p:spTgt spid="60"/>
+                                        </p:tgtEl>
+                                        <p:attrNameLst>
+                                          <p:attrName>style.visibility</p:attrName>
+                                        </p:attrNameLst>
+                                      </p:cBhvr>
+                                      <p:to>
+                                        <p:strVal val="visible"/>
+                                      </p:to>
+                                    </p:set>
+                                  </p:childTnLst>
+                                </p:cTn>
+                              </p:par>
+                              <p:par>
+                                <p:cTn id="37" presetID="1" presetClass="entr" presetSubtype="0" fill="hold" nodeType="withEffect">
+                                  <p:stCondLst>
+                                    <p:cond delay="0"/>
+                                  </p:stCondLst>
+                                  <p:childTnLst>
+                                    <p:set>
+                                      <p:cBhvr>
+                                        <p:cTn id="38" dur="1" fill="hold">
+                                          <p:stCondLst>
+                                            <p:cond delay="0"/>
+                                          </p:stCondLst>
+                                        </p:cTn>
+                                        <p:tgtEl>
+                                          <p:spTgt spid="34"/>
+                                        </p:tgtEl>
+                                        <p:attrNameLst>
+                                          <p:attrName>style.visibility</p:attrName>
+                                        </p:attrNameLst>
+                                      </p:cBhvr>
+                                      <p:to>
+                                        <p:strVal val="visible"/>
+                                      </p:to>
+                                    </p:set>
+                                  </p:childTnLst>
+                                </p:cTn>
+                              </p:par>
+                            </p:childTnLst>
+                          </p:cTn>
+                        </p:par>
+                      </p:childTnLst>
+                    </p:cTn>
+                  </p:par>
+                  <p:par>
+                    <p:cTn id="39" fill="hold">
+                      <p:stCondLst>
+                        <p:cond delay="indefinite"/>
+                      </p:stCondLst>
+                      <p:childTnLst>
+                        <p:par>
+                          <p:cTn id="40" fill="hold">
+                            <p:stCondLst>
+                              <p:cond delay="0"/>
+                            </p:stCondLst>
+                            <p:childTnLst>
+                              <p:par>
+                                <p:cTn id="41" presetID="1" presetClass="entr" presetSubtype="0" fill="hold" nodeType="clickEffect">
+                                  <p:stCondLst>
+                                    <p:cond delay="0"/>
+                                  </p:stCondLst>
+                                  <p:childTnLst>
+                                    <p:set>
+                                      <p:cBhvr>
+                                        <p:cTn id="42" dur="1" fill="hold">
+                                          <p:stCondLst>
+                                            <p:cond delay="0"/>
+                                          </p:stCondLst>
+                                        </p:cTn>
+                                        <p:tgtEl>
+                                          <p:spTgt spid="25"/>
+                                        </p:tgtEl>
+                                        <p:attrNameLst>
+                                          <p:attrName>style.visibility</p:attrName>
+                                        </p:attrNameLst>
+                                      </p:cBhvr>
+                                      <p:to>
+                                        <p:strVal val="visible"/>
+                                      </p:to>
+                                    </p:set>
+                                  </p:childTnLst>
+                                </p:cTn>
+                              </p:par>
+                            </p:childTnLst>
+                          </p:cTn>
+                        </p:par>
+                      </p:childTnLst>
+                    </p:cTn>
+                  </p:par>
+                  <p:par>
+                    <p:cTn id="43" fill="hold">
+                      <p:stCondLst>
+                        <p:cond delay="indefinite"/>
+                      </p:stCondLst>
+                      <p:childTnLst>
+                        <p:par>
+                          <p:cTn id="44" fill="hold">
+                            <p:stCondLst>
+                              <p:cond delay="0"/>
+                            </p:stCondLst>
+                            <p:childTnLst>
+                              <p:par>
+                                <p:cTn id="45" presetID="1" presetClass="entr" presetSubtype="0" fill="hold" nodeType="clickEffect">
+                                  <p:stCondLst>
+                                    <p:cond delay="0"/>
+                                  </p:stCondLst>
+                                  <p:childTnLst>
+                                    <p:set>
+                                      <p:cBhvr>
+                                        <p:cTn id="46" dur="1" fill="hold">
+                                          <p:stCondLst>
+                                            <p:cond delay="0"/>
+                                          </p:stCondLst>
+                                        </p:cTn>
+                                        <p:tgtEl>
+                                          <p:spTgt spid="47"/>
+                                        </p:tgtEl>
+                                        <p:attrNameLst>
+                                          <p:attrName>style.visibility</p:attrName>
+                                        </p:attrNameLst>
+                                      </p:cBhvr>
+                                      <p:to>
+                                        <p:strVal val="visible"/>
+                                      </p:to>
+                                    </p:set>
+                                  </p:childTnLst>
+                                </p:cTn>
+                              </p:par>
+                            </p:childTnLst>
+                          </p:cTn>
+                        </p:par>
+                      </p:childTnLst>
+                    </p:cTn>
+                  </p:par>
+                </p:childTnLst>
+              </p:cTn>
+              <p:prevCondLst>
+                <p:cond evt="onPrev" delay="0">
+                  <p:tgtEl>
+                    <p:sldTgt/>
+                  </p:tgtEl>
+                </p:cond>
+              </p:prevCondLst>
+              <p:nextCondLst>
+                <p:cond evt="onNext" delay="0">
+                  <p:tgtEl>
+                    <p:sldTgt/>
+                  </p:tgtEl>
+                </p:cond>
+              </p:nextCondLst>
+            </p:seq>
+          </p:childTnLst>
+        </p:cTn>
+      </p:par>
+    </p:tnLst>
+    <p:bldLst>
+      <p:bldP spid="68" grpId="0"/>
+      <p:bldP spid="4" grpId="0"/>
+    </p:bldLst>
+  </p:timing>
 </p:sld>
 </file>
 
@@ -15589,7 +17339,7 @@
         <p:spPr>
           <a:xfrm>
             <a:off x="5597041" y="1707799"/>
-            <a:ext cx="0" cy="764181"/>
+            <a:ext cx="0" cy="945120"/>
           </a:xfrm>
           <a:prstGeom prst="straightConnector1">
             <a:avLst/>
@@ -15630,8 +17380,8 @@
         </p:nvSpPr>
         <p:spPr>
           <a:xfrm>
-            <a:off x="5214948" y="2475253"/>
-            <a:ext cx="4268318" cy="1344855"/>
+            <a:off x="5214948" y="2652919"/>
+            <a:ext cx="4268318" cy="1061829"/>
           </a:xfrm>
           <a:prstGeom prst="rect">
             <a:avLst/>
@@ -15658,9 +17408,6 @@
           </a:p>
           <a:p>
             <a:pPr marL="285750" indent="-285750">
-              <a:lnSpc>
-                <a:spcPct val="150000"/>
-              </a:lnSpc>
               <a:buFont typeface="Arial" panose="020B0604020202020204" pitchFamily="34" charset="0"/>
               <a:buChar char="•"/>
             </a:pPr>
@@ -15673,9 +17420,6 @@
           </a:p>
           <a:p>
             <a:pPr marL="285750" indent="-285750">
-              <a:lnSpc>
-                <a:spcPct val="150000"/>
-              </a:lnSpc>
               <a:buFont typeface="Arial" panose="020B0604020202020204" pitchFamily="34" charset="0"/>
               <a:buChar char="•"/>
             </a:pPr>
@@ -15688,9 +17432,6 @@
           </a:p>
           <a:p>
             <a:pPr marL="285750" indent="-285750">
-              <a:lnSpc>
-                <a:spcPct val="150000"/>
-              </a:lnSpc>
               <a:buFont typeface="Arial" panose="020B0604020202020204" pitchFamily="34" charset="0"/>
               <a:buChar char="•"/>
             </a:pPr>
@@ -15725,9 +17466,6 @@
                     <p:cTn id="3" fill="hold">
                       <p:stCondLst>
                         <p:cond delay="indefinite"/>
-                        <p:cond evt="onBegin" delay="0">
-                          <p:tn val="2"/>
-                        </p:cond>
                       </p:stCondLst>
                       <p:childTnLst>
                         <p:par>
@@ -15737,7 +17475,7 @@
                             </p:stCondLst>
                             <p:childTnLst>
                               <p:par>
-                                <p:cTn id="5" presetID="1" presetClass="entr" presetSubtype="0" fill="hold" nodeType="withEffect">
+                                <p:cTn id="5" presetID="1" presetClass="entr" presetSubtype="0" fill="hold" nodeType="clickEffect">
                                   <p:stCondLst>
                                     <p:cond delay="0"/>
                                   </p:stCondLst>
@@ -15750,7 +17488,7 @@
                                           </p:stCondLst>
                                         </p:cTn>
                                         <p:tgtEl>
-                                          <p:spTgt spid="5"/>
+                                          <p:spTgt spid="25"/>
                                         </p:tgtEl>
                                         <p:attrNameLst>
                                           <p:attrName>style.visibility</p:attrName>
@@ -15764,7 +17502,7 @@
                                 </p:cTn>
                               </p:par>
                               <p:par>
-                                <p:cTn id="7" presetID="1" presetClass="entr" presetSubtype="0" fill="hold" nodeType="withEffect">
+                                <p:cTn id="7" presetID="1" presetClass="entr" presetSubtype="0" fill="hold" grpId="0" nodeType="withEffect">
                                   <p:stCondLst>
                                     <p:cond delay="0"/>
                                   </p:stCondLst>
@@ -15777,34 +17515,7 @@
                                           </p:stCondLst>
                                         </p:cTn>
                                         <p:tgtEl>
-                                          <p:spTgt spid="6"/>
-                                        </p:tgtEl>
-                                        <p:attrNameLst>
-                                          <p:attrName>style.visibility</p:attrName>
-                                        </p:attrNameLst>
-                                      </p:cBhvr>
-                                      <p:to>
-                                        <p:strVal val="visible"/>
-                                      </p:to>
-                                    </p:set>
-                                  </p:childTnLst>
-                                </p:cTn>
-                              </p:par>
-                              <p:par>
-                                <p:cTn id="9" presetID="1" presetClass="entr" presetSubtype="0" fill="hold" nodeType="withEffect">
-                                  <p:stCondLst>
-                                    <p:cond delay="0"/>
-                                  </p:stCondLst>
-                                  <p:childTnLst>
-                                    <p:set>
-                                      <p:cBhvr>
-                                        <p:cTn id="10" dur="1" fill="hold">
-                                          <p:stCondLst>
-                                            <p:cond delay="0"/>
-                                          </p:stCondLst>
-                                        </p:cTn>
-                                        <p:tgtEl>
-                                          <p:spTgt spid="12"/>
+                                          <p:spTgt spid="8"/>
                                         </p:tgtEl>
                                         <p:attrNameLst>
                                           <p:attrName>style.visibility</p:attrName>
@@ -15824,19 +17535,46 @@
                     </p:cTn>
                   </p:par>
                   <p:par>
-                    <p:cTn id="11" fill="hold">
+                    <p:cTn id="9" fill="hold">
                       <p:stCondLst>
                         <p:cond delay="indefinite"/>
                       </p:stCondLst>
                       <p:childTnLst>
                         <p:par>
-                          <p:cTn id="12" fill="hold">
+                          <p:cTn id="10" fill="hold">
                             <p:stCondLst>
                               <p:cond delay="0"/>
                             </p:stCondLst>
                             <p:childTnLst>
                               <p:par>
-                                <p:cTn id="13" presetID="1" presetClass="entr" presetSubtype="0" fill="hold" nodeType="clickEffect">
+                                <p:cTn id="11" presetID="1" presetClass="entr" presetSubtype="0" fill="hold" nodeType="clickEffect">
+                                  <p:stCondLst>
+                                    <p:cond delay="0"/>
+                                  </p:stCondLst>
+                                  <p:childTnLst>
+                                    <p:set>
+                                      <p:cBhvr>
+                                        <p:cTn id="12" dur="1" fill="hold">
+                                          <p:stCondLst>
+                                            <p:cond delay="0"/>
+                                          </p:stCondLst>
+                                        </p:cTn>
+                                        <p:tgtEl>
+                                          <p:spTgt spid="34"/>
+                                        </p:tgtEl>
+                                        <p:attrNameLst>
+                                          <p:attrName>style.visibility</p:attrName>
+                                        </p:attrNameLst>
+                                      </p:cBhvr>
+                                      <p:to>
+                                        <p:strVal val="visible"/>
+                                      </p:to>
+                                    </p:set>
+                                  </p:childTnLst>
+                                </p:cTn>
+                              </p:par>
+                              <p:par>
+                                <p:cTn id="13" presetID="1" presetClass="entr" presetSubtype="0" fill="hold" grpId="0" nodeType="withEffect">
                                   <p:stCondLst>
                                     <p:cond delay="0"/>
                                   </p:stCondLst>
@@ -15844,6 +17582,465 @@
                                     <p:set>
                                       <p:cBhvr>
                                         <p:cTn id="14" dur="1" fill="hold">
+                                          <p:stCondLst>
+                                            <p:cond delay="0"/>
+                                          </p:stCondLst>
+                                        </p:cTn>
+                                        <p:tgtEl>
+                                          <p:spTgt spid="9"/>
+                                        </p:tgtEl>
+                                        <p:attrNameLst>
+                                          <p:attrName>style.visibility</p:attrName>
+                                        </p:attrNameLst>
+                                      </p:cBhvr>
+                                      <p:to>
+                                        <p:strVal val="visible"/>
+                                      </p:to>
+                                    </p:set>
+                                  </p:childTnLst>
+                                </p:cTn>
+                              </p:par>
+                            </p:childTnLst>
+                          </p:cTn>
+                        </p:par>
+                      </p:childTnLst>
+                    </p:cTn>
+                  </p:par>
+                  <p:par>
+                    <p:cTn id="15" fill="hold">
+                      <p:stCondLst>
+                        <p:cond delay="indefinite"/>
+                      </p:stCondLst>
+                      <p:childTnLst>
+                        <p:par>
+                          <p:cTn id="16" fill="hold">
+                            <p:stCondLst>
+                              <p:cond delay="0"/>
+                            </p:stCondLst>
+                            <p:childTnLst>
+                              <p:par>
+                                <p:cTn id="17" presetID="1" presetClass="entr" presetSubtype="0" fill="hold" nodeType="clickEffect">
+                                  <p:stCondLst>
+                                    <p:cond delay="0"/>
+                                  </p:stCondLst>
+                                  <p:childTnLst>
+                                    <p:set>
+                                      <p:cBhvr>
+                                        <p:cTn id="18" dur="1" fill="hold">
+                                          <p:stCondLst>
+                                            <p:cond delay="0"/>
+                                          </p:stCondLst>
+                                        </p:cTn>
+                                        <p:tgtEl>
+                                          <p:spTgt spid="36"/>
+                                        </p:tgtEl>
+                                        <p:attrNameLst>
+                                          <p:attrName>style.visibility</p:attrName>
+                                        </p:attrNameLst>
+                                      </p:cBhvr>
+                                      <p:to>
+                                        <p:strVal val="visible"/>
+                                      </p:to>
+                                    </p:set>
+                                  </p:childTnLst>
+                                </p:cTn>
+                              </p:par>
+                              <p:par>
+                                <p:cTn id="19" presetID="1" presetClass="entr" presetSubtype="0" fill="hold" grpId="0" nodeType="withEffect">
+                                  <p:stCondLst>
+                                    <p:cond delay="0"/>
+                                  </p:stCondLst>
+                                  <p:childTnLst>
+                                    <p:set>
+                                      <p:cBhvr>
+                                        <p:cTn id="20" dur="1" fill="hold">
+                                          <p:stCondLst>
+                                            <p:cond delay="0"/>
+                                          </p:stCondLst>
+                                        </p:cTn>
+                                        <p:tgtEl>
+                                          <p:spTgt spid="10"/>
+                                        </p:tgtEl>
+                                        <p:attrNameLst>
+                                          <p:attrName>style.visibility</p:attrName>
+                                        </p:attrNameLst>
+                                      </p:cBhvr>
+                                      <p:to>
+                                        <p:strVal val="visible"/>
+                                      </p:to>
+                                    </p:set>
+                                  </p:childTnLst>
+                                </p:cTn>
+                              </p:par>
+                            </p:childTnLst>
+                          </p:cTn>
+                        </p:par>
+                      </p:childTnLst>
+                    </p:cTn>
+                  </p:par>
+                  <p:par>
+                    <p:cTn id="21" fill="hold">
+                      <p:stCondLst>
+                        <p:cond delay="indefinite"/>
+                      </p:stCondLst>
+                      <p:childTnLst>
+                        <p:par>
+                          <p:cTn id="22" fill="hold">
+                            <p:stCondLst>
+                              <p:cond delay="0"/>
+                            </p:stCondLst>
+                            <p:childTnLst>
+                              <p:par>
+                                <p:cTn id="23" presetID="1" presetClass="entr" presetSubtype="0" fill="hold" grpId="0" nodeType="clickEffect">
+                                  <p:stCondLst>
+                                    <p:cond delay="0"/>
+                                  </p:stCondLst>
+                                  <p:childTnLst>
+                                    <p:set>
+                                      <p:cBhvr>
+                                        <p:cTn id="24" dur="1" fill="hold">
+                                          <p:stCondLst>
+                                            <p:cond delay="0"/>
+                                          </p:stCondLst>
+                                        </p:cTn>
+                                        <p:tgtEl>
+                                          <p:spTgt spid="24"/>
+                                        </p:tgtEl>
+                                        <p:attrNameLst>
+                                          <p:attrName>style.visibility</p:attrName>
+                                        </p:attrNameLst>
+                                      </p:cBhvr>
+                                      <p:to>
+                                        <p:strVal val="visible"/>
+                                      </p:to>
+                                    </p:set>
+                                  </p:childTnLst>
+                                </p:cTn>
+                              </p:par>
+                              <p:par>
+                                <p:cTn id="25" presetID="1" presetClass="entr" presetSubtype="0" fill="hold" nodeType="withEffect">
+                                  <p:stCondLst>
+                                    <p:cond delay="0"/>
+                                  </p:stCondLst>
+                                  <p:childTnLst>
+                                    <p:set>
+                                      <p:cBhvr>
+                                        <p:cTn id="26" dur="1" fill="hold">
+                                          <p:stCondLst>
+                                            <p:cond delay="0"/>
+                                          </p:stCondLst>
+                                        </p:cTn>
+                                        <p:tgtEl>
+                                          <p:spTgt spid="40"/>
+                                        </p:tgtEl>
+                                        <p:attrNameLst>
+                                          <p:attrName>style.visibility</p:attrName>
+                                        </p:attrNameLst>
+                                      </p:cBhvr>
+                                      <p:to>
+                                        <p:strVal val="visible"/>
+                                      </p:to>
+                                    </p:set>
+                                  </p:childTnLst>
+                                </p:cTn>
+                              </p:par>
+                            </p:childTnLst>
+                          </p:cTn>
+                        </p:par>
+                      </p:childTnLst>
+                    </p:cTn>
+                  </p:par>
+                  <p:par>
+                    <p:cTn id="27" fill="hold">
+                      <p:stCondLst>
+                        <p:cond delay="indefinite"/>
+                      </p:stCondLst>
+                      <p:childTnLst>
+                        <p:par>
+                          <p:cTn id="28" fill="hold">
+                            <p:stCondLst>
+                              <p:cond delay="0"/>
+                            </p:stCondLst>
+                            <p:childTnLst>
+                              <p:par>
+                                <p:cTn id="29" presetID="1" presetClass="entr" presetSubtype="0" fill="hold" nodeType="clickEffect">
+                                  <p:stCondLst>
+                                    <p:cond delay="0"/>
+                                  </p:stCondLst>
+                                  <p:childTnLst>
+                                    <p:set>
+                                      <p:cBhvr>
+                                        <p:cTn id="30" dur="1" fill="hold">
+                                          <p:stCondLst>
+                                            <p:cond delay="0"/>
+                                          </p:stCondLst>
+                                        </p:cTn>
+                                        <p:tgtEl>
+                                          <p:spTgt spid="43"/>
+                                        </p:tgtEl>
+                                        <p:attrNameLst>
+                                          <p:attrName>style.visibility</p:attrName>
+                                        </p:attrNameLst>
+                                      </p:cBhvr>
+                                      <p:to>
+                                        <p:strVal val="visible"/>
+                                      </p:to>
+                                    </p:set>
+                                  </p:childTnLst>
+                                </p:cTn>
+                              </p:par>
+                              <p:par>
+                                <p:cTn id="31" presetID="1" presetClass="entr" presetSubtype="0" fill="hold" grpId="0" nodeType="withEffect">
+                                  <p:stCondLst>
+                                    <p:cond delay="0"/>
+                                  </p:stCondLst>
+                                  <p:childTnLst>
+                                    <p:set>
+                                      <p:cBhvr>
+                                        <p:cTn id="32" dur="1" fill="hold">
+                                          <p:stCondLst>
+                                            <p:cond delay="0"/>
+                                          </p:stCondLst>
+                                        </p:cTn>
+                                        <p:tgtEl>
+                                          <p:spTgt spid="47"/>
+                                        </p:tgtEl>
+                                        <p:attrNameLst>
+                                          <p:attrName>style.visibility</p:attrName>
+                                        </p:attrNameLst>
+                                      </p:cBhvr>
+                                      <p:to>
+                                        <p:strVal val="visible"/>
+                                      </p:to>
+                                    </p:set>
+                                  </p:childTnLst>
+                                </p:cTn>
+                              </p:par>
+                            </p:childTnLst>
+                          </p:cTn>
+                        </p:par>
+                      </p:childTnLst>
+                    </p:cTn>
+                  </p:par>
+                  <p:par>
+                    <p:cTn id="33" fill="hold">
+                      <p:stCondLst>
+                        <p:cond delay="indefinite"/>
+                      </p:stCondLst>
+                      <p:childTnLst>
+                        <p:par>
+                          <p:cTn id="34" fill="hold">
+                            <p:stCondLst>
+                              <p:cond delay="0"/>
+                            </p:stCondLst>
+                            <p:childTnLst>
+                              <p:par>
+                                <p:cTn id="35" presetID="1" presetClass="entr" presetSubtype="0" fill="hold" grpId="0" nodeType="clickEffect">
+                                  <p:stCondLst>
+                                    <p:cond delay="0"/>
+                                  </p:stCondLst>
+                                  <p:childTnLst>
+                                    <p:set>
+                                      <p:cBhvr>
+                                        <p:cTn id="36" dur="1" fill="hold">
+                                          <p:stCondLst>
+                                            <p:cond delay="0"/>
+                                          </p:stCondLst>
+                                        </p:cTn>
+                                        <p:tgtEl>
+                                          <p:spTgt spid="22"/>
+                                        </p:tgtEl>
+                                        <p:attrNameLst>
+                                          <p:attrName>style.visibility</p:attrName>
+                                        </p:attrNameLst>
+                                      </p:cBhvr>
+                                      <p:to>
+                                        <p:strVal val="visible"/>
+                                      </p:to>
+                                    </p:set>
+                                  </p:childTnLst>
+                                </p:cTn>
+                              </p:par>
+                              <p:par>
+                                <p:cTn id="37" presetID="1" presetClass="entr" presetSubtype="0" fill="hold" nodeType="withEffect">
+                                  <p:stCondLst>
+                                    <p:cond delay="0"/>
+                                  </p:stCondLst>
+                                  <p:childTnLst>
+                                    <p:set>
+                                      <p:cBhvr>
+                                        <p:cTn id="38" dur="1" fill="hold">
+                                          <p:stCondLst>
+                                            <p:cond delay="0"/>
+                                          </p:stCondLst>
+                                        </p:cTn>
+                                        <p:tgtEl>
+                                          <p:spTgt spid="6"/>
+                                        </p:tgtEl>
+                                        <p:attrNameLst>
+                                          <p:attrName>style.visibility</p:attrName>
+                                        </p:attrNameLst>
+                                      </p:cBhvr>
+                                      <p:to>
+                                        <p:strVal val="visible"/>
+                                      </p:to>
+                                    </p:set>
+                                  </p:childTnLst>
+                                </p:cTn>
+                              </p:par>
+                            </p:childTnLst>
+                          </p:cTn>
+                        </p:par>
+                      </p:childTnLst>
+                    </p:cTn>
+                  </p:par>
+                  <p:par>
+                    <p:cTn id="39" fill="hold">
+                      <p:stCondLst>
+                        <p:cond delay="indefinite"/>
+                      </p:stCondLst>
+                      <p:childTnLst>
+                        <p:par>
+                          <p:cTn id="40" fill="hold">
+                            <p:stCondLst>
+                              <p:cond delay="0"/>
+                            </p:stCondLst>
+                            <p:childTnLst>
+                              <p:par>
+                                <p:cTn id="41" presetID="1" presetClass="entr" presetSubtype="0" fill="hold" nodeType="clickEffect">
+                                  <p:stCondLst>
+                                    <p:cond delay="0"/>
+                                  </p:stCondLst>
+                                  <p:childTnLst>
+                                    <p:set>
+                                      <p:cBhvr>
+                                        <p:cTn id="42" dur="1" fill="hold">
+                                          <p:stCondLst>
+                                            <p:cond delay="0"/>
+                                          </p:stCondLst>
+                                        </p:cTn>
+                                        <p:tgtEl>
+                                          <p:spTgt spid="33"/>
+                                        </p:tgtEl>
+                                        <p:attrNameLst>
+                                          <p:attrName>style.visibility</p:attrName>
+                                        </p:attrNameLst>
+                                      </p:cBhvr>
+                                      <p:to>
+                                        <p:strVal val="visible"/>
+                                      </p:to>
+                                    </p:set>
+                                  </p:childTnLst>
+                                </p:cTn>
+                              </p:par>
+                              <p:par>
+                                <p:cTn id="43" presetID="1" presetClass="entr" presetSubtype="0" fill="hold" nodeType="withEffect">
+                                  <p:stCondLst>
+                                    <p:cond delay="0"/>
+                                  </p:stCondLst>
+                                  <p:childTnLst>
+                                    <p:set>
+                                      <p:cBhvr>
+                                        <p:cTn id="44" dur="1" fill="hold">
+                                          <p:stCondLst>
+                                            <p:cond delay="0"/>
+                                          </p:stCondLst>
+                                        </p:cTn>
+                                        <p:tgtEl>
+                                          <p:spTgt spid="12"/>
+                                        </p:tgtEl>
+                                        <p:attrNameLst>
+                                          <p:attrName>style.visibility</p:attrName>
+                                        </p:attrNameLst>
+                                      </p:cBhvr>
+                                      <p:to>
+                                        <p:strVal val="visible"/>
+                                      </p:to>
+                                    </p:set>
+                                  </p:childTnLst>
+                                </p:cTn>
+                              </p:par>
+                              <p:par>
+                                <p:cTn id="45" presetID="1" presetClass="entr" presetSubtype="0" fill="hold" grpId="0" nodeType="withEffect">
+                                  <p:stCondLst>
+                                    <p:cond delay="0"/>
+                                  </p:stCondLst>
+                                  <p:childTnLst>
+                                    <p:set>
+                                      <p:cBhvr>
+                                        <p:cTn id="46" dur="1" fill="hold">
+                                          <p:stCondLst>
+                                            <p:cond delay="0"/>
+                                          </p:stCondLst>
+                                        </p:cTn>
+                                        <p:tgtEl>
+                                          <p:spTgt spid="23"/>
+                                        </p:tgtEl>
+                                        <p:attrNameLst>
+                                          <p:attrName>style.visibility</p:attrName>
+                                        </p:attrNameLst>
+                                      </p:cBhvr>
+                                      <p:to>
+                                        <p:strVal val="visible"/>
+                                      </p:to>
+                                    </p:set>
+                                  </p:childTnLst>
+                                </p:cTn>
+                              </p:par>
+                            </p:childTnLst>
+                          </p:cTn>
+                        </p:par>
+                      </p:childTnLst>
+                    </p:cTn>
+                  </p:par>
+                  <p:par>
+                    <p:cTn id="47" fill="hold">
+                      <p:stCondLst>
+                        <p:cond delay="indefinite"/>
+                      </p:stCondLst>
+                      <p:childTnLst>
+                        <p:par>
+                          <p:cTn id="48" fill="hold">
+                            <p:stCondLst>
+                              <p:cond delay="0"/>
+                            </p:stCondLst>
+                            <p:childTnLst>
+                              <p:par>
+                                <p:cTn id="49" presetID="1" presetClass="entr" presetSubtype="0" fill="hold" grpId="0" nodeType="clickEffect">
+                                  <p:stCondLst>
+                                    <p:cond delay="0"/>
+                                  </p:stCondLst>
+                                  <p:childTnLst>
+                                    <p:set>
+                                      <p:cBhvr>
+                                        <p:cTn id="50" dur="1" fill="hold">
+                                          <p:stCondLst>
+                                            <p:cond delay="0"/>
+                                          </p:stCondLst>
+                                        </p:cTn>
+                                        <p:tgtEl>
+                                          <p:spTgt spid="29"/>
+                                        </p:tgtEl>
+                                        <p:attrNameLst>
+                                          <p:attrName>style.visibility</p:attrName>
+                                        </p:attrNameLst>
+                                      </p:cBhvr>
+                                      <p:to>
+                                        <p:strVal val="visible"/>
+                                      </p:to>
+                                    </p:set>
+                                  </p:childTnLst>
+                                </p:cTn>
+                              </p:par>
+                              <p:par>
+                                <p:cTn id="51" presetID="1" presetClass="entr" presetSubtype="0" fill="hold" nodeType="withEffect">
+                                  <p:stCondLst>
+                                    <p:cond delay="0"/>
+                                  </p:stCondLst>
+                                  <p:childTnLst>
+                                    <p:set>
+                                      <p:cBhvr>
+                                        <p:cTn id="52" dur="1" fill="hold">
                                           <p:stCondLst>
                                             <p:cond delay="0"/>
                                           </p:stCondLst>
@@ -15889,6 +18086,16 @@
         </p:cTn>
       </p:par>
     </p:tnLst>
+    <p:bldLst>
+      <p:bldP spid="23" grpId="0"/>
+      <p:bldP spid="22" grpId="0"/>
+      <p:bldP spid="29" grpId="0"/>
+      <p:bldP spid="8" grpId="0"/>
+      <p:bldP spid="9" grpId="0"/>
+      <p:bldP spid="10" grpId="0"/>
+      <p:bldP spid="24" grpId="0"/>
+      <p:bldP spid="47" grpId="0"/>
+    </p:bldLst>
   </p:timing>
 </p:sld>
 </file>
@@ -15988,7 +18195,7 @@
         </p:nvGrpSpPr>
         <p:grpSpPr>
           <a:xfrm>
-            <a:off x="7835673" y="993146"/>
+            <a:off x="7797573" y="1050296"/>
             <a:ext cx="2338548" cy="2039225"/>
             <a:chOff x="4180327" y="1262991"/>
             <a:chExt cx="2771775" cy="2416999"/>
@@ -16082,7 +18289,7 @@
         </p:nvGrpSpPr>
         <p:grpSpPr>
           <a:xfrm rot="943203">
-            <a:off x="4759594" y="2134953"/>
+            <a:off x="4721494" y="2192103"/>
             <a:ext cx="2348175" cy="777868"/>
             <a:chOff x="1901487" y="2701061"/>
             <a:chExt cx="2348175" cy="777868"/>
@@ -16191,7 +18398,7 @@
         </p:nvGrpSpPr>
         <p:grpSpPr>
           <a:xfrm>
-            <a:off x="5203192" y="3577330"/>
+            <a:off x="5165092" y="3634480"/>
             <a:ext cx="1683932" cy="400873"/>
             <a:chOff x="2493900" y="4259095"/>
             <a:chExt cx="1683932" cy="400873"/>
@@ -16294,7 +18501,7 @@
         </p:nvGrpSpPr>
         <p:grpSpPr>
           <a:xfrm>
-            <a:off x="7625896" y="3076523"/>
+            <a:off x="7587796" y="3133673"/>
             <a:ext cx="2722522" cy="1968010"/>
             <a:chOff x="4164426" y="3746731"/>
             <a:chExt cx="2722522" cy="1968010"/>
@@ -16389,7 +18596,7 @@
         </p:nvGrpSpPr>
         <p:grpSpPr>
           <a:xfrm>
-            <a:off x="2262319" y="2346670"/>
+            <a:off x="2224219" y="2403820"/>
             <a:ext cx="3311715" cy="3453100"/>
             <a:chOff x="2270500" y="3335179"/>
             <a:chExt cx="2669684" cy="2783659"/>
@@ -16559,7 +18766,7 @@
         </p:nvGrpSpPr>
         <p:grpSpPr>
           <a:xfrm rot="1375798">
-            <a:off x="5037073" y="5004972"/>
+            <a:off x="4998973" y="5062122"/>
             <a:ext cx="2041912" cy="710587"/>
             <a:chOff x="2384078" y="4257686"/>
             <a:chExt cx="2041912" cy="710587"/>
@@ -16662,7 +18869,7 @@
         </p:nvGrpSpPr>
         <p:grpSpPr>
           <a:xfrm>
-            <a:off x="7656283" y="5115748"/>
+            <a:off x="7618183" y="5172898"/>
             <a:ext cx="2717309" cy="1685102"/>
             <a:chOff x="6500145" y="5175509"/>
             <a:chExt cx="2717309" cy="1685102"/>
@@ -16753,6 +18960,252 @@
   <p:clrMapOvr>
     <a:masterClrMapping/>
   </p:clrMapOvr>
+  <p:timing>
+    <p:tnLst>
+      <p:par>
+        <p:cTn id="1" dur="indefinite" restart="never" nodeType="tmRoot">
+          <p:childTnLst>
+            <p:seq concurrent="1" nextAc="seek">
+              <p:cTn id="2" dur="indefinite" nodeType="mainSeq">
+                <p:childTnLst>
+                  <p:par>
+                    <p:cTn id="3" fill="hold">
+                      <p:stCondLst>
+                        <p:cond delay="indefinite"/>
+                      </p:stCondLst>
+                      <p:childTnLst>
+                        <p:par>
+                          <p:cTn id="4" fill="hold">
+                            <p:stCondLst>
+                              <p:cond delay="0"/>
+                            </p:stCondLst>
+                            <p:childTnLst>
+                              <p:par>
+                                <p:cTn id="5" presetID="1" presetClass="entr" presetSubtype="0" fill="hold" nodeType="clickEffect">
+                                  <p:stCondLst>
+                                    <p:cond delay="0"/>
+                                  </p:stCondLst>
+                                  <p:childTnLst>
+                                    <p:set>
+                                      <p:cBhvr>
+                                        <p:cTn id="6" dur="1" fill="hold">
+                                          <p:stCondLst>
+                                            <p:cond delay="0"/>
+                                          </p:stCondLst>
+                                        </p:cTn>
+                                        <p:tgtEl>
+                                          <p:spTgt spid="23"/>
+                                        </p:tgtEl>
+                                        <p:attrNameLst>
+                                          <p:attrName>style.visibility</p:attrName>
+                                        </p:attrNameLst>
+                                      </p:cBhvr>
+                                      <p:to>
+                                        <p:strVal val="visible"/>
+                                      </p:to>
+                                    </p:set>
+                                  </p:childTnLst>
+                                </p:cTn>
+                              </p:par>
+                              <p:par>
+                                <p:cTn id="7" presetID="1" presetClass="entr" presetSubtype="0" fill="hold" nodeType="withEffect">
+                                  <p:stCondLst>
+                                    <p:cond delay="0"/>
+                                  </p:stCondLst>
+                                  <p:childTnLst>
+                                    <p:set>
+                                      <p:cBhvr>
+                                        <p:cTn id="8" dur="1" fill="hold">
+                                          <p:stCondLst>
+                                            <p:cond delay="0"/>
+                                          </p:stCondLst>
+                                        </p:cTn>
+                                        <p:tgtEl>
+                                          <p:spTgt spid="14"/>
+                                        </p:tgtEl>
+                                        <p:attrNameLst>
+                                          <p:attrName>style.visibility</p:attrName>
+                                        </p:attrNameLst>
+                                      </p:cBhvr>
+                                      <p:to>
+                                        <p:strVal val="visible"/>
+                                      </p:to>
+                                    </p:set>
+                                  </p:childTnLst>
+                                </p:cTn>
+                              </p:par>
+                            </p:childTnLst>
+                          </p:cTn>
+                        </p:par>
+                      </p:childTnLst>
+                    </p:cTn>
+                  </p:par>
+                  <p:par>
+                    <p:cTn id="9" fill="hold">
+                      <p:stCondLst>
+                        <p:cond delay="indefinite"/>
+                      </p:stCondLst>
+                      <p:childTnLst>
+                        <p:par>
+                          <p:cTn id="10" fill="hold">
+                            <p:stCondLst>
+                              <p:cond delay="0"/>
+                            </p:stCondLst>
+                            <p:childTnLst>
+                              <p:par>
+                                <p:cTn id="11" presetID="1" presetClass="entr" presetSubtype="0" fill="hold" nodeType="clickEffect">
+                                  <p:stCondLst>
+                                    <p:cond delay="0"/>
+                                  </p:stCondLst>
+                                  <p:childTnLst>
+                                    <p:set>
+                                      <p:cBhvr>
+                                        <p:cTn id="12" dur="1" fill="hold">
+                                          <p:stCondLst>
+                                            <p:cond delay="0"/>
+                                          </p:stCondLst>
+                                        </p:cTn>
+                                        <p:tgtEl>
+                                          <p:spTgt spid="28"/>
+                                        </p:tgtEl>
+                                        <p:attrNameLst>
+                                          <p:attrName>style.visibility</p:attrName>
+                                        </p:attrNameLst>
+                                      </p:cBhvr>
+                                      <p:to>
+                                        <p:strVal val="visible"/>
+                                      </p:to>
+                                    </p:set>
+                                  </p:childTnLst>
+                                </p:cTn>
+                              </p:par>
+                              <p:par>
+                                <p:cTn id="13" presetID="1" presetClass="entr" presetSubtype="0" fill="hold" nodeType="withEffect">
+                                  <p:stCondLst>
+                                    <p:cond delay="0"/>
+                                  </p:stCondLst>
+                                  <p:childTnLst>
+                                    <p:set>
+                                      <p:cBhvr>
+                                        <p:cTn id="14" dur="1" fill="hold">
+                                          <p:stCondLst>
+                                            <p:cond delay="0"/>
+                                          </p:stCondLst>
+                                        </p:cTn>
+                                        <p:tgtEl>
+                                          <p:spTgt spid="30"/>
+                                        </p:tgtEl>
+                                        <p:attrNameLst>
+                                          <p:attrName>style.visibility</p:attrName>
+                                        </p:attrNameLst>
+                                      </p:cBhvr>
+                                      <p:to>
+                                        <p:strVal val="visible"/>
+                                      </p:to>
+                                    </p:set>
+                                  </p:childTnLst>
+                                </p:cTn>
+                              </p:par>
+                            </p:childTnLst>
+                          </p:cTn>
+                        </p:par>
+                      </p:childTnLst>
+                    </p:cTn>
+                  </p:par>
+                  <p:par>
+                    <p:cTn id="15" fill="hold">
+                      <p:stCondLst>
+                        <p:cond delay="indefinite"/>
+                      </p:stCondLst>
+                      <p:childTnLst>
+                        <p:par>
+                          <p:cTn id="16" fill="hold">
+                            <p:stCondLst>
+                              <p:cond delay="0"/>
+                            </p:stCondLst>
+                            <p:childTnLst>
+                              <p:par>
+                                <p:cTn id="17" presetID="1" presetClass="entr" presetSubtype="0" fill="hold" nodeType="clickEffect">
+                                  <p:stCondLst>
+                                    <p:cond delay="0"/>
+                                  </p:stCondLst>
+                                  <p:childTnLst>
+                                    <p:set>
+                                      <p:cBhvr>
+                                        <p:cTn id="18" dur="1" fill="hold">
+                                          <p:stCondLst>
+                                            <p:cond delay="0"/>
+                                          </p:stCondLst>
+                                        </p:cTn>
+                                        <p:tgtEl>
+                                          <p:spTgt spid="39"/>
+                                        </p:tgtEl>
+                                        <p:attrNameLst>
+                                          <p:attrName>style.visibility</p:attrName>
+                                        </p:attrNameLst>
+                                      </p:cBhvr>
+                                      <p:to>
+                                        <p:strVal val="visible"/>
+                                      </p:to>
+                                    </p:set>
+                                  </p:childTnLst>
+                                </p:cTn>
+                              </p:par>
+                              <p:par>
+                                <p:cTn id="19" presetID="1" presetClass="entr" presetSubtype="0" fill="hold" nodeType="withEffect">
+                                  <p:stCondLst>
+                                    <p:cond delay="0"/>
+                                  </p:stCondLst>
+                                  <p:childTnLst>
+                                    <p:set>
+                                      <p:cBhvr>
+                                        <p:cTn id="20" dur="1" fill="hold">
+                                          <p:stCondLst>
+                                            <p:cond delay="0"/>
+                                          </p:stCondLst>
+                                        </p:cTn>
+                                        <p:tgtEl>
+                                          <p:spTgt spid="47"/>
+                                        </p:tgtEl>
+                                        <p:attrNameLst>
+                                          <p:attrName>style.visibility</p:attrName>
+                                        </p:attrNameLst>
+                                      </p:cBhvr>
+                                      <p:to>
+                                        <p:strVal val="visible"/>
+                                      </p:to>
+                                    </p:set>
+                                  </p:childTnLst>
+                                </p:cTn>
+                              </p:par>
+                            </p:childTnLst>
+                          </p:cTn>
+                        </p:par>
+                      </p:childTnLst>
+                    </p:cTn>
+                  </p:par>
+                </p:childTnLst>
+              </p:cTn>
+              <p:prevCondLst>
+                <p:cond evt="onPrev" delay="0">
+                  <p:tgtEl>
+                    <p:sldTgt/>
+                  </p:tgtEl>
+                </p:cond>
+              </p:prevCondLst>
+              <p:nextCondLst>
+                <p:cond evt="onNext" delay="0">
+                  <p:tgtEl>
+                    <p:sldTgt/>
+                  </p:tgtEl>
+                </p:cond>
+              </p:nextCondLst>
+            </p:seq>
+          </p:childTnLst>
+        </p:cTn>
+      </p:par>
+    </p:tnLst>
+  </p:timing>
 </p:sld>
 </file>
 
